--- a/01 Design/012 操作设计/天天意境PC端分功能操作流程.pptx
+++ b/01 Design/012 操作设计/天天意境PC端分功能操作流程.pptx
@@ -9,9 +9,11 @@
     <p:sldId id="257" r:id="rId3"/>
     <p:sldId id="258" r:id="rId4"/>
     <p:sldId id="259" r:id="rId5"/>
-    <p:sldId id="260" r:id="rId6"/>
-    <p:sldId id="261" r:id="rId7"/>
-    <p:sldId id="262" r:id="rId8"/>
+    <p:sldId id="265" r:id="rId6"/>
+    <p:sldId id="264" r:id="rId7"/>
+    <p:sldId id="260" r:id="rId8"/>
+    <p:sldId id="261" r:id="rId9"/>
+    <p:sldId id="262" r:id="rId10"/>
   </p:sldIdLst>
   <p:sldSz cx="12192000" cy="6858000"/>
   <p:notesSz cx="6858000" cy="9144000"/>
@@ -135,7 +137,7 @@
           <p:cNvPr id="2" name="标题 1">
             <a:extLst>
               <a:ext uri="{FF2B5EF4-FFF2-40B4-BE49-F238E27FC236}">
-                <a16:creationId xmlns:a16="http://schemas.microsoft.com/office/drawing/2014/main" id="{47F4612D-324C-4475-A7FA-C2F1FD01DDF5}"/>
+                <a16:creationId xmlns:a16="http://schemas.microsoft.com/office/drawing/2014/main" xmlns="" id="{47F4612D-324C-4475-A7FA-C2F1FD01DDF5}"/>
               </a:ext>
             </a:extLst>
           </p:cNvPr>
@@ -172,7 +174,7 @@
           <p:cNvPr id="3" name="副标题 2">
             <a:extLst>
               <a:ext uri="{FF2B5EF4-FFF2-40B4-BE49-F238E27FC236}">
-                <a16:creationId xmlns:a16="http://schemas.microsoft.com/office/drawing/2014/main" id="{70E833B9-0D37-4979-AA9E-CA5707408205}"/>
+                <a16:creationId xmlns:a16="http://schemas.microsoft.com/office/drawing/2014/main" xmlns="" id="{70E833B9-0D37-4979-AA9E-CA5707408205}"/>
               </a:ext>
             </a:extLst>
           </p:cNvPr>
@@ -242,7 +244,7 @@
           <p:cNvPr id="4" name="日期占位符 3">
             <a:extLst>
               <a:ext uri="{FF2B5EF4-FFF2-40B4-BE49-F238E27FC236}">
-                <a16:creationId xmlns:a16="http://schemas.microsoft.com/office/drawing/2014/main" id="{E17CC424-CAB4-415C-9F26-8EA6B53F6985}"/>
+                <a16:creationId xmlns:a16="http://schemas.microsoft.com/office/drawing/2014/main" xmlns="" id="{E17CC424-CAB4-415C-9F26-8EA6B53F6985}"/>
               </a:ext>
             </a:extLst>
           </p:cNvPr>
@@ -260,7 +262,8 @@
           <a:p>
             <a:fld id="{802CC4E0-593C-4372-A1D3-19CD877DC572}" type="datetimeFigureOut">
               <a:rPr lang="zh-CN" altLang="en-US" smtClean="0"/>
-              <a:t>2018/8/17</a:t>
+              <a:pPr/>
+              <a:t>2018/8/18</a:t>
             </a:fld>
             <a:endParaRPr lang="zh-CN" altLang="en-US"/>
           </a:p>
@@ -271,7 +274,7 @@
           <p:cNvPr id="5" name="页脚占位符 4">
             <a:extLst>
               <a:ext uri="{FF2B5EF4-FFF2-40B4-BE49-F238E27FC236}">
-                <a16:creationId xmlns:a16="http://schemas.microsoft.com/office/drawing/2014/main" id="{DE73A36C-0058-4190-9DFE-3297DEA07582}"/>
+                <a16:creationId xmlns:a16="http://schemas.microsoft.com/office/drawing/2014/main" xmlns="" id="{DE73A36C-0058-4190-9DFE-3297DEA07582}"/>
               </a:ext>
             </a:extLst>
           </p:cNvPr>
@@ -296,7 +299,7 @@
           <p:cNvPr id="6" name="灯片编号占位符 5">
             <a:extLst>
               <a:ext uri="{FF2B5EF4-FFF2-40B4-BE49-F238E27FC236}">
-                <a16:creationId xmlns:a16="http://schemas.microsoft.com/office/drawing/2014/main" id="{A5D8741C-80D6-4A2C-A1B8-D543505F8EED}"/>
+                <a16:creationId xmlns:a16="http://schemas.microsoft.com/office/drawing/2014/main" xmlns="" id="{A5D8741C-80D6-4A2C-A1B8-D543505F8EED}"/>
               </a:ext>
             </a:extLst>
           </p:cNvPr>
@@ -314,6 +317,7 @@
           <a:p>
             <a:fld id="{5A9EEF36-9DFE-4283-B683-DEE37C32523B}" type="slidenum">
               <a:rPr lang="zh-CN" altLang="en-US" smtClean="0"/>
+              <a:pPr/>
               <a:t>‹#›</a:t>
             </a:fld>
             <a:endParaRPr lang="zh-CN" altLang="en-US"/>
@@ -323,7 +327,7 @@
     </p:spTree>
     <p:extLst>
       <p:ext uri="{BB962C8B-B14F-4D97-AF65-F5344CB8AC3E}">
-        <p14:creationId xmlns:p14="http://schemas.microsoft.com/office/powerpoint/2010/main" val="3894935501"/>
+        <p14:creationId xmlns:p14="http://schemas.microsoft.com/office/powerpoint/2010/main" xmlns="" val="3894935501"/>
       </p:ext>
     </p:extLst>
   </p:cSld>
@@ -355,7 +359,7 @@
           <p:cNvPr id="2" name="标题 1">
             <a:extLst>
               <a:ext uri="{FF2B5EF4-FFF2-40B4-BE49-F238E27FC236}">
-                <a16:creationId xmlns:a16="http://schemas.microsoft.com/office/drawing/2014/main" id="{90F7F8A5-99D0-4075-9359-0975FC6FD2D4}"/>
+                <a16:creationId xmlns:a16="http://schemas.microsoft.com/office/drawing/2014/main" xmlns="" id="{90F7F8A5-99D0-4075-9359-0975FC6FD2D4}"/>
               </a:ext>
             </a:extLst>
           </p:cNvPr>
@@ -383,7 +387,7 @@
           <p:cNvPr id="3" name="竖排文字占位符 2">
             <a:extLst>
               <a:ext uri="{FF2B5EF4-FFF2-40B4-BE49-F238E27FC236}">
-                <a16:creationId xmlns:a16="http://schemas.microsoft.com/office/drawing/2014/main" id="{70EF78D0-CE58-4472-98D6-645CBAFCAD24}"/>
+                <a16:creationId xmlns:a16="http://schemas.microsoft.com/office/drawing/2014/main" xmlns="" id="{70EF78D0-CE58-4472-98D6-645CBAFCAD24}"/>
               </a:ext>
             </a:extLst>
           </p:cNvPr>
@@ -440,7 +444,7 @@
           <p:cNvPr id="4" name="日期占位符 3">
             <a:extLst>
               <a:ext uri="{FF2B5EF4-FFF2-40B4-BE49-F238E27FC236}">
-                <a16:creationId xmlns:a16="http://schemas.microsoft.com/office/drawing/2014/main" id="{932ED670-0C14-4EDB-88C7-B255A9FC68BE}"/>
+                <a16:creationId xmlns:a16="http://schemas.microsoft.com/office/drawing/2014/main" xmlns="" id="{932ED670-0C14-4EDB-88C7-B255A9FC68BE}"/>
               </a:ext>
             </a:extLst>
           </p:cNvPr>
@@ -458,7 +462,8 @@
           <a:p>
             <a:fld id="{802CC4E0-593C-4372-A1D3-19CD877DC572}" type="datetimeFigureOut">
               <a:rPr lang="zh-CN" altLang="en-US" smtClean="0"/>
-              <a:t>2018/8/17</a:t>
+              <a:pPr/>
+              <a:t>2018/8/18</a:t>
             </a:fld>
             <a:endParaRPr lang="zh-CN" altLang="en-US"/>
           </a:p>
@@ -469,7 +474,7 @@
           <p:cNvPr id="5" name="页脚占位符 4">
             <a:extLst>
               <a:ext uri="{FF2B5EF4-FFF2-40B4-BE49-F238E27FC236}">
-                <a16:creationId xmlns:a16="http://schemas.microsoft.com/office/drawing/2014/main" id="{4DD8EF5E-5732-4497-B562-7A6357354C7D}"/>
+                <a16:creationId xmlns:a16="http://schemas.microsoft.com/office/drawing/2014/main" xmlns="" id="{4DD8EF5E-5732-4497-B562-7A6357354C7D}"/>
               </a:ext>
             </a:extLst>
           </p:cNvPr>
@@ -494,7 +499,7 @@
           <p:cNvPr id="6" name="灯片编号占位符 5">
             <a:extLst>
               <a:ext uri="{FF2B5EF4-FFF2-40B4-BE49-F238E27FC236}">
-                <a16:creationId xmlns:a16="http://schemas.microsoft.com/office/drawing/2014/main" id="{FD8D0887-8588-40C1-8DD6-7266EA3E5FED}"/>
+                <a16:creationId xmlns:a16="http://schemas.microsoft.com/office/drawing/2014/main" xmlns="" id="{FD8D0887-8588-40C1-8DD6-7266EA3E5FED}"/>
               </a:ext>
             </a:extLst>
           </p:cNvPr>
@@ -512,6 +517,7 @@
           <a:p>
             <a:fld id="{5A9EEF36-9DFE-4283-B683-DEE37C32523B}" type="slidenum">
               <a:rPr lang="zh-CN" altLang="en-US" smtClean="0"/>
+              <a:pPr/>
               <a:t>‹#›</a:t>
             </a:fld>
             <a:endParaRPr lang="zh-CN" altLang="en-US"/>
@@ -521,7 +527,7 @@
     </p:spTree>
     <p:extLst>
       <p:ext uri="{BB962C8B-B14F-4D97-AF65-F5344CB8AC3E}">
-        <p14:creationId xmlns:p14="http://schemas.microsoft.com/office/powerpoint/2010/main" val="1194620996"/>
+        <p14:creationId xmlns:p14="http://schemas.microsoft.com/office/powerpoint/2010/main" xmlns="" val="1194620996"/>
       </p:ext>
     </p:extLst>
   </p:cSld>
@@ -553,7 +559,7 @@
           <p:cNvPr id="2" name="竖排标题 1">
             <a:extLst>
               <a:ext uri="{FF2B5EF4-FFF2-40B4-BE49-F238E27FC236}">
-                <a16:creationId xmlns:a16="http://schemas.microsoft.com/office/drawing/2014/main" id="{6C0A7CE0-E33F-4150-BA6F-55AA544CE105}"/>
+                <a16:creationId xmlns:a16="http://schemas.microsoft.com/office/drawing/2014/main" xmlns="" id="{6C0A7CE0-E33F-4150-BA6F-55AA544CE105}"/>
               </a:ext>
             </a:extLst>
           </p:cNvPr>
@@ -586,7 +592,7 @@
           <p:cNvPr id="3" name="竖排文字占位符 2">
             <a:extLst>
               <a:ext uri="{FF2B5EF4-FFF2-40B4-BE49-F238E27FC236}">
-                <a16:creationId xmlns:a16="http://schemas.microsoft.com/office/drawing/2014/main" id="{F3247912-FB50-4DB0-99D0-F7A60E9A29B8}"/>
+                <a16:creationId xmlns:a16="http://schemas.microsoft.com/office/drawing/2014/main" xmlns="" id="{F3247912-FB50-4DB0-99D0-F7A60E9A29B8}"/>
               </a:ext>
             </a:extLst>
           </p:cNvPr>
@@ -648,7 +654,7 @@
           <p:cNvPr id="4" name="日期占位符 3">
             <a:extLst>
               <a:ext uri="{FF2B5EF4-FFF2-40B4-BE49-F238E27FC236}">
-                <a16:creationId xmlns:a16="http://schemas.microsoft.com/office/drawing/2014/main" id="{86B3A062-5D43-4EE5-B931-15569F8B6A73}"/>
+                <a16:creationId xmlns:a16="http://schemas.microsoft.com/office/drawing/2014/main" xmlns="" id="{86B3A062-5D43-4EE5-B931-15569F8B6A73}"/>
               </a:ext>
             </a:extLst>
           </p:cNvPr>
@@ -666,7 +672,8 @@
           <a:p>
             <a:fld id="{802CC4E0-593C-4372-A1D3-19CD877DC572}" type="datetimeFigureOut">
               <a:rPr lang="zh-CN" altLang="en-US" smtClean="0"/>
-              <a:t>2018/8/17</a:t>
+              <a:pPr/>
+              <a:t>2018/8/18</a:t>
             </a:fld>
             <a:endParaRPr lang="zh-CN" altLang="en-US"/>
           </a:p>
@@ -677,7 +684,7 @@
           <p:cNvPr id="5" name="页脚占位符 4">
             <a:extLst>
               <a:ext uri="{FF2B5EF4-FFF2-40B4-BE49-F238E27FC236}">
-                <a16:creationId xmlns:a16="http://schemas.microsoft.com/office/drawing/2014/main" id="{9394F064-7811-40DA-A484-221A49E42F23}"/>
+                <a16:creationId xmlns:a16="http://schemas.microsoft.com/office/drawing/2014/main" xmlns="" id="{9394F064-7811-40DA-A484-221A49E42F23}"/>
               </a:ext>
             </a:extLst>
           </p:cNvPr>
@@ -702,7 +709,7 @@
           <p:cNvPr id="6" name="灯片编号占位符 5">
             <a:extLst>
               <a:ext uri="{FF2B5EF4-FFF2-40B4-BE49-F238E27FC236}">
-                <a16:creationId xmlns:a16="http://schemas.microsoft.com/office/drawing/2014/main" id="{FAF8BDD9-0A18-4C69-A4CC-3BD880A94250}"/>
+                <a16:creationId xmlns:a16="http://schemas.microsoft.com/office/drawing/2014/main" xmlns="" id="{FAF8BDD9-0A18-4C69-A4CC-3BD880A94250}"/>
               </a:ext>
             </a:extLst>
           </p:cNvPr>
@@ -720,6 +727,7 @@
           <a:p>
             <a:fld id="{5A9EEF36-9DFE-4283-B683-DEE37C32523B}" type="slidenum">
               <a:rPr lang="zh-CN" altLang="en-US" smtClean="0"/>
+              <a:pPr/>
               <a:t>‹#›</a:t>
             </a:fld>
             <a:endParaRPr lang="zh-CN" altLang="en-US"/>
@@ -729,7 +737,7 @@
     </p:spTree>
     <p:extLst>
       <p:ext uri="{BB962C8B-B14F-4D97-AF65-F5344CB8AC3E}">
-        <p14:creationId xmlns:p14="http://schemas.microsoft.com/office/powerpoint/2010/main" val="754970101"/>
+        <p14:creationId xmlns:p14="http://schemas.microsoft.com/office/powerpoint/2010/main" xmlns="" val="754970101"/>
       </p:ext>
     </p:extLst>
   </p:cSld>
@@ -761,7 +769,7 @@
           <p:cNvPr id="2" name="标题 1">
             <a:extLst>
               <a:ext uri="{FF2B5EF4-FFF2-40B4-BE49-F238E27FC236}">
-                <a16:creationId xmlns:a16="http://schemas.microsoft.com/office/drawing/2014/main" id="{B69B4C93-E20F-4B46-8772-F7C30AD1A3A6}"/>
+                <a16:creationId xmlns:a16="http://schemas.microsoft.com/office/drawing/2014/main" xmlns="" id="{B69B4C93-E20F-4B46-8772-F7C30AD1A3A6}"/>
               </a:ext>
             </a:extLst>
           </p:cNvPr>
@@ -789,7 +797,7 @@
           <p:cNvPr id="3" name="内容占位符 2">
             <a:extLst>
               <a:ext uri="{FF2B5EF4-FFF2-40B4-BE49-F238E27FC236}">
-                <a16:creationId xmlns:a16="http://schemas.microsoft.com/office/drawing/2014/main" id="{291487C2-41E9-4F38-AD0D-E43F02729975}"/>
+                <a16:creationId xmlns:a16="http://schemas.microsoft.com/office/drawing/2014/main" xmlns="" id="{291487C2-41E9-4F38-AD0D-E43F02729975}"/>
               </a:ext>
             </a:extLst>
           </p:cNvPr>
@@ -846,7 +854,7 @@
           <p:cNvPr id="4" name="日期占位符 3">
             <a:extLst>
               <a:ext uri="{FF2B5EF4-FFF2-40B4-BE49-F238E27FC236}">
-                <a16:creationId xmlns:a16="http://schemas.microsoft.com/office/drawing/2014/main" id="{235DD1D0-EC31-4396-B007-0F99B6B45844}"/>
+                <a16:creationId xmlns:a16="http://schemas.microsoft.com/office/drawing/2014/main" xmlns="" id="{235DD1D0-EC31-4396-B007-0F99B6B45844}"/>
               </a:ext>
             </a:extLst>
           </p:cNvPr>
@@ -864,7 +872,8 @@
           <a:p>
             <a:fld id="{802CC4E0-593C-4372-A1D3-19CD877DC572}" type="datetimeFigureOut">
               <a:rPr lang="zh-CN" altLang="en-US" smtClean="0"/>
-              <a:t>2018/8/17</a:t>
+              <a:pPr/>
+              <a:t>2018/8/18</a:t>
             </a:fld>
             <a:endParaRPr lang="zh-CN" altLang="en-US"/>
           </a:p>
@@ -875,7 +884,7 @@
           <p:cNvPr id="5" name="页脚占位符 4">
             <a:extLst>
               <a:ext uri="{FF2B5EF4-FFF2-40B4-BE49-F238E27FC236}">
-                <a16:creationId xmlns:a16="http://schemas.microsoft.com/office/drawing/2014/main" id="{758E46FD-73EC-46C3-A87D-AEA13FD42340}"/>
+                <a16:creationId xmlns:a16="http://schemas.microsoft.com/office/drawing/2014/main" xmlns="" id="{758E46FD-73EC-46C3-A87D-AEA13FD42340}"/>
               </a:ext>
             </a:extLst>
           </p:cNvPr>
@@ -900,7 +909,7 @@
           <p:cNvPr id="6" name="灯片编号占位符 5">
             <a:extLst>
               <a:ext uri="{FF2B5EF4-FFF2-40B4-BE49-F238E27FC236}">
-                <a16:creationId xmlns:a16="http://schemas.microsoft.com/office/drawing/2014/main" id="{972012C9-8FE5-47DE-8052-B8608D470461}"/>
+                <a16:creationId xmlns:a16="http://schemas.microsoft.com/office/drawing/2014/main" xmlns="" id="{972012C9-8FE5-47DE-8052-B8608D470461}"/>
               </a:ext>
             </a:extLst>
           </p:cNvPr>
@@ -918,6 +927,7 @@
           <a:p>
             <a:fld id="{5A9EEF36-9DFE-4283-B683-DEE37C32523B}" type="slidenum">
               <a:rPr lang="zh-CN" altLang="en-US" smtClean="0"/>
+              <a:pPr/>
               <a:t>‹#›</a:t>
             </a:fld>
             <a:endParaRPr lang="zh-CN" altLang="en-US"/>
@@ -927,7 +937,7 @@
     </p:spTree>
     <p:extLst>
       <p:ext uri="{BB962C8B-B14F-4D97-AF65-F5344CB8AC3E}">
-        <p14:creationId xmlns:p14="http://schemas.microsoft.com/office/powerpoint/2010/main" val="3283430210"/>
+        <p14:creationId xmlns:p14="http://schemas.microsoft.com/office/powerpoint/2010/main" xmlns="" val="3283430210"/>
       </p:ext>
     </p:extLst>
   </p:cSld>
@@ -959,7 +969,7 @@
           <p:cNvPr id="2" name="标题 1">
             <a:extLst>
               <a:ext uri="{FF2B5EF4-FFF2-40B4-BE49-F238E27FC236}">
-                <a16:creationId xmlns:a16="http://schemas.microsoft.com/office/drawing/2014/main" id="{F81C6FC7-0174-4455-A82D-8FFBE837946A}"/>
+                <a16:creationId xmlns:a16="http://schemas.microsoft.com/office/drawing/2014/main" xmlns="" id="{F81C6FC7-0174-4455-A82D-8FFBE837946A}"/>
               </a:ext>
             </a:extLst>
           </p:cNvPr>
@@ -996,7 +1006,7 @@
           <p:cNvPr id="3" name="文本占位符 2">
             <a:extLst>
               <a:ext uri="{FF2B5EF4-FFF2-40B4-BE49-F238E27FC236}">
-                <a16:creationId xmlns:a16="http://schemas.microsoft.com/office/drawing/2014/main" id="{4D044FF0-FA29-4DB3-9F05-AF577189591F}"/>
+                <a16:creationId xmlns:a16="http://schemas.microsoft.com/office/drawing/2014/main" xmlns="" id="{4D044FF0-FA29-4DB3-9F05-AF577189591F}"/>
               </a:ext>
             </a:extLst>
           </p:cNvPr>
@@ -1121,7 +1131,7 @@
           <p:cNvPr id="4" name="日期占位符 3">
             <a:extLst>
               <a:ext uri="{FF2B5EF4-FFF2-40B4-BE49-F238E27FC236}">
-                <a16:creationId xmlns:a16="http://schemas.microsoft.com/office/drawing/2014/main" id="{327A896F-CD17-4CB6-B355-820C4CD2EB63}"/>
+                <a16:creationId xmlns:a16="http://schemas.microsoft.com/office/drawing/2014/main" xmlns="" id="{327A896F-CD17-4CB6-B355-820C4CD2EB63}"/>
               </a:ext>
             </a:extLst>
           </p:cNvPr>
@@ -1139,7 +1149,8 @@
           <a:p>
             <a:fld id="{802CC4E0-593C-4372-A1D3-19CD877DC572}" type="datetimeFigureOut">
               <a:rPr lang="zh-CN" altLang="en-US" smtClean="0"/>
-              <a:t>2018/8/17</a:t>
+              <a:pPr/>
+              <a:t>2018/8/18</a:t>
             </a:fld>
             <a:endParaRPr lang="zh-CN" altLang="en-US"/>
           </a:p>
@@ -1150,7 +1161,7 @@
           <p:cNvPr id="5" name="页脚占位符 4">
             <a:extLst>
               <a:ext uri="{FF2B5EF4-FFF2-40B4-BE49-F238E27FC236}">
-                <a16:creationId xmlns:a16="http://schemas.microsoft.com/office/drawing/2014/main" id="{926C2C43-E146-46CD-80AA-6A787CF93C56}"/>
+                <a16:creationId xmlns:a16="http://schemas.microsoft.com/office/drawing/2014/main" xmlns="" id="{926C2C43-E146-46CD-80AA-6A787CF93C56}"/>
               </a:ext>
             </a:extLst>
           </p:cNvPr>
@@ -1175,7 +1186,7 @@
           <p:cNvPr id="6" name="灯片编号占位符 5">
             <a:extLst>
               <a:ext uri="{FF2B5EF4-FFF2-40B4-BE49-F238E27FC236}">
-                <a16:creationId xmlns:a16="http://schemas.microsoft.com/office/drawing/2014/main" id="{D8467431-D1A8-438C-A968-095CA57CDFD9}"/>
+                <a16:creationId xmlns:a16="http://schemas.microsoft.com/office/drawing/2014/main" xmlns="" id="{D8467431-D1A8-438C-A968-095CA57CDFD9}"/>
               </a:ext>
             </a:extLst>
           </p:cNvPr>
@@ -1193,6 +1204,7 @@
           <a:p>
             <a:fld id="{5A9EEF36-9DFE-4283-B683-DEE37C32523B}" type="slidenum">
               <a:rPr lang="zh-CN" altLang="en-US" smtClean="0"/>
+              <a:pPr/>
               <a:t>‹#›</a:t>
             </a:fld>
             <a:endParaRPr lang="zh-CN" altLang="en-US"/>
@@ -1202,7 +1214,7 @@
     </p:spTree>
     <p:extLst>
       <p:ext uri="{BB962C8B-B14F-4D97-AF65-F5344CB8AC3E}">
-        <p14:creationId xmlns:p14="http://schemas.microsoft.com/office/powerpoint/2010/main" val="616964345"/>
+        <p14:creationId xmlns:p14="http://schemas.microsoft.com/office/powerpoint/2010/main" xmlns="" val="616964345"/>
       </p:ext>
     </p:extLst>
   </p:cSld>
@@ -1234,7 +1246,7 @@
           <p:cNvPr id="2" name="标题 1">
             <a:extLst>
               <a:ext uri="{FF2B5EF4-FFF2-40B4-BE49-F238E27FC236}">
-                <a16:creationId xmlns:a16="http://schemas.microsoft.com/office/drawing/2014/main" id="{A0CFC5E9-7E1C-4DFE-BFE5-843463937C73}"/>
+                <a16:creationId xmlns:a16="http://schemas.microsoft.com/office/drawing/2014/main" xmlns="" id="{A0CFC5E9-7E1C-4DFE-BFE5-843463937C73}"/>
               </a:ext>
             </a:extLst>
           </p:cNvPr>
@@ -1262,7 +1274,7 @@
           <p:cNvPr id="3" name="内容占位符 2">
             <a:extLst>
               <a:ext uri="{FF2B5EF4-FFF2-40B4-BE49-F238E27FC236}">
-                <a16:creationId xmlns:a16="http://schemas.microsoft.com/office/drawing/2014/main" id="{254611C3-C7B0-4B8B-9A4C-22AD563812FC}"/>
+                <a16:creationId xmlns:a16="http://schemas.microsoft.com/office/drawing/2014/main" xmlns="" id="{254611C3-C7B0-4B8B-9A4C-22AD563812FC}"/>
               </a:ext>
             </a:extLst>
           </p:cNvPr>
@@ -1324,7 +1336,7 @@
           <p:cNvPr id="4" name="内容占位符 3">
             <a:extLst>
               <a:ext uri="{FF2B5EF4-FFF2-40B4-BE49-F238E27FC236}">
-                <a16:creationId xmlns:a16="http://schemas.microsoft.com/office/drawing/2014/main" id="{0C049216-8934-4F45-AC3B-F6B21B52FBCB}"/>
+                <a16:creationId xmlns:a16="http://schemas.microsoft.com/office/drawing/2014/main" xmlns="" id="{0C049216-8934-4F45-AC3B-F6B21B52FBCB}"/>
               </a:ext>
             </a:extLst>
           </p:cNvPr>
@@ -1386,7 +1398,7 @@
           <p:cNvPr id="5" name="日期占位符 4">
             <a:extLst>
               <a:ext uri="{FF2B5EF4-FFF2-40B4-BE49-F238E27FC236}">
-                <a16:creationId xmlns:a16="http://schemas.microsoft.com/office/drawing/2014/main" id="{1B7044AF-2E9A-4F75-B42F-91DF04C02ADE}"/>
+                <a16:creationId xmlns:a16="http://schemas.microsoft.com/office/drawing/2014/main" xmlns="" id="{1B7044AF-2E9A-4F75-B42F-91DF04C02ADE}"/>
               </a:ext>
             </a:extLst>
           </p:cNvPr>
@@ -1404,7 +1416,8 @@
           <a:p>
             <a:fld id="{802CC4E0-593C-4372-A1D3-19CD877DC572}" type="datetimeFigureOut">
               <a:rPr lang="zh-CN" altLang="en-US" smtClean="0"/>
-              <a:t>2018/8/17</a:t>
+              <a:pPr/>
+              <a:t>2018/8/18</a:t>
             </a:fld>
             <a:endParaRPr lang="zh-CN" altLang="en-US"/>
           </a:p>
@@ -1415,7 +1428,7 @@
           <p:cNvPr id="6" name="页脚占位符 5">
             <a:extLst>
               <a:ext uri="{FF2B5EF4-FFF2-40B4-BE49-F238E27FC236}">
-                <a16:creationId xmlns:a16="http://schemas.microsoft.com/office/drawing/2014/main" id="{B5F81ED6-839B-4BCF-BB1C-32E8B5123088}"/>
+                <a16:creationId xmlns:a16="http://schemas.microsoft.com/office/drawing/2014/main" xmlns="" id="{B5F81ED6-839B-4BCF-BB1C-32E8B5123088}"/>
               </a:ext>
             </a:extLst>
           </p:cNvPr>
@@ -1440,7 +1453,7 @@
           <p:cNvPr id="7" name="灯片编号占位符 6">
             <a:extLst>
               <a:ext uri="{FF2B5EF4-FFF2-40B4-BE49-F238E27FC236}">
-                <a16:creationId xmlns:a16="http://schemas.microsoft.com/office/drawing/2014/main" id="{2D4A2BB7-F275-49DB-BCF7-AAC7A15BBA59}"/>
+                <a16:creationId xmlns:a16="http://schemas.microsoft.com/office/drawing/2014/main" xmlns="" id="{2D4A2BB7-F275-49DB-BCF7-AAC7A15BBA59}"/>
               </a:ext>
             </a:extLst>
           </p:cNvPr>
@@ -1458,6 +1471,7 @@
           <a:p>
             <a:fld id="{5A9EEF36-9DFE-4283-B683-DEE37C32523B}" type="slidenum">
               <a:rPr lang="zh-CN" altLang="en-US" smtClean="0"/>
+              <a:pPr/>
               <a:t>‹#›</a:t>
             </a:fld>
             <a:endParaRPr lang="zh-CN" altLang="en-US"/>
@@ -1467,7 +1481,7 @@
     </p:spTree>
     <p:extLst>
       <p:ext uri="{BB962C8B-B14F-4D97-AF65-F5344CB8AC3E}">
-        <p14:creationId xmlns:p14="http://schemas.microsoft.com/office/powerpoint/2010/main" val="4265606508"/>
+        <p14:creationId xmlns:p14="http://schemas.microsoft.com/office/powerpoint/2010/main" xmlns="" val="4265606508"/>
       </p:ext>
     </p:extLst>
   </p:cSld>
@@ -1499,7 +1513,7 @@
           <p:cNvPr id="2" name="标题 1">
             <a:extLst>
               <a:ext uri="{FF2B5EF4-FFF2-40B4-BE49-F238E27FC236}">
-                <a16:creationId xmlns:a16="http://schemas.microsoft.com/office/drawing/2014/main" id="{D693C3F7-DDFE-4F78-BA5B-5DFE06775903}"/>
+                <a16:creationId xmlns:a16="http://schemas.microsoft.com/office/drawing/2014/main" xmlns="" id="{D693C3F7-DDFE-4F78-BA5B-5DFE06775903}"/>
               </a:ext>
             </a:extLst>
           </p:cNvPr>
@@ -1532,7 +1546,7 @@
           <p:cNvPr id="3" name="文本占位符 2">
             <a:extLst>
               <a:ext uri="{FF2B5EF4-FFF2-40B4-BE49-F238E27FC236}">
-                <a16:creationId xmlns:a16="http://schemas.microsoft.com/office/drawing/2014/main" id="{A30964FA-B0AB-42A3-97C1-61F73032510C}"/>
+                <a16:creationId xmlns:a16="http://schemas.microsoft.com/office/drawing/2014/main" xmlns="" id="{A30964FA-B0AB-42A3-97C1-61F73032510C}"/>
               </a:ext>
             </a:extLst>
           </p:cNvPr>
@@ -1603,7 +1617,7 @@
           <p:cNvPr id="4" name="内容占位符 3">
             <a:extLst>
               <a:ext uri="{FF2B5EF4-FFF2-40B4-BE49-F238E27FC236}">
-                <a16:creationId xmlns:a16="http://schemas.microsoft.com/office/drawing/2014/main" id="{7F00BF3A-BD30-4395-ADD9-01D6A42496F7}"/>
+                <a16:creationId xmlns:a16="http://schemas.microsoft.com/office/drawing/2014/main" xmlns="" id="{7F00BF3A-BD30-4395-ADD9-01D6A42496F7}"/>
               </a:ext>
             </a:extLst>
           </p:cNvPr>
@@ -1665,7 +1679,7 @@
           <p:cNvPr id="5" name="文本占位符 4">
             <a:extLst>
               <a:ext uri="{FF2B5EF4-FFF2-40B4-BE49-F238E27FC236}">
-                <a16:creationId xmlns:a16="http://schemas.microsoft.com/office/drawing/2014/main" id="{F56E0D2F-04F1-4148-BB74-DED901BDB026}"/>
+                <a16:creationId xmlns:a16="http://schemas.microsoft.com/office/drawing/2014/main" xmlns="" id="{F56E0D2F-04F1-4148-BB74-DED901BDB026}"/>
               </a:ext>
             </a:extLst>
           </p:cNvPr>
@@ -1736,7 +1750,7 @@
           <p:cNvPr id="6" name="内容占位符 5">
             <a:extLst>
               <a:ext uri="{FF2B5EF4-FFF2-40B4-BE49-F238E27FC236}">
-                <a16:creationId xmlns:a16="http://schemas.microsoft.com/office/drawing/2014/main" id="{D5977987-EDD2-424D-BFDA-1C7D3628687D}"/>
+                <a16:creationId xmlns:a16="http://schemas.microsoft.com/office/drawing/2014/main" xmlns="" id="{D5977987-EDD2-424D-BFDA-1C7D3628687D}"/>
               </a:ext>
             </a:extLst>
           </p:cNvPr>
@@ -1798,7 +1812,7 @@
           <p:cNvPr id="7" name="日期占位符 6">
             <a:extLst>
               <a:ext uri="{FF2B5EF4-FFF2-40B4-BE49-F238E27FC236}">
-                <a16:creationId xmlns:a16="http://schemas.microsoft.com/office/drawing/2014/main" id="{6398161E-9432-45BD-9456-C155473E85D4}"/>
+                <a16:creationId xmlns:a16="http://schemas.microsoft.com/office/drawing/2014/main" xmlns="" id="{6398161E-9432-45BD-9456-C155473E85D4}"/>
               </a:ext>
             </a:extLst>
           </p:cNvPr>
@@ -1816,7 +1830,8 @@
           <a:p>
             <a:fld id="{802CC4E0-593C-4372-A1D3-19CD877DC572}" type="datetimeFigureOut">
               <a:rPr lang="zh-CN" altLang="en-US" smtClean="0"/>
-              <a:t>2018/8/17</a:t>
+              <a:pPr/>
+              <a:t>2018/8/18</a:t>
             </a:fld>
             <a:endParaRPr lang="zh-CN" altLang="en-US"/>
           </a:p>
@@ -1827,7 +1842,7 @@
           <p:cNvPr id="8" name="页脚占位符 7">
             <a:extLst>
               <a:ext uri="{FF2B5EF4-FFF2-40B4-BE49-F238E27FC236}">
-                <a16:creationId xmlns:a16="http://schemas.microsoft.com/office/drawing/2014/main" id="{FCA05046-CE3B-4635-B2DB-CE9624D0FBA5}"/>
+                <a16:creationId xmlns:a16="http://schemas.microsoft.com/office/drawing/2014/main" xmlns="" id="{FCA05046-CE3B-4635-B2DB-CE9624D0FBA5}"/>
               </a:ext>
             </a:extLst>
           </p:cNvPr>
@@ -1852,7 +1867,7 @@
           <p:cNvPr id="9" name="灯片编号占位符 8">
             <a:extLst>
               <a:ext uri="{FF2B5EF4-FFF2-40B4-BE49-F238E27FC236}">
-                <a16:creationId xmlns:a16="http://schemas.microsoft.com/office/drawing/2014/main" id="{0A02FA2E-ED18-4DDC-BC25-71F7EE5E7CD1}"/>
+                <a16:creationId xmlns:a16="http://schemas.microsoft.com/office/drawing/2014/main" xmlns="" id="{0A02FA2E-ED18-4DDC-BC25-71F7EE5E7CD1}"/>
               </a:ext>
             </a:extLst>
           </p:cNvPr>
@@ -1870,6 +1885,7 @@
           <a:p>
             <a:fld id="{5A9EEF36-9DFE-4283-B683-DEE37C32523B}" type="slidenum">
               <a:rPr lang="zh-CN" altLang="en-US" smtClean="0"/>
+              <a:pPr/>
               <a:t>‹#›</a:t>
             </a:fld>
             <a:endParaRPr lang="zh-CN" altLang="en-US"/>
@@ -1879,7 +1895,7 @@
     </p:spTree>
     <p:extLst>
       <p:ext uri="{BB962C8B-B14F-4D97-AF65-F5344CB8AC3E}">
-        <p14:creationId xmlns:p14="http://schemas.microsoft.com/office/powerpoint/2010/main" val="3006519275"/>
+        <p14:creationId xmlns:p14="http://schemas.microsoft.com/office/powerpoint/2010/main" xmlns="" val="3006519275"/>
       </p:ext>
     </p:extLst>
   </p:cSld>
@@ -1911,7 +1927,7 @@
           <p:cNvPr id="2" name="标题 1">
             <a:extLst>
               <a:ext uri="{FF2B5EF4-FFF2-40B4-BE49-F238E27FC236}">
-                <a16:creationId xmlns:a16="http://schemas.microsoft.com/office/drawing/2014/main" id="{D6065A03-1492-4C42-AFF0-B9500D8D9C3D}"/>
+                <a16:creationId xmlns:a16="http://schemas.microsoft.com/office/drawing/2014/main" xmlns="" id="{D6065A03-1492-4C42-AFF0-B9500D8D9C3D}"/>
               </a:ext>
             </a:extLst>
           </p:cNvPr>
@@ -1939,7 +1955,7 @@
           <p:cNvPr id="3" name="日期占位符 2">
             <a:extLst>
               <a:ext uri="{FF2B5EF4-FFF2-40B4-BE49-F238E27FC236}">
-                <a16:creationId xmlns:a16="http://schemas.microsoft.com/office/drawing/2014/main" id="{5F1CD764-55FA-475B-84F6-487B058E17F6}"/>
+                <a16:creationId xmlns:a16="http://schemas.microsoft.com/office/drawing/2014/main" xmlns="" id="{5F1CD764-55FA-475B-84F6-487B058E17F6}"/>
               </a:ext>
             </a:extLst>
           </p:cNvPr>
@@ -1957,7 +1973,8 @@
           <a:p>
             <a:fld id="{802CC4E0-593C-4372-A1D3-19CD877DC572}" type="datetimeFigureOut">
               <a:rPr lang="zh-CN" altLang="en-US" smtClean="0"/>
-              <a:t>2018/8/17</a:t>
+              <a:pPr/>
+              <a:t>2018/8/18</a:t>
             </a:fld>
             <a:endParaRPr lang="zh-CN" altLang="en-US"/>
           </a:p>
@@ -1968,7 +1985,7 @@
           <p:cNvPr id="4" name="页脚占位符 3">
             <a:extLst>
               <a:ext uri="{FF2B5EF4-FFF2-40B4-BE49-F238E27FC236}">
-                <a16:creationId xmlns:a16="http://schemas.microsoft.com/office/drawing/2014/main" id="{74E0AA69-7F60-4D82-B8F4-CB71E1DDAF1A}"/>
+                <a16:creationId xmlns:a16="http://schemas.microsoft.com/office/drawing/2014/main" xmlns="" id="{74E0AA69-7F60-4D82-B8F4-CB71E1DDAF1A}"/>
               </a:ext>
             </a:extLst>
           </p:cNvPr>
@@ -1993,7 +2010,7 @@
           <p:cNvPr id="5" name="灯片编号占位符 4">
             <a:extLst>
               <a:ext uri="{FF2B5EF4-FFF2-40B4-BE49-F238E27FC236}">
-                <a16:creationId xmlns:a16="http://schemas.microsoft.com/office/drawing/2014/main" id="{C1D3DB3A-7927-44F8-8722-B387FA46D907}"/>
+                <a16:creationId xmlns:a16="http://schemas.microsoft.com/office/drawing/2014/main" xmlns="" id="{C1D3DB3A-7927-44F8-8722-B387FA46D907}"/>
               </a:ext>
             </a:extLst>
           </p:cNvPr>
@@ -2011,6 +2028,7 @@
           <a:p>
             <a:fld id="{5A9EEF36-9DFE-4283-B683-DEE37C32523B}" type="slidenum">
               <a:rPr lang="zh-CN" altLang="en-US" smtClean="0"/>
+              <a:pPr/>
               <a:t>‹#›</a:t>
             </a:fld>
             <a:endParaRPr lang="zh-CN" altLang="en-US"/>
@@ -2020,7 +2038,7 @@
     </p:spTree>
     <p:extLst>
       <p:ext uri="{BB962C8B-B14F-4D97-AF65-F5344CB8AC3E}">
-        <p14:creationId xmlns:p14="http://schemas.microsoft.com/office/powerpoint/2010/main" val="2556542846"/>
+        <p14:creationId xmlns:p14="http://schemas.microsoft.com/office/powerpoint/2010/main" xmlns="" val="2556542846"/>
       </p:ext>
     </p:extLst>
   </p:cSld>
@@ -2052,7 +2070,7 @@
           <p:cNvPr id="2" name="日期占位符 1">
             <a:extLst>
               <a:ext uri="{FF2B5EF4-FFF2-40B4-BE49-F238E27FC236}">
-                <a16:creationId xmlns:a16="http://schemas.microsoft.com/office/drawing/2014/main" id="{E287D27A-F203-45B7-BB88-4DC2A4759A54}"/>
+                <a16:creationId xmlns:a16="http://schemas.microsoft.com/office/drawing/2014/main" xmlns="" id="{E287D27A-F203-45B7-BB88-4DC2A4759A54}"/>
               </a:ext>
             </a:extLst>
           </p:cNvPr>
@@ -2070,7 +2088,8 @@
           <a:p>
             <a:fld id="{802CC4E0-593C-4372-A1D3-19CD877DC572}" type="datetimeFigureOut">
               <a:rPr lang="zh-CN" altLang="en-US" smtClean="0"/>
-              <a:t>2018/8/17</a:t>
+              <a:pPr/>
+              <a:t>2018/8/18</a:t>
             </a:fld>
             <a:endParaRPr lang="zh-CN" altLang="en-US"/>
           </a:p>
@@ -2081,7 +2100,7 @@
           <p:cNvPr id="3" name="页脚占位符 2">
             <a:extLst>
               <a:ext uri="{FF2B5EF4-FFF2-40B4-BE49-F238E27FC236}">
-                <a16:creationId xmlns:a16="http://schemas.microsoft.com/office/drawing/2014/main" id="{D3F003AE-55EE-490C-8FA5-7BBDAA095B10}"/>
+                <a16:creationId xmlns:a16="http://schemas.microsoft.com/office/drawing/2014/main" xmlns="" id="{D3F003AE-55EE-490C-8FA5-7BBDAA095B10}"/>
               </a:ext>
             </a:extLst>
           </p:cNvPr>
@@ -2106,7 +2125,7 @@
           <p:cNvPr id="4" name="灯片编号占位符 3">
             <a:extLst>
               <a:ext uri="{FF2B5EF4-FFF2-40B4-BE49-F238E27FC236}">
-                <a16:creationId xmlns:a16="http://schemas.microsoft.com/office/drawing/2014/main" id="{EC1AF20A-6708-42EB-A913-0AA3BDC9C096}"/>
+                <a16:creationId xmlns:a16="http://schemas.microsoft.com/office/drawing/2014/main" xmlns="" id="{EC1AF20A-6708-42EB-A913-0AA3BDC9C096}"/>
               </a:ext>
             </a:extLst>
           </p:cNvPr>
@@ -2124,6 +2143,7 @@
           <a:p>
             <a:fld id="{5A9EEF36-9DFE-4283-B683-DEE37C32523B}" type="slidenum">
               <a:rPr lang="zh-CN" altLang="en-US" smtClean="0"/>
+              <a:pPr/>
               <a:t>‹#›</a:t>
             </a:fld>
             <a:endParaRPr lang="zh-CN" altLang="en-US"/>
@@ -2133,7 +2153,7 @@
     </p:spTree>
     <p:extLst>
       <p:ext uri="{BB962C8B-B14F-4D97-AF65-F5344CB8AC3E}">
-        <p14:creationId xmlns:p14="http://schemas.microsoft.com/office/powerpoint/2010/main" val="167623991"/>
+        <p14:creationId xmlns:p14="http://schemas.microsoft.com/office/powerpoint/2010/main" xmlns="" val="167623991"/>
       </p:ext>
     </p:extLst>
   </p:cSld>
@@ -2165,7 +2185,7 @@
           <p:cNvPr id="2" name="标题 1">
             <a:extLst>
               <a:ext uri="{FF2B5EF4-FFF2-40B4-BE49-F238E27FC236}">
-                <a16:creationId xmlns:a16="http://schemas.microsoft.com/office/drawing/2014/main" id="{E36D392B-7AB3-4A30-952E-18C7F00316E1}"/>
+                <a16:creationId xmlns:a16="http://schemas.microsoft.com/office/drawing/2014/main" xmlns="" id="{E36D392B-7AB3-4A30-952E-18C7F00316E1}"/>
               </a:ext>
             </a:extLst>
           </p:cNvPr>
@@ -2202,7 +2222,7 @@
           <p:cNvPr id="3" name="内容占位符 2">
             <a:extLst>
               <a:ext uri="{FF2B5EF4-FFF2-40B4-BE49-F238E27FC236}">
-                <a16:creationId xmlns:a16="http://schemas.microsoft.com/office/drawing/2014/main" id="{216C21EE-DAA4-4953-A73C-1DAFBEA8F980}"/>
+                <a16:creationId xmlns:a16="http://schemas.microsoft.com/office/drawing/2014/main" xmlns="" id="{216C21EE-DAA4-4953-A73C-1DAFBEA8F980}"/>
               </a:ext>
             </a:extLst>
           </p:cNvPr>
@@ -2292,7 +2312,7 @@
           <p:cNvPr id="4" name="文本占位符 3">
             <a:extLst>
               <a:ext uri="{FF2B5EF4-FFF2-40B4-BE49-F238E27FC236}">
-                <a16:creationId xmlns:a16="http://schemas.microsoft.com/office/drawing/2014/main" id="{5FF159FB-40B7-473D-9CCD-72FA08CB85AC}"/>
+                <a16:creationId xmlns:a16="http://schemas.microsoft.com/office/drawing/2014/main" xmlns="" id="{5FF159FB-40B7-473D-9CCD-72FA08CB85AC}"/>
               </a:ext>
             </a:extLst>
           </p:cNvPr>
@@ -2363,7 +2383,7 @@
           <p:cNvPr id="5" name="日期占位符 4">
             <a:extLst>
               <a:ext uri="{FF2B5EF4-FFF2-40B4-BE49-F238E27FC236}">
-                <a16:creationId xmlns:a16="http://schemas.microsoft.com/office/drawing/2014/main" id="{AB0B4E71-9B78-4254-82D6-D8F02183DF89}"/>
+                <a16:creationId xmlns:a16="http://schemas.microsoft.com/office/drawing/2014/main" xmlns="" id="{AB0B4E71-9B78-4254-82D6-D8F02183DF89}"/>
               </a:ext>
             </a:extLst>
           </p:cNvPr>
@@ -2381,7 +2401,8 @@
           <a:p>
             <a:fld id="{802CC4E0-593C-4372-A1D3-19CD877DC572}" type="datetimeFigureOut">
               <a:rPr lang="zh-CN" altLang="en-US" smtClean="0"/>
-              <a:t>2018/8/17</a:t>
+              <a:pPr/>
+              <a:t>2018/8/18</a:t>
             </a:fld>
             <a:endParaRPr lang="zh-CN" altLang="en-US"/>
           </a:p>
@@ -2392,7 +2413,7 @@
           <p:cNvPr id="6" name="页脚占位符 5">
             <a:extLst>
               <a:ext uri="{FF2B5EF4-FFF2-40B4-BE49-F238E27FC236}">
-                <a16:creationId xmlns:a16="http://schemas.microsoft.com/office/drawing/2014/main" id="{2BCD8603-25F5-4AED-B88C-39CFD34D7226}"/>
+                <a16:creationId xmlns:a16="http://schemas.microsoft.com/office/drawing/2014/main" xmlns="" id="{2BCD8603-25F5-4AED-B88C-39CFD34D7226}"/>
               </a:ext>
             </a:extLst>
           </p:cNvPr>
@@ -2417,7 +2438,7 @@
           <p:cNvPr id="7" name="灯片编号占位符 6">
             <a:extLst>
               <a:ext uri="{FF2B5EF4-FFF2-40B4-BE49-F238E27FC236}">
-                <a16:creationId xmlns:a16="http://schemas.microsoft.com/office/drawing/2014/main" id="{4C9C8008-3D06-404F-B2D0-E6D814D27C39}"/>
+                <a16:creationId xmlns:a16="http://schemas.microsoft.com/office/drawing/2014/main" xmlns="" id="{4C9C8008-3D06-404F-B2D0-E6D814D27C39}"/>
               </a:ext>
             </a:extLst>
           </p:cNvPr>
@@ -2435,6 +2456,7 @@
           <a:p>
             <a:fld id="{5A9EEF36-9DFE-4283-B683-DEE37C32523B}" type="slidenum">
               <a:rPr lang="zh-CN" altLang="en-US" smtClean="0"/>
+              <a:pPr/>
               <a:t>‹#›</a:t>
             </a:fld>
             <a:endParaRPr lang="zh-CN" altLang="en-US"/>
@@ -2444,7 +2466,7 @@
     </p:spTree>
     <p:extLst>
       <p:ext uri="{BB962C8B-B14F-4D97-AF65-F5344CB8AC3E}">
-        <p14:creationId xmlns:p14="http://schemas.microsoft.com/office/powerpoint/2010/main" val="3544691587"/>
+        <p14:creationId xmlns:p14="http://schemas.microsoft.com/office/powerpoint/2010/main" xmlns="" val="3544691587"/>
       </p:ext>
     </p:extLst>
   </p:cSld>
@@ -2476,7 +2498,7 @@
           <p:cNvPr id="2" name="标题 1">
             <a:extLst>
               <a:ext uri="{FF2B5EF4-FFF2-40B4-BE49-F238E27FC236}">
-                <a16:creationId xmlns:a16="http://schemas.microsoft.com/office/drawing/2014/main" id="{16434590-0944-4410-9291-7C19B8B6B4E5}"/>
+                <a16:creationId xmlns:a16="http://schemas.microsoft.com/office/drawing/2014/main" xmlns="" id="{16434590-0944-4410-9291-7C19B8B6B4E5}"/>
               </a:ext>
             </a:extLst>
           </p:cNvPr>
@@ -2513,7 +2535,7 @@
           <p:cNvPr id="3" name="图片占位符 2">
             <a:extLst>
               <a:ext uri="{FF2B5EF4-FFF2-40B4-BE49-F238E27FC236}">
-                <a16:creationId xmlns:a16="http://schemas.microsoft.com/office/drawing/2014/main" id="{05653078-85D4-41C1-90A3-3156DADBE9F5}"/>
+                <a16:creationId xmlns:a16="http://schemas.microsoft.com/office/drawing/2014/main" xmlns="" id="{05653078-85D4-41C1-90A3-3156DADBE9F5}"/>
               </a:ext>
             </a:extLst>
           </p:cNvPr>
@@ -2580,7 +2602,7 @@
           <p:cNvPr id="4" name="文本占位符 3">
             <a:extLst>
               <a:ext uri="{FF2B5EF4-FFF2-40B4-BE49-F238E27FC236}">
-                <a16:creationId xmlns:a16="http://schemas.microsoft.com/office/drawing/2014/main" id="{957B0A3F-9C1D-4B4F-8D22-7C681DFA7AF9}"/>
+                <a16:creationId xmlns:a16="http://schemas.microsoft.com/office/drawing/2014/main" xmlns="" id="{957B0A3F-9C1D-4B4F-8D22-7C681DFA7AF9}"/>
               </a:ext>
             </a:extLst>
           </p:cNvPr>
@@ -2651,7 +2673,7 @@
           <p:cNvPr id="5" name="日期占位符 4">
             <a:extLst>
               <a:ext uri="{FF2B5EF4-FFF2-40B4-BE49-F238E27FC236}">
-                <a16:creationId xmlns:a16="http://schemas.microsoft.com/office/drawing/2014/main" id="{26333BE8-99B3-4DD1-9465-AB5ED3E5AAB2}"/>
+                <a16:creationId xmlns:a16="http://schemas.microsoft.com/office/drawing/2014/main" xmlns="" id="{26333BE8-99B3-4DD1-9465-AB5ED3E5AAB2}"/>
               </a:ext>
             </a:extLst>
           </p:cNvPr>
@@ -2669,7 +2691,8 @@
           <a:p>
             <a:fld id="{802CC4E0-593C-4372-A1D3-19CD877DC572}" type="datetimeFigureOut">
               <a:rPr lang="zh-CN" altLang="en-US" smtClean="0"/>
-              <a:t>2018/8/17</a:t>
+              <a:pPr/>
+              <a:t>2018/8/18</a:t>
             </a:fld>
             <a:endParaRPr lang="zh-CN" altLang="en-US"/>
           </a:p>
@@ -2680,7 +2703,7 @@
           <p:cNvPr id="6" name="页脚占位符 5">
             <a:extLst>
               <a:ext uri="{FF2B5EF4-FFF2-40B4-BE49-F238E27FC236}">
-                <a16:creationId xmlns:a16="http://schemas.microsoft.com/office/drawing/2014/main" id="{C90D41C4-81FD-4A31-AEEB-FC4A28A8E5AA}"/>
+                <a16:creationId xmlns:a16="http://schemas.microsoft.com/office/drawing/2014/main" xmlns="" id="{C90D41C4-81FD-4A31-AEEB-FC4A28A8E5AA}"/>
               </a:ext>
             </a:extLst>
           </p:cNvPr>
@@ -2705,7 +2728,7 @@
           <p:cNvPr id="7" name="灯片编号占位符 6">
             <a:extLst>
               <a:ext uri="{FF2B5EF4-FFF2-40B4-BE49-F238E27FC236}">
-                <a16:creationId xmlns:a16="http://schemas.microsoft.com/office/drawing/2014/main" id="{6644C001-D6AA-4736-9F7C-0714D691AC65}"/>
+                <a16:creationId xmlns:a16="http://schemas.microsoft.com/office/drawing/2014/main" xmlns="" id="{6644C001-D6AA-4736-9F7C-0714D691AC65}"/>
               </a:ext>
             </a:extLst>
           </p:cNvPr>
@@ -2723,6 +2746,7 @@
           <a:p>
             <a:fld id="{5A9EEF36-9DFE-4283-B683-DEE37C32523B}" type="slidenum">
               <a:rPr lang="zh-CN" altLang="en-US" smtClean="0"/>
+              <a:pPr/>
               <a:t>‹#›</a:t>
             </a:fld>
             <a:endParaRPr lang="zh-CN" altLang="en-US"/>
@@ -2732,7 +2756,7 @@
     </p:spTree>
     <p:extLst>
       <p:ext uri="{BB962C8B-B14F-4D97-AF65-F5344CB8AC3E}">
-        <p14:creationId xmlns:p14="http://schemas.microsoft.com/office/powerpoint/2010/main" val="1507318193"/>
+        <p14:creationId xmlns:p14="http://schemas.microsoft.com/office/powerpoint/2010/main" xmlns="" val="1507318193"/>
       </p:ext>
     </p:extLst>
   </p:cSld>
@@ -2769,7 +2793,7 @@
           <p:cNvPr id="2" name="标题占位符 1">
             <a:extLst>
               <a:ext uri="{FF2B5EF4-FFF2-40B4-BE49-F238E27FC236}">
-                <a16:creationId xmlns:a16="http://schemas.microsoft.com/office/drawing/2014/main" id="{8941D73E-8346-48C9-B564-9C9A3A2B8270}"/>
+                <a16:creationId xmlns:a16="http://schemas.microsoft.com/office/drawing/2014/main" xmlns="" id="{8941D73E-8346-48C9-B564-9C9A3A2B8270}"/>
               </a:ext>
             </a:extLst>
           </p:cNvPr>
@@ -2807,7 +2831,7 @@
           <p:cNvPr id="3" name="文本占位符 2">
             <a:extLst>
               <a:ext uri="{FF2B5EF4-FFF2-40B4-BE49-F238E27FC236}">
-                <a16:creationId xmlns:a16="http://schemas.microsoft.com/office/drawing/2014/main" id="{A362CAD9-DE59-4270-9CC3-83C83B83FF24}"/>
+                <a16:creationId xmlns:a16="http://schemas.microsoft.com/office/drawing/2014/main" xmlns="" id="{A362CAD9-DE59-4270-9CC3-83C83B83FF24}"/>
               </a:ext>
             </a:extLst>
           </p:cNvPr>
@@ -2874,7 +2898,7 @@
           <p:cNvPr id="4" name="日期占位符 3">
             <a:extLst>
               <a:ext uri="{FF2B5EF4-FFF2-40B4-BE49-F238E27FC236}">
-                <a16:creationId xmlns:a16="http://schemas.microsoft.com/office/drawing/2014/main" id="{3F2484B3-212C-4A6A-95A8-0E6EE5755DE9}"/>
+                <a16:creationId xmlns:a16="http://schemas.microsoft.com/office/drawing/2014/main" xmlns="" id="{3F2484B3-212C-4A6A-95A8-0E6EE5755DE9}"/>
               </a:ext>
             </a:extLst>
           </p:cNvPr>
@@ -2910,7 +2934,8 @@
           <a:p>
             <a:fld id="{802CC4E0-593C-4372-A1D3-19CD877DC572}" type="datetimeFigureOut">
               <a:rPr lang="zh-CN" altLang="en-US" smtClean="0"/>
-              <a:t>2018/8/17</a:t>
+              <a:pPr/>
+              <a:t>2018/8/18</a:t>
             </a:fld>
             <a:endParaRPr lang="zh-CN" altLang="en-US"/>
           </a:p>
@@ -2921,7 +2946,7 @@
           <p:cNvPr id="5" name="页脚占位符 4">
             <a:extLst>
               <a:ext uri="{FF2B5EF4-FFF2-40B4-BE49-F238E27FC236}">
-                <a16:creationId xmlns:a16="http://schemas.microsoft.com/office/drawing/2014/main" id="{85870BAD-2B3F-482C-B100-4C914AEB8552}"/>
+                <a16:creationId xmlns:a16="http://schemas.microsoft.com/office/drawing/2014/main" xmlns="" id="{85870BAD-2B3F-482C-B100-4C914AEB8552}"/>
               </a:ext>
             </a:extLst>
           </p:cNvPr>
@@ -2964,7 +2989,7 @@
           <p:cNvPr id="6" name="灯片编号占位符 5">
             <a:extLst>
               <a:ext uri="{FF2B5EF4-FFF2-40B4-BE49-F238E27FC236}">
-                <a16:creationId xmlns:a16="http://schemas.microsoft.com/office/drawing/2014/main" id="{ACC4E4DF-CAE3-4B94-9007-1163572A3752}"/>
+                <a16:creationId xmlns:a16="http://schemas.microsoft.com/office/drawing/2014/main" xmlns="" id="{ACC4E4DF-CAE3-4B94-9007-1163572A3752}"/>
               </a:ext>
             </a:extLst>
           </p:cNvPr>
@@ -3000,6 +3025,7 @@
           <a:p>
             <a:fld id="{5A9EEF36-9DFE-4283-B683-DEE37C32523B}" type="slidenum">
               <a:rPr lang="zh-CN" altLang="en-US" smtClean="0"/>
+              <a:pPr/>
               <a:t>‹#›</a:t>
             </a:fld>
             <a:endParaRPr lang="zh-CN" altLang="en-US"/>
@@ -3009,7 +3035,7 @@
     </p:spTree>
     <p:extLst>
       <p:ext uri="{BB962C8B-B14F-4D97-AF65-F5344CB8AC3E}">
-        <p14:creationId xmlns:p14="http://schemas.microsoft.com/office/powerpoint/2010/main" val="144499565"/>
+        <p14:creationId xmlns:p14="http://schemas.microsoft.com/office/powerpoint/2010/main" xmlns="" val="144499565"/>
       </p:ext>
     </p:extLst>
   </p:cSld>
@@ -3332,7 +3358,7 @@
           <p:cNvPr id="2" name="标题 1">
             <a:extLst>
               <a:ext uri="{FF2B5EF4-FFF2-40B4-BE49-F238E27FC236}">
-                <a16:creationId xmlns:a16="http://schemas.microsoft.com/office/drawing/2014/main" id="{8E5529C5-7722-47C3-9E22-C0612FE8DC41}"/>
+                <a16:creationId xmlns:a16="http://schemas.microsoft.com/office/drawing/2014/main" xmlns="" id="{8E5529C5-7722-47C3-9E22-C0612FE8DC41}"/>
               </a:ext>
             </a:extLst>
           </p:cNvPr>
@@ -3368,7 +3394,7 @@
           <p:cNvPr id="5" name="副标题 4">
             <a:extLst>
               <a:ext uri="{FF2B5EF4-FFF2-40B4-BE49-F238E27FC236}">
-                <a16:creationId xmlns:a16="http://schemas.microsoft.com/office/drawing/2014/main" id="{DF2BC259-015D-4DC1-B1A8-C2CDF0C71554}"/>
+                <a16:creationId xmlns:a16="http://schemas.microsoft.com/office/drawing/2014/main" xmlns="" id="{DF2BC259-015D-4DC1-B1A8-C2CDF0C71554}"/>
               </a:ext>
             </a:extLst>
           </p:cNvPr>
@@ -3400,7 +3426,7 @@
     </p:spTree>
     <p:extLst>
       <p:ext uri="{BB962C8B-B14F-4D97-AF65-F5344CB8AC3E}">
-        <p14:creationId xmlns:p14="http://schemas.microsoft.com/office/powerpoint/2010/main" val="3364613855"/>
+        <p14:creationId xmlns:p14="http://schemas.microsoft.com/office/powerpoint/2010/main" xmlns="" val="3364613855"/>
       </p:ext>
     </p:extLst>
   </p:cSld>
@@ -3432,7 +3458,7 @@
           <p:cNvPr id="2" name="标题 1">
             <a:extLst>
               <a:ext uri="{FF2B5EF4-FFF2-40B4-BE49-F238E27FC236}">
-                <a16:creationId xmlns:a16="http://schemas.microsoft.com/office/drawing/2014/main" id="{0203539D-AB68-4F2F-AA52-FECC1AECAE8B}"/>
+                <a16:creationId xmlns:a16="http://schemas.microsoft.com/office/drawing/2014/main" xmlns="" id="{0203539D-AB68-4F2F-AA52-FECC1AECAE8B}"/>
               </a:ext>
             </a:extLst>
           </p:cNvPr>
@@ -3465,7 +3491,7 @@
           <p:cNvPr id="4" name="矩形: 圆角 3">
             <a:extLst>
               <a:ext uri="{FF2B5EF4-FFF2-40B4-BE49-F238E27FC236}">
-                <a16:creationId xmlns:a16="http://schemas.microsoft.com/office/drawing/2014/main" id="{D5E921B7-0C31-4705-ABDC-A94FD7F0C80C}"/>
+                <a16:creationId xmlns:a16="http://schemas.microsoft.com/office/drawing/2014/main" xmlns="" id="{D5E921B7-0C31-4705-ABDC-A94FD7F0C80C}"/>
               </a:ext>
             </a:extLst>
           </p:cNvPr>
@@ -3514,7 +3540,7 @@
           <p:cNvPr id="11" name="直接箭头连接符 10">
             <a:extLst>
               <a:ext uri="{FF2B5EF4-FFF2-40B4-BE49-F238E27FC236}">
-                <a16:creationId xmlns:a16="http://schemas.microsoft.com/office/drawing/2014/main" id="{8A6A15EF-9ACF-41EA-9199-014248C214D3}"/>
+                <a16:creationId xmlns:a16="http://schemas.microsoft.com/office/drawing/2014/main" xmlns="" id="{8A6A15EF-9ACF-41EA-9199-014248C214D3}"/>
               </a:ext>
             </a:extLst>
           </p:cNvPr>
@@ -3555,7 +3581,7 @@
           <p:cNvPr id="13" name="菱形 12">
             <a:extLst>
               <a:ext uri="{FF2B5EF4-FFF2-40B4-BE49-F238E27FC236}">
-                <a16:creationId xmlns:a16="http://schemas.microsoft.com/office/drawing/2014/main" id="{93CCF28A-E4CD-4679-BA12-BBB299BFD5FF}"/>
+                <a16:creationId xmlns:a16="http://schemas.microsoft.com/office/drawing/2014/main" xmlns="" id="{93CCF28A-E4CD-4679-BA12-BBB299BFD5FF}"/>
               </a:ext>
             </a:extLst>
           </p:cNvPr>
@@ -3604,7 +3630,7 @@
           <p:cNvPr id="15" name="连接符: 肘形 14">
             <a:extLst>
               <a:ext uri="{FF2B5EF4-FFF2-40B4-BE49-F238E27FC236}">
-                <a16:creationId xmlns:a16="http://schemas.microsoft.com/office/drawing/2014/main" id="{BFBDF161-14C4-4FEB-A78F-E92A9357FF15}"/>
+                <a16:creationId xmlns:a16="http://schemas.microsoft.com/office/drawing/2014/main" xmlns="" id="{BFBDF161-14C4-4FEB-A78F-E92A9357FF15}"/>
               </a:ext>
             </a:extLst>
           </p:cNvPr>
@@ -3646,7 +3672,7 @@
           <p:cNvPr id="18" name="文本框 17">
             <a:extLst>
               <a:ext uri="{FF2B5EF4-FFF2-40B4-BE49-F238E27FC236}">
-                <a16:creationId xmlns:a16="http://schemas.microsoft.com/office/drawing/2014/main" id="{F6C89970-0871-46E8-AE57-71D77EDA9EA9}"/>
+                <a16:creationId xmlns:a16="http://schemas.microsoft.com/office/drawing/2014/main" xmlns="" id="{F6C89970-0871-46E8-AE57-71D77EDA9EA9}"/>
               </a:ext>
             </a:extLst>
           </p:cNvPr>
@@ -3685,7 +3711,7 @@
           <p:cNvPr id="19" name="矩形 18">
             <a:extLst>
               <a:ext uri="{FF2B5EF4-FFF2-40B4-BE49-F238E27FC236}">
-                <a16:creationId xmlns:a16="http://schemas.microsoft.com/office/drawing/2014/main" id="{53AF753D-CA91-4AD0-B5E8-B4E7C4D1F206}"/>
+                <a16:creationId xmlns:a16="http://schemas.microsoft.com/office/drawing/2014/main" xmlns="" id="{53AF753D-CA91-4AD0-B5E8-B4E7C4D1F206}"/>
               </a:ext>
             </a:extLst>
           </p:cNvPr>
@@ -3739,7 +3765,7 @@
           <p:cNvPr id="21" name="直接箭头连接符 20">
             <a:extLst>
               <a:ext uri="{FF2B5EF4-FFF2-40B4-BE49-F238E27FC236}">
-                <a16:creationId xmlns:a16="http://schemas.microsoft.com/office/drawing/2014/main" id="{3095D843-876C-4F72-9EA2-15EF0E74008A}"/>
+                <a16:creationId xmlns:a16="http://schemas.microsoft.com/office/drawing/2014/main" xmlns="" id="{3095D843-876C-4F72-9EA2-15EF0E74008A}"/>
               </a:ext>
             </a:extLst>
           </p:cNvPr>
@@ -3780,7 +3806,7 @@
           <p:cNvPr id="22" name="矩形: 圆角 21">
             <a:extLst>
               <a:ext uri="{FF2B5EF4-FFF2-40B4-BE49-F238E27FC236}">
-                <a16:creationId xmlns:a16="http://schemas.microsoft.com/office/drawing/2014/main" id="{C5042D88-42B3-4B5A-A79D-3D3290A86334}"/>
+                <a16:creationId xmlns:a16="http://schemas.microsoft.com/office/drawing/2014/main" xmlns="" id="{C5042D88-42B3-4B5A-A79D-3D3290A86334}"/>
               </a:ext>
             </a:extLst>
           </p:cNvPr>
@@ -3832,7 +3858,7 @@
           <p:cNvPr id="23" name="文本框 22">
             <a:extLst>
               <a:ext uri="{FF2B5EF4-FFF2-40B4-BE49-F238E27FC236}">
-                <a16:creationId xmlns:a16="http://schemas.microsoft.com/office/drawing/2014/main" id="{FE83ED96-E367-466A-B2A4-7C412660E398}"/>
+                <a16:creationId xmlns:a16="http://schemas.microsoft.com/office/drawing/2014/main" xmlns="" id="{FE83ED96-E367-466A-B2A4-7C412660E398}"/>
               </a:ext>
             </a:extLst>
           </p:cNvPr>
@@ -3869,7 +3895,7 @@
     </p:spTree>
     <p:extLst>
       <p:ext uri="{BB962C8B-B14F-4D97-AF65-F5344CB8AC3E}">
-        <p14:creationId xmlns:p14="http://schemas.microsoft.com/office/powerpoint/2010/main" val="174327108"/>
+        <p14:creationId xmlns:p14="http://schemas.microsoft.com/office/powerpoint/2010/main" xmlns="" val="174327108"/>
       </p:ext>
     </p:extLst>
   </p:cSld>
@@ -3901,7 +3927,7 @@
           <p:cNvPr id="2" name="标题 1">
             <a:extLst>
               <a:ext uri="{FF2B5EF4-FFF2-40B4-BE49-F238E27FC236}">
-                <a16:creationId xmlns:a16="http://schemas.microsoft.com/office/drawing/2014/main" id="{B6C4D197-916C-47F7-8B10-F2E67A8FFBD9}"/>
+                <a16:creationId xmlns:a16="http://schemas.microsoft.com/office/drawing/2014/main" xmlns="" id="{B6C4D197-916C-47F7-8B10-F2E67A8FFBD9}"/>
               </a:ext>
             </a:extLst>
           </p:cNvPr>
@@ -3929,7 +3955,7 @@
           <p:cNvPr id="4" name="矩形: 圆角 3">
             <a:extLst>
               <a:ext uri="{FF2B5EF4-FFF2-40B4-BE49-F238E27FC236}">
-                <a16:creationId xmlns:a16="http://schemas.microsoft.com/office/drawing/2014/main" id="{D549E6AC-4425-4D7D-86C1-DD8A0C1DB173}"/>
+                <a16:creationId xmlns:a16="http://schemas.microsoft.com/office/drawing/2014/main" xmlns="" id="{D549E6AC-4425-4D7D-86C1-DD8A0C1DB173}"/>
               </a:ext>
             </a:extLst>
           </p:cNvPr>
@@ -3978,7 +4004,7 @@
           <p:cNvPr id="8" name="直接箭头连接符 7">
             <a:extLst>
               <a:ext uri="{FF2B5EF4-FFF2-40B4-BE49-F238E27FC236}">
-                <a16:creationId xmlns:a16="http://schemas.microsoft.com/office/drawing/2014/main" id="{6A355F2F-6918-4B4F-8F5A-2A426A94C9C0}"/>
+                <a16:creationId xmlns:a16="http://schemas.microsoft.com/office/drawing/2014/main" xmlns="" id="{6A355F2F-6918-4B4F-8F5A-2A426A94C9C0}"/>
               </a:ext>
             </a:extLst>
           </p:cNvPr>
@@ -4019,7 +4045,7 @@
           <p:cNvPr id="9" name="矩形: 圆角 8">
             <a:extLst>
               <a:ext uri="{FF2B5EF4-FFF2-40B4-BE49-F238E27FC236}">
-                <a16:creationId xmlns:a16="http://schemas.microsoft.com/office/drawing/2014/main" id="{460BCD16-3C66-4FB5-87C2-BEBD8B72881F}"/>
+                <a16:creationId xmlns:a16="http://schemas.microsoft.com/office/drawing/2014/main" xmlns="" id="{460BCD16-3C66-4FB5-87C2-BEBD8B72881F}"/>
               </a:ext>
             </a:extLst>
           </p:cNvPr>
@@ -4068,7 +4094,7 @@
           <p:cNvPr id="11" name="直接箭头连接符 10">
             <a:extLst>
               <a:ext uri="{FF2B5EF4-FFF2-40B4-BE49-F238E27FC236}">
-                <a16:creationId xmlns:a16="http://schemas.microsoft.com/office/drawing/2014/main" id="{B7164DFB-29CE-4BED-BDF4-08B9A3A34C0C}"/>
+                <a16:creationId xmlns:a16="http://schemas.microsoft.com/office/drawing/2014/main" xmlns="" id="{B7164DFB-29CE-4BED-BDF4-08B9A3A34C0C}"/>
               </a:ext>
             </a:extLst>
           </p:cNvPr>
@@ -4109,7 +4135,7 @@
           <p:cNvPr id="12" name="矩形: 圆角 11">
             <a:extLst>
               <a:ext uri="{FF2B5EF4-FFF2-40B4-BE49-F238E27FC236}">
-                <a16:creationId xmlns:a16="http://schemas.microsoft.com/office/drawing/2014/main" id="{55B6F24D-20CB-436C-9BD3-8E1E1C79A695}"/>
+                <a16:creationId xmlns:a16="http://schemas.microsoft.com/office/drawing/2014/main" xmlns="" id="{55B6F24D-20CB-436C-9BD3-8E1E1C79A695}"/>
               </a:ext>
             </a:extLst>
           </p:cNvPr>
@@ -4159,7 +4185,7 @@
     </p:spTree>
     <p:extLst>
       <p:ext uri="{BB962C8B-B14F-4D97-AF65-F5344CB8AC3E}">
-        <p14:creationId xmlns:p14="http://schemas.microsoft.com/office/powerpoint/2010/main" val="743633490"/>
+        <p14:creationId xmlns:p14="http://schemas.microsoft.com/office/powerpoint/2010/main" xmlns="" val="743633490"/>
       </p:ext>
     </p:extLst>
   </p:cSld>
@@ -4191,7 +4217,7 @@
           <p:cNvPr id="2" name="标题 1">
             <a:extLst>
               <a:ext uri="{FF2B5EF4-FFF2-40B4-BE49-F238E27FC236}">
-                <a16:creationId xmlns:a16="http://schemas.microsoft.com/office/drawing/2014/main" id="{C1390383-5CF1-4A71-B460-F85D09520160}"/>
+                <a16:creationId xmlns:a16="http://schemas.microsoft.com/office/drawing/2014/main" xmlns="" id="{C1390383-5CF1-4A71-B460-F85D09520160}"/>
               </a:ext>
             </a:extLst>
           </p:cNvPr>
@@ -4219,7 +4245,7 @@
           <p:cNvPr id="4" name="矩形: 圆角 3">
             <a:extLst>
               <a:ext uri="{FF2B5EF4-FFF2-40B4-BE49-F238E27FC236}">
-                <a16:creationId xmlns:a16="http://schemas.microsoft.com/office/drawing/2014/main" id="{ACBEF1AA-26C9-41B3-8658-76ED47B001C5}"/>
+                <a16:creationId xmlns:a16="http://schemas.microsoft.com/office/drawing/2014/main" xmlns="" id="{ACBEF1AA-26C9-41B3-8658-76ED47B001C5}"/>
               </a:ext>
             </a:extLst>
           </p:cNvPr>
@@ -4268,7 +4294,7 @@
           <p:cNvPr id="6" name="直接箭头连接符 5">
             <a:extLst>
               <a:ext uri="{FF2B5EF4-FFF2-40B4-BE49-F238E27FC236}">
-                <a16:creationId xmlns:a16="http://schemas.microsoft.com/office/drawing/2014/main" id="{CCA418C2-22DB-4B79-9FD0-AD1664C91000}"/>
+                <a16:creationId xmlns:a16="http://schemas.microsoft.com/office/drawing/2014/main" xmlns="" id="{CCA418C2-22DB-4B79-9FD0-AD1664C91000}"/>
               </a:ext>
             </a:extLst>
           </p:cNvPr>
@@ -4309,7 +4335,7 @@
           <p:cNvPr id="7" name="矩形 6">
             <a:extLst>
               <a:ext uri="{FF2B5EF4-FFF2-40B4-BE49-F238E27FC236}">
-                <a16:creationId xmlns:a16="http://schemas.microsoft.com/office/drawing/2014/main" id="{10DF9AAC-70D3-4541-9DDF-CFB28060D21E}"/>
+                <a16:creationId xmlns:a16="http://schemas.microsoft.com/office/drawing/2014/main" xmlns="" id="{10DF9AAC-70D3-4541-9DDF-CFB28060D21E}"/>
               </a:ext>
             </a:extLst>
           </p:cNvPr>
@@ -4358,7 +4384,7 @@
           <p:cNvPr id="11" name="直接箭头连接符 10">
             <a:extLst>
               <a:ext uri="{FF2B5EF4-FFF2-40B4-BE49-F238E27FC236}">
-                <a16:creationId xmlns:a16="http://schemas.microsoft.com/office/drawing/2014/main" id="{4B3BF810-3254-48A4-A5BF-7229C47C7639}"/>
+                <a16:creationId xmlns:a16="http://schemas.microsoft.com/office/drawing/2014/main" xmlns="" id="{4B3BF810-3254-48A4-A5BF-7229C47C7639}"/>
               </a:ext>
             </a:extLst>
           </p:cNvPr>
@@ -4399,7 +4425,7 @@
           <p:cNvPr id="12" name="矩形: 圆角 11">
             <a:extLst>
               <a:ext uri="{FF2B5EF4-FFF2-40B4-BE49-F238E27FC236}">
-                <a16:creationId xmlns:a16="http://schemas.microsoft.com/office/drawing/2014/main" id="{40165D6C-D83B-4E37-A795-99EA4DE22CE0}"/>
+                <a16:creationId xmlns:a16="http://schemas.microsoft.com/office/drawing/2014/main" xmlns="" id="{40165D6C-D83B-4E37-A795-99EA4DE22CE0}"/>
               </a:ext>
             </a:extLst>
           </p:cNvPr>
@@ -4448,7 +4474,7 @@
           <p:cNvPr id="14" name="直接箭头连接符 13">
             <a:extLst>
               <a:ext uri="{FF2B5EF4-FFF2-40B4-BE49-F238E27FC236}">
-                <a16:creationId xmlns:a16="http://schemas.microsoft.com/office/drawing/2014/main" id="{56415F2F-8994-474D-BD06-864B124D3848}"/>
+                <a16:creationId xmlns:a16="http://schemas.microsoft.com/office/drawing/2014/main" xmlns="" id="{56415F2F-8994-474D-BD06-864B124D3848}"/>
               </a:ext>
             </a:extLst>
           </p:cNvPr>
@@ -4489,7 +4515,7 @@
           <p:cNvPr id="15" name="矩形: 圆角 14">
             <a:extLst>
               <a:ext uri="{FF2B5EF4-FFF2-40B4-BE49-F238E27FC236}">
-                <a16:creationId xmlns:a16="http://schemas.microsoft.com/office/drawing/2014/main" id="{A5821F84-1BB7-495E-8556-A1B3B536C774}"/>
+                <a16:creationId xmlns:a16="http://schemas.microsoft.com/office/drawing/2014/main" xmlns="" id="{A5821F84-1BB7-495E-8556-A1B3B536C774}"/>
               </a:ext>
             </a:extLst>
           </p:cNvPr>
@@ -4541,7 +4567,7 @@
           <p:cNvPr id="16" name="文本框 15">
             <a:extLst>
               <a:ext uri="{FF2B5EF4-FFF2-40B4-BE49-F238E27FC236}">
-                <a16:creationId xmlns:a16="http://schemas.microsoft.com/office/drawing/2014/main" id="{22E3F61A-B6DB-4CED-B53C-ADF3A03C51D0}"/>
+                <a16:creationId xmlns:a16="http://schemas.microsoft.com/office/drawing/2014/main" xmlns="" id="{22E3F61A-B6DB-4CED-B53C-ADF3A03C51D0}"/>
               </a:ext>
             </a:extLst>
           </p:cNvPr>
@@ -4574,7 +4600,7 @@
     </p:spTree>
     <p:extLst>
       <p:ext uri="{BB962C8B-B14F-4D97-AF65-F5344CB8AC3E}">
-        <p14:creationId xmlns:p14="http://schemas.microsoft.com/office/powerpoint/2010/main" val="131173809"/>
+        <p14:creationId xmlns:p14="http://schemas.microsoft.com/office/powerpoint/2010/main" xmlns="" val="131173809"/>
       </p:ext>
     </p:extLst>
   </p:cSld>
@@ -4603,13 +4629,7 @@
       </p:grpSpPr>
       <p:sp>
         <p:nvSpPr>
-          <p:cNvPr id="2" name="标题 1">
-            <a:extLst>
-              <a:ext uri="{FF2B5EF4-FFF2-40B4-BE49-F238E27FC236}">
-                <a16:creationId xmlns:a16="http://schemas.microsoft.com/office/drawing/2014/main" id="{1B153DF0-1A60-48C1-B09D-381DEC58075F}"/>
-              </a:ext>
-            </a:extLst>
-          </p:cNvPr>
+          <p:cNvPr id="2" name="标题 1"/>
           <p:cNvSpPr>
             <a:spLocks noGrp="1"/>
           </p:cNvSpPr>
@@ -4623,1009 +4643,1808 @@
           <a:lstStyle/>
           <a:p>
             <a:r>
-              <a:rPr lang="zh-CN" altLang="en-US" dirty="0"/>
-              <a:t>录入资源</a:t>
-            </a:r>
-          </a:p>
-        </p:txBody>
-      </p:sp>
-      <p:sp>
-        <p:nvSpPr>
-          <p:cNvPr id="4" name="矩形: 圆角 3">
-            <a:extLst>
-              <a:ext uri="{FF2B5EF4-FFF2-40B4-BE49-F238E27FC236}">
-                <a16:creationId xmlns:a16="http://schemas.microsoft.com/office/drawing/2014/main" id="{F24F2D3D-3C90-414F-9605-7EBC4C1FD133}"/>
-              </a:ext>
-            </a:extLst>
-          </p:cNvPr>
-          <p:cNvSpPr/>
+              <a:rPr lang="zh-CN" altLang="en-US" dirty="0" smtClean="0"/>
+              <a:t>资源类别管理</a:t>
+            </a:r>
+            <a:endParaRPr lang="zh-CN" altLang="en-US" dirty="0"/>
+          </a:p>
+        </p:txBody>
+      </p:sp>
+      <p:grpSp>
+        <p:nvGrpSpPr>
+          <p:cNvPr id="3" name="组合 180"/>
+          <p:cNvGrpSpPr/>
           <p:nvPr/>
-        </p:nvSpPr>
-        <p:spPr>
-          <a:xfrm>
-            <a:off x="326571" y="3153747"/>
-            <a:ext cx="1614196" cy="877077"/>
-          </a:xfrm>
-          <a:prstGeom prst="roundRect">
-            <a:avLst/>
-          </a:prstGeom>
-        </p:spPr>
-        <p:style>
-          <a:lnRef idx="2">
-            <a:schemeClr val="accent1">
-              <a:shade val="50000"/>
-            </a:schemeClr>
-          </a:lnRef>
-          <a:fillRef idx="1">
-            <a:schemeClr val="accent1"/>
-          </a:fillRef>
-          <a:effectRef idx="0">
-            <a:schemeClr val="accent1"/>
-          </a:effectRef>
-          <a:fontRef idx="minor">
-            <a:schemeClr val="lt1"/>
-          </a:fontRef>
-        </p:style>
-        <p:txBody>
-          <a:bodyPr rtlCol="0" anchor="ctr"/>
-          <a:lstStyle/>
-          <a:p>
-            <a:pPr algn="ctr"/>
-            <a:r>
-              <a:rPr lang="zh-CN" altLang="en-US" dirty="0"/>
-              <a:t>录入资源</a:t>
-            </a:r>
-          </a:p>
-        </p:txBody>
-      </p:sp>
-      <p:cxnSp>
-        <p:nvCxnSpPr>
-          <p:cNvPr id="5" name="直接箭头连接符 4">
-            <a:extLst>
-              <a:ext uri="{FF2B5EF4-FFF2-40B4-BE49-F238E27FC236}">
-                <a16:creationId xmlns:a16="http://schemas.microsoft.com/office/drawing/2014/main" id="{C1ADEA83-2977-4145-B66C-8227C05BCFA3}"/>
-              </a:ext>
-            </a:extLst>
-          </p:cNvPr>
-          <p:cNvCxnSpPr>
-            <a:cxnSpLocks/>
-          </p:cNvCxnSpPr>
-          <p:nvPr/>
-        </p:nvCxnSpPr>
-        <p:spPr>
-          <a:xfrm>
-            <a:off x="1959428" y="3592285"/>
-            <a:ext cx="345233" cy="0"/>
-          </a:xfrm>
-          <a:prstGeom prst="straightConnector1">
-            <a:avLst/>
-          </a:prstGeom>
-          <a:ln>
-            <a:tailEnd type="triangle"/>
-          </a:ln>
-        </p:spPr>
-        <p:style>
-          <a:lnRef idx="1">
-            <a:schemeClr val="accent1"/>
-          </a:lnRef>
-          <a:fillRef idx="0">
-            <a:schemeClr val="accent1"/>
-          </a:fillRef>
-          <a:effectRef idx="0">
-            <a:schemeClr val="accent1"/>
-          </a:effectRef>
-          <a:fontRef idx="minor">
-            <a:schemeClr val="tx1"/>
-          </a:fontRef>
-        </p:style>
-      </p:cxnSp>
-      <p:sp>
-        <p:nvSpPr>
-          <p:cNvPr id="8" name="矩形: 圆角 7">
-            <a:extLst>
-              <a:ext uri="{FF2B5EF4-FFF2-40B4-BE49-F238E27FC236}">
-                <a16:creationId xmlns:a16="http://schemas.microsoft.com/office/drawing/2014/main" id="{E41E16D6-B7D9-441D-8F58-C384FC71CDA3}"/>
-              </a:ext>
-            </a:extLst>
-          </p:cNvPr>
-          <p:cNvSpPr/>
-          <p:nvPr/>
-        </p:nvSpPr>
-        <p:spPr>
-          <a:xfrm>
-            <a:off x="5136502" y="1486828"/>
-            <a:ext cx="1628192" cy="550507"/>
-          </a:xfrm>
-          <a:prstGeom prst="roundRect">
-            <a:avLst/>
-          </a:prstGeom>
-        </p:spPr>
-        <p:style>
-          <a:lnRef idx="2">
-            <a:schemeClr val="accent1">
-              <a:shade val="50000"/>
-            </a:schemeClr>
-          </a:lnRef>
-          <a:fillRef idx="1">
-            <a:schemeClr val="accent1"/>
-          </a:fillRef>
-          <a:effectRef idx="0">
-            <a:schemeClr val="accent1"/>
-          </a:effectRef>
-          <a:fontRef idx="minor">
-            <a:schemeClr val="lt1"/>
-          </a:fontRef>
-        </p:style>
-        <p:txBody>
-          <a:bodyPr rtlCol="0" anchor="ctr"/>
-          <a:lstStyle/>
-          <a:p>
-            <a:pPr algn="ctr"/>
-            <a:r>
-              <a:rPr lang="zh-CN" altLang="en-US" dirty="0"/>
-              <a:t>选择资源类型</a:t>
-            </a:r>
-          </a:p>
-        </p:txBody>
-      </p:sp>
-      <p:sp>
-        <p:nvSpPr>
-          <p:cNvPr id="9" name="矩形: 圆角 8">
-            <a:extLst>
-              <a:ext uri="{FF2B5EF4-FFF2-40B4-BE49-F238E27FC236}">
-                <a16:creationId xmlns:a16="http://schemas.microsoft.com/office/drawing/2014/main" id="{D789051B-4EAF-46A6-808D-6B06CA75FD4D}"/>
-              </a:ext>
-            </a:extLst>
-          </p:cNvPr>
-          <p:cNvSpPr/>
-          <p:nvPr/>
-        </p:nvSpPr>
-        <p:spPr>
-          <a:xfrm>
-            <a:off x="10004748" y="3317026"/>
-            <a:ext cx="1891005" cy="550506"/>
-          </a:xfrm>
-          <a:prstGeom prst="roundRect">
-            <a:avLst/>
-          </a:prstGeom>
-          <a:solidFill>
-            <a:schemeClr val="accent6"/>
-          </a:solidFill>
-        </p:spPr>
-        <p:style>
-          <a:lnRef idx="2">
-            <a:schemeClr val="accent1">
-              <a:shade val="50000"/>
-            </a:schemeClr>
-          </a:lnRef>
-          <a:fillRef idx="1">
-            <a:schemeClr val="accent1"/>
-          </a:fillRef>
-          <a:effectRef idx="0">
-            <a:schemeClr val="accent1"/>
-          </a:effectRef>
-          <a:fontRef idx="minor">
-            <a:schemeClr val="lt1"/>
-          </a:fontRef>
-        </p:style>
-        <p:txBody>
-          <a:bodyPr rtlCol="0" anchor="ctr"/>
-          <a:lstStyle/>
-          <a:p>
-            <a:pPr algn="ctr"/>
-            <a:r>
-              <a:rPr lang="zh-CN" altLang="en-US" dirty="0"/>
-              <a:t>保存成功</a:t>
-            </a:r>
-          </a:p>
-        </p:txBody>
-      </p:sp>
-      <p:sp>
-        <p:nvSpPr>
-          <p:cNvPr id="13" name="菱形 12">
-            <a:extLst>
-              <a:ext uri="{FF2B5EF4-FFF2-40B4-BE49-F238E27FC236}">
-                <a16:creationId xmlns:a16="http://schemas.microsoft.com/office/drawing/2014/main" id="{DCAC3279-15F0-49D6-A37B-43137D51DF03}"/>
-              </a:ext>
-            </a:extLst>
-          </p:cNvPr>
-          <p:cNvSpPr/>
-          <p:nvPr/>
-        </p:nvSpPr>
-        <p:spPr>
-          <a:xfrm>
-            <a:off x="2313992" y="3037108"/>
-            <a:ext cx="2286000" cy="1110343"/>
-          </a:xfrm>
-          <a:prstGeom prst="diamond">
-            <a:avLst/>
-          </a:prstGeom>
-        </p:spPr>
-        <p:style>
-          <a:lnRef idx="2">
-            <a:schemeClr val="accent1">
-              <a:shade val="50000"/>
-            </a:schemeClr>
-          </a:lnRef>
-          <a:fillRef idx="1">
-            <a:schemeClr val="accent1"/>
-          </a:fillRef>
-          <a:effectRef idx="0">
-            <a:schemeClr val="accent1"/>
-          </a:effectRef>
-          <a:fontRef idx="minor">
-            <a:schemeClr val="lt1"/>
-          </a:fontRef>
-        </p:style>
-        <p:txBody>
-          <a:bodyPr rtlCol="0" anchor="ctr"/>
-          <a:lstStyle/>
-          <a:p>
-            <a:pPr algn="ctr"/>
-            <a:r>
-              <a:rPr lang="zh-CN" altLang="en-US" dirty="0"/>
-              <a:t>是否有所录资源类型</a:t>
-            </a:r>
-          </a:p>
-        </p:txBody>
-      </p:sp>
-      <p:cxnSp>
-        <p:nvCxnSpPr>
-          <p:cNvPr id="17" name="连接符: 肘形 16">
-            <a:extLst>
-              <a:ext uri="{FF2B5EF4-FFF2-40B4-BE49-F238E27FC236}">
-                <a16:creationId xmlns:a16="http://schemas.microsoft.com/office/drawing/2014/main" id="{61CCB5EB-A947-4A69-86F6-CCB0FB1D8901}"/>
-              </a:ext>
-            </a:extLst>
-          </p:cNvPr>
-          <p:cNvCxnSpPr>
-            <a:cxnSpLocks/>
-            <a:stCxn id="13" idx="3"/>
-            <a:endCxn id="8" idx="1"/>
-          </p:cNvCxnSpPr>
-          <p:nvPr/>
-        </p:nvCxnSpPr>
-        <p:spPr>
-          <a:xfrm flipV="1">
-            <a:off x="4599992" y="1762082"/>
-            <a:ext cx="536510" cy="1830198"/>
-          </a:xfrm>
-          <a:prstGeom prst="bentConnector3">
-            <a:avLst/>
-          </a:prstGeom>
-          <a:ln>
-            <a:tailEnd type="triangle"/>
-          </a:ln>
-        </p:spPr>
-        <p:style>
-          <a:lnRef idx="1">
-            <a:schemeClr val="accent1"/>
-          </a:lnRef>
-          <a:fillRef idx="0">
-            <a:schemeClr val="accent1"/>
-          </a:fillRef>
-          <a:effectRef idx="0">
-            <a:schemeClr val="accent1"/>
-          </a:effectRef>
-          <a:fontRef idx="minor">
-            <a:schemeClr val="tx1"/>
-          </a:fontRef>
-        </p:style>
-      </p:cxnSp>
-      <p:cxnSp>
-        <p:nvCxnSpPr>
-          <p:cNvPr id="22" name="直接箭头连接符 21">
-            <a:extLst>
-              <a:ext uri="{FF2B5EF4-FFF2-40B4-BE49-F238E27FC236}">
-                <a16:creationId xmlns:a16="http://schemas.microsoft.com/office/drawing/2014/main" id="{2BB20DE5-0255-4363-97F3-2C34B9BAC636}"/>
-              </a:ext>
-            </a:extLst>
-          </p:cNvPr>
-          <p:cNvCxnSpPr>
-            <a:cxnSpLocks/>
-          </p:cNvCxnSpPr>
-          <p:nvPr/>
-        </p:nvCxnSpPr>
-        <p:spPr>
-          <a:xfrm>
-            <a:off x="6764694" y="1761133"/>
-            <a:ext cx="317241" cy="0"/>
-          </a:xfrm>
-          <a:prstGeom prst="straightConnector1">
-            <a:avLst/>
-          </a:prstGeom>
-          <a:ln>
-            <a:tailEnd type="triangle"/>
-          </a:ln>
-        </p:spPr>
-        <p:style>
-          <a:lnRef idx="1">
-            <a:schemeClr val="accent1"/>
-          </a:lnRef>
-          <a:fillRef idx="0">
-            <a:schemeClr val="accent1"/>
-          </a:fillRef>
-          <a:effectRef idx="0">
-            <a:schemeClr val="accent1"/>
-          </a:effectRef>
-          <a:fontRef idx="minor">
-            <a:schemeClr val="tx1"/>
-          </a:fontRef>
-        </p:style>
-      </p:cxnSp>
-      <p:sp>
-        <p:nvSpPr>
-          <p:cNvPr id="24" name="矩形: 圆角 23">
-            <a:extLst>
-              <a:ext uri="{FF2B5EF4-FFF2-40B4-BE49-F238E27FC236}">
-                <a16:creationId xmlns:a16="http://schemas.microsoft.com/office/drawing/2014/main" id="{86E0FD28-DFBA-4E9D-864E-048CA92FD6F2}"/>
-              </a:ext>
-            </a:extLst>
-          </p:cNvPr>
-          <p:cNvSpPr/>
-          <p:nvPr/>
-        </p:nvSpPr>
-        <p:spPr>
-          <a:xfrm>
-            <a:off x="7105262" y="1485879"/>
-            <a:ext cx="1628192" cy="550507"/>
-          </a:xfrm>
-          <a:prstGeom prst="roundRect">
-            <a:avLst/>
-          </a:prstGeom>
-        </p:spPr>
-        <p:style>
-          <a:lnRef idx="2">
-            <a:schemeClr val="accent1">
-              <a:shade val="50000"/>
-            </a:schemeClr>
-          </a:lnRef>
-          <a:fillRef idx="1">
-            <a:schemeClr val="accent1"/>
-          </a:fillRef>
-          <a:effectRef idx="0">
-            <a:schemeClr val="accent1"/>
-          </a:effectRef>
-          <a:fontRef idx="minor">
-            <a:schemeClr val="lt1"/>
-          </a:fontRef>
-        </p:style>
-        <p:txBody>
-          <a:bodyPr rtlCol="0" anchor="ctr"/>
-          <a:lstStyle/>
-          <a:p>
-            <a:pPr algn="ctr"/>
-            <a:r>
-              <a:rPr lang="zh-CN" altLang="en-US" dirty="0"/>
-              <a:t>点击录入，打开录入弹窗</a:t>
-            </a:r>
-          </a:p>
-        </p:txBody>
-      </p:sp>
-      <p:cxnSp>
-        <p:nvCxnSpPr>
-          <p:cNvPr id="31" name="直接箭头连接符 30">
-            <a:extLst>
-              <a:ext uri="{FF2B5EF4-FFF2-40B4-BE49-F238E27FC236}">
-                <a16:creationId xmlns:a16="http://schemas.microsoft.com/office/drawing/2014/main" id="{E1493994-2C4D-46B4-9B8E-FC3EDCB32634}"/>
-              </a:ext>
-            </a:extLst>
-          </p:cNvPr>
-          <p:cNvCxnSpPr>
-            <a:cxnSpLocks/>
-            <a:stCxn id="24" idx="3"/>
-            <a:endCxn id="32" idx="1"/>
-          </p:cNvCxnSpPr>
-          <p:nvPr/>
-        </p:nvCxnSpPr>
-        <p:spPr>
-          <a:xfrm>
-            <a:off x="8733454" y="1761133"/>
-            <a:ext cx="1367712" cy="7917"/>
-          </a:xfrm>
-          <a:prstGeom prst="straightConnector1">
-            <a:avLst/>
-          </a:prstGeom>
-          <a:ln>
-            <a:tailEnd type="triangle"/>
-          </a:ln>
-        </p:spPr>
-        <p:style>
-          <a:lnRef idx="1">
-            <a:schemeClr val="accent1"/>
-          </a:lnRef>
-          <a:fillRef idx="0">
-            <a:schemeClr val="accent1"/>
-          </a:fillRef>
-          <a:effectRef idx="0">
-            <a:schemeClr val="accent1"/>
-          </a:effectRef>
-          <a:fontRef idx="minor">
-            <a:schemeClr val="tx1"/>
-          </a:fontRef>
-        </p:style>
-      </p:cxnSp>
-      <p:sp>
-        <p:nvSpPr>
-          <p:cNvPr id="32" name="矩形: 圆角 31">
-            <a:extLst>
-              <a:ext uri="{FF2B5EF4-FFF2-40B4-BE49-F238E27FC236}">
-                <a16:creationId xmlns:a16="http://schemas.microsoft.com/office/drawing/2014/main" id="{D3E7677B-F2C6-45FA-8DE8-F727EDA190CF}"/>
-              </a:ext>
-            </a:extLst>
-          </p:cNvPr>
-          <p:cNvSpPr/>
-          <p:nvPr/>
-        </p:nvSpPr>
-        <p:spPr>
-          <a:xfrm>
-            <a:off x="10101166" y="1401646"/>
-            <a:ext cx="1698171" cy="734807"/>
-          </a:xfrm>
-          <a:prstGeom prst="roundRect">
-            <a:avLst/>
-          </a:prstGeom>
-        </p:spPr>
-        <p:style>
-          <a:lnRef idx="2">
-            <a:schemeClr val="accent1">
-              <a:shade val="50000"/>
-            </a:schemeClr>
-          </a:lnRef>
-          <a:fillRef idx="1">
-            <a:schemeClr val="accent1"/>
-          </a:fillRef>
-          <a:effectRef idx="0">
-            <a:schemeClr val="accent1"/>
-          </a:effectRef>
-          <a:fontRef idx="minor">
-            <a:schemeClr val="lt1"/>
-          </a:fontRef>
-        </p:style>
-        <p:txBody>
-          <a:bodyPr rtlCol="0" anchor="ctr"/>
-          <a:lstStyle/>
-          <a:p>
-            <a:pPr algn="ctr"/>
-            <a:r>
-              <a:rPr lang="zh-CN" altLang="en-US" dirty="0"/>
-              <a:t>录入字段，点击保存</a:t>
-            </a:r>
-          </a:p>
-        </p:txBody>
-      </p:sp>
-      <p:cxnSp>
-        <p:nvCxnSpPr>
-          <p:cNvPr id="36" name="直接箭头连接符 35">
-            <a:extLst>
-              <a:ext uri="{FF2B5EF4-FFF2-40B4-BE49-F238E27FC236}">
-                <a16:creationId xmlns:a16="http://schemas.microsoft.com/office/drawing/2014/main" id="{C5822B38-04B4-4B46-AE3C-30126499ECAC}"/>
-              </a:ext>
-            </a:extLst>
-          </p:cNvPr>
-          <p:cNvCxnSpPr>
-            <a:stCxn id="32" idx="2"/>
-            <a:endCxn id="9" idx="0"/>
-          </p:cNvCxnSpPr>
-          <p:nvPr/>
-        </p:nvCxnSpPr>
-        <p:spPr>
-          <a:xfrm flipH="1">
-            <a:off x="10950251" y="2136453"/>
-            <a:ext cx="1" cy="1180573"/>
-          </a:xfrm>
-          <a:prstGeom prst="straightConnector1">
-            <a:avLst/>
-          </a:prstGeom>
-          <a:ln>
-            <a:tailEnd type="triangle"/>
-          </a:ln>
-        </p:spPr>
-        <p:style>
-          <a:lnRef idx="1">
-            <a:schemeClr val="accent1"/>
-          </a:lnRef>
-          <a:fillRef idx="0">
-            <a:schemeClr val="accent1"/>
-          </a:fillRef>
-          <a:effectRef idx="0">
-            <a:schemeClr val="accent1"/>
-          </a:effectRef>
-          <a:fontRef idx="minor">
-            <a:schemeClr val="tx1"/>
-          </a:fontRef>
-        </p:style>
-      </p:cxnSp>
-      <p:sp>
-        <p:nvSpPr>
-          <p:cNvPr id="38" name="文本框 37">
-            <a:extLst>
-              <a:ext uri="{FF2B5EF4-FFF2-40B4-BE49-F238E27FC236}">
-                <a16:creationId xmlns:a16="http://schemas.microsoft.com/office/drawing/2014/main" id="{C055368F-6126-4BE4-8190-285EB58D59D8}"/>
-              </a:ext>
-            </a:extLst>
-          </p:cNvPr>
-          <p:cNvSpPr txBox="1"/>
-          <p:nvPr/>
-        </p:nvSpPr>
-        <p:spPr>
-          <a:xfrm>
-            <a:off x="4449495" y="2726739"/>
-            <a:ext cx="415498" cy="369332"/>
-          </a:xfrm>
-          <a:prstGeom prst="rect">
-            <a:avLst/>
-          </a:prstGeom>
-          <a:noFill/>
-        </p:spPr>
-        <p:txBody>
-          <a:bodyPr wrap="none" rtlCol="0">
-            <a:spAutoFit/>
-          </a:bodyPr>
-          <a:lstStyle/>
-          <a:p>
-            <a:r>
-              <a:rPr lang="zh-CN" altLang="en-US" dirty="0">
-                <a:solidFill>
-                  <a:srgbClr val="FF0000"/>
-                </a:solidFill>
-              </a:rPr>
-              <a:t>是</a:t>
-            </a:r>
-          </a:p>
-        </p:txBody>
-      </p:sp>
-      <p:cxnSp>
-        <p:nvCxnSpPr>
-          <p:cNvPr id="40" name="连接符: 肘形 39">
-            <a:extLst>
-              <a:ext uri="{FF2B5EF4-FFF2-40B4-BE49-F238E27FC236}">
-                <a16:creationId xmlns:a16="http://schemas.microsoft.com/office/drawing/2014/main" id="{58E7B1DC-2A85-47CC-84F3-6D4E6E9A8A3E}"/>
-              </a:ext>
-            </a:extLst>
-          </p:cNvPr>
-          <p:cNvCxnSpPr>
-            <a:cxnSpLocks/>
-            <a:endCxn id="42" idx="0"/>
-          </p:cNvCxnSpPr>
-          <p:nvPr/>
-        </p:nvCxnSpPr>
-        <p:spPr>
-          <a:xfrm rot="5400000">
-            <a:off x="3858218" y="4227247"/>
-            <a:ext cx="2020063" cy="2"/>
-          </a:xfrm>
-          <a:prstGeom prst="bentConnector3">
-            <a:avLst/>
-          </a:prstGeom>
-          <a:ln>
-            <a:tailEnd type="triangle"/>
-          </a:ln>
-        </p:spPr>
-        <p:style>
-          <a:lnRef idx="1">
-            <a:schemeClr val="accent1"/>
-          </a:lnRef>
-          <a:fillRef idx="0">
-            <a:schemeClr val="accent1"/>
-          </a:fillRef>
-          <a:effectRef idx="0">
-            <a:schemeClr val="accent1"/>
-          </a:effectRef>
-          <a:fontRef idx="minor">
-            <a:schemeClr val="tx1"/>
-          </a:fontRef>
-        </p:style>
-      </p:cxnSp>
-      <p:sp>
-        <p:nvSpPr>
-          <p:cNvPr id="41" name="文本框 40">
-            <a:extLst>
-              <a:ext uri="{FF2B5EF4-FFF2-40B4-BE49-F238E27FC236}">
-                <a16:creationId xmlns:a16="http://schemas.microsoft.com/office/drawing/2014/main" id="{19129B04-F042-4BE8-A718-BED57C746EEE}"/>
-              </a:ext>
-            </a:extLst>
-          </p:cNvPr>
-          <p:cNvSpPr txBox="1"/>
-          <p:nvPr/>
-        </p:nvSpPr>
-        <p:spPr>
-          <a:xfrm>
-            <a:off x="4446399" y="4283904"/>
-            <a:ext cx="415498" cy="369332"/>
-          </a:xfrm>
-          <a:prstGeom prst="rect">
-            <a:avLst/>
-          </a:prstGeom>
-          <a:noFill/>
-        </p:spPr>
-        <p:txBody>
-          <a:bodyPr wrap="none" rtlCol="0">
-            <a:spAutoFit/>
-          </a:bodyPr>
-          <a:lstStyle/>
-          <a:p>
-            <a:r>
-              <a:rPr lang="zh-CN" altLang="en-US" dirty="0">
-                <a:solidFill>
-                  <a:srgbClr val="FF0000"/>
-                </a:solidFill>
-              </a:rPr>
-              <a:t>否</a:t>
-            </a:r>
-          </a:p>
-        </p:txBody>
-      </p:sp>
-      <p:sp>
-        <p:nvSpPr>
-          <p:cNvPr id="42" name="矩形 41">
-            <a:extLst>
-              <a:ext uri="{FF2B5EF4-FFF2-40B4-BE49-F238E27FC236}">
-                <a16:creationId xmlns:a16="http://schemas.microsoft.com/office/drawing/2014/main" id="{22A53CAA-1C49-4CD0-8D4C-B888527327E4}"/>
-              </a:ext>
-            </a:extLst>
-          </p:cNvPr>
-          <p:cNvSpPr/>
-          <p:nvPr/>
-        </p:nvSpPr>
-        <p:spPr>
-          <a:xfrm>
-            <a:off x="4205774" y="5237280"/>
-            <a:ext cx="1324947" cy="587829"/>
-          </a:xfrm>
-          <a:prstGeom prst="rect">
-            <a:avLst/>
-          </a:prstGeom>
-        </p:spPr>
-        <p:style>
-          <a:lnRef idx="2">
-            <a:schemeClr val="accent1">
-              <a:shade val="50000"/>
-            </a:schemeClr>
-          </a:lnRef>
-          <a:fillRef idx="1">
-            <a:schemeClr val="accent1"/>
-          </a:fillRef>
-          <a:effectRef idx="0">
-            <a:schemeClr val="accent1"/>
-          </a:effectRef>
-          <a:fontRef idx="minor">
-            <a:schemeClr val="lt1"/>
-          </a:fontRef>
-        </p:style>
-        <p:txBody>
-          <a:bodyPr rtlCol="0" anchor="ctr"/>
-          <a:lstStyle/>
-          <a:p>
-            <a:pPr algn="ctr"/>
-            <a:r>
-              <a:rPr lang="zh-CN" altLang="en-US" dirty="0"/>
-              <a:t>新建类型</a:t>
-            </a:r>
-          </a:p>
-        </p:txBody>
-      </p:sp>
-      <p:sp>
-        <p:nvSpPr>
-          <p:cNvPr id="43" name="矩形: 圆角 42">
-            <a:extLst>
-              <a:ext uri="{FF2B5EF4-FFF2-40B4-BE49-F238E27FC236}">
-                <a16:creationId xmlns:a16="http://schemas.microsoft.com/office/drawing/2014/main" id="{7EEC6CE3-D4C9-4442-9279-0FC0FCC11353}"/>
-              </a:ext>
-            </a:extLst>
-          </p:cNvPr>
-          <p:cNvSpPr/>
-          <p:nvPr/>
-        </p:nvSpPr>
-        <p:spPr>
-          <a:xfrm>
-            <a:off x="6487411" y="5187813"/>
-            <a:ext cx="1378469" cy="718447"/>
-          </a:xfrm>
-          <a:prstGeom prst="roundRect">
-            <a:avLst/>
-          </a:prstGeom>
-        </p:spPr>
-        <p:style>
-          <a:lnRef idx="2">
-            <a:schemeClr val="accent1">
-              <a:shade val="50000"/>
-            </a:schemeClr>
-          </a:lnRef>
-          <a:fillRef idx="1">
-            <a:schemeClr val="accent1"/>
-          </a:fillRef>
-          <a:effectRef idx="0">
-            <a:schemeClr val="accent1"/>
-          </a:effectRef>
-          <a:fontRef idx="minor">
-            <a:schemeClr val="lt1"/>
-          </a:fontRef>
-        </p:style>
-        <p:txBody>
-          <a:bodyPr rtlCol="0" anchor="ctr"/>
-          <a:lstStyle/>
-          <a:p>
-            <a:pPr algn="ctr"/>
-            <a:r>
-              <a:rPr lang="zh-CN" altLang="en-US" dirty="0"/>
-              <a:t>点击新增资源按钮</a:t>
-            </a:r>
-          </a:p>
-        </p:txBody>
-      </p:sp>
-      <p:sp>
-        <p:nvSpPr>
-          <p:cNvPr id="44" name="矩形: 圆角 43">
-            <a:extLst>
-              <a:ext uri="{FF2B5EF4-FFF2-40B4-BE49-F238E27FC236}">
-                <a16:creationId xmlns:a16="http://schemas.microsoft.com/office/drawing/2014/main" id="{2CB6F585-06A9-4640-AF89-229764894BE7}"/>
-              </a:ext>
-            </a:extLst>
-          </p:cNvPr>
-          <p:cNvSpPr/>
-          <p:nvPr/>
-        </p:nvSpPr>
-        <p:spPr>
-          <a:xfrm>
-            <a:off x="8270985" y="5169143"/>
-            <a:ext cx="1283607" cy="755779"/>
-          </a:xfrm>
-          <a:prstGeom prst="roundRect">
-            <a:avLst/>
-          </a:prstGeom>
-        </p:spPr>
-        <p:style>
-          <a:lnRef idx="2">
-            <a:schemeClr val="accent1">
-              <a:shade val="50000"/>
-            </a:schemeClr>
-          </a:lnRef>
-          <a:fillRef idx="1">
-            <a:schemeClr val="accent1"/>
-          </a:fillRef>
-          <a:effectRef idx="0">
-            <a:schemeClr val="accent1"/>
-          </a:effectRef>
-          <a:fontRef idx="minor">
-            <a:schemeClr val="lt1"/>
-          </a:fontRef>
-        </p:style>
-        <p:txBody>
-          <a:bodyPr rtlCol="0" anchor="ctr"/>
-          <a:lstStyle/>
-          <a:p>
-            <a:pPr algn="ctr"/>
-            <a:r>
-              <a:rPr lang="zh-CN" altLang="en-US" dirty="0"/>
-              <a:t>输入资源类型</a:t>
-            </a:r>
-          </a:p>
-        </p:txBody>
-      </p:sp>
-      <p:sp>
-        <p:nvSpPr>
-          <p:cNvPr id="45" name="矩形: 圆角 44">
-            <a:extLst>
-              <a:ext uri="{FF2B5EF4-FFF2-40B4-BE49-F238E27FC236}">
-                <a16:creationId xmlns:a16="http://schemas.microsoft.com/office/drawing/2014/main" id="{BBB02D88-4A5D-436A-B599-8ACF19988F6D}"/>
-              </a:ext>
-            </a:extLst>
-          </p:cNvPr>
-          <p:cNvSpPr/>
-          <p:nvPr/>
-        </p:nvSpPr>
-        <p:spPr>
-          <a:xfrm>
-            <a:off x="8059361" y="3429000"/>
-            <a:ext cx="1706854" cy="882641"/>
-          </a:xfrm>
-          <a:prstGeom prst="roundRect">
-            <a:avLst/>
-          </a:prstGeom>
-        </p:spPr>
-        <p:style>
-          <a:lnRef idx="2">
-            <a:schemeClr val="accent1">
-              <a:shade val="50000"/>
-            </a:schemeClr>
-          </a:lnRef>
-          <a:fillRef idx="1">
-            <a:schemeClr val="accent1"/>
-          </a:fillRef>
-          <a:effectRef idx="0">
-            <a:schemeClr val="accent1"/>
-          </a:effectRef>
-          <a:fontRef idx="minor">
-            <a:schemeClr val="lt1"/>
-          </a:fontRef>
-        </p:style>
-        <p:txBody>
-          <a:bodyPr rtlCol="0" anchor="ctr"/>
-          <a:lstStyle/>
-          <a:p>
-            <a:pPr algn="ctr"/>
-            <a:r>
-              <a:rPr lang="zh-CN" altLang="en-US" dirty="0"/>
-              <a:t>输入属性名称和属性类型</a:t>
-            </a:r>
-          </a:p>
-        </p:txBody>
-      </p:sp>
-      <p:cxnSp>
-        <p:nvCxnSpPr>
-          <p:cNvPr id="50" name="直接箭头连接符 49">
-            <a:extLst>
-              <a:ext uri="{FF2B5EF4-FFF2-40B4-BE49-F238E27FC236}">
-                <a16:creationId xmlns:a16="http://schemas.microsoft.com/office/drawing/2014/main" id="{8C095344-4BB6-4046-9AF9-1345C0A6FE41}"/>
-              </a:ext>
-            </a:extLst>
-          </p:cNvPr>
-          <p:cNvCxnSpPr>
-            <a:stCxn id="42" idx="3"/>
-            <a:endCxn id="43" idx="1"/>
-          </p:cNvCxnSpPr>
-          <p:nvPr/>
-        </p:nvCxnSpPr>
-        <p:spPr>
-          <a:xfrm>
-            <a:off x="5530721" y="5531195"/>
-            <a:ext cx="956690" cy="15842"/>
-          </a:xfrm>
-          <a:prstGeom prst="straightConnector1">
-            <a:avLst/>
-          </a:prstGeom>
-          <a:ln>
-            <a:tailEnd type="triangle"/>
-          </a:ln>
-        </p:spPr>
-        <p:style>
-          <a:lnRef idx="1">
-            <a:schemeClr val="accent1"/>
-          </a:lnRef>
-          <a:fillRef idx="0">
-            <a:schemeClr val="accent1"/>
-          </a:fillRef>
-          <a:effectRef idx="0">
-            <a:schemeClr val="accent1"/>
-          </a:effectRef>
-          <a:fontRef idx="minor">
-            <a:schemeClr val="tx1"/>
-          </a:fontRef>
-        </p:style>
-      </p:cxnSp>
-      <p:cxnSp>
-        <p:nvCxnSpPr>
-          <p:cNvPr id="52" name="直接箭头连接符 51">
-            <a:extLst>
-              <a:ext uri="{FF2B5EF4-FFF2-40B4-BE49-F238E27FC236}">
-                <a16:creationId xmlns:a16="http://schemas.microsoft.com/office/drawing/2014/main" id="{0C7ACE7F-3FB4-4F3A-96B2-7A14A468BD48}"/>
-              </a:ext>
-            </a:extLst>
-          </p:cNvPr>
-          <p:cNvCxnSpPr>
-            <a:stCxn id="43" idx="3"/>
-            <a:endCxn id="44" idx="1"/>
-          </p:cNvCxnSpPr>
-          <p:nvPr/>
-        </p:nvCxnSpPr>
-        <p:spPr>
-          <a:xfrm flipV="1">
-            <a:off x="7865880" y="5547033"/>
-            <a:ext cx="405105" cy="4"/>
-          </a:xfrm>
-          <a:prstGeom prst="straightConnector1">
-            <a:avLst/>
-          </a:prstGeom>
-          <a:ln>
-            <a:tailEnd type="triangle"/>
-          </a:ln>
-        </p:spPr>
-        <p:style>
-          <a:lnRef idx="1">
-            <a:schemeClr val="accent1"/>
-          </a:lnRef>
-          <a:fillRef idx="0">
-            <a:schemeClr val="accent1"/>
-          </a:fillRef>
-          <a:effectRef idx="0">
-            <a:schemeClr val="accent1"/>
-          </a:effectRef>
-          <a:fontRef idx="minor">
-            <a:schemeClr val="tx1"/>
-          </a:fontRef>
-        </p:style>
-      </p:cxnSp>
-      <p:cxnSp>
-        <p:nvCxnSpPr>
-          <p:cNvPr id="60" name="连接符: 肘形 59">
-            <a:extLst>
-              <a:ext uri="{FF2B5EF4-FFF2-40B4-BE49-F238E27FC236}">
-                <a16:creationId xmlns:a16="http://schemas.microsoft.com/office/drawing/2014/main" id="{11057A49-1D8D-44F2-A469-1B3C296E495A}"/>
-              </a:ext>
-            </a:extLst>
-          </p:cNvPr>
-          <p:cNvCxnSpPr>
-            <a:stCxn id="45" idx="1"/>
-            <a:endCxn id="8" idx="2"/>
-          </p:cNvCxnSpPr>
-          <p:nvPr/>
-        </p:nvCxnSpPr>
-        <p:spPr>
-          <a:xfrm rot="10800000">
-            <a:off x="5950599" y="2037335"/>
-            <a:ext cx="2108763" cy="1832986"/>
-          </a:xfrm>
-          <a:prstGeom prst="bentConnector2">
-            <a:avLst/>
-          </a:prstGeom>
-          <a:ln>
-            <a:tailEnd type="triangle"/>
-          </a:ln>
-        </p:spPr>
-        <p:style>
-          <a:lnRef idx="1">
-            <a:schemeClr val="accent1"/>
-          </a:lnRef>
-          <a:fillRef idx="0">
-            <a:schemeClr val="accent1"/>
-          </a:fillRef>
-          <a:effectRef idx="0">
-            <a:schemeClr val="accent1"/>
-          </a:effectRef>
-          <a:fontRef idx="minor">
-            <a:schemeClr val="tx1"/>
-          </a:fontRef>
-        </p:style>
-      </p:cxnSp>
-      <p:cxnSp>
-        <p:nvCxnSpPr>
-          <p:cNvPr id="62" name="直接箭头连接符 61">
-            <a:extLst>
-              <a:ext uri="{FF2B5EF4-FFF2-40B4-BE49-F238E27FC236}">
-                <a16:creationId xmlns:a16="http://schemas.microsoft.com/office/drawing/2014/main" id="{F264F3D7-4C04-4A43-87AC-A119066112C0}"/>
-              </a:ext>
-            </a:extLst>
-          </p:cNvPr>
-          <p:cNvCxnSpPr>
-            <a:stCxn id="44" idx="0"/>
-            <a:endCxn id="45" idx="2"/>
-          </p:cNvCxnSpPr>
-          <p:nvPr/>
-        </p:nvCxnSpPr>
-        <p:spPr>
-          <a:xfrm flipH="1" flipV="1">
-            <a:off x="8912788" y="4311641"/>
-            <a:ext cx="1" cy="857502"/>
-          </a:xfrm>
-          <a:prstGeom prst="straightConnector1">
-            <a:avLst/>
-          </a:prstGeom>
-          <a:ln>
-            <a:tailEnd type="triangle"/>
-          </a:ln>
-        </p:spPr>
-        <p:style>
-          <a:lnRef idx="1">
-            <a:schemeClr val="accent1"/>
-          </a:lnRef>
-          <a:fillRef idx="0">
-            <a:schemeClr val="accent1"/>
-          </a:fillRef>
-          <a:effectRef idx="0">
-            <a:schemeClr val="accent1"/>
-          </a:effectRef>
-          <a:fontRef idx="minor">
-            <a:schemeClr val="tx1"/>
-          </a:fontRef>
-        </p:style>
-      </p:cxnSp>
+        </p:nvGrpSpPr>
+        <p:grpSpPr>
+          <a:xfrm>
+            <a:off x="575187" y="1578077"/>
+            <a:ext cx="11395593" cy="4969105"/>
+            <a:chOff x="575187" y="1578077"/>
+            <a:chExt cx="11395593" cy="4969105"/>
+          </a:xfrm>
+        </p:grpSpPr>
+        <p:sp>
+          <p:nvSpPr>
+            <p:cNvPr id="4" name="矩形: 圆角 3">
+              <a:extLst>
+                <a:ext uri="{FF2B5EF4-FFF2-40B4-BE49-F238E27FC236}">
+                  <a16:creationId xmlns:a16="http://schemas.microsoft.com/office/drawing/2014/main" xmlns="" id="{F24F2D3D-3C90-414F-9605-7EBC4C1FD133}"/>
+                </a:ext>
+              </a:extLst>
+            </p:cNvPr>
+            <p:cNvSpPr/>
+            <p:nvPr/>
+          </p:nvSpPr>
+          <p:spPr>
+            <a:xfrm>
+              <a:off x="575187" y="3153748"/>
+              <a:ext cx="722671" cy="474356"/>
+            </a:xfrm>
+            <a:prstGeom prst="roundRect">
+              <a:avLst/>
+            </a:prstGeom>
+          </p:spPr>
+          <p:style>
+            <a:lnRef idx="2">
+              <a:schemeClr val="accent1">
+                <a:shade val="50000"/>
+              </a:schemeClr>
+            </a:lnRef>
+            <a:fillRef idx="1">
+              <a:schemeClr val="accent1"/>
+            </a:fillRef>
+            <a:effectRef idx="0">
+              <a:schemeClr val="accent1"/>
+            </a:effectRef>
+            <a:fontRef idx="minor">
+              <a:schemeClr val="lt1"/>
+            </a:fontRef>
+          </p:style>
+          <p:txBody>
+            <a:bodyPr rtlCol="0" anchor="ctr"/>
+            <a:lstStyle/>
+            <a:p>
+              <a:pPr algn="ctr"/>
+              <a:r>
+                <a:rPr lang="zh-CN" altLang="en-US" dirty="0" smtClean="0"/>
+                <a:t>开始</a:t>
+              </a:r>
+              <a:endParaRPr lang="zh-CN" altLang="en-US" dirty="0"/>
+            </a:p>
+          </p:txBody>
+        </p:sp>
+        <p:sp>
+          <p:nvSpPr>
+            <p:cNvPr id="8" name="菱形 7">
+              <a:extLst>
+                <a:ext uri="{FF2B5EF4-FFF2-40B4-BE49-F238E27FC236}">
+                  <a16:creationId xmlns:a16="http://schemas.microsoft.com/office/drawing/2014/main" xmlns="" id="{DCAC3279-15F0-49D6-A37B-43137D51DF03}"/>
+                </a:ext>
+              </a:extLst>
+            </p:cNvPr>
+            <p:cNvSpPr/>
+            <p:nvPr/>
+          </p:nvSpPr>
+          <p:spPr>
+            <a:xfrm>
+              <a:off x="5086688" y="5249356"/>
+              <a:ext cx="2243260" cy="1048194"/>
+            </a:xfrm>
+            <a:prstGeom prst="diamond">
+              <a:avLst/>
+            </a:prstGeom>
+          </p:spPr>
+          <p:style>
+            <a:lnRef idx="2">
+              <a:schemeClr val="accent1">
+                <a:shade val="50000"/>
+              </a:schemeClr>
+            </a:lnRef>
+            <a:fillRef idx="1">
+              <a:schemeClr val="accent1"/>
+            </a:fillRef>
+            <a:effectRef idx="0">
+              <a:schemeClr val="accent1"/>
+            </a:effectRef>
+            <a:fontRef idx="minor">
+              <a:schemeClr val="lt1"/>
+            </a:fontRef>
+          </p:style>
+          <p:txBody>
+            <a:bodyPr rtlCol="0" anchor="ctr"/>
+            <a:lstStyle/>
+            <a:p>
+              <a:pPr algn="ctr"/>
+              <a:r>
+                <a:rPr lang="zh-CN" altLang="en-US" dirty="0"/>
+                <a:t>是否</a:t>
+              </a:r>
+              <a:r>
+                <a:rPr lang="zh-CN" altLang="en-US" dirty="0" smtClean="0"/>
+                <a:t>有</a:t>
+              </a:r>
+              <a:endParaRPr lang="en-US" altLang="zh-CN" dirty="0" smtClean="0"/>
+            </a:p>
+            <a:p>
+              <a:pPr algn="ctr"/>
+              <a:r>
+                <a:rPr lang="zh-CN" altLang="en-US" dirty="0" smtClean="0"/>
+                <a:t>资源内容</a:t>
+              </a:r>
+              <a:endParaRPr lang="zh-CN" altLang="en-US" dirty="0"/>
+            </a:p>
+          </p:txBody>
+        </p:sp>
+        <p:cxnSp>
+          <p:nvCxnSpPr>
+            <p:cNvPr id="9" name="连接符: 肘形 16">
+              <a:extLst>
+                <a:ext uri="{FF2B5EF4-FFF2-40B4-BE49-F238E27FC236}">
+                  <a16:creationId xmlns:a16="http://schemas.microsoft.com/office/drawing/2014/main" xmlns="" id="{61CCB5EB-A947-4A69-86F6-CCB0FB1D8901}"/>
+                </a:ext>
+              </a:extLst>
+            </p:cNvPr>
+            <p:cNvCxnSpPr>
+              <a:cxnSpLocks/>
+              <a:stCxn id="4" idx="3"/>
+              <a:endCxn id="40" idx="1"/>
+            </p:cNvCxnSpPr>
+            <p:nvPr/>
+          </p:nvCxnSpPr>
+          <p:spPr>
+            <a:xfrm flipV="1">
+              <a:off x="1297858" y="2021071"/>
+              <a:ext cx="327017" cy="1369855"/>
+            </a:xfrm>
+            <a:prstGeom prst="bentConnector3">
+              <a:avLst>
+                <a:gd name="adj1" fmla="val 50000"/>
+              </a:avLst>
+            </a:prstGeom>
+            <a:ln>
+              <a:tailEnd type="triangle"/>
+            </a:ln>
+          </p:spPr>
+          <p:style>
+            <a:lnRef idx="1">
+              <a:schemeClr val="accent1"/>
+            </a:lnRef>
+            <a:fillRef idx="0">
+              <a:schemeClr val="accent1"/>
+            </a:fillRef>
+            <a:effectRef idx="0">
+              <a:schemeClr val="accent1"/>
+            </a:effectRef>
+            <a:fontRef idx="minor">
+              <a:schemeClr val="tx1"/>
+            </a:fontRef>
+          </p:style>
+        </p:cxnSp>
+        <p:cxnSp>
+          <p:nvCxnSpPr>
+            <p:cNvPr id="10" name="直接箭头连接符 9">
+              <a:extLst>
+                <a:ext uri="{FF2B5EF4-FFF2-40B4-BE49-F238E27FC236}">
+                  <a16:creationId xmlns:a16="http://schemas.microsoft.com/office/drawing/2014/main" xmlns="" id="{2BB20DE5-0255-4363-97F3-2C34B9BAC636}"/>
+                </a:ext>
+              </a:extLst>
+            </p:cNvPr>
+            <p:cNvCxnSpPr>
+              <a:cxnSpLocks/>
+              <a:stCxn id="45" idx="3"/>
+              <a:endCxn id="56" idx="1"/>
+            </p:cNvCxnSpPr>
+            <p:nvPr/>
+          </p:nvCxnSpPr>
+          <p:spPr>
+            <a:xfrm flipV="1">
+              <a:off x="5619185" y="2020528"/>
+              <a:ext cx="870144" cy="543"/>
+            </a:xfrm>
+            <a:prstGeom prst="straightConnector1">
+              <a:avLst/>
+            </a:prstGeom>
+            <a:ln>
+              <a:tailEnd type="triangle"/>
+            </a:ln>
+          </p:spPr>
+          <p:style>
+            <a:lnRef idx="1">
+              <a:schemeClr val="accent1"/>
+            </a:lnRef>
+            <a:fillRef idx="0">
+              <a:schemeClr val="accent1"/>
+            </a:fillRef>
+            <a:effectRef idx="0">
+              <a:schemeClr val="accent1"/>
+            </a:effectRef>
+            <a:fontRef idx="minor">
+              <a:schemeClr val="tx1"/>
+            </a:fontRef>
+          </p:style>
+        </p:cxnSp>
+        <p:cxnSp>
+          <p:nvCxnSpPr>
+            <p:cNvPr id="16" name="连接符: 肘形 39">
+              <a:extLst>
+                <a:ext uri="{FF2B5EF4-FFF2-40B4-BE49-F238E27FC236}">
+                  <a16:creationId xmlns:a16="http://schemas.microsoft.com/office/drawing/2014/main" xmlns="" id="{58E7B1DC-2A85-47CC-84F3-6D4E6E9A8A3E}"/>
+                </a:ext>
+              </a:extLst>
+            </p:cNvPr>
+            <p:cNvCxnSpPr>
+              <a:cxnSpLocks/>
+              <a:stCxn id="8" idx="2"/>
+              <a:endCxn id="75" idx="2"/>
+            </p:cNvCxnSpPr>
+            <p:nvPr/>
+          </p:nvCxnSpPr>
+          <p:spPr>
+            <a:xfrm rot="5400000" flipH="1" flipV="1">
+              <a:off x="7470918" y="2159024"/>
+              <a:ext cx="2875925" cy="5401127"/>
+            </a:xfrm>
+            <a:prstGeom prst="bentConnector3">
+              <a:avLst>
+                <a:gd name="adj1" fmla="val -7949"/>
+              </a:avLst>
+            </a:prstGeom>
+            <a:ln>
+              <a:tailEnd type="triangle"/>
+            </a:ln>
+          </p:spPr>
+          <p:style>
+            <a:lnRef idx="1">
+              <a:schemeClr val="accent1"/>
+            </a:lnRef>
+            <a:fillRef idx="0">
+              <a:schemeClr val="accent1"/>
+            </a:fillRef>
+            <a:effectRef idx="0">
+              <a:schemeClr val="accent1"/>
+            </a:effectRef>
+            <a:fontRef idx="minor">
+              <a:schemeClr val="tx1"/>
+            </a:fontRef>
+          </p:style>
+        </p:cxnSp>
+        <p:sp>
+          <p:nvSpPr>
+            <p:cNvPr id="17" name="文本框 40">
+              <a:extLst>
+                <a:ext uri="{FF2B5EF4-FFF2-40B4-BE49-F238E27FC236}">
+                  <a16:creationId xmlns:a16="http://schemas.microsoft.com/office/drawing/2014/main" xmlns="" id="{19129B04-F042-4BE8-A718-BED57C746EEE}"/>
+                </a:ext>
+              </a:extLst>
+            </p:cNvPr>
+            <p:cNvSpPr txBox="1"/>
+            <p:nvPr/>
+          </p:nvSpPr>
+          <p:spPr>
+            <a:xfrm>
+              <a:off x="7219095" y="5404769"/>
+              <a:ext cx="415498" cy="369332"/>
+            </a:xfrm>
+            <a:prstGeom prst="rect">
+              <a:avLst/>
+            </a:prstGeom>
+            <a:noFill/>
+          </p:spPr>
+          <p:txBody>
+            <a:bodyPr wrap="none" rtlCol="0">
+              <a:spAutoFit/>
+            </a:bodyPr>
+            <a:lstStyle/>
+            <a:p>
+              <a:r>
+                <a:rPr lang="zh-CN" altLang="en-US" dirty="0">
+                  <a:solidFill>
+                    <a:srgbClr val="FF0000"/>
+                  </a:solidFill>
+                </a:rPr>
+                <a:t>否</a:t>
+              </a:r>
+            </a:p>
+          </p:txBody>
+        </p:sp>
+        <p:cxnSp>
+          <p:nvCxnSpPr>
+            <p:cNvPr id="22" name="直接箭头连接符 21">
+              <a:extLst>
+                <a:ext uri="{FF2B5EF4-FFF2-40B4-BE49-F238E27FC236}">
+                  <a16:creationId xmlns:a16="http://schemas.microsoft.com/office/drawing/2014/main" xmlns="" id="{8C095344-4BB6-4046-9AF9-1345C0A6FE41}"/>
+                </a:ext>
+              </a:extLst>
+            </p:cNvPr>
+            <p:cNvCxnSpPr>
+              <a:stCxn id="68" idx="3"/>
+              <a:endCxn id="89" idx="1"/>
+            </p:cNvCxnSpPr>
+            <p:nvPr/>
+          </p:nvCxnSpPr>
+          <p:spPr>
+            <a:xfrm flipV="1">
+              <a:off x="9365226" y="3186193"/>
+              <a:ext cx="294992" cy="1"/>
+            </a:xfrm>
+            <a:prstGeom prst="straightConnector1">
+              <a:avLst/>
+            </a:prstGeom>
+            <a:ln>
+              <a:tailEnd type="triangle"/>
+            </a:ln>
+          </p:spPr>
+          <p:style>
+            <a:lnRef idx="1">
+              <a:schemeClr val="accent1"/>
+            </a:lnRef>
+            <a:fillRef idx="0">
+              <a:schemeClr val="accent1"/>
+            </a:fillRef>
+            <a:effectRef idx="0">
+              <a:schemeClr val="accent1"/>
+            </a:effectRef>
+            <a:fontRef idx="minor">
+              <a:schemeClr val="tx1"/>
+            </a:fontRef>
+          </p:style>
+        </p:cxnSp>
+        <p:cxnSp>
+          <p:nvCxnSpPr>
+            <p:cNvPr id="23" name="直接箭头连接符 22">
+              <a:extLst>
+                <a:ext uri="{FF2B5EF4-FFF2-40B4-BE49-F238E27FC236}">
+                  <a16:creationId xmlns:a16="http://schemas.microsoft.com/office/drawing/2014/main" xmlns="" id="{0C7ACE7F-3FB4-4F3A-96B2-7A14A468BD48}"/>
+                </a:ext>
+              </a:extLst>
+            </p:cNvPr>
+            <p:cNvCxnSpPr>
+              <a:stCxn id="122" idx="3"/>
+              <a:endCxn id="8" idx="1"/>
+            </p:cNvCxnSpPr>
+            <p:nvPr/>
+          </p:nvCxnSpPr>
+          <p:spPr>
+            <a:xfrm>
+              <a:off x="4557271" y="5767149"/>
+              <a:ext cx="529417" cy="6304"/>
+            </a:xfrm>
+            <a:prstGeom prst="straightConnector1">
+              <a:avLst/>
+            </a:prstGeom>
+            <a:ln>
+              <a:tailEnd type="triangle"/>
+            </a:ln>
+          </p:spPr>
+          <p:style>
+            <a:lnRef idx="1">
+              <a:schemeClr val="accent1"/>
+            </a:lnRef>
+            <a:fillRef idx="0">
+              <a:schemeClr val="accent1"/>
+            </a:fillRef>
+            <a:effectRef idx="0">
+              <a:schemeClr val="accent1"/>
+            </a:effectRef>
+            <a:fontRef idx="minor">
+              <a:schemeClr val="tx1"/>
+            </a:fontRef>
+          </p:style>
+        </p:cxnSp>
+        <p:cxnSp>
+          <p:nvCxnSpPr>
+            <p:cNvPr id="24" name="连接符: 肘形 59">
+              <a:extLst>
+                <a:ext uri="{FF2B5EF4-FFF2-40B4-BE49-F238E27FC236}">
+                  <a16:creationId xmlns:a16="http://schemas.microsoft.com/office/drawing/2014/main" xmlns="" id="{11057A49-1D8D-44F2-A469-1B3C296E495A}"/>
+                </a:ext>
+              </a:extLst>
+            </p:cNvPr>
+            <p:cNvCxnSpPr>
+              <a:stCxn id="56" idx="3"/>
+              <a:endCxn id="68" idx="1"/>
+            </p:cNvCxnSpPr>
+            <p:nvPr/>
+          </p:nvCxnSpPr>
+          <p:spPr>
+            <a:xfrm>
+              <a:off x="8126400" y="2020528"/>
+              <a:ext cx="368694" cy="1165666"/>
+            </a:xfrm>
+            <a:prstGeom prst="bentConnector3">
+              <a:avLst>
+                <a:gd name="adj1" fmla="val 50000"/>
+              </a:avLst>
+            </a:prstGeom>
+            <a:ln>
+              <a:tailEnd type="triangle"/>
+            </a:ln>
+          </p:spPr>
+          <p:style>
+            <a:lnRef idx="1">
+              <a:schemeClr val="accent1"/>
+            </a:lnRef>
+            <a:fillRef idx="0">
+              <a:schemeClr val="accent1"/>
+            </a:fillRef>
+            <a:effectRef idx="0">
+              <a:schemeClr val="accent1"/>
+            </a:effectRef>
+            <a:fontRef idx="minor">
+              <a:schemeClr val="tx1"/>
+            </a:fontRef>
+          </p:style>
+        </p:cxnSp>
+        <p:cxnSp>
+          <p:nvCxnSpPr>
+            <p:cNvPr id="25" name="直接箭头连接符 24">
+              <a:extLst>
+                <a:ext uri="{FF2B5EF4-FFF2-40B4-BE49-F238E27FC236}">
+                  <a16:creationId xmlns:a16="http://schemas.microsoft.com/office/drawing/2014/main" xmlns="" id="{F264F3D7-4C04-4A43-87AC-A119066112C0}"/>
+                </a:ext>
+              </a:extLst>
+            </p:cNvPr>
+            <p:cNvCxnSpPr>
+              <a:stCxn id="116" idx="3"/>
+              <a:endCxn id="82" idx="1"/>
+            </p:cNvCxnSpPr>
+            <p:nvPr/>
+          </p:nvCxnSpPr>
+          <p:spPr>
+            <a:xfrm flipV="1">
+              <a:off x="2772740" y="3820374"/>
+              <a:ext cx="179454" cy="3"/>
+            </a:xfrm>
+            <a:prstGeom prst="straightConnector1">
+              <a:avLst/>
+            </a:prstGeom>
+            <a:ln>
+              <a:tailEnd type="triangle"/>
+            </a:ln>
+          </p:spPr>
+          <p:style>
+            <a:lnRef idx="1">
+              <a:schemeClr val="accent1"/>
+            </a:lnRef>
+            <a:fillRef idx="0">
+              <a:schemeClr val="accent1"/>
+            </a:fillRef>
+            <a:effectRef idx="0">
+              <a:schemeClr val="accent1"/>
+            </a:effectRef>
+            <a:fontRef idx="minor">
+              <a:schemeClr val="tx1"/>
+            </a:fontRef>
+          </p:style>
+        </p:cxnSp>
+        <p:sp>
+          <p:nvSpPr>
+            <p:cNvPr id="40" name="矩形 39">
+              <a:extLst>
+                <a:ext uri="{FF2B5EF4-FFF2-40B4-BE49-F238E27FC236}">
+                  <a16:creationId xmlns:a16="http://schemas.microsoft.com/office/drawing/2014/main" xmlns="" id="{22A53CAA-1C49-4CD0-8D4C-B888527327E4}"/>
+                </a:ext>
+              </a:extLst>
+            </p:cNvPr>
+            <p:cNvSpPr/>
+            <p:nvPr/>
+          </p:nvSpPr>
+          <p:spPr>
+            <a:xfrm>
+              <a:off x="1624875" y="1727156"/>
+              <a:ext cx="1560832" cy="587829"/>
+            </a:xfrm>
+            <a:prstGeom prst="rect">
+              <a:avLst/>
+            </a:prstGeom>
+          </p:spPr>
+          <p:style>
+            <a:lnRef idx="2">
+              <a:schemeClr val="accent1">
+                <a:shade val="50000"/>
+              </a:schemeClr>
+            </a:lnRef>
+            <a:fillRef idx="1">
+              <a:schemeClr val="accent1"/>
+            </a:fillRef>
+            <a:effectRef idx="0">
+              <a:schemeClr val="accent1"/>
+            </a:effectRef>
+            <a:fontRef idx="minor">
+              <a:schemeClr val="lt1"/>
+            </a:fontRef>
+          </p:style>
+          <p:txBody>
+            <a:bodyPr rtlCol="0" anchor="ctr"/>
+            <a:lstStyle/>
+            <a:p>
+              <a:pPr algn="ctr"/>
+              <a:r>
+                <a:rPr lang="zh-CN" altLang="en-US" dirty="0" smtClean="0"/>
+                <a:t>点击</a:t>
+              </a:r>
+              <a:endParaRPr lang="en-US" altLang="zh-CN" dirty="0" smtClean="0"/>
+            </a:p>
+            <a:p>
+              <a:pPr algn="ctr"/>
+              <a:r>
+                <a:rPr lang="zh-CN" altLang="en-US" dirty="0" smtClean="0"/>
+                <a:t>新增资源类别</a:t>
+              </a:r>
+              <a:endParaRPr lang="zh-CN" altLang="en-US" dirty="0"/>
+            </a:p>
+          </p:txBody>
+        </p:sp>
+        <p:sp>
+          <p:nvSpPr>
+            <p:cNvPr id="45" name="矩形 44">
+              <a:extLst>
+                <a:ext uri="{FF2B5EF4-FFF2-40B4-BE49-F238E27FC236}">
+                  <a16:creationId xmlns:a16="http://schemas.microsoft.com/office/drawing/2014/main" xmlns="" id="{22A53CAA-1C49-4CD0-8D4C-B888527327E4}"/>
+                </a:ext>
+              </a:extLst>
+            </p:cNvPr>
+            <p:cNvSpPr/>
+            <p:nvPr/>
+          </p:nvSpPr>
+          <p:spPr>
+            <a:xfrm>
+              <a:off x="3982114" y="1727156"/>
+              <a:ext cx="1637071" cy="587829"/>
+            </a:xfrm>
+            <a:prstGeom prst="rect">
+              <a:avLst/>
+            </a:prstGeom>
+          </p:spPr>
+          <p:style>
+            <a:lnRef idx="2">
+              <a:schemeClr val="accent1">
+                <a:shade val="50000"/>
+              </a:schemeClr>
+            </a:lnRef>
+            <a:fillRef idx="1">
+              <a:schemeClr val="accent1"/>
+            </a:fillRef>
+            <a:effectRef idx="0">
+              <a:schemeClr val="accent1"/>
+            </a:effectRef>
+            <a:fontRef idx="minor">
+              <a:schemeClr val="lt1"/>
+            </a:fontRef>
+          </p:style>
+          <p:txBody>
+            <a:bodyPr rtlCol="0" anchor="ctr"/>
+            <a:lstStyle/>
+            <a:p>
+              <a:pPr algn="ctr"/>
+              <a:r>
+                <a:rPr lang="zh-CN" altLang="en-US" dirty="0" smtClean="0"/>
+                <a:t>录入</a:t>
+              </a:r>
+              <a:endParaRPr lang="en-US" altLang="zh-CN" dirty="0" smtClean="0"/>
+            </a:p>
+            <a:p>
+              <a:pPr algn="ctr"/>
+              <a:r>
+                <a:rPr lang="zh-CN" altLang="en-US" dirty="0" smtClean="0"/>
+                <a:t>资源类别名称</a:t>
+              </a:r>
+              <a:endParaRPr lang="zh-CN" altLang="en-US" dirty="0"/>
+            </a:p>
+          </p:txBody>
+        </p:sp>
+        <p:cxnSp>
+          <p:nvCxnSpPr>
+            <p:cNvPr id="51" name="直接箭头连接符 50">
+              <a:extLst>
+                <a:ext uri="{FF2B5EF4-FFF2-40B4-BE49-F238E27FC236}">
+                  <a16:creationId xmlns:a16="http://schemas.microsoft.com/office/drawing/2014/main" xmlns="" id="{C1ADEA83-2977-4145-B66C-8227C05BCFA3}"/>
+                </a:ext>
+              </a:extLst>
+            </p:cNvPr>
+            <p:cNvCxnSpPr>
+              <a:cxnSpLocks/>
+              <a:stCxn id="40" idx="3"/>
+              <a:endCxn id="45" idx="1"/>
+            </p:cNvCxnSpPr>
+            <p:nvPr/>
+          </p:nvCxnSpPr>
+          <p:spPr>
+            <a:xfrm>
+              <a:off x="3185707" y="2021071"/>
+              <a:ext cx="796407" cy="1588"/>
+            </a:xfrm>
+            <a:prstGeom prst="straightConnector1">
+              <a:avLst/>
+            </a:prstGeom>
+            <a:ln>
+              <a:tailEnd type="triangle"/>
+            </a:ln>
+          </p:spPr>
+          <p:style>
+            <a:lnRef idx="1">
+              <a:schemeClr val="accent1"/>
+            </a:lnRef>
+            <a:fillRef idx="0">
+              <a:schemeClr val="accent1"/>
+            </a:fillRef>
+            <a:effectRef idx="0">
+              <a:schemeClr val="accent1"/>
+            </a:effectRef>
+            <a:fontRef idx="minor">
+              <a:schemeClr val="tx1"/>
+            </a:fontRef>
+          </p:style>
+        </p:cxnSp>
+        <p:sp>
+          <p:nvSpPr>
+            <p:cNvPr id="56" name="矩形 55">
+              <a:extLst>
+                <a:ext uri="{FF2B5EF4-FFF2-40B4-BE49-F238E27FC236}">
+                  <a16:creationId xmlns:a16="http://schemas.microsoft.com/office/drawing/2014/main" xmlns="" id="{22A53CAA-1C49-4CD0-8D4C-B888527327E4}"/>
+                </a:ext>
+              </a:extLst>
+            </p:cNvPr>
+            <p:cNvSpPr/>
+            <p:nvPr/>
+          </p:nvSpPr>
+          <p:spPr>
+            <a:xfrm>
+              <a:off x="6489329" y="1578077"/>
+              <a:ext cx="1637071" cy="884902"/>
+            </a:xfrm>
+            <a:prstGeom prst="rect">
+              <a:avLst/>
+            </a:prstGeom>
+          </p:spPr>
+          <p:style>
+            <a:lnRef idx="2">
+              <a:schemeClr val="accent1">
+                <a:shade val="50000"/>
+              </a:schemeClr>
+            </a:lnRef>
+            <a:fillRef idx="1">
+              <a:schemeClr val="accent1"/>
+            </a:fillRef>
+            <a:effectRef idx="0">
+              <a:schemeClr val="accent1"/>
+            </a:effectRef>
+            <a:fontRef idx="minor">
+              <a:schemeClr val="lt1"/>
+            </a:fontRef>
+          </p:style>
+          <p:txBody>
+            <a:bodyPr rtlCol="0" anchor="ctr"/>
+            <a:lstStyle/>
+            <a:p>
+              <a:pPr algn="ctr"/>
+              <a:r>
+                <a:rPr lang="zh-CN" altLang="en-US" dirty="0" smtClean="0"/>
+                <a:t>录入</a:t>
+              </a:r>
+              <a:endParaRPr lang="en-US" altLang="zh-CN" dirty="0" smtClean="0"/>
+            </a:p>
+            <a:p>
+              <a:pPr algn="ctr"/>
+              <a:r>
+                <a:rPr lang="zh-CN" altLang="en-US" dirty="0" smtClean="0"/>
+                <a:t>资源类别属性及定义</a:t>
+              </a:r>
+              <a:endParaRPr lang="zh-CN" altLang="en-US" dirty="0"/>
+            </a:p>
+          </p:txBody>
+        </p:sp>
+        <p:sp>
+          <p:nvSpPr>
+            <p:cNvPr id="68" name="矩形 67">
+              <a:extLst>
+                <a:ext uri="{FF2B5EF4-FFF2-40B4-BE49-F238E27FC236}">
+                  <a16:creationId xmlns:a16="http://schemas.microsoft.com/office/drawing/2014/main" xmlns="" id="{22A53CAA-1C49-4CD0-8D4C-B888527327E4}"/>
+                </a:ext>
+              </a:extLst>
+            </p:cNvPr>
+            <p:cNvSpPr/>
+            <p:nvPr/>
+          </p:nvSpPr>
+          <p:spPr>
+            <a:xfrm>
+              <a:off x="8495094" y="2892279"/>
+              <a:ext cx="870132" cy="587829"/>
+            </a:xfrm>
+            <a:prstGeom prst="rect">
+              <a:avLst/>
+            </a:prstGeom>
+          </p:spPr>
+          <p:style>
+            <a:lnRef idx="2">
+              <a:schemeClr val="accent1">
+                <a:shade val="50000"/>
+              </a:schemeClr>
+            </a:lnRef>
+            <a:fillRef idx="1">
+              <a:schemeClr val="accent1"/>
+            </a:fillRef>
+            <a:effectRef idx="0">
+              <a:schemeClr val="accent1"/>
+            </a:effectRef>
+            <a:fontRef idx="minor">
+              <a:schemeClr val="lt1"/>
+            </a:fontRef>
+          </p:style>
+          <p:txBody>
+            <a:bodyPr rtlCol="0" anchor="ctr"/>
+            <a:lstStyle/>
+            <a:p>
+              <a:pPr algn="ctr"/>
+              <a:r>
+                <a:rPr lang="zh-CN" altLang="en-US" dirty="0" smtClean="0"/>
+                <a:t>保存</a:t>
+              </a:r>
+              <a:endParaRPr lang="zh-CN" altLang="en-US" dirty="0"/>
+            </a:p>
+          </p:txBody>
+        </p:sp>
+        <p:sp>
+          <p:nvSpPr>
+            <p:cNvPr id="75" name="矩形: 圆角 3">
+              <a:extLst>
+                <a:ext uri="{FF2B5EF4-FFF2-40B4-BE49-F238E27FC236}">
+                  <a16:creationId xmlns:a16="http://schemas.microsoft.com/office/drawing/2014/main" xmlns="" id="{F24F2D3D-3C90-414F-9605-7EBC4C1FD133}"/>
+                </a:ext>
+              </a:extLst>
+            </p:cNvPr>
+            <p:cNvSpPr/>
+            <p:nvPr/>
+          </p:nvSpPr>
+          <p:spPr>
+            <a:xfrm>
+              <a:off x="11248109" y="2947269"/>
+              <a:ext cx="722671" cy="474356"/>
+            </a:xfrm>
+            <a:prstGeom prst="roundRect">
+              <a:avLst/>
+            </a:prstGeom>
+          </p:spPr>
+          <p:style>
+            <a:lnRef idx="2">
+              <a:schemeClr val="accent1">
+                <a:shade val="50000"/>
+              </a:schemeClr>
+            </a:lnRef>
+            <a:fillRef idx="1">
+              <a:schemeClr val="accent1"/>
+            </a:fillRef>
+            <a:effectRef idx="0">
+              <a:schemeClr val="accent1"/>
+            </a:effectRef>
+            <a:fontRef idx="minor">
+              <a:schemeClr val="lt1"/>
+            </a:fontRef>
+          </p:style>
+          <p:txBody>
+            <a:bodyPr rtlCol="0" anchor="ctr"/>
+            <a:lstStyle/>
+            <a:p>
+              <a:pPr algn="ctr"/>
+              <a:r>
+                <a:rPr lang="zh-CN" altLang="en-US" dirty="0" smtClean="0"/>
+                <a:t>结束</a:t>
+              </a:r>
+              <a:endParaRPr lang="zh-CN" altLang="en-US" dirty="0"/>
+            </a:p>
+          </p:txBody>
+        </p:sp>
+        <p:sp>
+          <p:nvSpPr>
+            <p:cNvPr id="82" name="矩形 81">
+              <a:extLst>
+                <a:ext uri="{FF2B5EF4-FFF2-40B4-BE49-F238E27FC236}">
+                  <a16:creationId xmlns:a16="http://schemas.microsoft.com/office/drawing/2014/main" xmlns="" id="{22A53CAA-1C49-4CD0-8D4C-B888527327E4}"/>
+                </a:ext>
+              </a:extLst>
+            </p:cNvPr>
+            <p:cNvSpPr/>
+            <p:nvPr/>
+          </p:nvSpPr>
+          <p:spPr>
+            <a:xfrm>
+              <a:off x="2952194" y="3526459"/>
+              <a:ext cx="1560832" cy="587829"/>
+            </a:xfrm>
+            <a:prstGeom prst="rect">
+              <a:avLst/>
+            </a:prstGeom>
+          </p:spPr>
+          <p:style>
+            <a:lnRef idx="2">
+              <a:schemeClr val="accent1">
+                <a:shade val="50000"/>
+              </a:schemeClr>
+            </a:lnRef>
+            <a:fillRef idx="1">
+              <a:schemeClr val="accent1"/>
+            </a:fillRef>
+            <a:effectRef idx="0">
+              <a:schemeClr val="accent1"/>
+            </a:effectRef>
+            <a:fontRef idx="minor">
+              <a:schemeClr val="lt1"/>
+            </a:fontRef>
+          </p:style>
+          <p:txBody>
+            <a:bodyPr rtlCol="0" anchor="ctr"/>
+            <a:lstStyle/>
+            <a:p>
+              <a:pPr algn="ctr"/>
+              <a:r>
+                <a:rPr lang="zh-CN" altLang="en-US" dirty="0" smtClean="0"/>
+                <a:t>点击</a:t>
+              </a:r>
+              <a:endParaRPr lang="en-US" altLang="zh-CN" dirty="0" smtClean="0"/>
+            </a:p>
+            <a:p>
+              <a:pPr algn="ctr"/>
+              <a:r>
+                <a:rPr lang="zh-CN" altLang="en-US" dirty="0" smtClean="0"/>
+                <a:t>修改资源类别</a:t>
+              </a:r>
+              <a:endParaRPr lang="zh-CN" altLang="en-US" dirty="0"/>
+            </a:p>
+          </p:txBody>
+        </p:sp>
+        <p:sp>
+          <p:nvSpPr>
+            <p:cNvPr id="83" name="矩形 82">
+              <a:extLst>
+                <a:ext uri="{FF2B5EF4-FFF2-40B4-BE49-F238E27FC236}">
+                  <a16:creationId xmlns:a16="http://schemas.microsoft.com/office/drawing/2014/main" xmlns="" id="{22A53CAA-1C49-4CD0-8D4C-B888527327E4}"/>
+                </a:ext>
+              </a:extLst>
+            </p:cNvPr>
+            <p:cNvSpPr/>
+            <p:nvPr/>
+          </p:nvSpPr>
+          <p:spPr>
+            <a:xfrm>
+              <a:off x="4692510" y="3526459"/>
+              <a:ext cx="1560832" cy="587829"/>
+            </a:xfrm>
+            <a:prstGeom prst="rect">
+              <a:avLst/>
+            </a:prstGeom>
+          </p:spPr>
+          <p:style>
+            <a:lnRef idx="2">
+              <a:schemeClr val="accent1">
+                <a:shade val="50000"/>
+              </a:schemeClr>
+            </a:lnRef>
+            <a:fillRef idx="1">
+              <a:schemeClr val="accent1"/>
+            </a:fillRef>
+            <a:effectRef idx="0">
+              <a:schemeClr val="accent1"/>
+            </a:effectRef>
+            <a:fontRef idx="minor">
+              <a:schemeClr val="lt1"/>
+            </a:fontRef>
+          </p:style>
+          <p:txBody>
+            <a:bodyPr rtlCol="0" anchor="ctr"/>
+            <a:lstStyle/>
+            <a:p>
+              <a:pPr algn="ctr"/>
+              <a:r>
+                <a:rPr lang="zh-CN" altLang="en-US" dirty="0" smtClean="0"/>
+                <a:t>修改</a:t>
+              </a:r>
+              <a:endParaRPr lang="en-US" altLang="zh-CN" dirty="0" smtClean="0"/>
+            </a:p>
+            <a:p>
+              <a:pPr algn="ctr"/>
+              <a:r>
+                <a:rPr lang="zh-CN" altLang="en-US" dirty="0" smtClean="0"/>
+                <a:t>资源</a:t>
+              </a:r>
+              <a:r>
+                <a:rPr lang="zh-CN" altLang="en-US" dirty="0" smtClean="0"/>
+                <a:t>类别</a:t>
+              </a:r>
+              <a:r>
+                <a:rPr lang="zh-CN" altLang="en-US" dirty="0" smtClean="0"/>
+                <a:t>名称</a:t>
+              </a:r>
+              <a:endParaRPr lang="zh-CN" altLang="en-US" dirty="0" smtClean="0"/>
+            </a:p>
+          </p:txBody>
+        </p:sp>
+        <p:sp>
+          <p:nvSpPr>
+            <p:cNvPr id="86" name="矩形 85">
+              <a:extLst>
+                <a:ext uri="{FF2B5EF4-FFF2-40B4-BE49-F238E27FC236}">
+                  <a16:creationId xmlns:a16="http://schemas.microsoft.com/office/drawing/2014/main" xmlns="" id="{22A53CAA-1C49-4CD0-8D4C-B888527327E4}"/>
+                </a:ext>
+              </a:extLst>
+            </p:cNvPr>
+            <p:cNvSpPr/>
+            <p:nvPr/>
+          </p:nvSpPr>
+          <p:spPr>
+            <a:xfrm>
+              <a:off x="6489326" y="3377371"/>
+              <a:ext cx="1637071" cy="884902"/>
+            </a:xfrm>
+            <a:prstGeom prst="rect">
+              <a:avLst/>
+            </a:prstGeom>
+          </p:spPr>
+          <p:style>
+            <a:lnRef idx="2">
+              <a:schemeClr val="accent1">
+                <a:shade val="50000"/>
+              </a:schemeClr>
+            </a:lnRef>
+            <a:fillRef idx="1">
+              <a:schemeClr val="accent1"/>
+            </a:fillRef>
+            <a:effectRef idx="0">
+              <a:schemeClr val="accent1"/>
+            </a:effectRef>
+            <a:fontRef idx="minor">
+              <a:schemeClr val="lt1"/>
+            </a:fontRef>
+          </p:style>
+          <p:txBody>
+            <a:bodyPr rtlCol="0" anchor="ctr"/>
+            <a:lstStyle/>
+            <a:p>
+              <a:pPr algn="ctr"/>
+              <a:r>
+                <a:rPr lang="zh-CN" altLang="en-US" dirty="0" smtClean="0"/>
+                <a:t>修改</a:t>
+              </a:r>
+              <a:endParaRPr lang="en-US" altLang="zh-CN" dirty="0" smtClean="0"/>
+            </a:p>
+            <a:p>
+              <a:pPr algn="ctr"/>
+              <a:r>
+                <a:rPr lang="zh-CN" altLang="en-US" dirty="0" smtClean="0"/>
+                <a:t>资源类别属性及定义</a:t>
+              </a:r>
+              <a:endParaRPr lang="zh-CN" altLang="en-US" dirty="0"/>
+            </a:p>
+          </p:txBody>
+        </p:sp>
+        <p:sp>
+          <p:nvSpPr>
+            <p:cNvPr id="89" name="矩形 88">
+              <a:extLst>
+                <a:ext uri="{FF2B5EF4-FFF2-40B4-BE49-F238E27FC236}">
+                  <a16:creationId xmlns:a16="http://schemas.microsoft.com/office/drawing/2014/main" xmlns="" id="{22A53CAA-1C49-4CD0-8D4C-B888527327E4}"/>
+                </a:ext>
+              </a:extLst>
+            </p:cNvPr>
+            <p:cNvSpPr/>
+            <p:nvPr/>
+          </p:nvSpPr>
+          <p:spPr>
+            <a:xfrm>
+              <a:off x="9660218" y="2892278"/>
+              <a:ext cx="1253600" cy="587829"/>
+            </a:xfrm>
+            <a:prstGeom prst="rect">
+              <a:avLst/>
+            </a:prstGeom>
+          </p:spPr>
+          <p:style>
+            <a:lnRef idx="2">
+              <a:schemeClr val="accent1">
+                <a:shade val="50000"/>
+              </a:schemeClr>
+            </a:lnRef>
+            <a:fillRef idx="1">
+              <a:schemeClr val="accent1"/>
+            </a:fillRef>
+            <a:effectRef idx="0">
+              <a:schemeClr val="accent1"/>
+            </a:effectRef>
+            <a:fontRef idx="minor">
+              <a:schemeClr val="lt1"/>
+            </a:fontRef>
+          </p:style>
+          <p:txBody>
+            <a:bodyPr rtlCol="0" anchor="ctr"/>
+            <a:lstStyle/>
+            <a:p>
+              <a:pPr algn="ctr"/>
+              <a:r>
+                <a:rPr lang="zh-CN" altLang="en-US" dirty="0" smtClean="0"/>
+                <a:t>查看</a:t>
+              </a:r>
+              <a:endParaRPr lang="en-US" altLang="zh-CN" dirty="0" smtClean="0"/>
+            </a:p>
+            <a:p>
+              <a:pPr algn="ctr"/>
+              <a:r>
+                <a:rPr lang="zh-CN" altLang="en-US" dirty="0" smtClean="0"/>
+                <a:t>保存结果</a:t>
+              </a:r>
+              <a:endParaRPr lang="zh-CN" altLang="en-US" dirty="0"/>
+            </a:p>
+          </p:txBody>
+        </p:sp>
+        <p:cxnSp>
+          <p:nvCxnSpPr>
+            <p:cNvPr id="92" name="直接箭头连接符 91">
+              <a:extLst>
+                <a:ext uri="{FF2B5EF4-FFF2-40B4-BE49-F238E27FC236}">
+                  <a16:creationId xmlns:a16="http://schemas.microsoft.com/office/drawing/2014/main" xmlns="" id="{8C095344-4BB6-4046-9AF9-1345C0A6FE41}"/>
+                </a:ext>
+              </a:extLst>
+            </p:cNvPr>
+            <p:cNvCxnSpPr>
+              <a:stCxn id="89" idx="3"/>
+              <a:endCxn id="75" idx="1"/>
+            </p:cNvCxnSpPr>
+            <p:nvPr/>
+          </p:nvCxnSpPr>
+          <p:spPr>
+            <a:xfrm flipV="1">
+              <a:off x="10913818" y="3184447"/>
+              <a:ext cx="334291" cy="1746"/>
+            </a:xfrm>
+            <a:prstGeom prst="straightConnector1">
+              <a:avLst/>
+            </a:prstGeom>
+            <a:ln>
+              <a:tailEnd type="triangle"/>
+            </a:ln>
+          </p:spPr>
+          <p:style>
+            <a:lnRef idx="1">
+              <a:schemeClr val="accent1"/>
+            </a:lnRef>
+            <a:fillRef idx="0">
+              <a:schemeClr val="accent1"/>
+            </a:fillRef>
+            <a:effectRef idx="0">
+              <a:schemeClr val="accent1"/>
+            </a:effectRef>
+            <a:fontRef idx="minor">
+              <a:schemeClr val="tx1"/>
+            </a:fontRef>
+          </p:style>
+        </p:cxnSp>
+        <p:cxnSp>
+          <p:nvCxnSpPr>
+            <p:cNvPr id="101" name="连接符: 肘形 16">
+              <a:extLst>
+                <a:ext uri="{FF2B5EF4-FFF2-40B4-BE49-F238E27FC236}">
+                  <a16:creationId xmlns:a16="http://schemas.microsoft.com/office/drawing/2014/main" xmlns="" id="{61CCB5EB-A947-4A69-86F6-CCB0FB1D8901}"/>
+                </a:ext>
+              </a:extLst>
+            </p:cNvPr>
+            <p:cNvCxnSpPr>
+              <a:cxnSpLocks/>
+              <a:stCxn id="4" idx="3"/>
+              <a:endCxn id="116" idx="1"/>
+            </p:cNvCxnSpPr>
+            <p:nvPr/>
+          </p:nvCxnSpPr>
+          <p:spPr>
+            <a:xfrm>
+              <a:off x="1297858" y="3390926"/>
+              <a:ext cx="324464" cy="429451"/>
+            </a:xfrm>
+            <a:prstGeom prst="bentConnector3">
+              <a:avLst>
+                <a:gd name="adj1" fmla="val 50000"/>
+              </a:avLst>
+            </a:prstGeom>
+            <a:ln>
+              <a:tailEnd type="triangle"/>
+            </a:ln>
+          </p:spPr>
+          <p:style>
+            <a:lnRef idx="1">
+              <a:schemeClr val="accent1"/>
+            </a:lnRef>
+            <a:fillRef idx="0">
+              <a:schemeClr val="accent1"/>
+            </a:fillRef>
+            <a:effectRef idx="0">
+              <a:schemeClr val="accent1"/>
+            </a:effectRef>
+            <a:fontRef idx="minor">
+              <a:schemeClr val="tx1"/>
+            </a:fontRef>
+          </p:style>
+        </p:cxnSp>
+        <p:cxnSp>
+          <p:nvCxnSpPr>
+            <p:cNvPr id="104" name="连接符: 肘形 16">
+              <a:extLst>
+                <a:ext uri="{FF2B5EF4-FFF2-40B4-BE49-F238E27FC236}">
+                  <a16:creationId xmlns:a16="http://schemas.microsoft.com/office/drawing/2014/main" xmlns="" id="{61CCB5EB-A947-4A69-86F6-CCB0FB1D8901}"/>
+                </a:ext>
+              </a:extLst>
+            </p:cNvPr>
+            <p:cNvCxnSpPr>
+              <a:cxnSpLocks/>
+              <a:stCxn id="153" idx="3"/>
+              <a:endCxn id="75" idx="2"/>
+            </p:cNvCxnSpPr>
+            <p:nvPr/>
+          </p:nvCxnSpPr>
+          <p:spPr>
+            <a:xfrm flipV="1">
+              <a:off x="10043652" y="3421625"/>
+              <a:ext cx="1565793" cy="2351828"/>
+            </a:xfrm>
+            <a:prstGeom prst="bentConnector2">
+              <a:avLst/>
+            </a:prstGeom>
+            <a:ln>
+              <a:tailEnd type="triangle"/>
+            </a:ln>
+          </p:spPr>
+          <p:style>
+            <a:lnRef idx="1">
+              <a:schemeClr val="accent1"/>
+            </a:lnRef>
+            <a:fillRef idx="0">
+              <a:schemeClr val="accent1"/>
+            </a:fillRef>
+            <a:effectRef idx="0">
+              <a:schemeClr val="accent1"/>
+            </a:effectRef>
+            <a:fontRef idx="minor">
+              <a:schemeClr val="tx1"/>
+            </a:fontRef>
+          </p:style>
+        </p:cxnSp>
+        <p:cxnSp>
+          <p:nvCxnSpPr>
+            <p:cNvPr id="105" name="直接箭头连接符 104">
+              <a:extLst>
+                <a:ext uri="{FF2B5EF4-FFF2-40B4-BE49-F238E27FC236}">
+                  <a16:creationId xmlns:a16="http://schemas.microsoft.com/office/drawing/2014/main" xmlns="" id="{C1ADEA83-2977-4145-B66C-8227C05BCFA3}"/>
+                </a:ext>
+              </a:extLst>
+            </p:cNvPr>
+            <p:cNvCxnSpPr>
+              <a:cxnSpLocks/>
+              <a:stCxn id="82" idx="3"/>
+              <a:endCxn id="83" idx="1"/>
+            </p:cNvCxnSpPr>
+            <p:nvPr/>
+          </p:nvCxnSpPr>
+          <p:spPr>
+            <a:xfrm>
+              <a:off x="4513026" y="3820374"/>
+              <a:ext cx="179484" cy="1588"/>
+            </a:xfrm>
+            <a:prstGeom prst="straightConnector1">
+              <a:avLst/>
+            </a:prstGeom>
+            <a:ln>
+              <a:tailEnd type="triangle"/>
+            </a:ln>
+          </p:spPr>
+          <p:style>
+            <a:lnRef idx="1">
+              <a:schemeClr val="accent1"/>
+            </a:lnRef>
+            <a:fillRef idx="0">
+              <a:schemeClr val="accent1"/>
+            </a:fillRef>
+            <a:effectRef idx="0">
+              <a:schemeClr val="accent1"/>
+            </a:effectRef>
+            <a:fontRef idx="minor">
+              <a:schemeClr val="tx1"/>
+            </a:fontRef>
+          </p:style>
+        </p:cxnSp>
+        <p:cxnSp>
+          <p:nvCxnSpPr>
+            <p:cNvPr id="108" name="直接箭头连接符 107">
+              <a:extLst>
+                <a:ext uri="{FF2B5EF4-FFF2-40B4-BE49-F238E27FC236}">
+                  <a16:creationId xmlns:a16="http://schemas.microsoft.com/office/drawing/2014/main" xmlns="" id="{C1ADEA83-2977-4145-B66C-8227C05BCFA3}"/>
+                </a:ext>
+              </a:extLst>
+            </p:cNvPr>
+            <p:cNvCxnSpPr>
+              <a:cxnSpLocks/>
+              <a:stCxn id="83" idx="3"/>
+              <a:endCxn id="86" idx="1"/>
+            </p:cNvCxnSpPr>
+            <p:nvPr/>
+          </p:nvCxnSpPr>
+          <p:spPr>
+            <a:xfrm flipV="1">
+              <a:off x="6253342" y="3819822"/>
+              <a:ext cx="235984" cy="552"/>
+            </a:xfrm>
+            <a:prstGeom prst="straightConnector1">
+              <a:avLst/>
+            </a:prstGeom>
+            <a:ln>
+              <a:tailEnd type="triangle"/>
+            </a:ln>
+          </p:spPr>
+          <p:style>
+            <a:lnRef idx="1">
+              <a:schemeClr val="accent1"/>
+            </a:lnRef>
+            <a:fillRef idx="0">
+              <a:schemeClr val="accent1"/>
+            </a:fillRef>
+            <a:effectRef idx="0">
+              <a:schemeClr val="accent1"/>
+            </a:effectRef>
+            <a:fontRef idx="minor">
+              <a:schemeClr val="tx1"/>
+            </a:fontRef>
+          </p:style>
+        </p:cxnSp>
+        <p:cxnSp>
+          <p:nvCxnSpPr>
+            <p:cNvPr id="111" name="连接符: 肘形 59">
+              <a:extLst>
+                <a:ext uri="{FF2B5EF4-FFF2-40B4-BE49-F238E27FC236}">
+                  <a16:creationId xmlns:a16="http://schemas.microsoft.com/office/drawing/2014/main" xmlns="" id="{11057A49-1D8D-44F2-A469-1B3C296E495A}"/>
+                </a:ext>
+              </a:extLst>
+            </p:cNvPr>
+            <p:cNvCxnSpPr>
+              <a:stCxn id="86" idx="3"/>
+              <a:endCxn id="68" idx="1"/>
+            </p:cNvCxnSpPr>
+            <p:nvPr/>
+          </p:nvCxnSpPr>
+          <p:spPr>
+            <a:xfrm flipV="1">
+              <a:off x="8126397" y="3186194"/>
+              <a:ext cx="368697" cy="633628"/>
+            </a:xfrm>
+            <a:prstGeom prst="bentConnector3">
+              <a:avLst>
+                <a:gd name="adj1" fmla="val 50000"/>
+              </a:avLst>
+            </a:prstGeom>
+            <a:ln>
+              <a:tailEnd type="triangle"/>
+            </a:ln>
+          </p:spPr>
+          <p:style>
+            <a:lnRef idx="1">
+              <a:schemeClr val="accent1"/>
+            </a:lnRef>
+            <a:fillRef idx="0">
+              <a:schemeClr val="accent1"/>
+            </a:fillRef>
+            <a:effectRef idx="0">
+              <a:schemeClr val="accent1"/>
+            </a:effectRef>
+            <a:fontRef idx="minor">
+              <a:schemeClr val="tx1"/>
+            </a:fontRef>
+          </p:style>
+        </p:cxnSp>
+        <p:sp>
+          <p:nvSpPr>
+            <p:cNvPr id="116" name="矩形 115">
+              <a:extLst>
+                <a:ext uri="{FF2B5EF4-FFF2-40B4-BE49-F238E27FC236}">
+                  <a16:creationId xmlns:a16="http://schemas.microsoft.com/office/drawing/2014/main" xmlns="" id="{22A53CAA-1C49-4CD0-8D4C-B888527327E4}"/>
+                </a:ext>
+              </a:extLst>
+            </p:cNvPr>
+            <p:cNvSpPr/>
+            <p:nvPr/>
+          </p:nvSpPr>
+          <p:spPr>
+            <a:xfrm>
+              <a:off x="1622322" y="3526462"/>
+              <a:ext cx="1150418" cy="587829"/>
+            </a:xfrm>
+            <a:prstGeom prst="rect">
+              <a:avLst/>
+            </a:prstGeom>
+          </p:spPr>
+          <p:style>
+            <a:lnRef idx="2">
+              <a:schemeClr val="accent1">
+                <a:shade val="50000"/>
+              </a:schemeClr>
+            </a:lnRef>
+            <a:fillRef idx="1">
+              <a:schemeClr val="accent1"/>
+            </a:fillRef>
+            <a:effectRef idx="0">
+              <a:schemeClr val="accent1"/>
+            </a:effectRef>
+            <a:fontRef idx="minor">
+              <a:schemeClr val="lt1"/>
+            </a:fontRef>
+          </p:style>
+          <p:txBody>
+            <a:bodyPr rtlCol="0" anchor="ctr"/>
+            <a:lstStyle/>
+            <a:p>
+              <a:pPr algn="ctr"/>
+              <a:r>
+                <a:rPr lang="zh-CN" altLang="en-US" dirty="0" smtClean="0"/>
+                <a:t>选定</a:t>
+              </a:r>
+              <a:endParaRPr lang="en-US" altLang="zh-CN" dirty="0" smtClean="0"/>
+            </a:p>
+            <a:p>
+              <a:pPr algn="ctr"/>
+              <a:r>
+                <a:rPr lang="zh-CN" altLang="en-US" dirty="0" smtClean="0"/>
+                <a:t>资源类别</a:t>
+              </a:r>
+              <a:endParaRPr lang="zh-CN" altLang="en-US" dirty="0"/>
+            </a:p>
+          </p:txBody>
+        </p:sp>
+        <p:sp>
+          <p:nvSpPr>
+            <p:cNvPr id="122" name="矩形 121">
+              <a:extLst>
+                <a:ext uri="{FF2B5EF4-FFF2-40B4-BE49-F238E27FC236}">
+                  <a16:creationId xmlns:a16="http://schemas.microsoft.com/office/drawing/2014/main" xmlns="" id="{22A53CAA-1C49-4CD0-8D4C-B888527327E4}"/>
+                </a:ext>
+              </a:extLst>
+            </p:cNvPr>
+            <p:cNvSpPr/>
+            <p:nvPr/>
+          </p:nvSpPr>
+          <p:spPr>
+            <a:xfrm>
+              <a:off x="2996439" y="5473234"/>
+              <a:ext cx="1560832" cy="587829"/>
+            </a:xfrm>
+            <a:prstGeom prst="rect">
+              <a:avLst/>
+            </a:prstGeom>
+          </p:spPr>
+          <p:style>
+            <a:lnRef idx="2">
+              <a:schemeClr val="accent1">
+                <a:shade val="50000"/>
+              </a:schemeClr>
+            </a:lnRef>
+            <a:fillRef idx="1">
+              <a:schemeClr val="accent1"/>
+            </a:fillRef>
+            <a:effectRef idx="0">
+              <a:schemeClr val="accent1"/>
+            </a:effectRef>
+            <a:fontRef idx="minor">
+              <a:schemeClr val="lt1"/>
+            </a:fontRef>
+          </p:style>
+          <p:txBody>
+            <a:bodyPr rtlCol="0" anchor="ctr"/>
+            <a:lstStyle/>
+            <a:p>
+              <a:pPr algn="ctr"/>
+              <a:r>
+                <a:rPr lang="zh-CN" altLang="en-US" dirty="0" smtClean="0"/>
+                <a:t>点击</a:t>
+              </a:r>
+              <a:endParaRPr lang="en-US" altLang="zh-CN" dirty="0" smtClean="0"/>
+            </a:p>
+            <a:p>
+              <a:pPr algn="ctr"/>
+              <a:r>
+                <a:rPr lang="zh-CN" altLang="en-US" dirty="0" smtClean="0"/>
+                <a:t>删除资源类别</a:t>
+              </a:r>
+              <a:endParaRPr lang="zh-CN" altLang="en-US" dirty="0"/>
+            </a:p>
+          </p:txBody>
+        </p:sp>
+        <p:cxnSp>
+          <p:nvCxnSpPr>
+            <p:cNvPr id="124" name="连接符: 肘形 16">
+              <a:extLst>
+                <a:ext uri="{FF2B5EF4-FFF2-40B4-BE49-F238E27FC236}">
+                  <a16:creationId xmlns:a16="http://schemas.microsoft.com/office/drawing/2014/main" xmlns="" id="{61CCB5EB-A947-4A69-86F6-CCB0FB1D8901}"/>
+                </a:ext>
+              </a:extLst>
+            </p:cNvPr>
+            <p:cNvCxnSpPr>
+              <a:cxnSpLocks/>
+              <a:stCxn id="116" idx="3"/>
+              <a:endCxn id="122" idx="1"/>
+            </p:cNvCxnSpPr>
+            <p:nvPr/>
+          </p:nvCxnSpPr>
+          <p:spPr>
+            <a:xfrm>
+              <a:off x="2772740" y="3820377"/>
+              <a:ext cx="223699" cy="1946772"/>
+            </a:xfrm>
+            <a:prstGeom prst="bentConnector3">
+              <a:avLst>
+                <a:gd name="adj1" fmla="val 50000"/>
+              </a:avLst>
+            </a:prstGeom>
+            <a:ln>
+              <a:tailEnd type="triangle"/>
+            </a:ln>
+          </p:spPr>
+          <p:style>
+            <a:lnRef idx="1">
+              <a:schemeClr val="accent1"/>
+            </a:lnRef>
+            <a:fillRef idx="0">
+              <a:schemeClr val="accent1"/>
+            </a:fillRef>
+            <a:effectRef idx="0">
+              <a:schemeClr val="accent1"/>
+            </a:effectRef>
+            <a:fontRef idx="minor">
+              <a:schemeClr val="tx1"/>
+            </a:fontRef>
+          </p:style>
+        </p:cxnSp>
+        <p:sp>
+          <p:nvSpPr>
+            <p:cNvPr id="153" name="菱形 152">
+              <a:extLst>
+                <a:ext uri="{FF2B5EF4-FFF2-40B4-BE49-F238E27FC236}">
+                  <a16:creationId xmlns:a16="http://schemas.microsoft.com/office/drawing/2014/main" xmlns="" id="{DCAC3279-15F0-49D6-A37B-43137D51DF03}"/>
+                </a:ext>
+              </a:extLst>
+            </p:cNvPr>
+            <p:cNvSpPr/>
+            <p:nvPr/>
+          </p:nvSpPr>
+          <p:spPr>
+            <a:xfrm>
+              <a:off x="7815134" y="5249356"/>
+              <a:ext cx="2228518" cy="1048194"/>
+            </a:xfrm>
+            <a:prstGeom prst="diamond">
+              <a:avLst/>
+            </a:prstGeom>
+          </p:spPr>
+          <p:style>
+            <a:lnRef idx="2">
+              <a:schemeClr val="accent1">
+                <a:shade val="50000"/>
+              </a:schemeClr>
+            </a:lnRef>
+            <a:fillRef idx="1">
+              <a:schemeClr val="accent1"/>
+            </a:fillRef>
+            <a:effectRef idx="0">
+              <a:schemeClr val="accent1"/>
+            </a:effectRef>
+            <a:fontRef idx="minor">
+              <a:schemeClr val="lt1"/>
+            </a:fontRef>
+          </p:style>
+          <p:txBody>
+            <a:bodyPr rtlCol="0" anchor="ctr"/>
+            <a:lstStyle/>
+            <a:p>
+              <a:pPr algn="ctr"/>
+              <a:r>
+                <a:rPr lang="zh-CN" altLang="en-US" dirty="0" smtClean="0"/>
+                <a:t>确认删除</a:t>
+              </a:r>
+              <a:endParaRPr lang="zh-CN" altLang="en-US" dirty="0"/>
+            </a:p>
+          </p:txBody>
+        </p:sp>
+        <p:cxnSp>
+          <p:nvCxnSpPr>
+            <p:cNvPr id="156" name="直接箭头连接符 155">
+              <a:extLst>
+                <a:ext uri="{FF2B5EF4-FFF2-40B4-BE49-F238E27FC236}">
+                  <a16:creationId xmlns:a16="http://schemas.microsoft.com/office/drawing/2014/main" xmlns="" id="{C1ADEA83-2977-4145-B66C-8227C05BCFA3}"/>
+                </a:ext>
+              </a:extLst>
+            </p:cNvPr>
+            <p:cNvCxnSpPr>
+              <a:cxnSpLocks/>
+              <a:stCxn id="8" idx="3"/>
+              <a:endCxn id="153" idx="1"/>
+            </p:cNvCxnSpPr>
+            <p:nvPr/>
+          </p:nvCxnSpPr>
+          <p:spPr>
+            <a:xfrm>
+              <a:off x="7329948" y="5773453"/>
+              <a:ext cx="485186" cy="1588"/>
+            </a:xfrm>
+            <a:prstGeom prst="straightConnector1">
+              <a:avLst/>
+            </a:prstGeom>
+            <a:ln>
+              <a:tailEnd type="triangle"/>
+            </a:ln>
+          </p:spPr>
+          <p:style>
+            <a:lnRef idx="1">
+              <a:schemeClr val="accent1"/>
+            </a:lnRef>
+            <a:fillRef idx="0">
+              <a:schemeClr val="accent1"/>
+            </a:fillRef>
+            <a:effectRef idx="0">
+              <a:schemeClr val="accent1"/>
+            </a:effectRef>
+            <a:fontRef idx="minor">
+              <a:schemeClr val="tx1"/>
+            </a:fontRef>
+          </p:style>
+        </p:cxnSp>
+        <p:sp>
+          <p:nvSpPr>
+            <p:cNvPr id="159" name="文本框 37">
+              <a:extLst>
+                <a:ext uri="{FF2B5EF4-FFF2-40B4-BE49-F238E27FC236}">
+                  <a16:creationId xmlns:a16="http://schemas.microsoft.com/office/drawing/2014/main" xmlns="" id="{C055368F-6126-4BE4-8190-285EB58D59D8}"/>
+                </a:ext>
+              </a:extLst>
+            </p:cNvPr>
+            <p:cNvSpPr txBox="1"/>
+            <p:nvPr/>
+          </p:nvSpPr>
+          <p:spPr>
+            <a:xfrm>
+              <a:off x="6233640" y="6177850"/>
+              <a:ext cx="415498" cy="369332"/>
+            </a:xfrm>
+            <a:prstGeom prst="rect">
+              <a:avLst/>
+            </a:prstGeom>
+            <a:noFill/>
+          </p:spPr>
+          <p:txBody>
+            <a:bodyPr wrap="none" rtlCol="0">
+              <a:spAutoFit/>
+            </a:bodyPr>
+            <a:lstStyle/>
+            <a:p>
+              <a:r>
+                <a:rPr lang="zh-CN" altLang="en-US" dirty="0">
+                  <a:solidFill>
+                    <a:srgbClr val="FF0000"/>
+                  </a:solidFill>
+                </a:rPr>
+                <a:t>是</a:t>
+              </a:r>
+            </a:p>
+          </p:txBody>
+        </p:sp>
+        <p:sp>
+          <p:nvSpPr>
+            <p:cNvPr id="164" name="文本框 37">
+              <a:extLst>
+                <a:ext uri="{FF2B5EF4-FFF2-40B4-BE49-F238E27FC236}">
+                  <a16:creationId xmlns:a16="http://schemas.microsoft.com/office/drawing/2014/main" xmlns="" id="{C055368F-6126-4BE4-8190-285EB58D59D8}"/>
+                </a:ext>
+              </a:extLst>
+            </p:cNvPr>
+            <p:cNvSpPr txBox="1"/>
+            <p:nvPr/>
+          </p:nvSpPr>
+          <p:spPr>
+            <a:xfrm>
+              <a:off x="8933012" y="4997991"/>
+              <a:ext cx="415498" cy="369332"/>
+            </a:xfrm>
+            <a:prstGeom prst="rect">
+              <a:avLst/>
+            </a:prstGeom>
+            <a:noFill/>
+          </p:spPr>
+          <p:txBody>
+            <a:bodyPr wrap="none" rtlCol="0">
+              <a:spAutoFit/>
+            </a:bodyPr>
+            <a:lstStyle/>
+            <a:p>
+              <a:r>
+                <a:rPr lang="zh-CN" altLang="en-US" dirty="0">
+                  <a:solidFill>
+                    <a:srgbClr val="FF0000"/>
+                  </a:solidFill>
+                </a:rPr>
+                <a:t>是</a:t>
+              </a:r>
+            </a:p>
+          </p:txBody>
+        </p:sp>
+        <p:sp>
+          <p:nvSpPr>
+            <p:cNvPr id="165" name="文本框 40">
+              <a:extLst>
+                <a:ext uri="{FF2B5EF4-FFF2-40B4-BE49-F238E27FC236}">
+                  <a16:creationId xmlns:a16="http://schemas.microsoft.com/office/drawing/2014/main" xmlns="" id="{19129B04-F042-4BE8-A718-BED57C746EEE}"/>
+                </a:ext>
+              </a:extLst>
+            </p:cNvPr>
+            <p:cNvSpPr txBox="1"/>
+            <p:nvPr/>
+          </p:nvSpPr>
+          <p:spPr>
+            <a:xfrm>
+              <a:off x="10272011" y="5419517"/>
+              <a:ext cx="415498" cy="369332"/>
+            </a:xfrm>
+            <a:prstGeom prst="rect">
+              <a:avLst/>
+            </a:prstGeom>
+            <a:noFill/>
+          </p:spPr>
+          <p:txBody>
+            <a:bodyPr wrap="none" rtlCol="0">
+              <a:spAutoFit/>
+            </a:bodyPr>
+            <a:lstStyle/>
+            <a:p>
+              <a:r>
+                <a:rPr lang="zh-CN" altLang="en-US" dirty="0">
+                  <a:solidFill>
+                    <a:srgbClr val="FF0000"/>
+                  </a:solidFill>
+                </a:rPr>
+                <a:t>否</a:t>
+              </a:r>
+            </a:p>
+          </p:txBody>
+        </p:sp>
+        <p:sp>
+          <p:nvSpPr>
+            <p:cNvPr id="167" name="矩形: 圆角 8">
+              <a:extLst>
+                <a:ext uri="{FF2B5EF4-FFF2-40B4-BE49-F238E27FC236}">
+                  <a16:creationId xmlns:a16="http://schemas.microsoft.com/office/drawing/2014/main" xmlns="" id="{D789051B-4EAF-46A6-808D-6B06CA75FD4D}"/>
+                </a:ext>
+              </a:extLst>
+            </p:cNvPr>
+            <p:cNvSpPr/>
+            <p:nvPr/>
+          </p:nvSpPr>
+          <p:spPr>
+            <a:xfrm>
+              <a:off x="7984221" y="4437906"/>
+              <a:ext cx="1891005" cy="550506"/>
+            </a:xfrm>
+            <a:prstGeom prst="roundRect">
+              <a:avLst/>
+            </a:prstGeom>
+            <a:solidFill>
+              <a:schemeClr val="accent6"/>
+            </a:solidFill>
+          </p:spPr>
+          <p:style>
+            <a:lnRef idx="2">
+              <a:schemeClr val="accent1">
+                <a:shade val="50000"/>
+              </a:schemeClr>
+            </a:lnRef>
+            <a:fillRef idx="1">
+              <a:schemeClr val="accent1"/>
+            </a:fillRef>
+            <a:effectRef idx="0">
+              <a:schemeClr val="accent1"/>
+            </a:effectRef>
+            <a:fontRef idx="minor">
+              <a:schemeClr val="lt1"/>
+            </a:fontRef>
+          </p:style>
+          <p:txBody>
+            <a:bodyPr rtlCol="0" anchor="ctr"/>
+            <a:lstStyle/>
+            <a:p>
+              <a:pPr algn="ctr"/>
+              <a:r>
+                <a:rPr lang="zh-CN" altLang="en-US" dirty="0" smtClean="0"/>
+                <a:t>删除选定类别</a:t>
+              </a:r>
+              <a:endParaRPr lang="zh-CN" altLang="en-US" dirty="0"/>
+            </a:p>
+          </p:txBody>
+        </p:sp>
+        <p:cxnSp>
+          <p:nvCxnSpPr>
+            <p:cNvPr id="170" name="直接箭头连接符 169">
+              <a:extLst>
+                <a:ext uri="{FF2B5EF4-FFF2-40B4-BE49-F238E27FC236}">
+                  <a16:creationId xmlns:a16="http://schemas.microsoft.com/office/drawing/2014/main" xmlns="" id="{0C7ACE7F-3FB4-4F3A-96B2-7A14A468BD48}"/>
+                </a:ext>
+              </a:extLst>
+            </p:cNvPr>
+            <p:cNvCxnSpPr>
+              <a:stCxn id="153" idx="0"/>
+              <a:endCxn id="167" idx="2"/>
+            </p:cNvCxnSpPr>
+            <p:nvPr/>
+          </p:nvCxnSpPr>
+          <p:spPr>
+            <a:xfrm rot="5400000" flipH="1" flipV="1">
+              <a:off x="8799086" y="5118719"/>
+              <a:ext cx="260944" cy="331"/>
+            </a:xfrm>
+            <a:prstGeom prst="straightConnector1">
+              <a:avLst/>
+            </a:prstGeom>
+            <a:ln>
+              <a:tailEnd type="triangle"/>
+            </a:ln>
+          </p:spPr>
+          <p:style>
+            <a:lnRef idx="1">
+              <a:schemeClr val="accent1"/>
+            </a:lnRef>
+            <a:fillRef idx="0">
+              <a:schemeClr val="accent1"/>
+            </a:fillRef>
+            <a:effectRef idx="0">
+              <a:schemeClr val="accent1"/>
+            </a:effectRef>
+            <a:fontRef idx="minor">
+              <a:schemeClr val="tx1"/>
+            </a:fontRef>
+          </p:style>
+        </p:cxnSp>
+        <p:cxnSp>
+          <p:nvCxnSpPr>
+            <p:cNvPr id="173" name="直接箭头连接符 172">
+              <a:extLst>
+                <a:ext uri="{FF2B5EF4-FFF2-40B4-BE49-F238E27FC236}">
+                  <a16:creationId xmlns:a16="http://schemas.microsoft.com/office/drawing/2014/main" xmlns="" id="{0C7ACE7F-3FB4-4F3A-96B2-7A14A468BD48}"/>
+                </a:ext>
+              </a:extLst>
+            </p:cNvPr>
+            <p:cNvCxnSpPr>
+              <a:stCxn id="167" idx="0"/>
+              <a:endCxn id="68" idx="2"/>
+            </p:cNvCxnSpPr>
+            <p:nvPr/>
+          </p:nvCxnSpPr>
+          <p:spPr>
+            <a:xfrm rot="5400000" flipH="1" flipV="1">
+              <a:off x="8451043" y="3958789"/>
+              <a:ext cx="957798" cy="436"/>
+            </a:xfrm>
+            <a:prstGeom prst="straightConnector1">
+              <a:avLst/>
+            </a:prstGeom>
+            <a:ln>
+              <a:tailEnd type="triangle"/>
+            </a:ln>
+          </p:spPr>
+          <p:style>
+            <a:lnRef idx="1">
+              <a:schemeClr val="accent1"/>
+            </a:lnRef>
+            <a:fillRef idx="0">
+              <a:schemeClr val="accent1"/>
+            </a:fillRef>
+            <a:effectRef idx="0">
+              <a:schemeClr val="accent1"/>
+            </a:effectRef>
+            <a:fontRef idx="minor">
+              <a:schemeClr val="tx1"/>
+            </a:fontRef>
+          </p:style>
+        </p:cxnSp>
+      </p:grpSp>
     </p:spTree>
-    <p:extLst>
-      <p:ext uri="{BB962C8B-B14F-4D97-AF65-F5344CB8AC3E}">
-        <p14:creationId xmlns:p14="http://schemas.microsoft.com/office/powerpoint/2010/main" val="970125145"/>
-      </p:ext>
-    </p:extLst>
   </p:cSld>
   <p:clrMapOvr>
     <a:masterClrMapping/>
@@ -5652,13 +6471,7 @@
       </p:grpSpPr>
       <p:sp>
         <p:nvSpPr>
-          <p:cNvPr id="2" name="标题 1">
-            <a:extLst>
-              <a:ext uri="{FF2B5EF4-FFF2-40B4-BE49-F238E27FC236}">
-                <a16:creationId xmlns:a16="http://schemas.microsoft.com/office/drawing/2014/main" id="{0D899BD1-2041-48E5-B23C-4D99D62FFACA}"/>
-              </a:ext>
-            </a:extLst>
-          </p:cNvPr>
+          <p:cNvPr id="2" name="标题 1"/>
           <p:cNvSpPr>
             <a:spLocks noGrp="1"/>
           </p:cNvSpPr>
@@ -5672,18 +6485,19 @@
           <a:lstStyle/>
           <a:p>
             <a:r>
-              <a:rPr lang="zh-CN" altLang="en-US" dirty="0"/>
-              <a:t>删除资源</a:t>
-            </a:r>
-          </a:p>
-        </p:txBody>
-      </p:sp>
-      <p:sp>
-        <p:nvSpPr>
-          <p:cNvPr id="4" name="矩形: 圆角 3">
-            <a:extLst>
-              <a:ext uri="{FF2B5EF4-FFF2-40B4-BE49-F238E27FC236}">
-                <a16:creationId xmlns:a16="http://schemas.microsoft.com/office/drawing/2014/main" id="{EF774A23-C49C-4E50-BDCB-7C4CCBA87856}"/>
+              <a:rPr lang="zh-CN" altLang="en-US" dirty="0" smtClean="0"/>
+              <a:t>资源内容管理</a:t>
+            </a:r>
+            <a:endParaRPr lang="zh-CN" altLang="en-US" dirty="0"/>
+          </a:p>
+        </p:txBody>
+      </p:sp>
+      <p:sp>
+        <p:nvSpPr>
+          <p:cNvPr id="5" name="矩形: 圆角 3">
+            <a:extLst>
+              <a:ext uri="{FF2B5EF4-FFF2-40B4-BE49-F238E27FC236}">
+                <a16:creationId xmlns:a16="http://schemas.microsoft.com/office/drawing/2014/main" xmlns="" id="{F24F2D3D-3C90-414F-9605-7EBC4C1FD133}"/>
               </a:ext>
             </a:extLst>
           </p:cNvPr>
@@ -5692,8 +6506,8 @@
         </p:nvSpPr>
         <p:spPr>
           <a:xfrm>
-            <a:off x="662473" y="3685592"/>
-            <a:ext cx="1614196" cy="877077"/>
+            <a:off x="206487" y="2340948"/>
+            <a:ext cx="593613" cy="376852"/>
           </a:xfrm>
           <a:prstGeom prst="roundRect">
             <a:avLst/>
@@ -5721,59 +6535,19 @@
           <a:p>
             <a:pPr algn="ctr"/>
             <a:r>
-              <a:rPr lang="zh-CN" altLang="en-US" dirty="0"/>
-              <a:t>删除资源</a:t>
-            </a:r>
-          </a:p>
-        </p:txBody>
-      </p:sp>
-      <p:cxnSp>
-        <p:nvCxnSpPr>
-          <p:cNvPr id="6" name="直接箭头连接符 5">
-            <a:extLst>
-              <a:ext uri="{FF2B5EF4-FFF2-40B4-BE49-F238E27FC236}">
-                <a16:creationId xmlns:a16="http://schemas.microsoft.com/office/drawing/2014/main" id="{C4BE01C3-25CB-4807-AC5C-AF10BD2AE0A6}"/>
-              </a:ext>
-            </a:extLst>
-          </p:cNvPr>
-          <p:cNvCxnSpPr>
-            <a:cxnSpLocks/>
-          </p:cNvCxnSpPr>
-          <p:nvPr/>
-        </p:nvCxnSpPr>
-        <p:spPr>
-          <a:xfrm>
-            <a:off x="2295330" y="4124130"/>
-            <a:ext cx="1073021" cy="0"/>
-          </a:xfrm>
-          <a:prstGeom prst="straightConnector1">
-            <a:avLst/>
-          </a:prstGeom>
-          <a:ln>
-            <a:tailEnd type="triangle"/>
-          </a:ln>
-        </p:spPr>
-        <p:style>
-          <a:lnRef idx="1">
-            <a:schemeClr val="accent1"/>
-          </a:lnRef>
-          <a:fillRef idx="0">
-            <a:schemeClr val="accent1"/>
-          </a:fillRef>
-          <a:effectRef idx="0">
-            <a:schemeClr val="accent1"/>
-          </a:effectRef>
-          <a:fontRef idx="minor">
-            <a:schemeClr val="tx1"/>
-          </a:fontRef>
-        </p:style>
-      </p:cxnSp>
-      <p:sp>
-        <p:nvSpPr>
-          <p:cNvPr id="8" name="矩形: 圆角 7">
-            <a:extLst>
-              <a:ext uri="{FF2B5EF4-FFF2-40B4-BE49-F238E27FC236}">
-                <a16:creationId xmlns:a16="http://schemas.microsoft.com/office/drawing/2014/main" id="{5D3741E5-7E6D-487E-AD15-F696F899934A}"/>
+              <a:rPr lang="zh-CN" altLang="en-US" sz="1200" dirty="0" smtClean="0"/>
+              <a:t>开始</a:t>
+            </a:r>
+            <a:endParaRPr lang="zh-CN" altLang="en-US" sz="1200" dirty="0"/>
+          </a:p>
+        </p:txBody>
+      </p:sp>
+      <p:sp>
+        <p:nvSpPr>
+          <p:cNvPr id="6" name="菱形 5">
+            <a:extLst>
+              <a:ext uri="{FF2B5EF4-FFF2-40B4-BE49-F238E27FC236}">
+                <a16:creationId xmlns:a16="http://schemas.microsoft.com/office/drawing/2014/main" xmlns="" id="{DCAC3279-15F0-49D6-A37B-43137D51DF03}"/>
               </a:ext>
             </a:extLst>
           </p:cNvPr>
@@ -5782,12 +6556,15 @@
         </p:nvSpPr>
         <p:spPr>
           <a:xfrm>
-            <a:off x="3408006" y="3685591"/>
-            <a:ext cx="1912776" cy="877069"/>
-          </a:xfrm>
-          <a:prstGeom prst="roundRect">
+            <a:off x="7828429" y="5270913"/>
+            <a:ext cx="1252072" cy="494888"/>
+          </a:xfrm>
+          <a:prstGeom prst="diamond">
             <a:avLst/>
           </a:prstGeom>
+          <a:solidFill>
+            <a:schemeClr val="accent6"/>
+          </a:solidFill>
         </p:spPr>
         <p:style>
           <a:lnRef idx="2">
@@ -5811,31 +6588,38 @@
           <a:p>
             <a:pPr algn="ctr"/>
             <a:r>
-              <a:rPr lang="zh-CN" altLang="en-US" dirty="0"/>
-              <a:t>选择资源类型</a:t>
-            </a:r>
+              <a:rPr lang="zh-CN" altLang="en-US" sz="1200" dirty="0" smtClean="0"/>
+              <a:t>审核通过</a:t>
+            </a:r>
+            <a:endParaRPr lang="zh-CN" altLang="en-US" sz="1200" dirty="0"/>
           </a:p>
         </p:txBody>
       </p:sp>
       <p:cxnSp>
         <p:nvCxnSpPr>
-          <p:cNvPr id="12" name="直接箭头连接符 11">
-            <a:extLst>
-              <a:ext uri="{FF2B5EF4-FFF2-40B4-BE49-F238E27FC236}">
-                <a16:creationId xmlns:a16="http://schemas.microsoft.com/office/drawing/2014/main" id="{48F97B2F-E0EF-4E66-979C-76078370A621}"/>
-              </a:ext>
-            </a:extLst>
-          </p:cNvPr>
-          <p:cNvCxnSpPr/>
+          <p:cNvPr id="7" name="连接符: 肘形 16">
+            <a:extLst>
+              <a:ext uri="{FF2B5EF4-FFF2-40B4-BE49-F238E27FC236}">
+                <a16:creationId xmlns:a16="http://schemas.microsoft.com/office/drawing/2014/main" xmlns="" id="{61CCB5EB-A947-4A69-86F6-CCB0FB1D8901}"/>
+              </a:ext>
+            </a:extLst>
+          </p:cNvPr>
+          <p:cNvCxnSpPr>
+            <a:cxnSpLocks/>
+            <a:stCxn id="31" idx="3"/>
+            <a:endCxn id="15" idx="1"/>
+          </p:cNvCxnSpPr>
           <p:nvPr/>
         </p:nvCxnSpPr>
         <p:spPr>
-          <a:xfrm>
-            <a:off x="5159829" y="4124130"/>
-            <a:ext cx="737118" cy="0"/>
-          </a:xfrm>
-          <a:prstGeom prst="straightConnector1">
-            <a:avLst/>
+          <a:xfrm flipV="1">
+            <a:off x="1828800" y="2097293"/>
+            <a:ext cx="383935" cy="436357"/>
+          </a:xfrm>
+          <a:prstGeom prst="bentConnector3">
+            <a:avLst>
+              <a:gd name="adj1" fmla="val 50000"/>
+            </a:avLst>
           </a:prstGeom>
           <a:ln>
             <a:tailEnd type="triangle"/>
@@ -5856,12 +6640,224 @@
           </a:fontRef>
         </p:style>
       </p:cxnSp>
-      <p:sp>
-        <p:nvSpPr>
-          <p:cNvPr id="13" name="矩形: 圆角 12">
-            <a:extLst>
-              <a:ext uri="{FF2B5EF4-FFF2-40B4-BE49-F238E27FC236}">
-                <a16:creationId xmlns:a16="http://schemas.microsoft.com/office/drawing/2014/main" id="{C34573CB-AA38-4A09-84A2-CC746298D001}"/>
+      <p:cxnSp>
+        <p:nvCxnSpPr>
+          <p:cNvPr id="9" name="连接符: 肘形 39">
+            <a:extLst>
+              <a:ext uri="{FF2B5EF4-FFF2-40B4-BE49-F238E27FC236}">
+                <a16:creationId xmlns:a16="http://schemas.microsoft.com/office/drawing/2014/main" xmlns="" id="{58E7B1DC-2A85-47CC-84F3-6D4E6E9A8A3E}"/>
+              </a:ext>
+            </a:extLst>
+          </p:cNvPr>
+          <p:cNvCxnSpPr>
+            <a:cxnSpLocks/>
+            <a:stCxn id="6" idx="2"/>
+            <a:endCxn id="20" idx="2"/>
+          </p:cNvCxnSpPr>
+          <p:nvPr/>
+        </p:nvCxnSpPr>
+        <p:spPr>
+          <a:xfrm rot="5400000" flipH="1" flipV="1">
+            <a:off x="8788377" y="3024624"/>
+            <a:ext cx="2407265" cy="3075090"/>
+          </a:xfrm>
+          <a:prstGeom prst="bentConnector3">
+            <a:avLst>
+              <a:gd name="adj1" fmla="val -9496"/>
+            </a:avLst>
+          </a:prstGeom>
+          <a:ln>
+            <a:tailEnd type="triangle"/>
+          </a:ln>
+        </p:spPr>
+        <p:style>
+          <a:lnRef idx="1">
+            <a:schemeClr val="accent1"/>
+          </a:lnRef>
+          <a:fillRef idx="0">
+            <a:schemeClr val="accent1"/>
+          </a:fillRef>
+          <a:effectRef idx="0">
+            <a:schemeClr val="accent1"/>
+          </a:effectRef>
+          <a:fontRef idx="minor">
+            <a:schemeClr val="tx1"/>
+          </a:fontRef>
+        </p:style>
+      </p:cxnSp>
+      <p:sp>
+        <p:nvSpPr>
+          <p:cNvPr id="10" name="文本框 40">
+            <a:extLst>
+              <a:ext uri="{FF2B5EF4-FFF2-40B4-BE49-F238E27FC236}">
+                <a16:creationId xmlns:a16="http://schemas.microsoft.com/office/drawing/2014/main" xmlns="" id="{19129B04-F042-4BE8-A718-BED57C746EEE}"/>
+              </a:ext>
+            </a:extLst>
+          </p:cNvPr>
+          <p:cNvSpPr txBox="1"/>
+          <p:nvPr/>
+        </p:nvSpPr>
+        <p:spPr>
+          <a:xfrm>
+            <a:off x="8506107" y="5700146"/>
+            <a:ext cx="338554" cy="276999"/>
+          </a:xfrm>
+          <a:prstGeom prst="rect">
+            <a:avLst/>
+          </a:prstGeom>
+          <a:noFill/>
+        </p:spPr>
+        <p:txBody>
+          <a:bodyPr wrap="none" rtlCol="0">
+            <a:spAutoFit/>
+          </a:bodyPr>
+          <a:lstStyle/>
+          <a:p>
+            <a:r>
+              <a:rPr lang="zh-CN" altLang="en-US" sz="1200" dirty="0">
+                <a:solidFill>
+                  <a:srgbClr val="FF0000"/>
+                </a:solidFill>
+              </a:rPr>
+              <a:t>否</a:t>
+            </a:r>
+          </a:p>
+        </p:txBody>
+      </p:sp>
+      <p:cxnSp>
+        <p:nvCxnSpPr>
+          <p:cNvPr id="11" name="直接箭头连接符 10">
+            <a:extLst>
+              <a:ext uri="{FF2B5EF4-FFF2-40B4-BE49-F238E27FC236}">
+                <a16:creationId xmlns:a16="http://schemas.microsoft.com/office/drawing/2014/main" xmlns="" id="{8C095344-4BB6-4046-9AF9-1345C0A6FE41}"/>
+              </a:ext>
+            </a:extLst>
+          </p:cNvPr>
+          <p:cNvCxnSpPr>
+            <a:stCxn id="116" idx="3"/>
+            <a:endCxn id="39" idx="1"/>
+          </p:cNvCxnSpPr>
+          <p:nvPr/>
+        </p:nvCxnSpPr>
+        <p:spPr>
+          <a:xfrm>
+            <a:off x="7759700" y="3188110"/>
+            <a:ext cx="442069" cy="3827"/>
+          </a:xfrm>
+          <a:prstGeom prst="straightConnector1">
+            <a:avLst/>
+          </a:prstGeom>
+          <a:ln>
+            <a:tailEnd type="triangle"/>
+          </a:ln>
+        </p:spPr>
+        <p:style>
+          <a:lnRef idx="1">
+            <a:schemeClr val="accent1"/>
+          </a:lnRef>
+          <a:fillRef idx="0">
+            <a:schemeClr val="accent1"/>
+          </a:fillRef>
+          <a:effectRef idx="0">
+            <a:schemeClr val="accent1"/>
+          </a:effectRef>
+          <a:fontRef idx="minor">
+            <a:schemeClr val="tx1"/>
+          </a:fontRef>
+        </p:style>
+      </p:cxnSp>
+      <p:cxnSp>
+        <p:nvCxnSpPr>
+          <p:cNvPr id="12" name="直接箭头连接符 11">
+            <a:extLst>
+              <a:ext uri="{FF2B5EF4-FFF2-40B4-BE49-F238E27FC236}">
+                <a16:creationId xmlns:a16="http://schemas.microsoft.com/office/drawing/2014/main" xmlns="" id="{0C7ACE7F-3FB4-4F3A-96B2-7A14A468BD48}"/>
+              </a:ext>
+            </a:extLst>
+          </p:cNvPr>
+          <p:cNvCxnSpPr>
+            <a:stCxn id="32" idx="3"/>
+            <a:endCxn id="34" idx="1"/>
+          </p:cNvCxnSpPr>
+          <p:nvPr/>
+        </p:nvCxnSpPr>
+        <p:spPr>
+          <a:xfrm>
+            <a:off x="3708400" y="5513382"/>
+            <a:ext cx="416569" cy="60"/>
+          </a:xfrm>
+          <a:prstGeom prst="straightConnector1">
+            <a:avLst/>
+          </a:prstGeom>
+          <a:ln>
+            <a:tailEnd type="triangle"/>
+          </a:ln>
+        </p:spPr>
+        <p:style>
+          <a:lnRef idx="1">
+            <a:schemeClr val="accent1"/>
+          </a:lnRef>
+          <a:fillRef idx="0">
+            <a:schemeClr val="accent1"/>
+          </a:fillRef>
+          <a:effectRef idx="0">
+            <a:schemeClr val="accent1"/>
+          </a:effectRef>
+          <a:fontRef idx="minor">
+            <a:schemeClr val="tx1"/>
+          </a:fontRef>
+        </p:style>
+      </p:cxnSp>
+      <p:cxnSp>
+        <p:nvCxnSpPr>
+          <p:cNvPr id="13" name="连接符: 肘形 59">
+            <a:extLst>
+              <a:ext uri="{FF2B5EF4-FFF2-40B4-BE49-F238E27FC236}">
+                <a16:creationId xmlns:a16="http://schemas.microsoft.com/office/drawing/2014/main" xmlns="" id="{11057A49-1D8D-44F2-A469-1B3C296E495A}"/>
+              </a:ext>
+            </a:extLst>
+          </p:cNvPr>
+          <p:cNvCxnSpPr>
+            <a:stCxn id="16" idx="3"/>
+            <a:endCxn id="110" idx="1"/>
+          </p:cNvCxnSpPr>
+          <p:nvPr/>
+        </p:nvCxnSpPr>
+        <p:spPr>
+          <a:xfrm>
+            <a:off x="5156200" y="2097293"/>
+            <a:ext cx="408091" cy="1084410"/>
+          </a:xfrm>
+          <a:prstGeom prst="bentConnector3">
+            <a:avLst>
+              <a:gd name="adj1" fmla="val 50000"/>
+            </a:avLst>
+          </a:prstGeom>
+          <a:ln>
+            <a:tailEnd type="triangle"/>
+          </a:ln>
+        </p:spPr>
+        <p:style>
+          <a:lnRef idx="1">
+            <a:schemeClr val="accent1"/>
+          </a:lnRef>
+          <a:fillRef idx="0">
+            <a:schemeClr val="accent1"/>
+          </a:fillRef>
+          <a:effectRef idx="0">
+            <a:schemeClr val="accent1"/>
+          </a:effectRef>
+          <a:fontRef idx="minor">
+            <a:schemeClr val="tx1"/>
+          </a:fontRef>
+        </p:style>
+      </p:cxnSp>
+      <p:sp>
+        <p:nvSpPr>
+          <p:cNvPr id="15" name="矩形 14">
+            <a:extLst>
+              <a:ext uri="{FF2B5EF4-FFF2-40B4-BE49-F238E27FC236}">
+                <a16:creationId xmlns:a16="http://schemas.microsoft.com/office/drawing/2014/main" xmlns="" id="{22A53CAA-1C49-4CD0-8D4C-B888527327E4}"/>
               </a:ext>
             </a:extLst>
           </p:cNvPr>
@@ -5870,10 +6866,10 @@
         </p:nvSpPr>
         <p:spPr>
           <a:xfrm>
-            <a:off x="5920274" y="3685592"/>
-            <a:ext cx="2136710" cy="877069"/>
-          </a:xfrm>
-          <a:prstGeom prst="roundRect">
+            <a:off x="2212735" y="1879600"/>
+            <a:ext cx="1241665" cy="435385"/>
+          </a:xfrm>
+          <a:prstGeom prst="rect">
             <a:avLst/>
           </a:prstGeom>
         </p:spPr>
@@ -5899,18 +6895,27 @@
           <a:p>
             <a:pPr algn="ctr"/>
             <a:r>
-              <a:rPr lang="zh-CN" altLang="en-US" dirty="0"/>
-              <a:t>选择需删除资源</a:t>
-            </a:r>
-          </a:p>
-        </p:txBody>
-      </p:sp>
-      <p:sp>
-        <p:nvSpPr>
-          <p:cNvPr id="14" name="矩形: 圆角 13">
-            <a:extLst>
-              <a:ext uri="{FF2B5EF4-FFF2-40B4-BE49-F238E27FC236}">
-                <a16:creationId xmlns:a16="http://schemas.microsoft.com/office/drawing/2014/main" id="{1FA42442-0A9A-43B8-ACD7-77F132322CA3}"/>
+              <a:rPr lang="zh-CN" altLang="en-US" sz="1200" dirty="0" smtClean="0"/>
+              <a:t>点击</a:t>
+            </a:r>
+            <a:endParaRPr lang="en-US" altLang="zh-CN" sz="1200" dirty="0" smtClean="0"/>
+          </a:p>
+          <a:p>
+            <a:pPr algn="ctr"/>
+            <a:r>
+              <a:rPr lang="zh-CN" altLang="en-US" sz="1200" dirty="0" smtClean="0"/>
+              <a:t>点击录入资源</a:t>
+            </a:r>
+            <a:endParaRPr lang="zh-CN" altLang="en-US" sz="1200" dirty="0"/>
+          </a:p>
+        </p:txBody>
+      </p:sp>
+      <p:sp>
+        <p:nvSpPr>
+          <p:cNvPr id="16" name="矩形 15">
+            <a:extLst>
+              <a:ext uri="{FF2B5EF4-FFF2-40B4-BE49-F238E27FC236}">
+                <a16:creationId xmlns:a16="http://schemas.microsoft.com/office/drawing/2014/main" xmlns="" id="{22A53CAA-1C49-4CD0-8D4C-B888527327E4}"/>
               </a:ext>
             </a:extLst>
           </p:cNvPr>
@@ -5919,15 +6924,12 @@
         </p:nvSpPr>
         <p:spPr>
           <a:xfrm>
-            <a:off x="9283959" y="3848872"/>
-            <a:ext cx="1891005" cy="550506"/>
-          </a:xfrm>
-          <a:prstGeom prst="roundRect">
+            <a:off x="4110727" y="1879600"/>
+            <a:ext cx="1045473" cy="435385"/>
+          </a:xfrm>
+          <a:prstGeom prst="rect">
             <a:avLst/>
           </a:prstGeom>
-          <a:solidFill>
-            <a:schemeClr val="accent6"/>
-          </a:solidFill>
         </p:spPr>
         <p:style>
           <a:lnRef idx="2">
@@ -5951,44 +6953,18 @@
           <a:p>
             <a:pPr algn="ctr"/>
             <a:r>
-              <a:rPr lang="zh-CN" altLang="en-US" dirty="0"/>
-              <a:t>删除成功</a:t>
-            </a:r>
-          </a:p>
-        </p:txBody>
-      </p:sp>
-      <p:sp>
-        <p:nvSpPr>
-          <p:cNvPr id="15" name="文本框 14">
-            <a:extLst>
-              <a:ext uri="{FF2B5EF4-FFF2-40B4-BE49-F238E27FC236}">
-                <a16:creationId xmlns:a16="http://schemas.microsoft.com/office/drawing/2014/main" id="{2B3A11C7-7490-4CC2-B728-6D15B58DFD35}"/>
-              </a:ext>
-            </a:extLst>
-          </p:cNvPr>
-          <p:cNvSpPr txBox="1"/>
-          <p:nvPr/>
-        </p:nvSpPr>
-        <p:spPr>
-          <a:xfrm>
-            <a:off x="8116473" y="3738855"/>
-            <a:ext cx="1107996" cy="369332"/>
-          </a:xfrm>
-          <a:prstGeom prst="rect">
-            <a:avLst/>
-          </a:prstGeom>
-          <a:noFill/>
-        </p:spPr>
-        <p:txBody>
-          <a:bodyPr wrap="none" rtlCol="0">
-            <a:spAutoFit/>
-          </a:bodyPr>
-          <a:lstStyle/>
-          <a:p>
-            <a:r>
-              <a:rPr lang="zh-CN" altLang="en-US" dirty="0"/>
-              <a:t>确认删除</a:t>
-            </a:r>
+              <a:rPr lang="zh-CN" altLang="en-US" sz="1200" dirty="0" smtClean="0"/>
+              <a:t>录入</a:t>
+            </a:r>
+            <a:endParaRPr lang="en-US" altLang="zh-CN" sz="1200" dirty="0" smtClean="0"/>
+          </a:p>
+          <a:p>
+            <a:pPr algn="ctr"/>
+            <a:r>
+              <a:rPr lang="zh-CN" altLang="en-US" sz="1200" dirty="0" smtClean="0"/>
+              <a:t>资源及属性</a:t>
+            </a:r>
+            <a:endParaRPr lang="zh-CN" altLang="en-US" sz="1200" dirty="0"/>
           </a:p>
         </p:txBody>
       </p:sp>
@@ -5997,19 +6973,21 @@
           <p:cNvPr id="17" name="直接箭头连接符 16">
             <a:extLst>
               <a:ext uri="{FF2B5EF4-FFF2-40B4-BE49-F238E27FC236}">
-                <a16:creationId xmlns:a16="http://schemas.microsoft.com/office/drawing/2014/main" id="{4EDB41EE-CD85-4483-AE34-353B85B77103}"/>
+                <a16:creationId xmlns:a16="http://schemas.microsoft.com/office/drawing/2014/main" xmlns="" id="{C1ADEA83-2977-4145-B66C-8227C05BCFA3}"/>
               </a:ext>
             </a:extLst>
           </p:cNvPr>
           <p:cNvCxnSpPr>
-            <a:stCxn id="13" idx="3"/>
+            <a:cxnSpLocks/>
+            <a:stCxn id="15" idx="3"/>
+            <a:endCxn id="16" idx="1"/>
           </p:cNvCxnSpPr>
           <p:nvPr/>
         </p:nvCxnSpPr>
         <p:spPr>
           <a:xfrm>
-            <a:off x="8056984" y="4124127"/>
-            <a:ext cx="1226975" cy="3"/>
+            <a:off x="3454400" y="2097293"/>
+            <a:ext cx="656327" cy="1588"/>
           </a:xfrm>
           <a:prstGeom prst="straightConnector1">
             <a:avLst/>
@@ -6033,12 +7011,1644 @@
           </a:fontRef>
         </p:style>
       </p:cxnSp>
+      <p:sp>
+        <p:nvSpPr>
+          <p:cNvPr id="20" name="矩形: 圆角 3">
+            <a:extLst>
+              <a:ext uri="{FF2B5EF4-FFF2-40B4-BE49-F238E27FC236}">
+                <a16:creationId xmlns:a16="http://schemas.microsoft.com/office/drawing/2014/main" xmlns="" id="{F24F2D3D-3C90-414F-9605-7EBC4C1FD133}"/>
+              </a:ext>
+            </a:extLst>
+          </p:cNvPr>
+          <p:cNvSpPr/>
+          <p:nvPr/>
+        </p:nvSpPr>
+        <p:spPr>
+          <a:xfrm>
+            <a:off x="11248109" y="3022599"/>
+            <a:ext cx="562891" cy="335937"/>
+          </a:xfrm>
+          <a:prstGeom prst="roundRect">
+            <a:avLst/>
+          </a:prstGeom>
+        </p:spPr>
+        <p:style>
+          <a:lnRef idx="2">
+            <a:schemeClr val="accent1">
+              <a:shade val="50000"/>
+            </a:schemeClr>
+          </a:lnRef>
+          <a:fillRef idx="1">
+            <a:schemeClr val="accent1"/>
+          </a:fillRef>
+          <a:effectRef idx="0">
+            <a:schemeClr val="accent1"/>
+          </a:effectRef>
+          <a:fontRef idx="minor">
+            <a:schemeClr val="lt1"/>
+          </a:fontRef>
+        </p:style>
+        <p:txBody>
+          <a:bodyPr rtlCol="0" anchor="ctr"/>
+          <a:lstStyle/>
+          <a:p>
+            <a:pPr algn="ctr"/>
+            <a:r>
+              <a:rPr lang="zh-CN" altLang="en-US" sz="1200" dirty="0" smtClean="0"/>
+              <a:t>结束</a:t>
+            </a:r>
+            <a:endParaRPr lang="zh-CN" altLang="en-US" sz="1200" dirty="0"/>
+          </a:p>
+        </p:txBody>
+      </p:sp>
+      <p:sp>
+        <p:nvSpPr>
+          <p:cNvPr id="21" name="矩形 20">
+            <a:extLst>
+              <a:ext uri="{FF2B5EF4-FFF2-40B4-BE49-F238E27FC236}">
+                <a16:creationId xmlns:a16="http://schemas.microsoft.com/office/drawing/2014/main" xmlns="" id="{22A53CAA-1C49-4CD0-8D4C-B888527327E4}"/>
+              </a:ext>
+            </a:extLst>
+          </p:cNvPr>
+          <p:cNvSpPr/>
+          <p:nvPr/>
+        </p:nvSpPr>
+        <p:spPr>
+          <a:xfrm>
+            <a:off x="2829489" y="3784600"/>
+            <a:ext cx="917012" cy="432927"/>
+          </a:xfrm>
+          <a:prstGeom prst="rect">
+            <a:avLst/>
+          </a:prstGeom>
+        </p:spPr>
+        <p:style>
+          <a:lnRef idx="2">
+            <a:schemeClr val="accent1">
+              <a:shade val="50000"/>
+            </a:schemeClr>
+          </a:lnRef>
+          <a:fillRef idx="1">
+            <a:schemeClr val="accent1"/>
+          </a:fillRef>
+          <a:effectRef idx="0">
+            <a:schemeClr val="accent1"/>
+          </a:effectRef>
+          <a:fontRef idx="minor">
+            <a:schemeClr val="lt1"/>
+          </a:fontRef>
+        </p:style>
+        <p:txBody>
+          <a:bodyPr rtlCol="0" anchor="ctr"/>
+          <a:lstStyle/>
+          <a:p>
+            <a:pPr algn="ctr"/>
+            <a:r>
+              <a:rPr lang="zh-CN" altLang="en-US" sz="1200" dirty="0" smtClean="0"/>
+              <a:t>点击</a:t>
+            </a:r>
+            <a:endParaRPr lang="en-US" altLang="zh-CN" sz="1200" dirty="0" smtClean="0"/>
+          </a:p>
+          <a:p>
+            <a:pPr algn="ctr"/>
+            <a:r>
+              <a:rPr lang="zh-CN" altLang="en-US" sz="1200" dirty="0" smtClean="0"/>
+              <a:t>修改资源</a:t>
+            </a:r>
+            <a:endParaRPr lang="zh-CN" altLang="en-US" sz="1200" dirty="0"/>
+          </a:p>
+        </p:txBody>
+      </p:sp>
+      <p:sp>
+        <p:nvSpPr>
+          <p:cNvPr id="22" name="矩形 21">
+            <a:extLst>
+              <a:ext uri="{FF2B5EF4-FFF2-40B4-BE49-F238E27FC236}">
+                <a16:creationId xmlns:a16="http://schemas.microsoft.com/office/drawing/2014/main" xmlns="" id="{22A53CAA-1C49-4CD0-8D4C-B888527327E4}"/>
+              </a:ext>
+            </a:extLst>
+          </p:cNvPr>
+          <p:cNvSpPr/>
+          <p:nvPr/>
+        </p:nvSpPr>
+        <p:spPr>
+          <a:xfrm>
+            <a:off x="4170781" y="3784600"/>
+            <a:ext cx="985420" cy="420224"/>
+          </a:xfrm>
+          <a:prstGeom prst="rect">
+            <a:avLst/>
+          </a:prstGeom>
+        </p:spPr>
+        <p:style>
+          <a:lnRef idx="2">
+            <a:schemeClr val="accent1">
+              <a:shade val="50000"/>
+            </a:schemeClr>
+          </a:lnRef>
+          <a:fillRef idx="1">
+            <a:schemeClr val="accent1"/>
+          </a:fillRef>
+          <a:effectRef idx="0">
+            <a:schemeClr val="accent1"/>
+          </a:effectRef>
+          <a:fontRef idx="minor">
+            <a:schemeClr val="lt1"/>
+          </a:fontRef>
+        </p:style>
+        <p:txBody>
+          <a:bodyPr rtlCol="0" anchor="ctr"/>
+          <a:lstStyle/>
+          <a:p>
+            <a:pPr algn="ctr"/>
+            <a:r>
+              <a:rPr lang="zh-CN" altLang="en-US" sz="1200" dirty="0" smtClean="0"/>
+              <a:t>修改</a:t>
+            </a:r>
+            <a:endParaRPr lang="en-US" altLang="zh-CN" sz="1200" dirty="0" smtClean="0"/>
+          </a:p>
+          <a:p>
+            <a:pPr algn="ctr"/>
+            <a:r>
+              <a:rPr lang="zh-CN" altLang="en-US" sz="1200" dirty="0" smtClean="0"/>
+              <a:t>资源及属性</a:t>
+            </a:r>
+            <a:endParaRPr lang="zh-CN" altLang="en-US" sz="1200" dirty="0" smtClean="0"/>
+          </a:p>
+        </p:txBody>
+      </p:sp>
+      <p:sp>
+        <p:nvSpPr>
+          <p:cNvPr id="24" name="矩形 23">
+            <a:extLst>
+              <a:ext uri="{FF2B5EF4-FFF2-40B4-BE49-F238E27FC236}">
+                <a16:creationId xmlns:a16="http://schemas.microsoft.com/office/drawing/2014/main" xmlns="" id="{22A53CAA-1C49-4CD0-8D4C-B888527327E4}"/>
+              </a:ext>
+            </a:extLst>
+          </p:cNvPr>
+          <p:cNvSpPr/>
+          <p:nvPr/>
+        </p:nvSpPr>
+        <p:spPr>
+          <a:xfrm>
+            <a:off x="9649154" y="2984500"/>
+            <a:ext cx="866446" cy="419819"/>
+          </a:xfrm>
+          <a:prstGeom prst="rect">
+            <a:avLst/>
+          </a:prstGeom>
+        </p:spPr>
+        <p:style>
+          <a:lnRef idx="2">
+            <a:schemeClr val="accent1">
+              <a:shade val="50000"/>
+            </a:schemeClr>
+          </a:lnRef>
+          <a:fillRef idx="1">
+            <a:schemeClr val="accent1"/>
+          </a:fillRef>
+          <a:effectRef idx="0">
+            <a:schemeClr val="accent1"/>
+          </a:effectRef>
+          <a:fontRef idx="minor">
+            <a:schemeClr val="lt1"/>
+          </a:fontRef>
+        </p:style>
+        <p:txBody>
+          <a:bodyPr rtlCol="0" anchor="ctr"/>
+          <a:lstStyle/>
+          <a:p>
+            <a:pPr algn="ctr"/>
+            <a:r>
+              <a:rPr lang="zh-CN" altLang="en-US" sz="1200" dirty="0" smtClean="0"/>
+              <a:t>查看</a:t>
+            </a:r>
+            <a:endParaRPr lang="en-US" altLang="zh-CN" sz="1200" dirty="0" smtClean="0"/>
+          </a:p>
+          <a:p>
+            <a:pPr algn="ctr"/>
+            <a:r>
+              <a:rPr lang="zh-CN" altLang="en-US" sz="1200" dirty="0" smtClean="0"/>
+              <a:t>保存结果</a:t>
+            </a:r>
+            <a:endParaRPr lang="zh-CN" altLang="en-US" sz="1200" dirty="0"/>
+          </a:p>
+        </p:txBody>
+      </p:sp>
+      <p:cxnSp>
+        <p:nvCxnSpPr>
+          <p:cNvPr id="25" name="直接箭头连接符 24">
+            <a:extLst>
+              <a:ext uri="{FF2B5EF4-FFF2-40B4-BE49-F238E27FC236}">
+                <a16:creationId xmlns:a16="http://schemas.microsoft.com/office/drawing/2014/main" xmlns="" id="{8C095344-4BB6-4046-9AF9-1345C0A6FE41}"/>
+              </a:ext>
+            </a:extLst>
+          </p:cNvPr>
+          <p:cNvCxnSpPr>
+            <a:stCxn id="24" idx="3"/>
+            <a:endCxn id="20" idx="1"/>
+          </p:cNvCxnSpPr>
+          <p:nvPr/>
+        </p:nvCxnSpPr>
+        <p:spPr>
+          <a:xfrm flipV="1">
+            <a:off x="10515600" y="3190568"/>
+            <a:ext cx="732509" cy="3842"/>
+          </a:xfrm>
+          <a:prstGeom prst="straightConnector1">
+            <a:avLst/>
+          </a:prstGeom>
+          <a:ln>
+            <a:tailEnd type="triangle"/>
+          </a:ln>
+        </p:spPr>
+        <p:style>
+          <a:lnRef idx="1">
+            <a:schemeClr val="accent1"/>
+          </a:lnRef>
+          <a:fillRef idx="0">
+            <a:schemeClr val="accent1"/>
+          </a:fillRef>
+          <a:effectRef idx="0">
+            <a:schemeClr val="accent1"/>
+          </a:effectRef>
+          <a:fontRef idx="minor">
+            <a:schemeClr val="tx1"/>
+          </a:fontRef>
+        </p:style>
+      </p:cxnSp>
+      <p:cxnSp>
+        <p:nvCxnSpPr>
+          <p:cNvPr id="27" name="连接符: 肘形 16">
+            <a:extLst>
+              <a:ext uri="{FF2B5EF4-FFF2-40B4-BE49-F238E27FC236}">
+                <a16:creationId xmlns:a16="http://schemas.microsoft.com/office/drawing/2014/main" xmlns="" id="{61CCB5EB-A947-4A69-86F6-CCB0FB1D8901}"/>
+              </a:ext>
+            </a:extLst>
+          </p:cNvPr>
+          <p:cNvCxnSpPr>
+            <a:cxnSpLocks/>
+            <a:stCxn id="34" idx="2"/>
+            <a:endCxn id="20" idx="2"/>
+          </p:cNvCxnSpPr>
+          <p:nvPr/>
+        </p:nvCxnSpPr>
+        <p:spPr>
+          <a:xfrm rot="5400000" flipH="1" flipV="1">
+            <a:off x="6927421" y="1166950"/>
+            <a:ext cx="2410548" cy="6793720"/>
+          </a:xfrm>
+          <a:prstGeom prst="bentConnector3">
+            <a:avLst>
+              <a:gd name="adj1" fmla="val -9483"/>
+            </a:avLst>
+          </a:prstGeom>
+          <a:ln>
+            <a:tailEnd type="triangle"/>
+          </a:ln>
+        </p:spPr>
+        <p:style>
+          <a:lnRef idx="1">
+            <a:schemeClr val="accent1"/>
+          </a:lnRef>
+          <a:fillRef idx="0">
+            <a:schemeClr val="accent1"/>
+          </a:fillRef>
+          <a:effectRef idx="0">
+            <a:schemeClr val="accent1"/>
+          </a:effectRef>
+          <a:fontRef idx="minor">
+            <a:schemeClr val="tx1"/>
+          </a:fontRef>
+        </p:style>
+      </p:cxnSp>
+      <p:cxnSp>
+        <p:nvCxnSpPr>
+          <p:cNvPr id="28" name="直接箭头连接符 27">
+            <a:extLst>
+              <a:ext uri="{FF2B5EF4-FFF2-40B4-BE49-F238E27FC236}">
+                <a16:creationId xmlns:a16="http://schemas.microsoft.com/office/drawing/2014/main" xmlns="" id="{C1ADEA83-2977-4145-B66C-8227C05BCFA3}"/>
+              </a:ext>
+            </a:extLst>
+          </p:cNvPr>
+          <p:cNvCxnSpPr>
+            <a:cxnSpLocks/>
+            <a:stCxn id="21" idx="3"/>
+            <a:endCxn id="22" idx="1"/>
+          </p:cNvCxnSpPr>
+          <p:nvPr/>
+        </p:nvCxnSpPr>
+        <p:spPr>
+          <a:xfrm flipV="1">
+            <a:off x="3746501" y="3994712"/>
+            <a:ext cx="424280" cy="6352"/>
+          </a:xfrm>
+          <a:prstGeom prst="straightConnector1">
+            <a:avLst/>
+          </a:prstGeom>
+          <a:ln>
+            <a:tailEnd type="triangle"/>
+          </a:ln>
+        </p:spPr>
+        <p:style>
+          <a:lnRef idx="1">
+            <a:schemeClr val="accent1"/>
+          </a:lnRef>
+          <a:fillRef idx="0">
+            <a:schemeClr val="accent1"/>
+          </a:fillRef>
+          <a:effectRef idx="0">
+            <a:schemeClr val="accent1"/>
+          </a:effectRef>
+          <a:fontRef idx="minor">
+            <a:schemeClr val="tx1"/>
+          </a:fontRef>
+        </p:style>
+      </p:cxnSp>
+      <p:cxnSp>
+        <p:nvCxnSpPr>
+          <p:cNvPr id="30" name="连接符: 肘形 59">
+            <a:extLst>
+              <a:ext uri="{FF2B5EF4-FFF2-40B4-BE49-F238E27FC236}">
+                <a16:creationId xmlns:a16="http://schemas.microsoft.com/office/drawing/2014/main" xmlns="" id="{11057A49-1D8D-44F2-A469-1B3C296E495A}"/>
+              </a:ext>
+            </a:extLst>
+          </p:cNvPr>
+          <p:cNvCxnSpPr>
+            <a:stCxn id="22" idx="3"/>
+            <a:endCxn id="110" idx="1"/>
+          </p:cNvCxnSpPr>
+          <p:nvPr/>
+        </p:nvCxnSpPr>
+        <p:spPr>
+          <a:xfrm flipV="1">
+            <a:off x="5156201" y="3181703"/>
+            <a:ext cx="408090" cy="813009"/>
+          </a:xfrm>
+          <a:prstGeom prst="bentConnector3">
+            <a:avLst>
+              <a:gd name="adj1" fmla="val 50000"/>
+            </a:avLst>
+          </a:prstGeom>
+          <a:ln>
+            <a:tailEnd type="triangle"/>
+          </a:ln>
+        </p:spPr>
+        <p:style>
+          <a:lnRef idx="1">
+            <a:schemeClr val="accent1"/>
+          </a:lnRef>
+          <a:fillRef idx="0">
+            <a:schemeClr val="accent1"/>
+          </a:fillRef>
+          <a:effectRef idx="0">
+            <a:schemeClr val="accent1"/>
+          </a:effectRef>
+          <a:fontRef idx="minor">
+            <a:schemeClr val="tx1"/>
+          </a:fontRef>
+        </p:style>
+      </p:cxnSp>
+      <p:sp>
+        <p:nvSpPr>
+          <p:cNvPr id="31" name="矩形 30">
+            <a:extLst>
+              <a:ext uri="{FF2B5EF4-FFF2-40B4-BE49-F238E27FC236}">
+                <a16:creationId xmlns:a16="http://schemas.microsoft.com/office/drawing/2014/main" xmlns="" id="{22A53CAA-1C49-4CD0-8D4C-B888527327E4}"/>
+              </a:ext>
+            </a:extLst>
+          </p:cNvPr>
+          <p:cNvSpPr/>
+          <p:nvPr/>
+        </p:nvSpPr>
+        <p:spPr>
+          <a:xfrm>
+            <a:off x="1012734" y="2336799"/>
+            <a:ext cx="816066" cy="393701"/>
+          </a:xfrm>
+          <a:prstGeom prst="rect">
+            <a:avLst/>
+          </a:prstGeom>
+        </p:spPr>
+        <p:style>
+          <a:lnRef idx="2">
+            <a:schemeClr val="accent1">
+              <a:shade val="50000"/>
+            </a:schemeClr>
+          </a:lnRef>
+          <a:fillRef idx="1">
+            <a:schemeClr val="accent1"/>
+          </a:fillRef>
+          <a:effectRef idx="0">
+            <a:schemeClr val="accent1"/>
+          </a:effectRef>
+          <a:fontRef idx="minor">
+            <a:schemeClr val="lt1"/>
+          </a:fontRef>
+        </p:style>
+        <p:txBody>
+          <a:bodyPr rtlCol="0" anchor="ctr"/>
+          <a:lstStyle/>
+          <a:p>
+            <a:pPr algn="ctr"/>
+            <a:r>
+              <a:rPr lang="zh-CN" altLang="en-US" sz="1200" dirty="0" smtClean="0"/>
+              <a:t>选定</a:t>
+            </a:r>
+            <a:endParaRPr lang="en-US" altLang="zh-CN" sz="1200" dirty="0" smtClean="0"/>
+          </a:p>
+          <a:p>
+            <a:pPr algn="ctr"/>
+            <a:r>
+              <a:rPr lang="zh-CN" altLang="en-US" sz="1200" dirty="0" smtClean="0"/>
+              <a:t>资源类别</a:t>
+            </a:r>
+            <a:endParaRPr lang="zh-CN" altLang="en-US" sz="1200" dirty="0"/>
+          </a:p>
+        </p:txBody>
+      </p:sp>
+      <p:sp>
+        <p:nvSpPr>
+          <p:cNvPr id="32" name="矩形 31">
+            <a:extLst>
+              <a:ext uri="{FF2B5EF4-FFF2-40B4-BE49-F238E27FC236}">
+                <a16:creationId xmlns:a16="http://schemas.microsoft.com/office/drawing/2014/main" xmlns="" id="{22A53CAA-1C49-4CD0-8D4C-B888527327E4}"/>
+              </a:ext>
+            </a:extLst>
+          </p:cNvPr>
+          <p:cNvSpPr/>
+          <p:nvPr/>
+        </p:nvSpPr>
+        <p:spPr>
+          <a:xfrm>
+            <a:off x="2842186" y="5295900"/>
+            <a:ext cx="866214" cy="434963"/>
+          </a:xfrm>
+          <a:prstGeom prst="rect">
+            <a:avLst/>
+          </a:prstGeom>
+        </p:spPr>
+        <p:style>
+          <a:lnRef idx="2">
+            <a:schemeClr val="accent1">
+              <a:shade val="50000"/>
+            </a:schemeClr>
+          </a:lnRef>
+          <a:fillRef idx="1">
+            <a:schemeClr val="accent1"/>
+          </a:fillRef>
+          <a:effectRef idx="0">
+            <a:schemeClr val="accent1"/>
+          </a:effectRef>
+          <a:fontRef idx="minor">
+            <a:schemeClr val="lt1"/>
+          </a:fontRef>
+        </p:style>
+        <p:txBody>
+          <a:bodyPr rtlCol="0" anchor="ctr"/>
+          <a:lstStyle/>
+          <a:p>
+            <a:pPr algn="ctr"/>
+            <a:r>
+              <a:rPr lang="zh-CN" altLang="en-US" sz="1200" dirty="0" smtClean="0"/>
+              <a:t>点击</a:t>
+            </a:r>
+            <a:endParaRPr lang="en-US" altLang="zh-CN" sz="1200" dirty="0" smtClean="0"/>
+          </a:p>
+          <a:p>
+            <a:pPr algn="ctr"/>
+            <a:r>
+              <a:rPr lang="zh-CN" altLang="en-US" sz="1200" dirty="0" smtClean="0"/>
+              <a:t>删除资源</a:t>
+            </a:r>
+            <a:endParaRPr lang="zh-CN" altLang="en-US" sz="1200" dirty="0"/>
+          </a:p>
+        </p:txBody>
+      </p:sp>
+      <p:cxnSp>
+        <p:nvCxnSpPr>
+          <p:cNvPr id="33" name="连接符: 肘形 16">
+            <a:extLst>
+              <a:ext uri="{FF2B5EF4-FFF2-40B4-BE49-F238E27FC236}">
+                <a16:creationId xmlns:a16="http://schemas.microsoft.com/office/drawing/2014/main" xmlns="" id="{61CCB5EB-A947-4A69-86F6-CCB0FB1D8901}"/>
+              </a:ext>
+            </a:extLst>
+          </p:cNvPr>
+          <p:cNvCxnSpPr>
+            <a:cxnSpLocks/>
+            <a:stCxn id="53" idx="2"/>
+            <a:endCxn id="32" idx="1"/>
+          </p:cNvCxnSpPr>
+          <p:nvPr/>
+        </p:nvCxnSpPr>
+        <p:spPr>
+          <a:xfrm rot="16200000" flipH="1">
+            <a:off x="1620717" y="4291912"/>
+            <a:ext cx="2269217" cy="173722"/>
+          </a:xfrm>
+          <a:prstGeom prst="bentConnector2">
+            <a:avLst/>
+          </a:prstGeom>
+          <a:ln>
+            <a:tailEnd type="triangle"/>
+          </a:ln>
+        </p:spPr>
+        <p:style>
+          <a:lnRef idx="1">
+            <a:schemeClr val="accent1"/>
+          </a:lnRef>
+          <a:fillRef idx="0">
+            <a:schemeClr val="accent1"/>
+          </a:fillRef>
+          <a:effectRef idx="0">
+            <a:schemeClr val="accent1"/>
+          </a:effectRef>
+          <a:fontRef idx="minor">
+            <a:schemeClr val="tx1"/>
+          </a:fontRef>
+        </p:style>
+      </p:cxnSp>
+      <p:sp>
+        <p:nvSpPr>
+          <p:cNvPr id="34" name="菱形 33">
+            <a:extLst>
+              <a:ext uri="{FF2B5EF4-FFF2-40B4-BE49-F238E27FC236}">
+                <a16:creationId xmlns:a16="http://schemas.microsoft.com/office/drawing/2014/main" xmlns="" id="{DCAC3279-15F0-49D6-A37B-43137D51DF03}"/>
+              </a:ext>
+            </a:extLst>
+          </p:cNvPr>
+          <p:cNvSpPr/>
+          <p:nvPr/>
+        </p:nvSpPr>
+        <p:spPr>
+          <a:xfrm>
+            <a:off x="4124969" y="5257799"/>
+            <a:ext cx="1221731" cy="511285"/>
+          </a:xfrm>
+          <a:prstGeom prst="diamond">
+            <a:avLst/>
+          </a:prstGeom>
+        </p:spPr>
+        <p:style>
+          <a:lnRef idx="2">
+            <a:schemeClr val="accent1">
+              <a:shade val="50000"/>
+            </a:schemeClr>
+          </a:lnRef>
+          <a:fillRef idx="1">
+            <a:schemeClr val="accent1"/>
+          </a:fillRef>
+          <a:effectRef idx="0">
+            <a:schemeClr val="accent1"/>
+          </a:effectRef>
+          <a:fontRef idx="minor">
+            <a:schemeClr val="lt1"/>
+          </a:fontRef>
+        </p:style>
+        <p:txBody>
+          <a:bodyPr rtlCol="0" anchor="ctr"/>
+          <a:lstStyle/>
+          <a:p>
+            <a:pPr algn="ctr"/>
+            <a:r>
+              <a:rPr lang="zh-CN" altLang="en-US" sz="1200" dirty="0" smtClean="0"/>
+              <a:t>确认删除</a:t>
+            </a:r>
+            <a:endParaRPr lang="zh-CN" altLang="en-US" sz="1200" dirty="0"/>
+          </a:p>
+        </p:txBody>
+      </p:sp>
+      <p:sp>
+        <p:nvSpPr>
+          <p:cNvPr id="36" name="文本框 37">
+            <a:extLst>
+              <a:ext uri="{FF2B5EF4-FFF2-40B4-BE49-F238E27FC236}">
+                <a16:creationId xmlns:a16="http://schemas.microsoft.com/office/drawing/2014/main" xmlns="" id="{C055368F-6126-4BE4-8190-285EB58D59D8}"/>
+              </a:ext>
+            </a:extLst>
+          </p:cNvPr>
+          <p:cNvSpPr txBox="1"/>
+          <p:nvPr/>
+        </p:nvSpPr>
+        <p:spPr>
+          <a:xfrm>
+            <a:off x="7661575" y="2929926"/>
+            <a:ext cx="338554" cy="276999"/>
+          </a:xfrm>
+          <a:prstGeom prst="rect">
+            <a:avLst/>
+          </a:prstGeom>
+          <a:noFill/>
+        </p:spPr>
+        <p:txBody>
+          <a:bodyPr wrap="none" rtlCol="0">
+            <a:spAutoFit/>
+          </a:bodyPr>
+          <a:lstStyle/>
+          <a:p>
+            <a:r>
+              <a:rPr lang="zh-CN" altLang="en-US" sz="1200" dirty="0">
+                <a:solidFill>
+                  <a:srgbClr val="FF0000"/>
+                </a:solidFill>
+              </a:rPr>
+              <a:t>是</a:t>
+            </a:r>
+          </a:p>
+        </p:txBody>
+      </p:sp>
+      <p:sp>
+        <p:nvSpPr>
+          <p:cNvPr id="37" name="文本框 37">
+            <a:extLst>
+              <a:ext uri="{FF2B5EF4-FFF2-40B4-BE49-F238E27FC236}">
+                <a16:creationId xmlns:a16="http://schemas.microsoft.com/office/drawing/2014/main" xmlns="" id="{C055368F-6126-4BE4-8190-285EB58D59D8}"/>
+              </a:ext>
+            </a:extLst>
+          </p:cNvPr>
+          <p:cNvSpPr txBox="1"/>
+          <p:nvPr/>
+        </p:nvSpPr>
+        <p:spPr>
+          <a:xfrm>
+            <a:off x="5416555" y="5258546"/>
+            <a:ext cx="338554" cy="276999"/>
+          </a:xfrm>
+          <a:prstGeom prst="rect">
+            <a:avLst/>
+          </a:prstGeom>
+          <a:noFill/>
+        </p:spPr>
+        <p:txBody>
+          <a:bodyPr wrap="none" rtlCol="0">
+            <a:spAutoFit/>
+          </a:bodyPr>
+          <a:lstStyle/>
+          <a:p>
+            <a:r>
+              <a:rPr lang="zh-CN" altLang="en-US" sz="1200" dirty="0">
+                <a:solidFill>
+                  <a:srgbClr val="FF0000"/>
+                </a:solidFill>
+              </a:rPr>
+              <a:t>是</a:t>
+            </a:r>
+          </a:p>
+        </p:txBody>
+      </p:sp>
+      <p:sp>
+        <p:nvSpPr>
+          <p:cNvPr id="38" name="文本框 40">
+            <a:extLst>
+              <a:ext uri="{FF2B5EF4-FFF2-40B4-BE49-F238E27FC236}">
+                <a16:creationId xmlns:a16="http://schemas.microsoft.com/office/drawing/2014/main" xmlns="" id="{19129B04-F042-4BE8-A718-BED57C746EEE}"/>
+              </a:ext>
+            </a:extLst>
+          </p:cNvPr>
+          <p:cNvSpPr txBox="1"/>
+          <p:nvPr/>
+        </p:nvSpPr>
+        <p:spPr>
+          <a:xfrm>
+            <a:off x="6924547" y="3529675"/>
+            <a:ext cx="250953" cy="461665"/>
+          </a:xfrm>
+          <a:prstGeom prst="rect">
+            <a:avLst/>
+          </a:prstGeom>
+          <a:noFill/>
+        </p:spPr>
+        <p:txBody>
+          <a:bodyPr wrap="square" rtlCol="0">
+            <a:spAutoFit/>
+          </a:bodyPr>
+          <a:lstStyle/>
+          <a:p>
+            <a:r>
+              <a:rPr lang="zh-CN" altLang="en-US" sz="1200" dirty="0" smtClean="0">
+                <a:solidFill>
+                  <a:srgbClr val="FF0000"/>
+                </a:solidFill>
+              </a:rPr>
+              <a:t>返回</a:t>
+            </a:r>
+            <a:endParaRPr lang="zh-CN" altLang="en-US" sz="1200" dirty="0">
+              <a:solidFill>
+                <a:srgbClr val="FF0000"/>
+              </a:solidFill>
+            </a:endParaRPr>
+          </a:p>
+        </p:txBody>
+      </p:sp>
+      <p:sp>
+        <p:nvSpPr>
+          <p:cNvPr id="39" name="矩形: 圆角 8">
+            <a:extLst>
+              <a:ext uri="{FF2B5EF4-FFF2-40B4-BE49-F238E27FC236}">
+                <a16:creationId xmlns:a16="http://schemas.microsoft.com/office/drawing/2014/main" xmlns="" id="{D789051B-4EAF-46A6-808D-6B06CA75FD4D}"/>
+              </a:ext>
+            </a:extLst>
+          </p:cNvPr>
+          <p:cNvSpPr/>
+          <p:nvPr/>
+        </p:nvSpPr>
+        <p:spPr>
+          <a:xfrm>
+            <a:off x="8201769" y="2997199"/>
+            <a:ext cx="866031" cy="389475"/>
+          </a:xfrm>
+          <a:prstGeom prst="roundRect">
+            <a:avLst/>
+          </a:prstGeom>
+          <a:solidFill>
+            <a:schemeClr val="accent6"/>
+          </a:solidFill>
+        </p:spPr>
+        <p:style>
+          <a:lnRef idx="2">
+            <a:schemeClr val="accent1">
+              <a:shade val="50000"/>
+            </a:schemeClr>
+          </a:lnRef>
+          <a:fillRef idx="1">
+            <a:schemeClr val="accent1"/>
+          </a:fillRef>
+          <a:effectRef idx="0">
+            <a:schemeClr val="accent1"/>
+          </a:effectRef>
+          <a:fontRef idx="minor">
+            <a:schemeClr val="lt1"/>
+          </a:fontRef>
+        </p:style>
+        <p:txBody>
+          <a:bodyPr rtlCol="0" anchor="ctr"/>
+          <a:lstStyle/>
+          <a:p>
+            <a:pPr algn="ctr"/>
+            <a:r>
+              <a:rPr lang="zh-CN" altLang="en-US" sz="1200" dirty="0" smtClean="0"/>
+              <a:t>保存资源</a:t>
+            </a:r>
+            <a:endParaRPr lang="zh-CN" altLang="en-US" sz="1200" dirty="0"/>
+          </a:p>
+        </p:txBody>
+      </p:sp>
+      <p:cxnSp>
+        <p:nvCxnSpPr>
+          <p:cNvPr id="40" name="直接箭头连接符 39">
+            <a:extLst>
+              <a:ext uri="{FF2B5EF4-FFF2-40B4-BE49-F238E27FC236}">
+                <a16:creationId xmlns:a16="http://schemas.microsoft.com/office/drawing/2014/main" xmlns="" id="{0C7ACE7F-3FB4-4F3A-96B2-7A14A468BD48}"/>
+              </a:ext>
+            </a:extLst>
+          </p:cNvPr>
+          <p:cNvCxnSpPr>
+            <a:stCxn id="110" idx="3"/>
+            <a:endCxn id="116" idx="1"/>
+          </p:cNvCxnSpPr>
+          <p:nvPr/>
+        </p:nvCxnSpPr>
+        <p:spPr>
+          <a:xfrm>
+            <a:off x="6375400" y="3181703"/>
+            <a:ext cx="304947" cy="6407"/>
+          </a:xfrm>
+          <a:prstGeom prst="straightConnector1">
+            <a:avLst/>
+          </a:prstGeom>
+          <a:ln>
+            <a:tailEnd type="triangle"/>
+          </a:ln>
+        </p:spPr>
+        <p:style>
+          <a:lnRef idx="1">
+            <a:schemeClr val="accent1"/>
+          </a:lnRef>
+          <a:fillRef idx="0">
+            <a:schemeClr val="accent1"/>
+          </a:fillRef>
+          <a:effectRef idx="0">
+            <a:schemeClr val="accent1"/>
+          </a:effectRef>
+          <a:fontRef idx="minor">
+            <a:schemeClr val="tx1"/>
+          </a:fontRef>
+        </p:style>
+      </p:cxnSp>
+      <p:cxnSp>
+        <p:nvCxnSpPr>
+          <p:cNvPr id="41" name="直接箭头连接符 40">
+            <a:extLst>
+              <a:ext uri="{FF2B5EF4-FFF2-40B4-BE49-F238E27FC236}">
+                <a16:creationId xmlns:a16="http://schemas.microsoft.com/office/drawing/2014/main" xmlns="" id="{0C7ACE7F-3FB4-4F3A-96B2-7A14A468BD48}"/>
+              </a:ext>
+            </a:extLst>
+          </p:cNvPr>
+          <p:cNvCxnSpPr>
+            <a:stCxn id="39" idx="3"/>
+            <a:endCxn id="24" idx="1"/>
+          </p:cNvCxnSpPr>
+          <p:nvPr/>
+        </p:nvCxnSpPr>
+        <p:spPr>
+          <a:xfrm>
+            <a:off x="9067800" y="3191937"/>
+            <a:ext cx="581354" cy="2473"/>
+          </a:xfrm>
+          <a:prstGeom prst="straightConnector1">
+            <a:avLst/>
+          </a:prstGeom>
+          <a:ln>
+            <a:tailEnd type="triangle"/>
+          </a:ln>
+        </p:spPr>
+        <p:style>
+          <a:lnRef idx="1">
+            <a:schemeClr val="accent1"/>
+          </a:lnRef>
+          <a:fillRef idx="0">
+            <a:schemeClr val="accent1"/>
+          </a:fillRef>
+          <a:effectRef idx="0">
+            <a:schemeClr val="accent1"/>
+          </a:effectRef>
+          <a:fontRef idx="minor">
+            <a:schemeClr val="tx1"/>
+          </a:fontRef>
+        </p:style>
+      </p:cxnSp>
+      <p:cxnSp>
+        <p:nvCxnSpPr>
+          <p:cNvPr id="42" name="直接箭头连接符 41">
+            <a:extLst>
+              <a:ext uri="{FF2B5EF4-FFF2-40B4-BE49-F238E27FC236}">
+                <a16:creationId xmlns:a16="http://schemas.microsoft.com/office/drawing/2014/main" xmlns="" id="{C1ADEA83-2977-4145-B66C-8227C05BCFA3}"/>
+              </a:ext>
+            </a:extLst>
+          </p:cNvPr>
+          <p:cNvCxnSpPr>
+            <a:cxnSpLocks/>
+            <a:stCxn id="5" idx="3"/>
+            <a:endCxn id="31" idx="1"/>
+          </p:cNvCxnSpPr>
+          <p:nvPr/>
+        </p:nvCxnSpPr>
+        <p:spPr>
+          <a:xfrm>
+            <a:off x="800100" y="2529374"/>
+            <a:ext cx="212634" cy="4276"/>
+          </a:xfrm>
+          <a:prstGeom prst="straightConnector1">
+            <a:avLst/>
+          </a:prstGeom>
+          <a:ln>
+            <a:tailEnd type="triangle"/>
+          </a:ln>
+        </p:spPr>
+        <p:style>
+          <a:lnRef idx="1">
+            <a:schemeClr val="accent1"/>
+          </a:lnRef>
+          <a:fillRef idx="0">
+            <a:schemeClr val="accent1"/>
+          </a:fillRef>
+          <a:effectRef idx="0">
+            <a:schemeClr val="accent1"/>
+          </a:effectRef>
+          <a:fontRef idx="minor">
+            <a:schemeClr val="tx1"/>
+          </a:fontRef>
+        </p:style>
+      </p:cxnSp>
+      <p:cxnSp>
+        <p:nvCxnSpPr>
+          <p:cNvPr id="46" name="连接符: 肘形 16">
+            <a:extLst>
+              <a:ext uri="{FF2B5EF4-FFF2-40B4-BE49-F238E27FC236}">
+                <a16:creationId xmlns:a16="http://schemas.microsoft.com/office/drawing/2014/main" xmlns="" id="{61CCB5EB-A947-4A69-86F6-CCB0FB1D8901}"/>
+              </a:ext>
+            </a:extLst>
+          </p:cNvPr>
+          <p:cNvCxnSpPr>
+            <a:cxnSpLocks/>
+            <a:stCxn id="53" idx="2"/>
+            <a:endCxn id="21" idx="1"/>
+          </p:cNvCxnSpPr>
+          <p:nvPr/>
+        </p:nvCxnSpPr>
+        <p:spPr>
+          <a:xfrm rot="16200000" flipH="1">
+            <a:off x="2370527" y="3542101"/>
+            <a:ext cx="756899" cy="161025"/>
+          </a:xfrm>
+          <a:prstGeom prst="bentConnector2">
+            <a:avLst/>
+          </a:prstGeom>
+          <a:ln>
+            <a:tailEnd type="triangle"/>
+          </a:ln>
+        </p:spPr>
+        <p:style>
+          <a:lnRef idx="1">
+            <a:schemeClr val="accent1"/>
+          </a:lnRef>
+          <a:fillRef idx="0">
+            <a:schemeClr val="accent1"/>
+          </a:fillRef>
+          <a:effectRef idx="0">
+            <a:schemeClr val="accent1"/>
+          </a:effectRef>
+          <a:fontRef idx="minor">
+            <a:schemeClr val="tx1"/>
+          </a:fontRef>
+        </p:style>
+      </p:cxnSp>
+      <p:sp>
+        <p:nvSpPr>
+          <p:cNvPr id="53" name="矩形 52">
+            <a:extLst>
+              <a:ext uri="{FF2B5EF4-FFF2-40B4-BE49-F238E27FC236}">
+                <a16:creationId xmlns:a16="http://schemas.microsoft.com/office/drawing/2014/main" xmlns="" id="{22A53CAA-1C49-4CD0-8D4C-B888527327E4}"/>
+              </a:ext>
+            </a:extLst>
+          </p:cNvPr>
+          <p:cNvSpPr/>
+          <p:nvPr/>
+        </p:nvSpPr>
+        <p:spPr>
+          <a:xfrm>
+            <a:off x="2212728" y="2806700"/>
+            <a:ext cx="911472" cy="437465"/>
+          </a:xfrm>
+          <a:prstGeom prst="rect">
+            <a:avLst/>
+          </a:prstGeom>
+        </p:spPr>
+        <p:style>
+          <a:lnRef idx="2">
+            <a:schemeClr val="accent1">
+              <a:shade val="50000"/>
+            </a:schemeClr>
+          </a:lnRef>
+          <a:fillRef idx="1">
+            <a:schemeClr val="accent1"/>
+          </a:fillRef>
+          <a:effectRef idx="0">
+            <a:schemeClr val="accent1"/>
+          </a:effectRef>
+          <a:fontRef idx="minor">
+            <a:schemeClr val="lt1"/>
+          </a:fontRef>
+        </p:style>
+        <p:txBody>
+          <a:bodyPr rtlCol="0" anchor="ctr"/>
+          <a:lstStyle/>
+          <a:p>
+            <a:pPr algn="ctr"/>
+            <a:r>
+              <a:rPr lang="zh-CN" altLang="en-US" sz="1200" dirty="0" smtClean="0"/>
+              <a:t>选定</a:t>
+            </a:r>
+            <a:endParaRPr lang="en-US" altLang="zh-CN" sz="1200" dirty="0" smtClean="0"/>
+          </a:p>
+          <a:p>
+            <a:pPr algn="ctr"/>
+            <a:r>
+              <a:rPr lang="zh-CN" altLang="en-US" sz="1200" dirty="0" smtClean="0"/>
+              <a:t>某条资源</a:t>
+            </a:r>
+            <a:endParaRPr lang="zh-CN" altLang="en-US" sz="1200" dirty="0"/>
+          </a:p>
+        </p:txBody>
+      </p:sp>
+      <p:cxnSp>
+        <p:nvCxnSpPr>
+          <p:cNvPr id="56" name="连接符: 肘形 16">
+            <a:extLst>
+              <a:ext uri="{FF2B5EF4-FFF2-40B4-BE49-F238E27FC236}">
+                <a16:creationId xmlns:a16="http://schemas.microsoft.com/office/drawing/2014/main" xmlns="" id="{61CCB5EB-A947-4A69-86F6-CCB0FB1D8901}"/>
+              </a:ext>
+            </a:extLst>
+          </p:cNvPr>
+          <p:cNvCxnSpPr>
+            <a:cxnSpLocks/>
+            <a:stCxn id="31" idx="3"/>
+            <a:endCxn id="53" idx="1"/>
+          </p:cNvCxnSpPr>
+          <p:nvPr/>
+        </p:nvCxnSpPr>
+        <p:spPr>
+          <a:xfrm>
+            <a:off x="1828800" y="2533650"/>
+            <a:ext cx="383928" cy="491783"/>
+          </a:xfrm>
+          <a:prstGeom prst="bentConnector3">
+            <a:avLst>
+              <a:gd name="adj1" fmla="val 50000"/>
+            </a:avLst>
+          </a:prstGeom>
+          <a:ln>
+            <a:tailEnd type="triangle"/>
+          </a:ln>
+        </p:spPr>
+        <p:style>
+          <a:lnRef idx="1">
+            <a:schemeClr val="accent1"/>
+          </a:lnRef>
+          <a:fillRef idx="0">
+            <a:schemeClr val="accent1"/>
+          </a:fillRef>
+          <a:effectRef idx="0">
+            <a:schemeClr val="accent1"/>
+          </a:effectRef>
+          <a:fontRef idx="minor">
+            <a:schemeClr val="tx1"/>
+          </a:fontRef>
+        </p:style>
+      </p:cxnSp>
+      <p:sp>
+        <p:nvSpPr>
+          <p:cNvPr id="82" name="矩形 81">
+            <a:extLst>
+              <a:ext uri="{FF2B5EF4-FFF2-40B4-BE49-F238E27FC236}">
+                <a16:creationId xmlns:a16="http://schemas.microsoft.com/office/drawing/2014/main" xmlns="" id="{22A53CAA-1C49-4CD0-8D4C-B888527327E4}"/>
+              </a:ext>
+            </a:extLst>
+          </p:cNvPr>
+          <p:cNvSpPr/>
+          <p:nvPr/>
+        </p:nvSpPr>
+        <p:spPr>
+          <a:xfrm>
+            <a:off x="6126533" y="5334000"/>
+            <a:ext cx="871167" cy="358763"/>
+          </a:xfrm>
+          <a:prstGeom prst="rect">
+            <a:avLst/>
+          </a:prstGeom>
+        </p:spPr>
+        <p:style>
+          <a:lnRef idx="2">
+            <a:schemeClr val="accent1">
+              <a:shade val="50000"/>
+            </a:schemeClr>
+          </a:lnRef>
+          <a:fillRef idx="1">
+            <a:schemeClr val="accent1"/>
+          </a:fillRef>
+          <a:effectRef idx="0">
+            <a:schemeClr val="accent1"/>
+          </a:effectRef>
+          <a:fontRef idx="minor">
+            <a:schemeClr val="lt1"/>
+          </a:fontRef>
+        </p:style>
+        <p:txBody>
+          <a:bodyPr rtlCol="0" anchor="ctr"/>
+          <a:lstStyle/>
+          <a:p>
+            <a:pPr algn="ctr"/>
+            <a:r>
+              <a:rPr lang="zh-CN" altLang="en-US" sz="1200" dirty="0" smtClean="0"/>
+              <a:t>提交审核</a:t>
+            </a:r>
+            <a:endParaRPr lang="zh-CN" altLang="en-US" sz="1200" dirty="0"/>
+          </a:p>
+        </p:txBody>
+      </p:sp>
+      <p:cxnSp>
+        <p:nvCxnSpPr>
+          <p:cNvPr id="92" name="连接符: 肘形 39">
+            <a:extLst>
+              <a:ext uri="{FF2B5EF4-FFF2-40B4-BE49-F238E27FC236}">
+                <a16:creationId xmlns:a16="http://schemas.microsoft.com/office/drawing/2014/main" xmlns="" id="{58E7B1DC-2A85-47CC-84F3-6D4E6E9A8A3E}"/>
+              </a:ext>
+            </a:extLst>
+          </p:cNvPr>
+          <p:cNvCxnSpPr>
+            <a:cxnSpLocks/>
+            <a:stCxn id="6" idx="3"/>
+            <a:endCxn id="120" idx="2"/>
+          </p:cNvCxnSpPr>
+          <p:nvPr/>
+        </p:nvCxnSpPr>
+        <p:spPr>
+          <a:xfrm flipV="1">
+            <a:off x="9080501" y="4845844"/>
+            <a:ext cx="1001054" cy="672513"/>
+          </a:xfrm>
+          <a:prstGeom prst="bentConnector2">
+            <a:avLst/>
+          </a:prstGeom>
+          <a:ln>
+            <a:tailEnd type="triangle"/>
+          </a:ln>
+        </p:spPr>
+        <p:style>
+          <a:lnRef idx="1">
+            <a:schemeClr val="accent1"/>
+          </a:lnRef>
+          <a:fillRef idx="0">
+            <a:schemeClr val="accent1"/>
+          </a:fillRef>
+          <a:effectRef idx="0">
+            <a:schemeClr val="accent1"/>
+          </a:effectRef>
+          <a:fontRef idx="minor">
+            <a:schemeClr val="tx1"/>
+          </a:fontRef>
+        </p:style>
+      </p:cxnSp>
+      <p:cxnSp>
+        <p:nvCxnSpPr>
+          <p:cNvPr id="102" name="直接箭头连接符 101">
+            <a:extLst>
+              <a:ext uri="{FF2B5EF4-FFF2-40B4-BE49-F238E27FC236}">
+                <a16:creationId xmlns:a16="http://schemas.microsoft.com/office/drawing/2014/main" xmlns="" id="{0C7ACE7F-3FB4-4F3A-96B2-7A14A468BD48}"/>
+              </a:ext>
+            </a:extLst>
+          </p:cNvPr>
+          <p:cNvCxnSpPr>
+            <a:stCxn id="82" idx="3"/>
+            <a:endCxn id="6" idx="1"/>
+          </p:cNvCxnSpPr>
+          <p:nvPr/>
+        </p:nvCxnSpPr>
+        <p:spPr>
+          <a:xfrm>
+            <a:off x="6997700" y="5513382"/>
+            <a:ext cx="830729" cy="4975"/>
+          </a:xfrm>
+          <a:prstGeom prst="straightConnector1">
+            <a:avLst/>
+          </a:prstGeom>
+          <a:ln>
+            <a:tailEnd type="triangle"/>
+          </a:ln>
+        </p:spPr>
+        <p:style>
+          <a:lnRef idx="1">
+            <a:schemeClr val="accent1"/>
+          </a:lnRef>
+          <a:fillRef idx="0">
+            <a:schemeClr val="accent1"/>
+          </a:fillRef>
+          <a:effectRef idx="0">
+            <a:schemeClr val="accent1"/>
+          </a:effectRef>
+          <a:fontRef idx="minor">
+            <a:schemeClr val="tx1"/>
+          </a:fontRef>
+        </p:style>
+      </p:cxnSp>
+      <p:sp>
+        <p:nvSpPr>
+          <p:cNvPr id="110" name="矩形 109">
+            <a:extLst>
+              <a:ext uri="{FF2B5EF4-FFF2-40B4-BE49-F238E27FC236}">
+                <a16:creationId xmlns:a16="http://schemas.microsoft.com/office/drawing/2014/main" xmlns="" id="{22A53CAA-1C49-4CD0-8D4C-B888527327E4}"/>
+              </a:ext>
+            </a:extLst>
+          </p:cNvPr>
+          <p:cNvSpPr/>
+          <p:nvPr/>
+        </p:nvSpPr>
+        <p:spPr>
+          <a:xfrm>
+            <a:off x="5564291" y="2984500"/>
+            <a:ext cx="811109" cy="394405"/>
+          </a:xfrm>
+          <a:prstGeom prst="rect">
+            <a:avLst/>
+          </a:prstGeom>
+        </p:spPr>
+        <p:style>
+          <a:lnRef idx="2">
+            <a:schemeClr val="accent1">
+              <a:shade val="50000"/>
+            </a:schemeClr>
+          </a:lnRef>
+          <a:fillRef idx="1">
+            <a:schemeClr val="accent1"/>
+          </a:fillRef>
+          <a:effectRef idx="0">
+            <a:schemeClr val="accent1"/>
+          </a:effectRef>
+          <a:fontRef idx="minor">
+            <a:schemeClr val="lt1"/>
+          </a:fontRef>
+        </p:style>
+        <p:txBody>
+          <a:bodyPr rtlCol="0" anchor="ctr"/>
+          <a:lstStyle/>
+          <a:p>
+            <a:pPr algn="ctr"/>
+            <a:r>
+              <a:rPr lang="zh-CN" altLang="en-US" sz="1200" dirty="0" smtClean="0"/>
+              <a:t>提交审核</a:t>
+            </a:r>
+            <a:endParaRPr lang="zh-CN" altLang="en-US" sz="1200" dirty="0"/>
+          </a:p>
+        </p:txBody>
+      </p:sp>
+      <p:sp>
+        <p:nvSpPr>
+          <p:cNvPr id="116" name="菱形 115">
+            <a:extLst>
+              <a:ext uri="{FF2B5EF4-FFF2-40B4-BE49-F238E27FC236}">
+                <a16:creationId xmlns:a16="http://schemas.microsoft.com/office/drawing/2014/main" xmlns="" id="{DCAC3279-15F0-49D6-A37B-43137D51DF03}"/>
+              </a:ext>
+            </a:extLst>
+          </p:cNvPr>
+          <p:cNvSpPr/>
+          <p:nvPr/>
+        </p:nvSpPr>
+        <p:spPr>
+          <a:xfrm>
+            <a:off x="6680347" y="2933700"/>
+            <a:ext cx="1079353" cy="508819"/>
+          </a:xfrm>
+          <a:prstGeom prst="diamond">
+            <a:avLst/>
+          </a:prstGeom>
+          <a:solidFill>
+            <a:schemeClr val="accent6"/>
+          </a:solidFill>
+        </p:spPr>
+        <p:style>
+          <a:lnRef idx="2">
+            <a:schemeClr val="accent1">
+              <a:shade val="50000"/>
+            </a:schemeClr>
+          </a:lnRef>
+          <a:fillRef idx="1">
+            <a:schemeClr val="accent1"/>
+          </a:fillRef>
+          <a:effectRef idx="0">
+            <a:schemeClr val="accent1"/>
+          </a:effectRef>
+          <a:fontRef idx="minor">
+            <a:schemeClr val="lt1"/>
+          </a:fontRef>
+        </p:style>
+        <p:txBody>
+          <a:bodyPr rtlCol="0" anchor="ctr"/>
+          <a:lstStyle/>
+          <a:p>
+            <a:pPr algn="ctr"/>
+            <a:r>
+              <a:rPr lang="zh-CN" altLang="en-US" sz="1200" dirty="0" smtClean="0"/>
+              <a:t>审核通过</a:t>
+            </a:r>
+            <a:endParaRPr lang="zh-CN" altLang="en-US" sz="1200" dirty="0"/>
+          </a:p>
+        </p:txBody>
+      </p:sp>
+      <p:sp>
+        <p:nvSpPr>
+          <p:cNvPr id="120" name="矩形: 圆角 8">
+            <a:extLst>
+              <a:ext uri="{FF2B5EF4-FFF2-40B4-BE49-F238E27FC236}">
+                <a16:creationId xmlns:a16="http://schemas.microsoft.com/office/drawing/2014/main" xmlns="" id="{D789051B-4EAF-46A6-808D-6B06CA75FD4D}"/>
+              </a:ext>
+            </a:extLst>
+          </p:cNvPr>
+          <p:cNvSpPr/>
+          <p:nvPr/>
+        </p:nvSpPr>
+        <p:spPr>
+          <a:xfrm>
+            <a:off x="9482409" y="4457699"/>
+            <a:ext cx="1198291" cy="388145"/>
+          </a:xfrm>
+          <a:prstGeom prst="roundRect">
+            <a:avLst/>
+          </a:prstGeom>
+          <a:solidFill>
+            <a:schemeClr val="accent6"/>
+          </a:solidFill>
+        </p:spPr>
+        <p:style>
+          <a:lnRef idx="2">
+            <a:schemeClr val="accent1">
+              <a:shade val="50000"/>
+            </a:schemeClr>
+          </a:lnRef>
+          <a:fillRef idx="1">
+            <a:schemeClr val="accent1"/>
+          </a:fillRef>
+          <a:effectRef idx="0">
+            <a:schemeClr val="accent1"/>
+          </a:effectRef>
+          <a:fontRef idx="minor">
+            <a:schemeClr val="lt1"/>
+          </a:fontRef>
+        </p:style>
+        <p:txBody>
+          <a:bodyPr rtlCol="0" anchor="ctr"/>
+          <a:lstStyle/>
+          <a:p>
+            <a:pPr algn="ctr"/>
+            <a:r>
+              <a:rPr lang="zh-CN" altLang="en-US" sz="1200" dirty="0" smtClean="0"/>
+              <a:t>删除选定资源</a:t>
+            </a:r>
+            <a:endParaRPr lang="zh-CN" altLang="en-US" sz="1200" dirty="0"/>
+          </a:p>
+        </p:txBody>
+      </p:sp>
+      <p:cxnSp>
+        <p:nvCxnSpPr>
+          <p:cNvPr id="131" name="直接箭头连接符 130">
+            <a:extLst>
+              <a:ext uri="{FF2B5EF4-FFF2-40B4-BE49-F238E27FC236}">
+                <a16:creationId xmlns:a16="http://schemas.microsoft.com/office/drawing/2014/main" xmlns="" id="{0C7ACE7F-3FB4-4F3A-96B2-7A14A468BD48}"/>
+              </a:ext>
+            </a:extLst>
+          </p:cNvPr>
+          <p:cNvCxnSpPr>
+            <a:stCxn id="34" idx="3"/>
+            <a:endCxn id="82" idx="1"/>
+          </p:cNvCxnSpPr>
+          <p:nvPr/>
+        </p:nvCxnSpPr>
+        <p:spPr>
+          <a:xfrm flipV="1">
+            <a:off x="5346700" y="5513382"/>
+            <a:ext cx="779833" cy="60"/>
+          </a:xfrm>
+          <a:prstGeom prst="straightConnector1">
+            <a:avLst/>
+          </a:prstGeom>
+          <a:ln>
+            <a:tailEnd type="triangle"/>
+          </a:ln>
+        </p:spPr>
+        <p:style>
+          <a:lnRef idx="1">
+            <a:schemeClr val="accent1"/>
+          </a:lnRef>
+          <a:fillRef idx="0">
+            <a:schemeClr val="accent1"/>
+          </a:fillRef>
+          <a:effectRef idx="0">
+            <a:schemeClr val="accent1"/>
+          </a:effectRef>
+          <a:fontRef idx="minor">
+            <a:schemeClr val="tx1"/>
+          </a:fontRef>
+        </p:style>
+      </p:cxnSp>
+      <p:sp>
+        <p:nvSpPr>
+          <p:cNvPr id="136" name="文本框 40">
+            <a:extLst>
+              <a:ext uri="{FF2B5EF4-FFF2-40B4-BE49-F238E27FC236}">
+                <a16:creationId xmlns:a16="http://schemas.microsoft.com/office/drawing/2014/main" xmlns="" id="{19129B04-F042-4BE8-A718-BED57C746EEE}"/>
+              </a:ext>
+            </a:extLst>
+          </p:cNvPr>
+          <p:cNvSpPr txBox="1"/>
+          <p:nvPr/>
+        </p:nvSpPr>
+        <p:spPr>
+          <a:xfrm>
+            <a:off x="4730929" y="5736197"/>
+            <a:ext cx="338554" cy="276999"/>
+          </a:xfrm>
+          <a:prstGeom prst="rect">
+            <a:avLst/>
+          </a:prstGeom>
+          <a:noFill/>
+        </p:spPr>
+        <p:txBody>
+          <a:bodyPr wrap="none" rtlCol="0">
+            <a:spAutoFit/>
+          </a:bodyPr>
+          <a:lstStyle/>
+          <a:p>
+            <a:r>
+              <a:rPr lang="zh-CN" altLang="en-US" sz="1200" dirty="0">
+                <a:solidFill>
+                  <a:srgbClr val="FF0000"/>
+                </a:solidFill>
+              </a:rPr>
+              <a:t>否</a:t>
+            </a:r>
+          </a:p>
+        </p:txBody>
+      </p:sp>
+      <p:cxnSp>
+        <p:nvCxnSpPr>
+          <p:cNvPr id="137" name="直接箭头连接符 136">
+            <a:extLst>
+              <a:ext uri="{FF2B5EF4-FFF2-40B4-BE49-F238E27FC236}">
+                <a16:creationId xmlns:a16="http://schemas.microsoft.com/office/drawing/2014/main" xmlns="" id="{0C7ACE7F-3FB4-4F3A-96B2-7A14A468BD48}"/>
+              </a:ext>
+            </a:extLst>
+          </p:cNvPr>
+          <p:cNvCxnSpPr>
+            <a:stCxn id="120" idx="0"/>
+            <a:endCxn id="24" idx="2"/>
+          </p:cNvCxnSpPr>
+          <p:nvPr/>
+        </p:nvCxnSpPr>
+        <p:spPr>
+          <a:xfrm rot="5400000" flipH="1" flipV="1">
+            <a:off x="9555276" y="3930598"/>
+            <a:ext cx="1053380" cy="822"/>
+          </a:xfrm>
+          <a:prstGeom prst="straightConnector1">
+            <a:avLst/>
+          </a:prstGeom>
+          <a:ln>
+            <a:tailEnd type="triangle"/>
+          </a:ln>
+        </p:spPr>
+        <p:style>
+          <a:lnRef idx="1">
+            <a:schemeClr val="accent1"/>
+          </a:lnRef>
+          <a:fillRef idx="0">
+            <a:schemeClr val="accent1"/>
+          </a:fillRef>
+          <a:effectRef idx="0">
+            <a:schemeClr val="accent1"/>
+          </a:effectRef>
+          <a:fontRef idx="minor">
+            <a:schemeClr val="tx1"/>
+          </a:fontRef>
+        </p:style>
+      </p:cxnSp>
+      <p:cxnSp>
+        <p:nvCxnSpPr>
+          <p:cNvPr id="144" name="连接符: 肘形 39">
+            <a:extLst>
+              <a:ext uri="{FF2B5EF4-FFF2-40B4-BE49-F238E27FC236}">
+                <a16:creationId xmlns:a16="http://schemas.microsoft.com/office/drawing/2014/main" xmlns="" id="{58E7B1DC-2A85-47CC-84F3-6D4E6E9A8A3E}"/>
+              </a:ext>
+            </a:extLst>
+          </p:cNvPr>
+          <p:cNvCxnSpPr>
+            <a:cxnSpLocks/>
+            <a:stCxn id="116" idx="2"/>
+            <a:endCxn id="22" idx="2"/>
+          </p:cNvCxnSpPr>
+          <p:nvPr/>
+        </p:nvCxnSpPr>
+        <p:spPr>
+          <a:xfrm rot="5400000">
+            <a:off x="5560606" y="2545405"/>
+            <a:ext cx="762305" cy="2556533"/>
+          </a:xfrm>
+          <a:prstGeom prst="bentConnector3">
+            <a:avLst>
+              <a:gd name="adj1" fmla="val 129988"/>
+            </a:avLst>
+          </a:prstGeom>
+          <a:ln>
+            <a:tailEnd type="triangle"/>
+          </a:ln>
+        </p:spPr>
+        <p:style>
+          <a:lnRef idx="1">
+            <a:schemeClr val="accent1"/>
+          </a:lnRef>
+          <a:fillRef idx="0">
+            <a:schemeClr val="accent1"/>
+          </a:fillRef>
+          <a:effectRef idx="0">
+            <a:schemeClr val="accent1"/>
+          </a:effectRef>
+          <a:fontRef idx="minor">
+            <a:schemeClr val="tx1"/>
+          </a:fontRef>
+        </p:style>
+      </p:cxnSp>
+      <p:cxnSp>
+        <p:nvCxnSpPr>
+          <p:cNvPr id="234" name="连接符: 肘形 39">
+            <a:extLst>
+              <a:ext uri="{FF2B5EF4-FFF2-40B4-BE49-F238E27FC236}">
+                <a16:creationId xmlns:a16="http://schemas.microsoft.com/office/drawing/2014/main" xmlns="" id="{58E7B1DC-2A85-47CC-84F3-6D4E6E9A8A3E}"/>
+              </a:ext>
+            </a:extLst>
+          </p:cNvPr>
+          <p:cNvCxnSpPr>
+            <a:cxnSpLocks/>
+            <a:stCxn id="116" idx="0"/>
+            <a:endCxn id="20" idx="0"/>
+          </p:cNvCxnSpPr>
+          <p:nvPr/>
+        </p:nvCxnSpPr>
+        <p:spPr>
+          <a:xfrm rot="16200000" flipH="1">
+            <a:off x="9330339" y="823384"/>
+            <a:ext cx="88899" cy="4309531"/>
+          </a:xfrm>
+          <a:prstGeom prst="bentConnector3">
+            <a:avLst>
+              <a:gd name="adj1" fmla="val -257146"/>
+            </a:avLst>
+          </a:prstGeom>
+          <a:ln>
+            <a:tailEnd type="triangle"/>
+          </a:ln>
+        </p:spPr>
+        <p:style>
+          <a:lnRef idx="1">
+            <a:schemeClr val="accent1"/>
+          </a:lnRef>
+          <a:fillRef idx="0">
+            <a:schemeClr val="accent1"/>
+          </a:fillRef>
+          <a:effectRef idx="0">
+            <a:schemeClr val="accent1"/>
+          </a:effectRef>
+          <a:fontRef idx="minor">
+            <a:schemeClr val="tx1"/>
+          </a:fontRef>
+        </p:style>
+      </p:cxnSp>
+      <p:sp>
+        <p:nvSpPr>
+          <p:cNvPr id="277" name="文本框 37">
+            <a:extLst>
+              <a:ext uri="{FF2B5EF4-FFF2-40B4-BE49-F238E27FC236}">
+                <a16:creationId xmlns:a16="http://schemas.microsoft.com/office/drawing/2014/main" xmlns="" id="{C055368F-6126-4BE4-8190-285EB58D59D8}"/>
+              </a:ext>
+            </a:extLst>
+          </p:cNvPr>
+          <p:cNvSpPr txBox="1"/>
+          <p:nvPr/>
+        </p:nvSpPr>
+        <p:spPr>
+          <a:xfrm>
+            <a:off x="9083975" y="5228626"/>
+            <a:ext cx="338554" cy="276999"/>
+          </a:xfrm>
+          <a:prstGeom prst="rect">
+            <a:avLst/>
+          </a:prstGeom>
+          <a:noFill/>
+        </p:spPr>
+        <p:txBody>
+          <a:bodyPr wrap="none" rtlCol="0">
+            <a:spAutoFit/>
+          </a:bodyPr>
+          <a:lstStyle/>
+          <a:p>
+            <a:r>
+              <a:rPr lang="zh-CN" altLang="en-US" sz="1200" dirty="0">
+                <a:solidFill>
+                  <a:srgbClr val="FF0000"/>
+                </a:solidFill>
+              </a:rPr>
+              <a:t>是</a:t>
+            </a:r>
+          </a:p>
+        </p:txBody>
+      </p:sp>
+      <p:sp>
+        <p:nvSpPr>
+          <p:cNvPr id="278" name="文本框 40">
+            <a:extLst>
+              <a:ext uri="{FF2B5EF4-FFF2-40B4-BE49-F238E27FC236}">
+                <a16:creationId xmlns:a16="http://schemas.microsoft.com/office/drawing/2014/main" xmlns="" id="{19129B04-F042-4BE8-A718-BED57C746EEE}"/>
+              </a:ext>
+            </a:extLst>
+          </p:cNvPr>
+          <p:cNvSpPr txBox="1"/>
+          <p:nvPr/>
+        </p:nvSpPr>
+        <p:spPr>
+          <a:xfrm>
+            <a:off x="7270929" y="2446897"/>
+            <a:ext cx="338554" cy="276999"/>
+          </a:xfrm>
+          <a:prstGeom prst="rect">
+            <a:avLst/>
+          </a:prstGeom>
+          <a:noFill/>
+        </p:spPr>
+        <p:txBody>
+          <a:bodyPr wrap="none" rtlCol="0">
+            <a:spAutoFit/>
+          </a:bodyPr>
+          <a:lstStyle/>
+          <a:p>
+            <a:r>
+              <a:rPr lang="zh-CN" altLang="en-US" sz="1200" dirty="0">
+                <a:solidFill>
+                  <a:srgbClr val="FF0000"/>
+                </a:solidFill>
+              </a:rPr>
+              <a:t>否</a:t>
+            </a:r>
+          </a:p>
+        </p:txBody>
+      </p:sp>
     </p:spTree>
-    <p:extLst>
-      <p:ext uri="{BB962C8B-B14F-4D97-AF65-F5344CB8AC3E}">
-        <p14:creationId xmlns:p14="http://schemas.microsoft.com/office/powerpoint/2010/main" val="4037268829"/>
-      </p:ext>
-    </p:extLst>
   </p:cSld>
   <p:clrMapOvr>
     <a:masterClrMapping/>
@@ -6068,7 +8678,7 @@
           <p:cNvPr id="2" name="标题 1">
             <a:extLst>
               <a:ext uri="{FF2B5EF4-FFF2-40B4-BE49-F238E27FC236}">
-                <a16:creationId xmlns:a16="http://schemas.microsoft.com/office/drawing/2014/main" id="{488BEA01-840E-40B6-988D-E7C51AB12F4C}"/>
+                <a16:creationId xmlns:a16="http://schemas.microsoft.com/office/drawing/2014/main" xmlns="" id="{1B153DF0-1A60-48C1-B09D-381DEC58075F}"/>
               </a:ext>
             </a:extLst>
           </p:cNvPr>
@@ -6086,7 +8696,7 @@
           <a:p>
             <a:r>
               <a:rPr lang="zh-CN" altLang="en-US" dirty="0"/>
-              <a:t>修改资源</a:t>
+              <a:t>录入资源</a:t>
             </a:r>
           </a:p>
         </p:txBody>
@@ -6096,7 +8706,7 @@
           <p:cNvPr id="4" name="矩形: 圆角 3">
             <a:extLst>
               <a:ext uri="{FF2B5EF4-FFF2-40B4-BE49-F238E27FC236}">
-                <a16:creationId xmlns:a16="http://schemas.microsoft.com/office/drawing/2014/main" id="{E1DC7B99-1C9D-496A-A398-E4EE13D88151}"/>
+                <a16:creationId xmlns:a16="http://schemas.microsoft.com/office/drawing/2014/main" xmlns="" id="{F24F2D3D-3C90-414F-9605-7EBC4C1FD133}"/>
               </a:ext>
             </a:extLst>
           </p:cNvPr>
@@ -6105,8 +8715,8 @@
         </p:nvSpPr>
         <p:spPr>
           <a:xfrm>
-            <a:off x="550506" y="3135086"/>
-            <a:ext cx="1511559" cy="765110"/>
+            <a:off x="326571" y="3153747"/>
+            <a:ext cx="1614196" cy="877077"/>
           </a:xfrm>
           <a:prstGeom prst="roundRect">
             <a:avLst/>
@@ -6135,29 +8745,29 @@
             <a:pPr algn="ctr"/>
             <a:r>
               <a:rPr lang="zh-CN" altLang="en-US" dirty="0"/>
-              <a:t>修改资源</a:t>
+              <a:t>录入资源</a:t>
             </a:r>
           </a:p>
         </p:txBody>
       </p:sp>
       <p:cxnSp>
         <p:nvCxnSpPr>
-          <p:cNvPr id="6" name="直接箭头连接符 5">
-            <a:extLst>
-              <a:ext uri="{FF2B5EF4-FFF2-40B4-BE49-F238E27FC236}">
-                <a16:creationId xmlns:a16="http://schemas.microsoft.com/office/drawing/2014/main" id="{80CACA17-333E-4912-951C-A76EF4758F37}"/>
+          <p:cNvPr id="5" name="直接箭头连接符 4">
+            <a:extLst>
+              <a:ext uri="{FF2B5EF4-FFF2-40B4-BE49-F238E27FC236}">
+                <a16:creationId xmlns:a16="http://schemas.microsoft.com/office/drawing/2014/main" xmlns="" id="{C1ADEA83-2977-4145-B66C-8227C05BCFA3}"/>
               </a:ext>
             </a:extLst>
           </p:cNvPr>
           <p:cNvCxnSpPr>
-            <a:stCxn id="4" idx="3"/>
+            <a:cxnSpLocks/>
           </p:cNvCxnSpPr>
           <p:nvPr/>
         </p:nvCxnSpPr>
         <p:spPr>
           <a:xfrm>
-            <a:off x="2062065" y="3517641"/>
-            <a:ext cx="1035698" cy="0"/>
+            <a:off x="1959428" y="3592285"/>
+            <a:ext cx="345233" cy="0"/>
           </a:xfrm>
           <a:prstGeom prst="straightConnector1">
             <a:avLst/>
@@ -6183,10 +8793,10 @@
       </p:cxnSp>
       <p:sp>
         <p:nvSpPr>
-          <p:cNvPr id="7" name="矩形: 圆角 6">
-            <a:extLst>
-              <a:ext uri="{FF2B5EF4-FFF2-40B4-BE49-F238E27FC236}">
-                <a16:creationId xmlns:a16="http://schemas.microsoft.com/office/drawing/2014/main" id="{296CE819-63BA-4CFB-911D-24773E8322A8}"/>
+          <p:cNvPr id="8" name="矩形: 圆角 7">
+            <a:extLst>
+              <a:ext uri="{FF2B5EF4-FFF2-40B4-BE49-F238E27FC236}">
+                <a16:creationId xmlns:a16="http://schemas.microsoft.com/office/drawing/2014/main" xmlns="" id="{E41E16D6-B7D9-441D-8F58-C384FC71CDA3}"/>
               </a:ext>
             </a:extLst>
           </p:cNvPr>
@@ -6195,8 +8805,8 @@
         </p:nvSpPr>
         <p:spPr>
           <a:xfrm>
-            <a:off x="3163077" y="3242388"/>
-            <a:ext cx="2071395" cy="550506"/>
+            <a:off x="5136502" y="1486828"/>
+            <a:ext cx="1628192" cy="550507"/>
           </a:xfrm>
           <a:prstGeom prst="roundRect">
             <a:avLst/>
@@ -6225,58 +8835,17 @@
             <a:pPr algn="ctr"/>
             <a:r>
               <a:rPr lang="zh-CN" altLang="en-US" dirty="0"/>
-              <a:t>选择修改对象</a:t>
-            </a:r>
-          </a:p>
-        </p:txBody>
-      </p:sp>
-      <p:cxnSp>
-        <p:nvCxnSpPr>
-          <p:cNvPr id="9" name="直接箭头连接符 8">
-            <a:extLst>
-              <a:ext uri="{FF2B5EF4-FFF2-40B4-BE49-F238E27FC236}">
-                <a16:creationId xmlns:a16="http://schemas.microsoft.com/office/drawing/2014/main" id="{FA3445D1-E7BB-48A7-8FCE-F29D5B3AEF64}"/>
-              </a:ext>
-            </a:extLst>
-          </p:cNvPr>
-          <p:cNvCxnSpPr>
-            <a:stCxn id="7" idx="3"/>
-          </p:cNvCxnSpPr>
-          <p:nvPr/>
-        </p:nvCxnSpPr>
-        <p:spPr>
-          <a:xfrm>
-            <a:off x="5234472" y="3517641"/>
-            <a:ext cx="861528" cy="0"/>
-          </a:xfrm>
-          <a:prstGeom prst="straightConnector1">
-            <a:avLst/>
-          </a:prstGeom>
-          <a:ln>
-            <a:tailEnd type="triangle"/>
-          </a:ln>
-        </p:spPr>
-        <p:style>
-          <a:lnRef idx="1">
-            <a:schemeClr val="accent1"/>
-          </a:lnRef>
-          <a:fillRef idx="0">
-            <a:schemeClr val="accent1"/>
-          </a:fillRef>
-          <a:effectRef idx="0">
-            <a:schemeClr val="accent1"/>
-          </a:effectRef>
-          <a:fontRef idx="minor">
-            <a:schemeClr val="tx1"/>
-          </a:fontRef>
-        </p:style>
-      </p:cxnSp>
-      <p:sp>
-        <p:nvSpPr>
-          <p:cNvPr id="10" name="矩形: 圆角 9">
-            <a:extLst>
-              <a:ext uri="{FF2B5EF4-FFF2-40B4-BE49-F238E27FC236}">
-                <a16:creationId xmlns:a16="http://schemas.microsoft.com/office/drawing/2014/main" id="{89697B58-3CF3-4D20-94EC-B96CB73D3291}"/>
+              <a:t>选择资源类型</a:t>
+            </a:r>
+          </a:p>
+        </p:txBody>
+      </p:sp>
+      <p:sp>
+        <p:nvSpPr>
+          <p:cNvPr id="9" name="矩形: 圆角 8">
+            <a:extLst>
+              <a:ext uri="{FF2B5EF4-FFF2-40B4-BE49-F238E27FC236}">
+                <a16:creationId xmlns:a16="http://schemas.microsoft.com/office/drawing/2014/main" xmlns="" id="{D789051B-4EAF-46A6-808D-6B06CA75FD4D}"/>
               </a:ext>
             </a:extLst>
           </p:cNvPr>
@@ -6285,12 +8854,15 @@
         </p:nvSpPr>
         <p:spPr>
           <a:xfrm>
-            <a:off x="6095999" y="3247053"/>
-            <a:ext cx="1695061" cy="578495"/>
+            <a:off x="10004748" y="3317026"/>
+            <a:ext cx="1891005" cy="550506"/>
           </a:xfrm>
           <a:prstGeom prst="roundRect">
             <a:avLst/>
           </a:prstGeom>
+          <a:solidFill>
+            <a:schemeClr val="accent6"/>
+          </a:solidFill>
         </p:spPr>
         <p:style>
           <a:lnRef idx="2">
@@ -6315,7 +8887,1004 @@
             <a:pPr algn="ctr"/>
             <a:r>
               <a:rPr lang="zh-CN" altLang="en-US" dirty="0"/>
-              <a:t>录入修改字段</a:t>
+              <a:t>保存成功</a:t>
+            </a:r>
+          </a:p>
+        </p:txBody>
+      </p:sp>
+      <p:sp>
+        <p:nvSpPr>
+          <p:cNvPr id="13" name="菱形 12">
+            <a:extLst>
+              <a:ext uri="{FF2B5EF4-FFF2-40B4-BE49-F238E27FC236}">
+                <a16:creationId xmlns:a16="http://schemas.microsoft.com/office/drawing/2014/main" xmlns="" id="{DCAC3279-15F0-49D6-A37B-43137D51DF03}"/>
+              </a:ext>
+            </a:extLst>
+          </p:cNvPr>
+          <p:cNvSpPr/>
+          <p:nvPr/>
+        </p:nvSpPr>
+        <p:spPr>
+          <a:xfrm>
+            <a:off x="2313992" y="3037108"/>
+            <a:ext cx="2286000" cy="1110343"/>
+          </a:xfrm>
+          <a:prstGeom prst="diamond">
+            <a:avLst/>
+          </a:prstGeom>
+        </p:spPr>
+        <p:style>
+          <a:lnRef idx="2">
+            <a:schemeClr val="accent1">
+              <a:shade val="50000"/>
+            </a:schemeClr>
+          </a:lnRef>
+          <a:fillRef idx="1">
+            <a:schemeClr val="accent1"/>
+          </a:fillRef>
+          <a:effectRef idx="0">
+            <a:schemeClr val="accent1"/>
+          </a:effectRef>
+          <a:fontRef idx="minor">
+            <a:schemeClr val="lt1"/>
+          </a:fontRef>
+        </p:style>
+        <p:txBody>
+          <a:bodyPr rtlCol="0" anchor="ctr"/>
+          <a:lstStyle/>
+          <a:p>
+            <a:pPr algn="ctr"/>
+            <a:r>
+              <a:rPr lang="zh-CN" altLang="en-US" dirty="0"/>
+              <a:t>是否有所录资源类型</a:t>
+            </a:r>
+          </a:p>
+        </p:txBody>
+      </p:sp>
+      <p:cxnSp>
+        <p:nvCxnSpPr>
+          <p:cNvPr id="17" name="连接符: 肘形 16">
+            <a:extLst>
+              <a:ext uri="{FF2B5EF4-FFF2-40B4-BE49-F238E27FC236}">
+                <a16:creationId xmlns:a16="http://schemas.microsoft.com/office/drawing/2014/main" xmlns="" id="{61CCB5EB-A947-4A69-86F6-CCB0FB1D8901}"/>
+              </a:ext>
+            </a:extLst>
+          </p:cNvPr>
+          <p:cNvCxnSpPr>
+            <a:cxnSpLocks/>
+            <a:stCxn id="13" idx="3"/>
+            <a:endCxn id="8" idx="1"/>
+          </p:cNvCxnSpPr>
+          <p:nvPr/>
+        </p:nvCxnSpPr>
+        <p:spPr>
+          <a:xfrm flipV="1">
+            <a:off x="4599992" y="1762082"/>
+            <a:ext cx="536510" cy="1830198"/>
+          </a:xfrm>
+          <a:prstGeom prst="bentConnector3">
+            <a:avLst/>
+          </a:prstGeom>
+          <a:ln>
+            <a:tailEnd type="triangle"/>
+          </a:ln>
+        </p:spPr>
+        <p:style>
+          <a:lnRef idx="1">
+            <a:schemeClr val="accent1"/>
+          </a:lnRef>
+          <a:fillRef idx="0">
+            <a:schemeClr val="accent1"/>
+          </a:fillRef>
+          <a:effectRef idx="0">
+            <a:schemeClr val="accent1"/>
+          </a:effectRef>
+          <a:fontRef idx="minor">
+            <a:schemeClr val="tx1"/>
+          </a:fontRef>
+        </p:style>
+      </p:cxnSp>
+      <p:cxnSp>
+        <p:nvCxnSpPr>
+          <p:cNvPr id="22" name="直接箭头连接符 21">
+            <a:extLst>
+              <a:ext uri="{FF2B5EF4-FFF2-40B4-BE49-F238E27FC236}">
+                <a16:creationId xmlns:a16="http://schemas.microsoft.com/office/drawing/2014/main" xmlns="" id="{2BB20DE5-0255-4363-97F3-2C34B9BAC636}"/>
+              </a:ext>
+            </a:extLst>
+          </p:cNvPr>
+          <p:cNvCxnSpPr>
+            <a:cxnSpLocks/>
+          </p:cNvCxnSpPr>
+          <p:nvPr/>
+        </p:nvCxnSpPr>
+        <p:spPr>
+          <a:xfrm>
+            <a:off x="6764694" y="1761133"/>
+            <a:ext cx="317241" cy="0"/>
+          </a:xfrm>
+          <a:prstGeom prst="straightConnector1">
+            <a:avLst/>
+          </a:prstGeom>
+          <a:ln>
+            <a:tailEnd type="triangle"/>
+          </a:ln>
+        </p:spPr>
+        <p:style>
+          <a:lnRef idx="1">
+            <a:schemeClr val="accent1"/>
+          </a:lnRef>
+          <a:fillRef idx="0">
+            <a:schemeClr val="accent1"/>
+          </a:fillRef>
+          <a:effectRef idx="0">
+            <a:schemeClr val="accent1"/>
+          </a:effectRef>
+          <a:fontRef idx="minor">
+            <a:schemeClr val="tx1"/>
+          </a:fontRef>
+        </p:style>
+      </p:cxnSp>
+      <p:sp>
+        <p:nvSpPr>
+          <p:cNvPr id="24" name="矩形: 圆角 23">
+            <a:extLst>
+              <a:ext uri="{FF2B5EF4-FFF2-40B4-BE49-F238E27FC236}">
+                <a16:creationId xmlns:a16="http://schemas.microsoft.com/office/drawing/2014/main" xmlns="" id="{86E0FD28-DFBA-4E9D-864E-048CA92FD6F2}"/>
+              </a:ext>
+            </a:extLst>
+          </p:cNvPr>
+          <p:cNvSpPr/>
+          <p:nvPr/>
+        </p:nvSpPr>
+        <p:spPr>
+          <a:xfrm>
+            <a:off x="7105262" y="1485879"/>
+            <a:ext cx="1628192" cy="550507"/>
+          </a:xfrm>
+          <a:prstGeom prst="roundRect">
+            <a:avLst/>
+          </a:prstGeom>
+        </p:spPr>
+        <p:style>
+          <a:lnRef idx="2">
+            <a:schemeClr val="accent1">
+              <a:shade val="50000"/>
+            </a:schemeClr>
+          </a:lnRef>
+          <a:fillRef idx="1">
+            <a:schemeClr val="accent1"/>
+          </a:fillRef>
+          <a:effectRef idx="0">
+            <a:schemeClr val="accent1"/>
+          </a:effectRef>
+          <a:fontRef idx="minor">
+            <a:schemeClr val="lt1"/>
+          </a:fontRef>
+        </p:style>
+        <p:txBody>
+          <a:bodyPr rtlCol="0" anchor="ctr"/>
+          <a:lstStyle/>
+          <a:p>
+            <a:pPr algn="ctr"/>
+            <a:r>
+              <a:rPr lang="zh-CN" altLang="en-US" dirty="0"/>
+              <a:t>点击录入，打开录入弹窗</a:t>
+            </a:r>
+          </a:p>
+        </p:txBody>
+      </p:sp>
+      <p:cxnSp>
+        <p:nvCxnSpPr>
+          <p:cNvPr id="31" name="直接箭头连接符 30">
+            <a:extLst>
+              <a:ext uri="{FF2B5EF4-FFF2-40B4-BE49-F238E27FC236}">
+                <a16:creationId xmlns:a16="http://schemas.microsoft.com/office/drawing/2014/main" xmlns="" id="{E1493994-2C4D-46B4-9B8E-FC3EDCB32634}"/>
+              </a:ext>
+            </a:extLst>
+          </p:cNvPr>
+          <p:cNvCxnSpPr>
+            <a:cxnSpLocks/>
+            <a:stCxn id="24" idx="3"/>
+            <a:endCxn id="32" idx="1"/>
+          </p:cNvCxnSpPr>
+          <p:nvPr/>
+        </p:nvCxnSpPr>
+        <p:spPr>
+          <a:xfrm>
+            <a:off x="8733454" y="1761133"/>
+            <a:ext cx="1367712" cy="7917"/>
+          </a:xfrm>
+          <a:prstGeom prst="straightConnector1">
+            <a:avLst/>
+          </a:prstGeom>
+          <a:ln>
+            <a:tailEnd type="triangle"/>
+          </a:ln>
+        </p:spPr>
+        <p:style>
+          <a:lnRef idx="1">
+            <a:schemeClr val="accent1"/>
+          </a:lnRef>
+          <a:fillRef idx="0">
+            <a:schemeClr val="accent1"/>
+          </a:fillRef>
+          <a:effectRef idx="0">
+            <a:schemeClr val="accent1"/>
+          </a:effectRef>
+          <a:fontRef idx="minor">
+            <a:schemeClr val="tx1"/>
+          </a:fontRef>
+        </p:style>
+      </p:cxnSp>
+      <p:sp>
+        <p:nvSpPr>
+          <p:cNvPr id="32" name="矩形: 圆角 31">
+            <a:extLst>
+              <a:ext uri="{FF2B5EF4-FFF2-40B4-BE49-F238E27FC236}">
+                <a16:creationId xmlns:a16="http://schemas.microsoft.com/office/drawing/2014/main" xmlns="" id="{D3E7677B-F2C6-45FA-8DE8-F727EDA190CF}"/>
+              </a:ext>
+            </a:extLst>
+          </p:cNvPr>
+          <p:cNvSpPr/>
+          <p:nvPr/>
+        </p:nvSpPr>
+        <p:spPr>
+          <a:xfrm>
+            <a:off x="10101166" y="1401646"/>
+            <a:ext cx="1698171" cy="734807"/>
+          </a:xfrm>
+          <a:prstGeom prst="roundRect">
+            <a:avLst/>
+          </a:prstGeom>
+        </p:spPr>
+        <p:style>
+          <a:lnRef idx="2">
+            <a:schemeClr val="accent1">
+              <a:shade val="50000"/>
+            </a:schemeClr>
+          </a:lnRef>
+          <a:fillRef idx="1">
+            <a:schemeClr val="accent1"/>
+          </a:fillRef>
+          <a:effectRef idx="0">
+            <a:schemeClr val="accent1"/>
+          </a:effectRef>
+          <a:fontRef idx="minor">
+            <a:schemeClr val="lt1"/>
+          </a:fontRef>
+        </p:style>
+        <p:txBody>
+          <a:bodyPr rtlCol="0" anchor="ctr"/>
+          <a:lstStyle/>
+          <a:p>
+            <a:pPr algn="ctr"/>
+            <a:r>
+              <a:rPr lang="zh-CN" altLang="en-US" dirty="0"/>
+              <a:t>录入字段，点击保存</a:t>
+            </a:r>
+          </a:p>
+        </p:txBody>
+      </p:sp>
+      <p:cxnSp>
+        <p:nvCxnSpPr>
+          <p:cNvPr id="36" name="直接箭头连接符 35">
+            <a:extLst>
+              <a:ext uri="{FF2B5EF4-FFF2-40B4-BE49-F238E27FC236}">
+                <a16:creationId xmlns:a16="http://schemas.microsoft.com/office/drawing/2014/main" xmlns="" id="{C5822B38-04B4-4B46-AE3C-30126499ECAC}"/>
+              </a:ext>
+            </a:extLst>
+          </p:cNvPr>
+          <p:cNvCxnSpPr>
+            <a:stCxn id="32" idx="2"/>
+            <a:endCxn id="9" idx="0"/>
+          </p:cNvCxnSpPr>
+          <p:nvPr/>
+        </p:nvCxnSpPr>
+        <p:spPr>
+          <a:xfrm flipH="1">
+            <a:off x="10950251" y="2136453"/>
+            <a:ext cx="1" cy="1180573"/>
+          </a:xfrm>
+          <a:prstGeom prst="straightConnector1">
+            <a:avLst/>
+          </a:prstGeom>
+          <a:ln>
+            <a:tailEnd type="triangle"/>
+          </a:ln>
+        </p:spPr>
+        <p:style>
+          <a:lnRef idx="1">
+            <a:schemeClr val="accent1"/>
+          </a:lnRef>
+          <a:fillRef idx="0">
+            <a:schemeClr val="accent1"/>
+          </a:fillRef>
+          <a:effectRef idx="0">
+            <a:schemeClr val="accent1"/>
+          </a:effectRef>
+          <a:fontRef idx="minor">
+            <a:schemeClr val="tx1"/>
+          </a:fontRef>
+        </p:style>
+      </p:cxnSp>
+      <p:sp>
+        <p:nvSpPr>
+          <p:cNvPr id="38" name="文本框 37">
+            <a:extLst>
+              <a:ext uri="{FF2B5EF4-FFF2-40B4-BE49-F238E27FC236}">
+                <a16:creationId xmlns:a16="http://schemas.microsoft.com/office/drawing/2014/main" xmlns="" id="{C055368F-6126-4BE4-8190-285EB58D59D8}"/>
+              </a:ext>
+            </a:extLst>
+          </p:cNvPr>
+          <p:cNvSpPr txBox="1"/>
+          <p:nvPr/>
+        </p:nvSpPr>
+        <p:spPr>
+          <a:xfrm>
+            <a:off x="4449495" y="2726739"/>
+            <a:ext cx="415498" cy="369332"/>
+          </a:xfrm>
+          <a:prstGeom prst="rect">
+            <a:avLst/>
+          </a:prstGeom>
+          <a:noFill/>
+        </p:spPr>
+        <p:txBody>
+          <a:bodyPr wrap="none" rtlCol="0">
+            <a:spAutoFit/>
+          </a:bodyPr>
+          <a:lstStyle/>
+          <a:p>
+            <a:r>
+              <a:rPr lang="zh-CN" altLang="en-US" dirty="0">
+                <a:solidFill>
+                  <a:srgbClr val="FF0000"/>
+                </a:solidFill>
+              </a:rPr>
+              <a:t>是</a:t>
+            </a:r>
+          </a:p>
+        </p:txBody>
+      </p:sp>
+      <p:cxnSp>
+        <p:nvCxnSpPr>
+          <p:cNvPr id="40" name="连接符: 肘形 39">
+            <a:extLst>
+              <a:ext uri="{FF2B5EF4-FFF2-40B4-BE49-F238E27FC236}">
+                <a16:creationId xmlns:a16="http://schemas.microsoft.com/office/drawing/2014/main" xmlns="" id="{58E7B1DC-2A85-47CC-84F3-6D4E6E9A8A3E}"/>
+              </a:ext>
+            </a:extLst>
+          </p:cNvPr>
+          <p:cNvCxnSpPr>
+            <a:cxnSpLocks/>
+            <a:endCxn id="42" idx="0"/>
+          </p:cNvCxnSpPr>
+          <p:nvPr/>
+        </p:nvCxnSpPr>
+        <p:spPr>
+          <a:xfrm rot="5400000">
+            <a:off x="3858218" y="4227247"/>
+            <a:ext cx="2020063" cy="2"/>
+          </a:xfrm>
+          <a:prstGeom prst="bentConnector3">
+            <a:avLst/>
+          </a:prstGeom>
+          <a:ln>
+            <a:tailEnd type="triangle"/>
+          </a:ln>
+        </p:spPr>
+        <p:style>
+          <a:lnRef idx="1">
+            <a:schemeClr val="accent1"/>
+          </a:lnRef>
+          <a:fillRef idx="0">
+            <a:schemeClr val="accent1"/>
+          </a:fillRef>
+          <a:effectRef idx="0">
+            <a:schemeClr val="accent1"/>
+          </a:effectRef>
+          <a:fontRef idx="minor">
+            <a:schemeClr val="tx1"/>
+          </a:fontRef>
+        </p:style>
+      </p:cxnSp>
+      <p:sp>
+        <p:nvSpPr>
+          <p:cNvPr id="41" name="文本框 40">
+            <a:extLst>
+              <a:ext uri="{FF2B5EF4-FFF2-40B4-BE49-F238E27FC236}">
+                <a16:creationId xmlns:a16="http://schemas.microsoft.com/office/drawing/2014/main" xmlns="" id="{19129B04-F042-4BE8-A718-BED57C746EEE}"/>
+              </a:ext>
+            </a:extLst>
+          </p:cNvPr>
+          <p:cNvSpPr txBox="1"/>
+          <p:nvPr/>
+        </p:nvSpPr>
+        <p:spPr>
+          <a:xfrm>
+            <a:off x="4446399" y="4283904"/>
+            <a:ext cx="415498" cy="369332"/>
+          </a:xfrm>
+          <a:prstGeom prst="rect">
+            <a:avLst/>
+          </a:prstGeom>
+          <a:noFill/>
+        </p:spPr>
+        <p:txBody>
+          <a:bodyPr wrap="none" rtlCol="0">
+            <a:spAutoFit/>
+          </a:bodyPr>
+          <a:lstStyle/>
+          <a:p>
+            <a:r>
+              <a:rPr lang="zh-CN" altLang="en-US" dirty="0">
+                <a:solidFill>
+                  <a:srgbClr val="FF0000"/>
+                </a:solidFill>
+              </a:rPr>
+              <a:t>否</a:t>
+            </a:r>
+          </a:p>
+        </p:txBody>
+      </p:sp>
+      <p:sp>
+        <p:nvSpPr>
+          <p:cNvPr id="42" name="矩形 41">
+            <a:extLst>
+              <a:ext uri="{FF2B5EF4-FFF2-40B4-BE49-F238E27FC236}">
+                <a16:creationId xmlns:a16="http://schemas.microsoft.com/office/drawing/2014/main" xmlns="" id="{22A53CAA-1C49-4CD0-8D4C-B888527327E4}"/>
+              </a:ext>
+            </a:extLst>
+          </p:cNvPr>
+          <p:cNvSpPr/>
+          <p:nvPr/>
+        </p:nvSpPr>
+        <p:spPr>
+          <a:xfrm>
+            <a:off x="4205774" y="5237280"/>
+            <a:ext cx="1324947" cy="587829"/>
+          </a:xfrm>
+          <a:prstGeom prst="rect">
+            <a:avLst/>
+          </a:prstGeom>
+        </p:spPr>
+        <p:style>
+          <a:lnRef idx="2">
+            <a:schemeClr val="accent1">
+              <a:shade val="50000"/>
+            </a:schemeClr>
+          </a:lnRef>
+          <a:fillRef idx="1">
+            <a:schemeClr val="accent1"/>
+          </a:fillRef>
+          <a:effectRef idx="0">
+            <a:schemeClr val="accent1"/>
+          </a:effectRef>
+          <a:fontRef idx="minor">
+            <a:schemeClr val="lt1"/>
+          </a:fontRef>
+        </p:style>
+        <p:txBody>
+          <a:bodyPr rtlCol="0" anchor="ctr"/>
+          <a:lstStyle/>
+          <a:p>
+            <a:pPr algn="ctr"/>
+            <a:r>
+              <a:rPr lang="zh-CN" altLang="en-US" dirty="0"/>
+              <a:t>新建类型</a:t>
+            </a:r>
+          </a:p>
+        </p:txBody>
+      </p:sp>
+      <p:sp>
+        <p:nvSpPr>
+          <p:cNvPr id="43" name="矩形: 圆角 42">
+            <a:extLst>
+              <a:ext uri="{FF2B5EF4-FFF2-40B4-BE49-F238E27FC236}">
+                <a16:creationId xmlns:a16="http://schemas.microsoft.com/office/drawing/2014/main" xmlns="" id="{7EEC6CE3-D4C9-4442-9279-0FC0FCC11353}"/>
+              </a:ext>
+            </a:extLst>
+          </p:cNvPr>
+          <p:cNvSpPr/>
+          <p:nvPr/>
+        </p:nvSpPr>
+        <p:spPr>
+          <a:xfrm>
+            <a:off x="6487411" y="5187813"/>
+            <a:ext cx="1378469" cy="718447"/>
+          </a:xfrm>
+          <a:prstGeom prst="roundRect">
+            <a:avLst/>
+          </a:prstGeom>
+        </p:spPr>
+        <p:style>
+          <a:lnRef idx="2">
+            <a:schemeClr val="accent1">
+              <a:shade val="50000"/>
+            </a:schemeClr>
+          </a:lnRef>
+          <a:fillRef idx="1">
+            <a:schemeClr val="accent1"/>
+          </a:fillRef>
+          <a:effectRef idx="0">
+            <a:schemeClr val="accent1"/>
+          </a:effectRef>
+          <a:fontRef idx="minor">
+            <a:schemeClr val="lt1"/>
+          </a:fontRef>
+        </p:style>
+        <p:txBody>
+          <a:bodyPr rtlCol="0" anchor="ctr"/>
+          <a:lstStyle/>
+          <a:p>
+            <a:pPr algn="ctr"/>
+            <a:r>
+              <a:rPr lang="zh-CN" altLang="en-US" dirty="0"/>
+              <a:t>点击新增资源按钮</a:t>
+            </a:r>
+          </a:p>
+        </p:txBody>
+      </p:sp>
+      <p:sp>
+        <p:nvSpPr>
+          <p:cNvPr id="44" name="矩形: 圆角 43">
+            <a:extLst>
+              <a:ext uri="{FF2B5EF4-FFF2-40B4-BE49-F238E27FC236}">
+                <a16:creationId xmlns:a16="http://schemas.microsoft.com/office/drawing/2014/main" xmlns="" id="{2CB6F585-06A9-4640-AF89-229764894BE7}"/>
+              </a:ext>
+            </a:extLst>
+          </p:cNvPr>
+          <p:cNvSpPr/>
+          <p:nvPr/>
+        </p:nvSpPr>
+        <p:spPr>
+          <a:xfrm>
+            <a:off x="8270985" y="5169143"/>
+            <a:ext cx="1283607" cy="755779"/>
+          </a:xfrm>
+          <a:prstGeom prst="roundRect">
+            <a:avLst/>
+          </a:prstGeom>
+        </p:spPr>
+        <p:style>
+          <a:lnRef idx="2">
+            <a:schemeClr val="accent1">
+              <a:shade val="50000"/>
+            </a:schemeClr>
+          </a:lnRef>
+          <a:fillRef idx="1">
+            <a:schemeClr val="accent1"/>
+          </a:fillRef>
+          <a:effectRef idx="0">
+            <a:schemeClr val="accent1"/>
+          </a:effectRef>
+          <a:fontRef idx="minor">
+            <a:schemeClr val="lt1"/>
+          </a:fontRef>
+        </p:style>
+        <p:txBody>
+          <a:bodyPr rtlCol="0" anchor="ctr"/>
+          <a:lstStyle/>
+          <a:p>
+            <a:pPr algn="ctr"/>
+            <a:r>
+              <a:rPr lang="zh-CN" altLang="en-US" dirty="0"/>
+              <a:t>输入资源类型</a:t>
+            </a:r>
+          </a:p>
+        </p:txBody>
+      </p:sp>
+      <p:sp>
+        <p:nvSpPr>
+          <p:cNvPr id="45" name="矩形: 圆角 44">
+            <a:extLst>
+              <a:ext uri="{FF2B5EF4-FFF2-40B4-BE49-F238E27FC236}">
+                <a16:creationId xmlns:a16="http://schemas.microsoft.com/office/drawing/2014/main" xmlns="" id="{BBB02D88-4A5D-436A-B599-8ACF19988F6D}"/>
+              </a:ext>
+            </a:extLst>
+          </p:cNvPr>
+          <p:cNvSpPr/>
+          <p:nvPr/>
+        </p:nvSpPr>
+        <p:spPr>
+          <a:xfrm>
+            <a:off x="8059361" y="3429000"/>
+            <a:ext cx="1706854" cy="882641"/>
+          </a:xfrm>
+          <a:prstGeom prst="roundRect">
+            <a:avLst/>
+          </a:prstGeom>
+        </p:spPr>
+        <p:style>
+          <a:lnRef idx="2">
+            <a:schemeClr val="accent1">
+              <a:shade val="50000"/>
+            </a:schemeClr>
+          </a:lnRef>
+          <a:fillRef idx="1">
+            <a:schemeClr val="accent1"/>
+          </a:fillRef>
+          <a:effectRef idx="0">
+            <a:schemeClr val="accent1"/>
+          </a:effectRef>
+          <a:fontRef idx="minor">
+            <a:schemeClr val="lt1"/>
+          </a:fontRef>
+        </p:style>
+        <p:txBody>
+          <a:bodyPr rtlCol="0" anchor="ctr"/>
+          <a:lstStyle/>
+          <a:p>
+            <a:pPr algn="ctr"/>
+            <a:r>
+              <a:rPr lang="zh-CN" altLang="en-US" dirty="0"/>
+              <a:t>输入属性名称和属性类型</a:t>
+            </a:r>
+          </a:p>
+        </p:txBody>
+      </p:sp>
+      <p:cxnSp>
+        <p:nvCxnSpPr>
+          <p:cNvPr id="50" name="直接箭头连接符 49">
+            <a:extLst>
+              <a:ext uri="{FF2B5EF4-FFF2-40B4-BE49-F238E27FC236}">
+                <a16:creationId xmlns:a16="http://schemas.microsoft.com/office/drawing/2014/main" xmlns="" id="{8C095344-4BB6-4046-9AF9-1345C0A6FE41}"/>
+              </a:ext>
+            </a:extLst>
+          </p:cNvPr>
+          <p:cNvCxnSpPr>
+            <a:stCxn id="42" idx="3"/>
+            <a:endCxn id="43" idx="1"/>
+          </p:cNvCxnSpPr>
+          <p:nvPr/>
+        </p:nvCxnSpPr>
+        <p:spPr>
+          <a:xfrm>
+            <a:off x="5530721" y="5531195"/>
+            <a:ext cx="956690" cy="15842"/>
+          </a:xfrm>
+          <a:prstGeom prst="straightConnector1">
+            <a:avLst/>
+          </a:prstGeom>
+          <a:ln>
+            <a:tailEnd type="triangle"/>
+          </a:ln>
+        </p:spPr>
+        <p:style>
+          <a:lnRef idx="1">
+            <a:schemeClr val="accent1"/>
+          </a:lnRef>
+          <a:fillRef idx="0">
+            <a:schemeClr val="accent1"/>
+          </a:fillRef>
+          <a:effectRef idx="0">
+            <a:schemeClr val="accent1"/>
+          </a:effectRef>
+          <a:fontRef idx="minor">
+            <a:schemeClr val="tx1"/>
+          </a:fontRef>
+        </p:style>
+      </p:cxnSp>
+      <p:cxnSp>
+        <p:nvCxnSpPr>
+          <p:cNvPr id="52" name="直接箭头连接符 51">
+            <a:extLst>
+              <a:ext uri="{FF2B5EF4-FFF2-40B4-BE49-F238E27FC236}">
+                <a16:creationId xmlns:a16="http://schemas.microsoft.com/office/drawing/2014/main" xmlns="" id="{0C7ACE7F-3FB4-4F3A-96B2-7A14A468BD48}"/>
+              </a:ext>
+            </a:extLst>
+          </p:cNvPr>
+          <p:cNvCxnSpPr>
+            <a:stCxn id="43" idx="3"/>
+            <a:endCxn id="44" idx="1"/>
+          </p:cNvCxnSpPr>
+          <p:nvPr/>
+        </p:nvCxnSpPr>
+        <p:spPr>
+          <a:xfrm flipV="1">
+            <a:off x="7865880" y="5547033"/>
+            <a:ext cx="405105" cy="4"/>
+          </a:xfrm>
+          <a:prstGeom prst="straightConnector1">
+            <a:avLst/>
+          </a:prstGeom>
+          <a:ln>
+            <a:tailEnd type="triangle"/>
+          </a:ln>
+        </p:spPr>
+        <p:style>
+          <a:lnRef idx="1">
+            <a:schemeClr val="accent1"/>
+          </a:lnRef>
+          <a:fillRef idx="0">
+            <a:schemeClr val="accent1"/>
+          </a:fillRef>
+          <a:effectRef idx="0">
+            <a:schemeClr val="accent1"/>
+          </a:effectRef>
+          <a:fontRef idx="minor">
+            <a:schemeClr val="tx1"/>
+          </a:fontRef>
+        </p:style>
+      </p:cxnSp>
+      <p:cxnSp>
+        <p:nvCxnSpPr>
+          <p:cNvPr id="60" name="连接符: 肘形 59">
+            <a:extLst>
+              <a:ext uri="{FF2B5EF4-FFF2-40B4-BE49-F238E27FC236}">
+                <a16:creationId xmlns:a16="http://schemas.microsoft.com/office/drawing/2014/main" xmlns="" id="{11057A49-1D8D-44F2-A469-1B3C296E495A}"/>
+              </a:ext>
+            </a:extLst>
+          </p:cNvPr>
+          <p:cNvCxnSpPr>
+            <a:stCxn id="45" idx="1"/>
+            <a:endCxn id="8" idx="2"/>
+          </p:cNvCxnSpPr>
+          <p:nvPr/>
+        </p:nvCxnSpPr>
+        <p:spPr>
+          <a:xfrm rot="10800000">
+            <a:off x="5950599" y="2037335"/>
+            <a:ext cx="2108763" cy="1832986"/>
+          </a:xfrm>
+          <a:prstGeom prst="bentConnector2">
+            <a:avLst/>
+          </a:prstGeom>
+          <a:ln>
+            <a:tailEnd type="triangle"/>
+          </a:ln>
+        </p:spPr>
+        <p:style>
+          <a:lnRef idx="1">
+            <a:schemeClr val="accent1"/>
+          </a:lnRef>
+          <a:fillRef idx="0">
+            <a:schemeClr val="accent1"/>
+          </a:fillRef>
+          <a:effectRef idx="0">
+            <a:schemeClr val="accent1"/>
+          </a:effectRef>
+          <a:fontRef idx="minor">
+            <a:schemeClr val="tx1"/>
+          </a:fontRef>
+        </p:style>
+      </p:cxnSp>
+      <p:cxnSp>
+        <p:nvCxnSpPr>
+          <p:cNvPr id="62" name="直接箭头连接符 61">
+            <a:extLst>
+              <a:ext uri="{FF2B5EF4-FFF2-40B4-BE49-F238E27FC236}">
+                <a16:creationId xmlns:a16="http://schemas.microsoft.com/office/drawing/2014/main" xmlns="" id="{F264F3D7-4C04-4A43-87AC-A119066112C0}"/>
+              </a:ext>
+            </a:extLst>
+          </p:cNvPr>
+          <p:cNvCxnSpPr>
+            <a:stCxn id="44" idx="0"/>
+            <a:endCxn id="45" idx="2"/>
+          </p:cNvCxnSpPr>
+          <p:nvPr/>
+        </p:nvCxnSpPr>
+        <p:spPr>
+          <a:xfrm flipH="1" flipV="1">
+            <a:off x="8912788" y="4311641"/>
+            <a:ext cx="1" cy="857502"/>
+          </a:xfrm>
+          <a:prstGeom prst="straightConnector1">
+            <a:avLst/>
+          </a:prstGeom>
+          <a:ln>
+            <a:tailEnd type="triangle"/>
+          </a:ln>
+        </p:spPr>
+        <p:style>
+          <a:lnRef idx="1">
+            <a:schemeClr val="accent1"/>
+          </a:lnRef>
+          <a:fillRef idx="0">
+            <a:schemeClr val="accent1"/>
+          </a:fillRef>
+          <a:effectRef idx="0">
+            <a:schemeClr val="accent1"/>
+          </a:effectRef>
+          <a:fontRef idx="minor">
+            <a:schemeClr val="tx1"/>
+          </a:fontRef>
+        </p:style>
+      </p:cxnSp>
+    </p:spTree>
+    <p:extLst>
+      <p:ext uri="{BB962C8B-B14F-4D97-AF65-F5344CB8AC3E}">
+        <p14:creationId xmlns:p14="http://schemas.microsoft.com/office/powerpoint/2010/main" xmlns="" val="970125145"/>
+      </p:ext>
+    </p:extLst>
+  </p:cSld>
+  <p:clrMapOvr>
+    <a:masterClrMapping/>
+  </p:clrMapOvr>
+</p:sld>
+</file>
+
+<file path=ppt/slides/slide8.xml><?xml version="1.0" encoding="utf-8"?>
+<p:sld xmlns:a="http://schemas.openxmlformats.org/drawingml/2006/main" xmlns:r="http://schemas.openxmlformats.org/officeDocument/2006/relationships" xmlns:p="http://schemas.openxmlformats.org/presentationml/2006/main">
+  <p:cSld>
+    <p:spTree>
+      <p:nvGrpSpPr>
+        <p:cNvPr id="1" name=""/>
+        <p:cNvGrpSpPr/>
+        <p:nvPr/>
+      </p:nvGrpSpPr>
+      <p:grpSpPr>
+        <a:xfrm>
+          <a:off x="0" y="0"/>
+          <a:ext cx="0" cy="0"/>
+          <a:chOff x="0" y="0"/>
+          <a:chExt cx="0" cy="0"/>
+        </a:xfrm>
+      </p:grpSpPr>
+      <p:sp>
+        <p:nvSpPr>
+          <p:cNvPr id="2" name="标题 1">
+            <a:extLst>
+              <a:ext uri="{FF2B5EF4-FFF2-40B4-BE49-F238E27FC236}">
+                <a16:creationId xmlns:a16="http://schemas.microsoft.com/office/drawing/2014/main" xmlns="" id="{0D899BD1-2041-48E5-B23C-4D99D62FFACA}"/>
+              </a:ext>
+            </a:extLst>
+          </p:cNvPr>
+          <p:cNvSpPr>
+            <a:spLocks noGrp="1"/>
+          </p:cNvSpPr>
+          <p:nvPr>
+            <p:ph type="title"/>
+          </p:nvPr>
+        </p:nvSpPr>
+        <p:spPr/>
+        <p:txBody>
+          <a:bodyPr/>
+          <a:lstStyle/>
+          <a:p>
+            <a:r>
+              <a:rPr lang="zh-CN" altLang="en-US" dirty="0"/>
+              <a:t>删除资源</a:t>
+            </a:r>
+          </a:p>
+        </p:txBody>
+      </p:sp>
+      <p:sp>
+        <p:nvSpPr>
+          <p:cNvPr id="4" name="矩形: 圆角 3">
+            <a:extLst>
+              <a:ext uri="{FF2B5EF4-FFF2-40B4-BE49-F238E27FC236}">
+                <a16:creationId xmlns:a16="http://schemas.microsoft.com/office/drawing/2014/main" xmlns="" id="{EF774A23-C49C-4E50-BDCB-7C4CCBA87856}"/>
+              </a:ext>
+            </a:extLst>
+          </p:cNvPr>
+          <p:cNvSpPr/>
+          <p:nvPr/>
+        </p:nvSpPr>
+        <p:spPr>
+          <a:xfrm>
+            <a:off x="662473" y="3685592"/>
+            <a:ext cx="1614196" cy="877077"/>
+          </a:xfrm>
+          <a:prstGeom prst="roundRect">
+            <a:avLst/>
+          </a:prstGeom>
+        </p:spPr>
+        <p:style>
+          <a:lnRef idx="2">
+            <a:schemeClr val="accent1">
+              <a:shade val="50000"/>
+            </a:schemeClr>
+          </a:lnRef>
+          <a:fillRef idx="1">
+            <a:schemeClr val="accent1"/>
+          </a:fillRef>
+          <a:effectRef idx="0">
+            <a:schemeClr val="accent1"/>
+          </a:effectRef>
+          <a:fontRef idx="minor">
+            <a:schemeClr val="lt1"/>
+          </a:fontRef>
+        </p:style>
+        <p:txBody>
+          <a:bodyPr rtlCol="0" anchor="ctr"/>
+          <a:lstStyle/>
+          <a:p>
+            <a:pPr algn="ctr"/>
+            <a:r>
+              <a:rPr lang="zh-CN" altLang="en-US" dirty="0"/>
+              <a:t>删除资源</a:t>
+            </a:r>
+          </a:p>
+        </p:txBody>
+      </p:sp>
+      <p:cxnSp>
+        <p:nvCxnSpPr>
+          <p:cNvPr id="6" name="直接箭头连接符 5">
+            <a:extLst>
+              <a:ext uri="{FF2B5EF4-FFF2-40B4-BE49-F238E27FC236}">
+                <a16:creationId xmlns:a16="http://schemas.microsoft.com/office/drawing/2014/main" xmlns="" id="{C4BE01C3-25CB-4807-AC5C-AF10BD2AE0A6}"/>
+              </a:ext>
+            </a:extLst>
+          </p:cNvPr>
+          <p:cNvCxnSpPr>
+            <a:cxnSpLocks/>
+          </p:cNvCxnSpPr>
+          <p:nvPr/>
+        </p:nvCxnSpPr>
+        <p:spPr>
+          <a:xfrm>
+            <a:off x="2295330" y="4124130"/>
+            <a:ext cx="1073021" cy="0"/>
+          </a:xfrm>
+          <a:prstGeom prst="straightConnector1">
+            <a:avLst/>
+          </a:prstGeom>
+          <a:ln>
+            <a:tailEnd type="triangle"/>
+          </a:ln>
+        </p:spPr>
+        <p:style>
+          <a:lnRef idx="1">
+            <a:schemeClr val="accent1"/>
+          </a:lnRef>
+          <a:fillRef idx="0">
+            <a:schemeClr val="accent1"/>
+          </a:fillRef>
+          <a:effectRef idx="0">
+            <a:schemeClr val="accent1"/>
+          </a:effectRef>
+          <a:fontRef idx="minor">
+            <a:schemeClr val="tx1"/>
+          </a:fontRef>
+        </p:style>
+      </p:cxnSp>
+      <p:sp>
+        <p:nvSpPr>
+          <p:cNvPr id="8" name="矩形: 圆角 7">
+            <a:extLst>
+              <a:ext uri="{FF2B5EF4-FFF2-40B4-BE49-F238E27FC236}">
+                <a16:creationId xmlns:a16="http://schemas.microsoft.com/office/drawing/2014/main" xmlns="" id="{5D3741E5-7E6D-487E-AD15-F696F899934A}"/>
+              </a:ext>
+            </a:extLst>
+          </p:cNvPr>
+          <p:cNvSpPr/>
+          <p:nvPr/>
+        </p:nvSpPr>
+        <p:spPr>
+          <a:xfrm>
+            <a:off x="3408006" y="3685591"/>
+            <a:ext cx="1912776" cy="877069"/>
+          </a:xfrm>
+          <a:prstGeom prst="roundRect">
+            <a:avLst/>
+          </a:prstGeom>
+        </p:spPr>
+        <p:style>
+          <a:lnRef idx="2">
+            <a:schemeClr val="accent1">
+              <a:shade val="50000"/>
+            </a:schemeClr>
+          </a:lnRef>
+          <a:fillRef idx="1">
+            <a:schemeClr val="accent1"/>
+          </a:fillRef>
+          <a:effectRef idx="0">
+            <a:schemeClr val="accent1"/>
+          </a:effectRef>
+          <a:fontRef idx="minor">
+            <a:schemeClr val="lt1"/>
+          </a:fontRef>
+        </p:style>
+        <p:txBody>
+          <a:bodyPr rtlCol="0" anchor="ctr"/>
+          <a:lstStyle/>
+          <a:p>
+            <a:pPr algn="ctr"/>
+            <a:r>
+              <a:rPr lang="zh-CN" altLang="en-US" dirty="0"/>
+              <a:t>选择资源类型</a:t>
             </a:r>
           </a:p>
         </p:txBody>
@@ -6325,7 +9894,510 @@
           <p:cNvPr id="12" name="直接箭头连接符 11">
             <a:extLst>
               <a:ext uri="{FF2B5EF4-FFF2-40B4-BE49-F238E27FC236}">
-                <a16:creationId xmlns:a16="http://schemas.microsoft.com/office/drawing/2014/main" id="{79323710-6AFE-4006-80C9-F9E744F26492}"/>
+                <a16:creationId xmlns:a16="http://schemas.microsoft.com/office/drawing/2014/main" xmlns="" id="{48F97B2F-E0EF-4E66-979C-76078370A621}"/>
+              </a:ext>
+            </a:extLst>
+          </p:cNvPr>
+          <p:cNvCxnSpPr/>
+          <p:nvPr/>
+        </p:nvCxnSpPr>
+        <p:spPr>
+          <a:xfrm>
+            <a:off x="5159829" y="4124130"/>
+            <a:ext cx="737118" cy="0"/>
+          </a:xfrm>
+          <a:prstGeom prst="straightConnector1">
+            <a:avLst/>
+          </a:prstGeom>
+          <a:ln>
+            <a:tailEnd type="triangle"/>
+          </a:ln>
+        </p:spPr>
+        <p:style>
+          <a:lnRef idx="1">
+            <a:schemeClr val="accent1"/>
+          </a:lnRef>
+          <a:fillRef idx="0">
+            <a:schemeClr val="accent1"/>
+          </a:fillRef>
+          <a:effectRef idx="0">
+            <a:schemeClr val="accent1"/>
+          </a:effectRef>
+          <a:fontRef idx="minor">
+            <a:schemeClr val="tx1"/>
+          </a:fontRef>
+        </p:style>
+      </p:cxnSp>
+      <p:sp>
+        <p:nvSpPr>
+          <p:cNvPr id="13" name="矩形: 圆角 12">
+            <a:extLst>
+              <a:ext uri="{FF2B5EF4-FFF2-40B4-BE49-F238E27FC236}">
+                <a16:creationId xmlns:a16="http://schemas.microsoft.com/office/drawing/2014/main" xmlns="" id="{C34573CB-AA38-4A09-84A2-CC746298D001}"/>
+              </a:ext>
+            </a:extLst>
+          </p:cNvPr>
+          <p:cNvSpPr/>
+          <p:nvPr/>
+        </p:nvSpPr>
+        <p:spPr>
+          <a:xfrm>
+            <a:off x="5920274" y="3685592"/>
+            <a:ext cx="2136710" cy="877069"/>
+          </a:xfrm>
+          <a:prstGeom prst="roundRect">
+            <a:avLst/>
+          </a:prstGeom>
+        </p:spPr>
+        <p:style>
+          <a:lnRef idx="2">
+            <a:schemeClr val="accent1">
+              <a:shade val="50000"/>
+            </a:schemeClr>
+          </a:lnRef>
+          <a:fillRef idx="1">
+            <a:schemeClr val="accent1"/>
+          </a:fillRef>
+          <a:effectRef idx="0">
+            <a:schemeClr val="accent1"/>
+          </a:effectRef>
+          <a:fontRef idx="minor">
+            <a:schemeClr val="lt1"/>
+          </a:fontRef>
+        </p:style>
+        <p:txBody>
+          <a:bodyPr rtlCol="0" anchor="ctr"/>
+          <a:lstStyle/>
+          <a:p>
+            <a:pPr algn="ctr"/>
+            <a:r>
+              <a:rPr lang="zh-CN" altLang="en-US" dirty="0"/>
+              <a:t>选择需删除资源</a:t>
+            </a:r>
+          </a:p>
+        </p:txBody>
+      </p:sp>
+      <p:sp>
+        <p:nvSpPr>
+          <p:cNvPr id="14" name="矩形: 圆角 13">
+            <a:extLst>
+              <a:ext uri="{FF2B5EF4-FFF2-40B4-BE49-F238E27FC236}">
+                <a16:creationId xmlns:a16="http://schemas.microsoft.com/office/drawing/2014/main" xmlns="" id="{1FA42442-0A9A-43B8-ACD7-77F132322CA3}"/>
+              </a:ext>
+            </a:extLst>
+          </p:cNvPr>
+          <p:cNvSpPr/>
+          <p:nvPr/>
+        </p:nvSpPr>
+        <p:spPr>
+          <a:xfrm>
+            <a:off x="9283959" y="3848872"/>
+            <a:ext cx="1891005" cy="550506"/>
+          </a:xfrm>
+          <a:prstGeom prst="roundRect">
+            <a:avLst/>
+          </a:prstGeom>
+          <a:solidFill>
+            <a:schemeClr val="accent6"/>
+          </a:solidFill>
+        </p:spPr>
+        <p:style>
+          <a:lnRef idx="2">
+            <a:schemeClr val="accent1">
+              <a:shade val="50000"/>
+            </a:schemeClr>
+          </a:lnRef>
+          <a:fillRef idx="1">
+            <a:schemeClr val="accent1"/>
+          </a:fillRef>
+          <a:effectRef idx="0">
+            <a:schemeClr val="accent1"/>
+          </a:effectRef>
+          <a:fontRef idx="minor">
+            <a:schemeClr val="lt1"/>
+          </a:fontRef>
+        </p:style>
+        <p:txBody>
+          <a:bodyPr rtlCol="0" anchor="ctr"/>
+          <a:lstStyle/>
+          <a:p>
+            <a:pPr algn="ctr"/>
+            <a:r>
+              <a:rPr lang="zh-CN" altLang="en-US" dirty="0"/>
+              <a:t>删除成功</a:t>
+            </a:r>
+          </a:p>
+        </p:txBody>
+      </p:sp>
+      <p:sp>
+        <p:nvSpPr>
+          <p:cNvPr id="15" name="文本框 14">
+            <a:extLst>
+              <a:ext uri="{FF2B5EF4-FFF2-40B4-BE49-F238E27FC236}">
+                <a16:creationId xmlns:a16="http://schemas.microsoft.com/office/drawing/2014/main" xmlns="" id="{2B3A11C7-7490-4CC2-B728-6D15B58DFD35}"/>
+              </a:ext>
+            </a:extLst>
+          </p:cNvPr>
+          <p:cNvSpPr txBox="1"/>
+          <p:nvPr/>
+        </p:nvSpPr>
+        <p:spPr>
+          <a:xfrm>
+            <a:off x="8116473" y="3738855"/>
+            <a:ext cx="1107996" cy="369332"/>
+          </a:xfrm>
+          <a:prstGeom prst="rect">
+            <a:avLst/>
+          </a:prstGeom>
+          <a:noFill/>
+        </p:spPr>
+        <p:txBody>
+          <a:bodyPr wrap="none" rtlCol="0">
+            <a:spAutoFit/>
+          </a:bodyPr>
+          <a:lstStyle/>
+          <a:p>
+            <a:r>
+              <a:rPr lang="zh-CN" altLang="en-US" dirty="0"/>
+              <a:t>确认删除</a:t>
+            </a:r>
+          </a:p>
+        </p:txBody>
+      </p:sp>
+      <p:cxnSp>
+        <p:nvCxnSpPr>
+          <p:cNvPr id="17" name="直接箭头连接符 16">
+            <a:extLst>
+              <a:ext uri="{FF2B5EF4-FFF2-40B4-BE49-F238E27FC236}">
+                <a16:creationId xmlns:a16="http://schemas.microsoft.com/office/drawing/2014/main" xmlns="" id="{4EDB41EE-CD85-4483-AE34-353B85B77103}"/>
+              </a:ext>
+            </a:extLst>
+          </p:cNvPr>
+          <p:cNvCxnSpPr>
+            <a:stCxn id="13" idx="3"/>
+          </p:cNvCxnSpPr>
+          <p:nvPr/>
+        </p:nvCxnSpPr>
+        <p:spPr>
+          <a:xfrm>
+            <a:off x="8056984" y="4124127"/>
+            <a:ext cx="1226975" cy="3"/>
+          </a:xfrm>
+          <a:prstGeom prst="straightConnector1">
+            <a:avLst/>
+          </a:prstGeom>
+          <a:ln>
+            <a:tailEnd type="triangle"/>
+          </a:ln>
+        </p:spPr>
+        <p:style>
+          <a:lnRef idx="1">
+            <a:schemeClr val="accent1"/>
+          </a:lnRef>
+          <a:fillRef idx="0">
+            <a:schemeClr val="accent1"/>
+          </a:fillRef>
+          <a:effectRef idx="0">
+            <a:schemeClr val="accent1"/>
+          </a:effectRef>
+          <a:fontRef idx="minor">
+            <a:schemeClr val="tx1"/>
+          </a:fontRef>
+        </p:style>
+      </p:cxnSp>
+    </p:spTree>
+    <p:extLst>
+      <p:ext uri="{BB962C8B-B14F-4D97-AF65-F5344CB8AC3E}">
+        <p14:creationId xmlns:p14="http://schemas.microsoft.com/office/powerpoint/2010/main" xmlns="" val="4037268829"/>
+      </p:ext>
+    </p:extLst>
+  </p:cSld>
+  <p:clrMapOvr>
+    <a:masterClrMapping/>
+  </p:clrMapOvr>
+</p:sld>
+</file>
+
+<file path=ppt/slides/slide9.xml><?xml version="1.0" encoding="utf-8"?>
+<p:sld xmlns:a="http://schemas.openxmlformats.org/drawingml/2006/main" xmlns:r="http://schemas.openxmlformats.org/officeDocument/2006/relationships" xmlns:p="http://schemas.openxmlformats.org/presentationml/2006/main">
+  <p:cSld>
+    <p:spTree>
+      <p:nvGrpSpPr>
+        <p:cNvPr id="1" name=""/>
+        <p:cNvGrpSpPr/>
+        <p:nvPr/>
+      </p:nvGrpSpPr>
+      <p:grpSpPr>
+        <a:xfrm>
+          <a:off x="0" y="0"/>
+          <a:ext cx="0" cy="0"/>
+          <a:chOff x="0" y="0"/>
+          <a:chExt cx="0" cy="0"/>
+        </a:xfrm>
+      </p:grpSpPr>
+      <p:sp>
+        <p:nvSpPr>
+          <p:cNvPr id="2" name="标题 1">
+            <a:extLst>
+              <a:ext uri="{FF2B5EF4-FFF2-40B4-BE49-F238E27FC236}">
+                <a16:creationId xmlns:a16="http://schemas.microsoft.com/office/drawing/2014/main" xmlns="" id="{488BEA01-840E-40B6-988D-E7C51AB12F4C}"/>
+              </a:ext>
+            </a:extLst>
+          </p:cNvPr>
+          <p:cNvSpPr>
+            <a:spLocks noGrp="1"/>
+          </p:cNvSpPr>
+          <p:nvPr>
+            <p:ph type="title"/>
+          </p:nvPr>
+        </p:nvSpPr>
+        <p:spPr/>
+        <p:txBody>
+          <a:bodyPr/>
+          <a:lstStyle/>
+          <a:p>
+            <a:r>
+              <a:rPr lang="zh-CN" altLang="en-US" dirty="0"/>
+              <a:t>修改资源</a:t>
+            </a:r>
+          </a:p>
+        </p:txBody>
+      </p:sp>
+      <p:sp>
+        <p:nvSpPr>
+          <p:cNvPr id="4" name="矩形: 圆角 3">
+            <a:extLst>
+              <a:ext uri="{FF2B5EF4-FFF2-40B4-BE49-F238E27FC236}">
+                <a16:creationId xmlns:a16="http://schemas.microsoft.com/office/drawing/2014/main" xmlns="" id="{E1DC7B99-1C9D-496A-A398-E4EE13D88151}"/>
+              </a:ext>
+            </a:extLst>
+          </p:cNvPr>
+          <p:cNvSpPr/>
+          <p:nvPr/>
+        </p:nvSpPr>
+        <p:spPr>
+          <a:xfrm>
+            <a:off x="550506" y="3135086"/>
+            <a:ext cx="1511559" cy="765110"/>
+          </a:xfrm>
+          <a:prstGeom prst="roundRect">
+            <a:avLst/>
+          </a:prstGeom>
+        </p:spPr>
+        <p:style>
+          <a:lnRef idx="2">
+            <a:schemeClr val="accent1">
+              <a:shade val="50000"/>
+            </a:schemeClr>
+          </a:lnRef>
+          <a:fillRef idx="1">
+            <a:schemeClr val="accent1"/>
+          </a:fillRef>
+          <a:effectRef idx="0">
+            <a:schemeClr val="accent1"/>
+          </a:effectRef>
+          <a:fontRef idx="minor">
+            <a:schemeClr val="lt1"/>
+          </a:fontRef>
+        </p:style>
+        <p:txBody>
+          <a:bodyPr rtlCol="0" anchor="ctr"/>
+          <a:lstStyle/>
+          <a:p>
+            <a:pPr algn="ctr"/>
+            <a:r>
+              <a:rPr lang="zh-CN" altLang="en-US" dirty="0"/>
+              <a:t>修改资源</a:t>
+            </a:r>
+          </a:p>
+        </p:txBody>
+      </p:sp>
+      <p:cxnSp>
+        <p:nvCxnSpPr>
+          <p:cNvPr id="6" name="直接箭头连接符 5">
+            <a:extLst>
+              <a:ext uri="{FF2B5EF4-FFF2-40B4-BE49-F238E27FC236}">
+                <a16:creationId xmlns:a16="http://schemas.microsoft.com/office/drawing/2014/main" xmlns="" id="{80CACA17-333E-4912-951C-A76EF4758F37}"/>
+              </a:ext>
+            </a:extLst>
+          </p:cNvPr>
+          <p:cNvCxnSpPr>
+            <a:stCxn id="4" idx="3"/>
+          </p:cNvCxnSpPr>
+          <p:nvPr/>
+        </p:nvCxnSpPr>
+        <p:spPr>
+          <a:xfrm>
+            <a:off x="2062065" y="3517641"/>
+            <a:ext cx="1035698" cy="0"/>
+          </a:xfrm>
+          <a:prstGeom prst="straightConnector1">
+            <a:avLst/>
+          </a:prstGeom>
+          <a:ln>
+            <a:tailEnd type="triangle"/>
+          </a:ln>
+        </p:spPr>
+        <p:style>
+          <a:lnRef idx="1">
+            <a:schemeClr val="accent1"/>
+          </a:lnRef>
+          <a:fillRef idx="0">
+            <a:schemeClr val="accent1"/>
+          </a:fillRef>
+          <a:effectRef idx="0">
+            <a:schemeClr val="accent1"/>
+          </a:effectRef>
+          <a:fontRef idx="minor">
+            <a:schemeClr val="tx1"/>
+          </a:fontRef>
+        </p:style>
+      </p:cxnSp>
+      <p:sp>
+        <p:nvSpPr>
+          <p:cNvPr id="7" name="矩形: 圆角 6">
+            <a:extLst>
+              <a:ext uri="{FF2B5EF4-FFF2-40B4-BE49-F238E27FC236}">
+                <a16:creationId xmlns:a16="http://schemas.microsoft.com/office/drawing/2014/main" xmlns="" id="{296CE819-63BA-4CFB-911D-24773E8322A8}"/>
+              </a:ext>
+            </a:extLst>
+          </p:cNvPr>
+          <p:cNvSpPr/>
+          <p:nvPr/>
+        </p:nvSpPr>
+        <p:spPr>
+          <a:xfrm>
+            <a:off x="3163077" y="3242388"/>
+            <a:ext cx="2071395" cy="550506"/>
+          </a:xfrm>
+          <a:prstGeom prst="roundRect">
+            <a:avLst/>
+          </a:prstGeom>
+        </p:spPr>
+        <p:style>
+          <a:lnRef idx="2">
+            <a:schemeClr val="accent1">
+              <a:shade val="50000"/>
+            </a:schemeClr>
+          </a:lnRef>
+          <a:fillRef idx="1">
+            <a:schemeClr val="accent1"/>
+          </a:fillRef>
+          <a:effectRef idx="0">
+            <a:schemeClr val="accent1"/>
+          </a:effectRef>
+          <a:fontRef idx="minor">
+            <a:schemeClr val="lt1"/>
+          </a:fontRef>
+        </p:style>
+        <p:txBody>
+          <a:bodyPr rtlCol="0" anchor="ctr"/>
+          <a:lstStyle/>
+          <a:p>
+            <a:pPr algn="ctr"/>
+            <a:r>
+              <a:rPr lang="zh-CN" altLang="en-US" dirty="0"/>
+              <a:t>选择修改对象</a:t>
+            </a:r>
+          </a:p>
+        </p:txBody>
+      </p:sp>
+      <p:cxnSp>
+        <p:nvCxnSpPr>
+          <p:cNvPr id="9" name="直接箭头连接符 8">
+            <a:extLst>
+              <a:ext uri="{FF2B5EF4-FFF2-40B4-BE49-F238E27FC236}">
+                <a16:creationId xmlns:a16="http://schemas.microsoft.com/office/drawing/2014/main" xmlns="" id="{FA3445D1-E7BB-48A7-8FCE-F29D5B3AEF64}"/>
+              </a:ext>
+            </a:extLst>
+          </p:cNvPr>
+          <p:cNvCxnSpPr>
+            <a:stCxn id="7" idx="3"/>
+          </p:cNvCxnSpPr>
+          <p:nvPr/>
+        </p:nvCxnSpPr>
+        <p:spPr>
+          <a:xfrm>
+            <a:off x="5234472" y="3517641"/>
+            <a:ext cx="861528" cy="0"/>
+          </a:xfrm>
+          <a:prstGeom prst="straightConnector1">
+            <a:avLst/>
+          </a:prstGeom>
+          <a:ln>
+            <a:tailEnd type="triangle"/>
+          </a:ln>
+        </p:spPr>
+        <p:style>
+          <a:lnRef idx="1">
+            <a:schemeClr val="accent1"/>
+          </a:lnRef>
+          <a:fillRef idx="0">
+            <a:schemeClr val="accent1"/>
+          </a:fillRef>
+          <a:effectRef idx="0">
+            <a:schemeClr val="accent1"/>
+          </a:effectRef>
+          <a:fontRef idx="minor">
+            <a:schemeClr val="tx1"/>
+          </a:fontRef>
+        </p:style>
+      </p:cxnSp>
+      <p:sp>
+        <p:nvSpPr>
+          <p:cNvPr id="10" name="矩形: 圆角 9">
+            <a:extLst>
+              <a:ext uri="{FF2B5EF4-FFF2-40B4-BE49-F238E27FC236}">
+                <a16:creationId xmlns:a16="http://schemas.microsoft.com/office/drawing/2014/main" xmlns="" id="{89697B58-3CF3-4D20-94EC-B96CB73D3291}"/>
+              </a:ext>
+            </a:extLst>
+          </p:cNvPr>
+          <p:cNvSpPr/>
+          <p:nvPr/>
+        </p:nvSpPr>
+        <p:spPr>
+          <a:xfrm>
+            <a:off x="6095999" y="3247053"/>
+            <a:ext cx="1695061" cy="578495"/>
+          </a:xfrm>
+          <a:prstGeom prst="roundRect">
+            <a:avLst/>
+          </a:prstGeom>
+        </p:spPr>
+        <p:style>
+          <a:lnRef idx="2">
+            <a:schemeClr val="accent1">
+              <a:shade val="50000"/>
+            </a:schemeClr>
+          </a:lnRef>
+          <a:fillRef idx="1">
+            <a:schemeClr val="accent1"/>
+          </a:fillRef>
+          <a:effectRef idx="0">
+            <a:schemeClr val="accent1"/>
+          </a:effectRef>
+          <a:fontRef idx="minor">
+            <a:schemeClr val="lt1"/>
+          </a:fontRef>
+        </p:style>
+        <p:txBody>
+          <a:bodyPr rtlCol="0" anchor="ctr"/>
+          <a:lstStyle/>
+          <a:p>
+            <a:pPr algn="ctr"/>
+            <a:r>
+              <a:rPr lang="zh-CN" altLang="en-US" dirty="0"/>
+              <a:t>录入修改字段</a:t>
+            </a:r>
+          </a:p>
+        </p:txBody>
+      </p:sp>
+      <p:cxnSp>
+        <p:nvCxnSpPr>
+          <p:cNvPr id="12" name="直接箭头连接符 11">
+            <a:extLst>
+              <a:ext uri="{FF2B5EF4-FFF2-40B4-BE49-F238E27FC236}">
+                <a16:creationId xmlns:a16="http://schemas.microsoft.com/office/drawing/2014/main" xmlns="" id="{79323710-6AFE-4006-80C9-F9E744F26492}"/>
               </a:ext>
             </a:extLst>
           </p:cNvPr>
@@ -6368,7 +10440,7 @@
           <p:cNvPr id="13" name="矩形: 圆角 12">
             <a:extLst>
               <a:ext uri="{FF2B5EF4-FFF2-40B4-BE49-F238E27FC236}">
-                <a16:creationId xmlns:a16="http://schemas.microsoft.com/office/drawing/2014/main" id="{F70DCD22-039D-48D3-AB68-3AF31D46C1AD}"/>
+                <a16:creationId xmlns:a16="http://schemas.microsoft.com/office/drawing/2014/main" xmlns="" id="{F70DCD22-039D-48D3-AB68-3AF31D46C1AD}"/>
               </a:ext>
             </a:extLst>
           </p:cNvPr>
@@ -6420,7 +10492,7 @@
           <p:cNvPr id="16" name="文本框 15">
             <a:extLst>
               <a:ext uri="{FF2B5EF4-FFF2-40B4-BE49-F238E27FC236}">
-                <a16:creationId xmlns:a16="http://schemas.microsoft.com/office/drawing/2014/main" id="{D69476D4-D58C-4737-983B-23737B13BA8E}"/>
+                <a16:creationId xmlns:a16="http://schemas.microsoft.com/office/drawing/2014/main" xmlns="" id="{D69476D4-D58C-4737-983B-23737B13BA8E}"/>
               </a:ext>
             </a:extLst>
           </p:cNvPr>
@@ -6453,7 +10525,7 @@
     </p:spTree>
     <p:extLst>
       <p:ext uri="{BB962C8B-B14F-4D97-AF65-F5344CB8AC3E}">
-        <p14:creationId xmlns:p14="http://schemas.microsoft.com/office/powerpoint/2010/main" val="3057729638"/>
+        <p14:creationId xmlns:p14="http://schemas.microsoft.com/office/powerpoint/2010/main" xmlns="" val="3057729638"/>
       </p:ext>
     </p:extLst>
   </p:cSld>
@@ -6506,7 +10578,7 @@
     </a:clrScheme>
     <a:fontScheme name="Office">
       <a:majorFont>
-        <a:latin typeface="等线 Light" panose="020F0302020204030204"/>
+        <a:latin typeface="等线 Light"/>
         <a:ea typeface=""/>
         <a:cs typeface=""/>
         <a:font script="Jpan" typeface="游ゴシック Light"/>
@@ -6558,7 +10630,7 @@
         <a:font script="Tfng" typeface="Ebrima"/>
       </a:majorFont>
       <a:minorFont>
-        <a:latin typeface="等线" panose="020F0502020204030204"/>
+        <a:latin typeface="等线"/>
         <a:ea typeface=""/>
         <a:cs typeface=""/>
         <a:font script="Jpan" typeface="游ゴシック"/>
@@ -6752,7 +10824,7 @@
   <a:extraClrSchemeLst/>
   <a:extLst>
     <a:ext uri="{05A4C25C-085E-4340-85A3-A5531E510DB2}">
-      <thm15:themeFamily xmlns:thm15="http://schemas.microsoft.com/office/thememl/2012/main" name="Office Theme" id="{62F939B6-93AF-4DB8-9C6B-D6C7DFDC589F}" vid="{4A3C46E8-61CC-4603-A589-7422A47A8E4A}"/>
+      <thm15:themeFamily xmlns:thm15="http://schemas.microsoft.com/office/thememl/2012/main" xmlns="" name="Office Theme" id="{62F939B6-93AF-4DB8-9C6B-D6C7DFDC589F}" vid="{4A3C46E8-61CC-4603-A589-7422A47A8E4A}"/>
     </a:ext>
   </a:extLst>
 </a:theme>

--- a/01 Design/012 操作设计/天天意境PC端分功能操作流程.pptx
+++ b/01 Design/012 操作设计/天天意境PC端分功能操作流程.pptx
@@ -112,6 +112,22 @@
       </a:defRPr>
     </a:lvl9pPr>
   </p:defaultTextStyle>
+  <p:extLst>
+    <p:ext uri="{EFAFB233-063F-42B5-8137-9DF3F51BA10A}">
+      <p15:sldGuideLst xmlns:p15="http://schemas.microsoft.com/office/powerpoint/2012/main">
+        <p15:guide id="1" orient="horz" pos="2160">
+          <p15:clr>
+            <a:srgbClr val="A4A3A4"/>
+          </p15:clr>
+        </p15:guide>
+        <p15:guide id="2" pos="3840">
+          <p15:clr>
+            <a:srgbClr val="A4A3A4"/>
+          </p15:clr>
+        </p15:guide>
+      </p15:sldGuideLst>
+    </p:ext>
+  </p:extLst>
 </p:presentation>
 </file>
 
@@ -137,7 +153,7 @@
           <p:cNvPr id="2" name="标题 1">
             <a:extLst>
               <a:ext uri="{FF2B5EF4-FFF2-40B4-BE49-F238E27FC236}">
-                <a16:creationId xmlns:a16="http://schemas.microsoft.com/office/drawing/2014/main" xmlns="" id="{47F4612D-324C-4475-A7FA-C2F1FD01DDF5}"/>
+                <a16:creationId xmlns:a16="http://schemas.microsoft.com/office/drawing/2014/main" id="{47F4612D-324C-4475-A7FA-C2F1FD01DDF5}"/>
               </a:ext>
             </a:extLst>
           </p:cNvPr>
@@ -174,7 +190,7 @@
           <p:cNvPr id="3" name="副标题 2">
             <a:extLst>
               <a:ext uri="{FF2B5EF4-FFF2-40B4-BE49-F238E27FC236}">
-                <a16:creationId xmlns:a16="http://schemas.microsoft.com/office/drawing/2014/main" xmlns="" id="{70E833B9-0D37-4979-AA9E-CA5707408205}"/>
+                <a16:creationId xmlns:a16="http://schemas.microsoft.com/office/drawing/2014/main" id="{70E833B9-0D37-4979-AA9E-CA5707408205}"/>
               </a:ext>
             </a:extLst>
           </p:cNvPr>
@@ -244,7 +260,7 @@
           <p:cNvPr id="4" name="日期占位符 3">
             <a:extLst>
               <a:ext uri="{FF2B5EF4-FFF2-40B4-BE49-F238E27FC236}">
-                <a16:creationId xmlns:a16="http://schemas.microsoft.com/office/drawing/2014/main" xmlns="" id="{E17CC424-CAB4-415C-9F26-8EA6B53F6985}"/>
+                <a16:creationId xmlns:a16="http://schemas.microsoft.com/office/drawing/2014/main" id="{E17CC424-CAB4-415C-9F26-8EA6B53F6985}"/>
               </a:ext>
             </a:extLst>
           </p:cNvPr>
@@ -263,7 +279,7 @@
             <a:fld id="{802CC4E0-593C-4372-A1D3-19CD877DC572}" type="datetimeFigureOut">
               <a:rPr lang="zh-CN" altLang="en-US" smtClean="0"/>
               <a:pPr/>
-              <a:t>2018/8/18</a:t>
+              <a:t>2018/8/19</a:t>
             </a:fld>
             <a:endParaRPr lang="zh-CN" altLang="en-US"/>
           </a:p>
@@ -274,7 +290,7 @@
           <p:cNvPr id="5" name="页脚占位符 4">
             <a:extLst>
               <a:ext uri="{FF2B5EF4-FFF2-40B4-BE49-F238E27FC236}">
-                <a16:creationId xmlns:a16="http://schemas.microsoft.com/office/drawing/2014/main" xmlns="" id="{DE73A36C-0058-4190-9DFE-3297DEA07582}"/>
+                <a16:creationId xmlns:a16="http://schemas.microsoft.com/office/drawing/2014/main" id="{DE73A36C-0058-4190-9DFE-3297DEA07582}"/>
               </a:ext>
             </a:extLst>
           </p:cNvPr>
@@ -299,7 +315,7 @@
           <p:cNvPr id="6" name="灯片编号占位符 5">
             <a:extLst>
               <a:ext uri="{FF2B5EF4-FFF2-40B4-BE49-F238E27FC236}">
-                <a16:creationId xmlns:a16="http://schemas.microsoft.com/office/drawing/2014/main" xmlns="" id="{A5D8741C-80D6-4A2C-A1B8-D543505F8EED}"/>
+                <a16:creationId xmlns:a16="http://schemas.microsoft.com/office/drawing/2014/main" id="{A5D8741C-80D6-4A2C-A1B8-D543505F8EED}"/>
               </a:ext>
             </a:extLst>
           </p:cNvPr>
@@ -327,7 +343,7 @@
     </p:spTree>
     <p:extLst>
       <p:ext uri="{BB962C8B-B14F-4D97-AF65-F5344CB8AC3E}">
-        <p14:creationId xmlns:p14="http://schemas.microsoft.com/office/powerpoint/2010/main" xmlns="" val="3894935501"/>
+        <p14:creationId xmlns:p14="http://schemas.microsoft.com/office/powerpoint/2010/main" val="3894935501"/>
       </p:ext>
     </p:extLst>
   </p:cSld>
@@ -359,7 +375,7 @@
           <p:cNvPr id="2" name="标题 1">
             <a:extLst>
               <a:ext uri="{FF2B5EF4-FFF2-40B4-BE49-F238E27FC236}">
-                <a16:creationId xmlns:a16="http://schemas.microsoft.com/office/drawing/2014/main" xmlns="" id="{90F7F8A5-99D0-4075-9359-0975FC6FD2D4}"/>
+                <a16:creationId xmlns:a16="http://schemas.microsoft.com/office/drawing/2014/main" id="{90F7F8A5-99D0-4075-9359-0975FC6FD2D4}"/>
               </a:ext>
             </a:extLst>
           </p:cNvPr>
@@ -387,7 +403,7 @@
           <p:cNvPr id="3" name="竖排文字占位符 2">
             <a:extLst>
               <a:ext uri="{FF2B5EF4-FFF2-40B4-BE49-F238E27FC236}">
-                <a16:creationId xmlns:a16="http://schemas.microsoft.com/office/drawing/2014/main" xmlns="" id="{70EF78D0-CE58-4472-98D6-645CBAFCAD24}"/>
+                <a16:creationId xmlns:a16="http://schemas.microsoft.com/office/drawing/2014/main" id="{70EF78D0-CE58-4472-98D6-645CBAFCAD24}"/>
               </a:ext>
             </a:extLst>
           </p:cNvPr>
@@ -444,7 +460,7 @@
           <p:cNvPr id="4" name="日期占位符 3">
             <a:extLst>
               <a:ext uri="{FF2B5EF4-FFF2-40B4-BE49-F238E27FC236}">
-                <a16:creationId xmlns:a16="http://schemas.microsoft.com/office/drawing/2014/main" xmlns="" id="{932ED670-0C14-4EDB-88C7-B255A9FC68BE}"/>
+                <a16:creationId xmlns:a16="http://schemas.microsoft.com/office/drawing/2014/main" id="{932ED670-0C14-4EDB-88C7-B255A9FC68BE}"/>
               </a:ext>
             </a:extLst>
           </p:cNvPr>
@@ -463,7 +479,7 @@
             <a:fld id="{802CC4E0-593C-4372-A1D3-19CD877DC572}" type="datetimeFigureOut">
               <a:rPr lang="zh-CN" altLang="en-US" smtClean="0"/>
               <a:pPr/>
-              <a:t>2018/8/18</a:t>
+              <a:t>2018/8/19</a:t>
             </a:fld>
             <a:endParaRPr lang="zh-CN" altLang="en-US"/>
           </a:p>
@@ -474,7 +490,7 @@
           <p:cNvPr id="5" name="页脚占位符 4">
             <a:extLst>
               <a:ext uri="{FF2B5EF4-FFF2-40B4-BE49-F238E27FC236}">
-                <a16:creationId xmlns:a16="http://schemas.microsoft.com/office/drawing/2014/main" xmlns="" id="{4DD8EF5E-5732-4497-B562-7A6357354C7D}"/>
+                <a16:creationId xmlns:a16="http://schemas.microsoft.com/office/drawing/2014/main" id="{4DD8EF5E-5732-4497-B562-7A6357354C7D}"/>
               </a:ext>
             </a:extLst>
           </p:cNvPr>
@@ -499,7 +515,7 @@
           <p:cNvPr id="6" name="灯片编号占位符 5">
             <a:extLst>
               <a:ext uri="{FF2B5EF4-FFF2-40B4-BE49-F238E27FC236}">
-                <a16:creationId xmlns:a16="http://schemas.microsoft.com/office/drawing/2014/main" xmlns="" id="{FD8D0887-8588-40C1-8DD6-7266EA3E5FED}"/>
+                <a16:creationId xmlns:a16="http://schemas.microsoft.com/office/drawing/2014/main" id="{FD8D0887-8588-40C1-8DD6-7266EA3E5FED}"/>
               </a:ext>
             </a:extLst>
           </p:cNvPr>
@@ -527,7 +543,7 @@
     </p:spTree>
     <p:extLst>
       <p:ext uri="{BB962C8B-B14F-4D97-AF65-F5344CB8AC3E}">
-        <p14:creationId xmlns:p14="http://schemas.microsoft.com/office/powerpoint/2010/main" xmlns="" val="1194620996"/>
+        <p14:creationId xmlns:p14="http://schemas.microsoft.com/office/powerpoint/2010/main" val="1194620996"/>
       </p:ext>
     </p:extLst>
   </p:cSld>
@@ -559,7 +575,7 @@
           <p:cNvPr id="2" name="竖排标题 1">
             <a:extLst>
               <a:ext uri="{FF2B5EF4-FFF2-40B4-BE49-F238E27FC236}">
-                <a16:creationId xmlns:a16="http://schemas.microsoft.com/office/drawing/2014/main" xmlns="" id="{6C0A7CE0-E33F-4150-BA6F-55AA544CE105}"/>
+                <a16:creationId xmlns:a16="http://schemas.microsoft.com/office/drawing/2014/main" id="{6C0A7CE0-E33F-4150-BA6F-55AA544CE105}"/>
               </a:ext>
             </a:extLst>
           </p:cNvPr>
@@ -592,7 +608,7 @@
           <p:cNvPr id="3" name="竖排文字占位符 2">
             <a:extLst>
               <a:ext uri="{FF2B5EF4-FFF2-40B4-BE49-F238E27FC236}">
-                <a16:creationId xmlns:a16="http://schemas.microsoft.com/office/drawing/2014/main" xmlns="" id="{F3247912-FB50-4DB0-99D0-F7A60E9A29B8}"/>
+                <a16:creationId xmlns:a16="http://schemas.microsoft.com/office/drawing/2014/main" id="{F3247912-FB50-4DB0-99D0-F7A60E9A29B8}"/>
               </a:ext>
             </a:extLst>
           </p:cNvPr>
@@ -654,7 +670,7 @@
           <p:cNvPr id="4" name="日期占位符 3">
             <a:extLst>
               <a:ext uri="{FF2B5EF4-FFF2-40B4-BE49-F238E27FC236}">
-                <a16:creationId xmlns:a16="http://schemas.microsoft.com/office/drawing/2014/main" xmlns="" id="{86B3A062-5D43-4EE5-B931-15569F8B6A73}"/>
+                <a16:creationId xmlns:a16="http://schemas.microsoft.com/office/drawing/2014/main" id="{86B3A062-5D43-4EE5-B931-15569F8B6A73}"/>
               </a:ext>
             </a:extLst>
           </p:cNvPr>
@@ -673,7 +689,7 @@
             <a:fld id="{802CC4E0-593C-4372-A1D3-19CD877DC572}" type="datetimeFigureOut">
               <a:rPr lang="zh-CN" altLang="en-US" smtClean="0"/>
               <a:pPr/>
-              <a:t>2018/8/18</a:t>
+              <a:t>2018/8/19</a:t>
             </a:fld>
             <a:endParaRPr lang="zh-CN" altLang="en-US"/>
           </a:p>
@@ -684,7 +700,7 @@
           <p:cNvPr id="5" name="页脚占位符 4">
             <a:extLst>
               <a:ext uri="{FF2B5EF4-FFF2-40B4-BE49-F238E27FC236}">
-                <a16:creationId xmlns:a16="http://schemas.microsoft.com/office/drawing/2014/main" xmlns="" id="{9394F064-7811-40DA-A484-221A49E42F23}"/>
+                <a16:creationId xmlns:a16="http://schemas.microsoft.com/office/drawing/2014/main" id="{9394F064-7811-40DA-A484-221A49E42F23}"/>
               </a:ext>
             </a:extLst>
           </p:cNvPr>
@@ -709,7 +725,7 @@
           <p:cNvPr id="6" name="灯片编号占位符 5">
             <a:extLst>
               <a:ext uri="{FF2B5EF4-FFF2-40B4-BE49-F238E27FC236}">
-                <a16:creationId xmlns:a16="http://schemas.microsoft.com/office/drawing/2014/main" xmlns="" id="{FAF8BDD9-0A18-4C69-A4CC-3BD880A94250}"/>
+                <a16:creationId xmlns:a16="http://schemas.microsoft.com/office/drawing/2014/main" id="{FAF8BDD9-0A18-4C69-A4CC-3BD880A94250}"/>
               </a:ext>
             </a:extLst>
           </p:cNvPr>
@@ -737,7 +753,7 @@
     </p:spTree>
     <p:extLst>
       <p:ext uri="{BB962C8B-B14F-4D97-AF65-F5344CB8AC3E}">
-        <p14:creationId xmlns:p14="http://schemas.microsoft.com/office/powerpoint/2010/main" xmlns="" val="754970101"/>
+        <p14:creationId xmlns:p14="http://schemas.microsoft.com/office/powerpoint/2010/main" val="754970101"/>
       </p:ext>
     </p:extLst>
   </p:cSld>
@@ -769,7 +785,7 @@
           <p:cNvPr id="2" name="标题 1">
             <a:extLst>
               <a:ext uri="{FF2B5EF4-FFF2-40B4-BE49-F238E27FC236}">
-                <a16:creationId xmlns:a16="http://schemas.microsoft.com/office/drawing/2014/main" xmlns="" id="{B69B4C93-E20F-4B46-8772-F7C30AD1A3A6}"/>
+                <a16:creationId xmlns:a16="http://schemas.microsoft.com/office/drawing/2014/main" id="{B69B4C93-E20F-4B46-8772-F7C30AD1A3A6}"/>
               </a:ext>
             </a:extLst>
           </p:cNvPr>
@@ -797,7 +813,7 @@
           <p:cNvPr id="3" name="内容占位符 2">
             <a:extLst>
               <a:ext uri="{FF2B5EF4-FFF2-40B4-BE49-F238E27FC236}">
-                <a16:creationId xmlns:a16="http://schemas.microsoft.com/office/drawing/2014/main" xmlns="" id="{291487C2-41E9-4F38-AD0D-E43F02729975}"/>
+                <a16:creationId xmlns:a16="http://schemas.microsoft.com/office/drawing/2014/main" id="{291487C2-41E9-4F38-AD0D-E43F02729975}"/>
               </a:ext>
             </a:extLst>
           </p:cNvPr>
@@ -854,7 +870,7 @@
           <p:cNvPr id="4" name="日期占位符 3">
             <a:extLst>
               <a:ext uri="{FF2B5EF4-FFF2-40B4-BE49-F238E27FC236}">
-                <a16:creationId xmlns:a16="http://schemas.microsoft.com/office/drawing/2014/main" xmlns="" id="{235DD1D0-EC31-4396-B007-0F99B6B45844}"/>
+                <a16:creationId xmlns:a16="http://schemas.microsoft.com/office/drawing/2014/main" id="{235DD1D0-EC31-4396-B007-0F99B6B45844}"/>
               </a:ext>
             </a:extLst>
           </p:cNvPr>
@@ -873,7 +889,7 @@
             <a:fld id="{802CC4E0-593C-4372-A1D3-19CD877DC572}" type="datetimeFigureOut">
               <a:rPr lang="zh-CN" altLang="en-US" smtClean="0"/>
               <a:pPr/>
-              <a:t>2018/8/18</a:t>
+              <a:t>2018/8/19</a:t>
             </a:fld>
             <a:endParaRPr lang="zh-CN" altLang="en-US"/>
           </a:p>
@@ -884,7 +900,7 @@
           <p:cNvPr id="5" name="页脚占位符 4">
             <a:extLst>
               <a:ext uri="{FF2B5EF4-FFF2-40B4-BE49-F238E27FC236}">
-                <a16:creationId xmlns:a16="http://schemas.microsoft.com/office/drawing/2014/main" xmlns="" id="{758E46FD-73EC-46C3-A87D-AEA13FD42340}"/>
+                <a16:creationId xmlns:a16="http://schemas.microsoft.com/office/drawing/2014/main" id="{758E46FD-73EC-46C3-A87D-AEA13FD42340}"/>
               </a:ext>
             </a:extLst>
           </p:cNvPr>
@@ -909,7 +925,7 @@
           <p:cNvPr id="6" name="灯片编号占位符 5">
             <a:extLst>
               <a:ext uri="{FF2B5EF4-FFF2-40B4-BE49-F238E27FC236}">
-                <a16:creationId xmlns:a16="http://schemas.microsoft.com/office/drawing/2014/main" xmlns="" id="{972012C9-8FE5-47DE-8052-B8608D470461}"/>
+                <a16:creationId xmlns:a16="http://schemas.microsoft.com/office/drawing/2014/main" id="{972012C9-8FE5-47DE-8052-B8608D470461}"/>
               </a:ext>
             </a:extLst>
           </p:cNvPr>
@@ -937,7 +953,7 @@
     </p:spTree>
     <p:extLst>
       <p:ext uri="{BB962C8B-B14F-4D97-AF65-F5344CB8AC3E}">
-        <p14:creationId xmlns:p14="http://schemas.microsoft.com/office/powerpoint/2010/main" xmlns="" val="3283430210"/>
+        <p14:creationId xmlns:p14="http://schemas.microsoft.com/office/powerpoint/2010/main" val="3283430210"/>
       </p:ext>
     </p:extLst>
   </p:cSld>
@@ -969,7 +985,7 @@
           <p:cNvPr id="2" name="标题 1">
             <a:extLst>
               <a:ext uri="{FF2B5EF4-FFF2-40B4-BE49-F238E27FC236}">
-                <a16:creationId xmlns:a16="http://schemas.microsoft.com/office/drawing/2014/main" xmlns="" id="{F81C6FC7-0174-4455-A82D-8FFBE837946A}"/>
+                <a16:creationId xmlns:a16="http://schemas.microsoft.com/office/drawing/2014/main" id="{F81C6FC7-0174-4455-A82D-8FFBE837946A}"/>
               </a:ext>
             </a:extLst>
           </p:cNvPr>
@@ -1006,7 +1022,7 @@
           <p:cNvPr id="3" name="文本占位符 2">
             <a:extLst>
               <a:ext uri="{FF2B5EF4-FFF2-40B4-BE49-F238E27FC236}">
-                <a16:creationId xmlns:a16="http://schemas.microsoft.com/office/drawing/2014/main" xmlns="" id="{4D044FF0-FA29-4DB3-9F05-AF577189591F}"/>
+                <a16:creationId xmlns:a16="http://schemas.microsoft.com/office/drawing/2014/main" id="{4D044FF0-FA29-4DB3-9F05-AF577189591F}"/>
               </a:ext>
             </a:extLst>
           </p:cNvPr>
@@ -1131,7 +1147,7 @@
           <p:cNvPr id="4" name="日期占位符 3">
             <a:extLst>
               <a:ext uri="{FF2B5EF4-FFF2-40B4-BE49-F238E27FC236}">
-                <a16:creationId xmlns:a16="http://schemas.microsoft.com/office/drawing/2014/main" xmlns="" id="{327A896F-CD17-4CB6-B355-820C4CD2EB63}"/>
+                <a16:creationId xmlns:a16="http://schemas.microsoft.com/office/drawing/2014/main" id="{327A896F-CD17-4CB6-B355-820C4CD2EB63}"/>
               </a:ext>
             </a:extLst>
           </p:cNvPr>
@@ -1150,7 +1166,7 @@
             <a:fld id="{802CC4E0-593C-4372-A1D3-19CD877DC572}" type="datetimeFigureOut">
               <a:rPr lang="zh-CN" altLang="en-US" smtClean="0"/>
               <a:pPr/>
-              <a:t>2018/8/18</a:t>
+              <a:t>2018/8/19</a:t>
             </a:fld>
             <a:endParaRPr lang="zh-CN" altLang="en-US"/>
           </a:p>
@@ -1161,7 +1177,7 @@
           <p:cNvPr id="5" name="页脚占位符 4">
             <a:extLst>
               <a:ext uri="{FF2B5EF4-FFF2-40B4-BE49-F238E27FC236}">
-                <a16:creationId xmlns:a16="http://schemas.microsoft.com/office/drawing/2014/main" xmlns="" id="{926C2C43-E146-46CD-80AA-6A787CF93C56}"/>
+                <a16:creationId xmlns:a16="http://schemas.microsoft.com/office/drawing/2014/main" id="{926C2C43-E146-46CD-80AA-6A787CF93C56}"/>
               </a:ext>
             </a:extLst>
           </p:cNvPr>
@@ -1186,7 +1202,7 @@
           <p:cNvPr id="6" name="灯片编号占位符 5">
             <a:extLst>
               <a:ext uri="{FF2B5EF4-FFF2-40B4-BE49-F238E27FC236}">
-                <a16:creationId xmlns:a16="http://schemas.microsoft.com/office/drawing/2014/main" xmlns="" id="{D8467431-D1A8-438C-A968-095CA57CDFD9}"/>
+                <a16:creationId xmlns:a16="http://schemas.microsoft.com/office/drawing/2014/main" id="{D8467431-D1A8-438C-A968-095CA57CDFD9}"/>
               </a:ext>
             </a:extLst>
           </p:cNvPr>
@@ -1214,7 +1230,7 @@
     </p:spTree>
     <p:extLst>
       <p:ext uri="{BB962C8B-B14F-4D97-AF65-F5344CB8AC3E}">
-        <p14:creationId xmlns:p14="http://schemas.microsoft.com/office/powerpoint/2010/main" xmlns="" val="616964345"/>
+        <p14:creationId xmlns:p14="http://schemas.microsoft.com/office/powerpoint/2010/main" val="616964345"/>
       </p:ext>
     </p:extLst>
   </p:cSld>
@@ -1246,7 +1262,7 @@
           <p:cNvPr id="2" name="标题 1">
             <a:extLst>
               <a:ext uri="{FF2B5EF4-FFF2-40B4-BE49-F238E27FC236}">
-                <a16:creationId xmlns:a16="http://schemas.microsoft.com/office/drawing/2014/main" xmlns="" id="{A0CFC5E9-7E1C-4DFE-BFE5-843463937C73}"/>
+                <a16:creationId xmlns:a16="http://schemas.microsoft.com/office/drawing/2014/main" id="{A0CFC5E9-7E1C-4DFE-BFE5-843463937C73}"/>
               </a:ext>
             </a:extLst>
           </p:cNvPr>
@@ -1274,7 +1290,7 @@
           <p:cNvPr id="3" name="内容占位符 2">
             <a:extLst>
               <a:ext uri="{FF2B5EF4-FFF2-40B4-BE49-F238E27FC236}">
-                <a16:creationId xmlns:a16="http://schemas.microsoft.com/office/drawing/2014/main" xmlns="" id="{254611C3-C7B0-4B8B-9A4C-22AD563812FC}"/>
+                <a16:creationId xmlns:a16="http://schemas.microsoft.com/office/drawing/2014/main" id="{254611C3-C7B0-4B8B-9A4C-22AD563812FC}"/>
               </a:ext>
             </a:extLst>
           </p:cNvPr>
@@ -1336,7 +1352,7 @@
           <p:cNvPr id="4" name="内容占位符 3">
             <a:extLst>
               <a:ext uri="{FF2B5EF4-FFF2-40B4-BE49-F238E27FC236}">
-                <a16:creationId xmlns:a16="http://schemas.microsoft.com/office/drawing/2014/main" xmlns="" id="{0C049216-8934-4F45-AC3B-F6B21B52FBCB}"/>
+                <a16:creationId xmlns:a16="http://schemas.microsoft.com/office/drawing/2014/main" id="{0C049216-8934-4F45-AC3B-F6B21B52FBCB}"/>
               </a:ext>
             </a:extLst>
           </p:cNvPr>
@@ -1398,7 +1414,7 @@
           <p:cNvPr id="5" name="日期占位符 4">
             <a:extLst>
               <a:ext uri="{FF2B5EF4-FFF2-40B4-BE49-F238E27FC236}">
-                <a16:creationId xmlns:a16="http://schemas.microsoft.com/office/drawing/2014/main" xmlns="" id="{1B7044AF-2E9A-4F75-B42F-91DF04C02ADE}"/>
+                <a16:creationId xmlns:a16="http://schemas.microsoft.com/office/drawing/2014/main" id="{1B7044AF-2E9A-4F75-B42F-91DF04C02ADE}"/>
               </a:ext>
             </a:extLst>
           </p:cNvPr>
@@ -1417,7 +1433,7 @@
             <a:fld id="{802CC4E0-593C-4372-A1D3-19CD877DC572}" type="datetimeFigureOut">
               <a:rPr lang="zh-CN" altLang="en-US" smtClean="0"/>
               <a:pPr/>
-              <a:t>2018/8/18</a:t>
+              <a:t>2018/8/19</a:t>
             </a:fld>
             <a:endParaRPr lang="zh-CN" altLang="en-US"/>
           </a:p>
@@ -1428,7 +1444,7 @@
           <p:cNvPr id="6" name="页脚占位符 5">
             <a:extLst>
               <a:ext uri="{FF2B5EF4-FFF2-40B4-BE49-F238E27FC236}">
-                <a16:creationId xmlns:a16="http://schemas.microsoft.com/office/drawing/2014/main" xmlns="" id="{B5F81ED6-839B-4BCF-BB1C-32E8B5123088}"/>
+                <a16:creationId xmlns:a16="http://schemas.microsoft.com/office/drawing/2014/main" id="{B5F81ED6-839B-4BCF-BB1C-32E8B5123088}"/>
               </a:ext>
             </a:extLst>
           </p:cNvPr>
@@ -1453,7 +1469,7 @@
           <p:cNvPr id="7" name="灯片编号占位符 6">
             <a:extLst>
               <a:ext uri="{FF2B5EF4-FFF2-40B4-BE49-F238E27FC236}">
-                <a16:creationId xmlns:a16="http://schemas.microsoft.com/office/drawing/2014/main" xmlns="" id="{2D4A2BB7-F275-49DB-BCF7-AAC7A15BBA59}"/>
+                <a16:creationId xmlns:a16="http://schemas.microsoft.com/office/drawing/2014/main" id="{2D4A2BB7-F275-49DB-BCF7-AAC7A15BBA59}"/>
               </a:ext>
             </a:extLst>
           </p:cNvPr>
@@ -1481,7 +1497,7 @@
     </p:spTree>
     <p:extLst>
       <p:ext uri="{BB962C8B-B14F-4D97-AF65-F5344CB8AC3E}">
-        <p14:creationId xmlns:p14="http://schemas.microsoft.com/office/powerpoint/2010/main" xmlns="" val="4265606508"/>
+        <p14:creationId xmlns:p14="http://schemas.microsoft.com/office/powerpoint/2010/main" val="4265606508"/>
       </p:ext>
     </p:extLst>
   </p:cSld>
@@ -1513,7 +1529,7 @@
           <p:cNvPr id="2" name="标题 1">
             <a:extLst>
               <a:ext uri="{FF2B5EF4-FFF2-40B4-BE49-F238E27FC236}">
-                <a16:creationId xmlns:a16="http://schemas.microsoft.com/office/drawing/2014/main" xmlns="" id="{D693C3F7-DDFE-4F78-BA5B-5DFE06775903}"/>
+                <a16:creationId xmlns:a16="http://schemas.microsoft.com/office/drawing/2014/main" id="{D693C3F7-DDFE-4F78-BA5B-5DFE06775903}"/>
               </a:ext>
             </a:extLst>
           </p:cNvPr>
@@ -1546,7 +1562,7 @@
           <p:cNvPr id="3" name="文本占位符 2">
             <a:extLst>
               <a:ext uri="{FF2B5EF4-FFF2-40B4-BE49-F238E27FC236}">
-                <a16:creationId xmlns:a16="http://schemas.microsoft.com/office/drawing/2014/main" xmlns="" id="{A30964FA-B0AB-42A3-97C1-61F73032510C}"/>
+                <a16:creationId xmlns:a16="http://schemas.microsoft.com/office/drawing/2014/main" id="{A30964FA-B0AB-42A3-97C1-61F73032510C}"/>
               </a:ext>
             </a:extLst>
           </p:cNvPr>
@@ -1617,7 +1633,7 @@
           <p:cNvPr id="4" name="内容占位符 3">
             <a:extLst>
               <a:ext uri="{FF2B5EF4-FFF2-40B4-BE49-F238E27FC236}">
-                <a16:creationId xmlns:a16="http://schemas.microsoft.com/office/drawing/2014/main" xmlns="" id="{7F00BF3A-BD30-4395-ADD9-01D6A42496F7}"/>
+                <a16:creationId xmlns:a16="http://schemas.microsoft.com/office/drawing/2014/main" id="{7F00BF3A-BD30-4395-ADD9-01D6A42496F7}"/>
               </a:ext>
             </a:extLst>
           </p:cNvPr>
@@ -1679,7 +1695,7 @@
           <p:cNvPr id="5" name="文本占位符 4">
             <a:extLst>
               <a:ext uri="{FF2B5EF4-FFF2-40B4-BE49-F238E27FC236}">
-                <a16:creationId xmlns:a16="http://schemas.microsoft.com/office/drawing/2014/main" xmlns="" id="{F56E0D2F-04F1-4148-BB74-DED901BDB026}"/>
+                <a16:creationId xmlns:a16="http://schemas.microsoft.com/office/drawing/2014/main" id="{F56E0D2F-04F1-4148-BB74-DED901BDB026}"/>
               </a:ext>
             </a:extLst>
           </p:cNvPr>
@@ -1750,7 +1766,7 @@
           <p:cNvPr id="6" name="内容占位符 5">
             <a:extLst>
               <a:ext uri="{FF2B5EF4-FFF2-40B4-BE49-F238E27FC236}">
-                <a16:creationId xmlns:a16="http://schemas.microsoft.com/office/drawing/2014/main" xmlns="" id="{D5977987-EDD2-424D-BFDA-1C7D3628687D}"/>
+                <a16:creationId xmlns:a16="http://schemas.microsoft.com/office/drawing/2014/main" id="{D5977987-EDD2-424D-BFDA-1C7D3628687D}"/>
               </a:ext>
             </a:extLst>
           </p:cNvPr>
@@ -1812,7 +1828,7 @@
           <p:cNvPr id="7" name="日期占位符 6">
             <a:extLst>
               <a:ext uri="{FF2B5EF4-FFF2-40B4-BE49-F238E27FC236}">
-                <a16:creationId xmlns:a16="http://schemas.microsoft.com/office/drawing/2014/main" xmlns="" id="{6398161E-9432-45BD-9456-C155473E85D4}"/>
+                <a16:creationId xmlns:a16="http://schemas.microsoft.com/office/drawing/2014/main" id="{6398161E-9432-45BD-9456-C155473E85D4}"/>
               </a:ext>
             </a:extLst>
           </p:cNvPr>
@@ -1831,7 +1847,7 @@
             <a:fld id="{802CC4E0-593C-4372-A1D3-19CD877DC572}" type="datetimeFigureOut">
               <a:rPr lang="zh-CN" altLang="en-US" smtClean="0"/>
               <a:pPr/>
-              <a:t>2018/8/18</a:t>
+              <a:t>2018/8/19</a:t>
             </a:fld>
             <a:endParaRPr lang="zh-CN" altLang="en-US"/>
           </a:p>
@@ -1842,7 +1858,7 @@
           <p:cNvPr id="8" name="页脚占位符 7">
             <a:extLst>
               <a:ext uri="{FF2B5EF4-FFF2-40B4-BE49-F238E27FC236}">
-                <a16:creationId xmlns:a16="http://schemas.microsoft.com/office/drawing/2014/main" xmlns="" id="{FCA05046-CE3B-4635-B2DB-CE9624D0FBA5}"/>
+                <a16:creationId xmlns:a16="http://schemas.microsoft.com/office/drawing/2014/main" id="{FCA05046-CE3B-4635-B2DB-CE9624D0FBA5}"/>
               </a:ext>
             </a:extLst>
           </p:cNvPr>
@@ -1867,7 +1883,7 @@
           <p:cNvPr id="9" name="灯片编号占位符 8">
             <a:extLst>
               <a:ext uri="{FF2B5EF4-FFF2-40B4-BE49-F238E27FC236}">
-                <a16:creationId xmlns:a16="http://schemas.microsoft.com/office/drawing/2014/main" xmlns="" id="{0A02FA2E-ED18-4DDC-BC25-71F7EE5E7CD1}"/>
+                <a16:creationId xmlns:a16="http://schemas.microsoft.com/office/drawing/2014/main" id="{0A02FA2E-ED18-4DDC-BC25-71F7EE5E7CD1}"/>
               </a:ext>
             </a:extLst>
           </p:cNvPr>
@@ -1895,7 +1911,7 @@
     </p:spTree>
     <p:extLst>
       <p:ext uri="{BB962C8B-B14F-4D97-AF65-F5344CB8AC3E}">
-        <p14:creationId xmlns:p14="http://schemas.microsoft.com/office/powerpoint/2010/main" xmlns="" val="3006519275"/>
+        <p14:creationId xmlns:p14="http://schemas.microsoft.com/office/powerpoint/2010/main" val="3006519275"/>
       </p:ext>
     </p:extLst>
   </p:cSld>
@@ -1927,7 +1943,7 @@
           <p:cNvPr id="2" name="标题 1">
             <a:extLst>
               <a:ext uri="{FF2B5EF4-FFF2-40B4-BE49-F238E27FC236}">
-                <a16:creationId xmlns:a16="http://schemas.microsoft.com/office/drawing/2014/main" xmlns="" id="{D6065A03-1492-4C42-AFF0-B9500D8D9C3D}"/>
+                <a16:creationId xmlns:a16="http://schemas.microsoft.com/office/drawing/2014/main" id="{D6065A03-1492-4C42-AFF0-B9500D8D9C3D}"/>
               </a:ext>
             </a:extLst>
           </p:cNvPr>
@@ -1955,7 +1971,7 @@
           <p:cNvPr id="3" name="日期占位符 2">
             <a:extLst>
               <a:ext uri="{FF2B5EF4-FFF2-40B4-BE49-F238E27FC236}">
-                <a16:creationId xmlns:a16="http://schemas.microsoft.com/office/drawing/2014/main" xmlns="" id="{5F1CD764-55FA-475B-84F6-487B058E17F6}"/>
+                <a16:creationId xmlns:a16="http://schemas.microsoft.com/office/drawing/2014/main" id="{5F1CD764-55FA-475B-84F6-487B058E17F6}"/>
               </a:ext>
             </a:extLst>
           </p:cNvPr>
@@ -1974,7 +1990,7 @@
             <a:fld id="{802CC4E0-593C-4372-A1D3-19CD877DC572}" type="datetimeFigureOut">
               <a:rPr lang="zh-CN" altLang="en-US" smtClean="0"/>
               <a:pPr/>
-              <a:t>2018/8/18</a:t>
+              <a:t>2018/8/19</a:t>
             </a:fld>
             <a:endParaRPr lang="zh-CN" altLang="en-US"/>
           </a:p>
@@ -1985,7 +2001,7 @@
           <p:cNvPr id="4" name="页脚占位符 3">
             <a:extLst>
               <a:ext uri="{FF2B5EF4-FFF2-40B4-BE49-F238E27FC236}">
-                <a16:creationId xmlns:a16="http://schemas.microsoft.com/office/drawing/2014/main" xmlns="" id="{74E0AA69-7F60-4D82-B8F4-CB71E1DDAF1A}"/>
+                <a16:creationId xmlns:a16="http://schemas.microsoft.com/office/drawing/2014/main" id="{74E0AA69-7F60-4D82-B8F4-CB71E1DDAF1A}"/>
               </a:ext>
             </a:extLst>
           </p:cNvPr>
@@ -2010,7 +2026,7 @@
           <p:cNvPr id="5" name="灯片编号占位符 4">
             <a:extLst>
               <a:ext uri="{FF2B5EF4-FFF2-40B4-BE49-F238E27FC236}">
-                <a16:creationId xmlns:a16="http://schemas.microsoft.com/office/drawing/2014/main" xmlns="" id="{C1D3DB3A-7927-44F8-8722-B387FA46D907}"/>
+                <a16:creationId xmlns:a16="http://schemas.microsoft.com/office/drawing/2014/main" id="{C1D3DB3A-7927-44F8-8722-B387FA46D907}"/>
               </a:ext>
             </a:extLst>
           </p:cNvPr>
@@ -2038,7 +2054,7 @@
     </p:spTree>
     <p:extLst>
       <p:ext uri="{BB962C8B-B14F-4D97-AF65-F5344CB8AC3E}">
-        <p14:creationId xmlns:p14="http://schemas.microsoft.com/office/powerpoint/2010/main" xmlns="" val="2556542846"/>
+        <p14:creationId xmlns:p14="http://schemas.microsoft.com/office/powerpoint/2010/main" val="2556542846"/>
       </p:ext>
     </p:extLst>
   </p:cSld>
@@ -2070,7 +2086,7 @@
           <p:cNvPr id="2" name="日期占位符 1">
             <a:extLst>
               <a:ext uri="{FF2B5EF4-FFF2-40B4-BE49-F238E27FC236}">
-                <a16:creationId xmlns:a16="http://schemas.microsoft.com/office/drawing/2014/main" xmlns="" id="{E287D27A-F203-45B7-BB88-4DC2A4759A54}"/>
+                <a16:creationId xmlns:a16="http://schemas.microsoft.com/office/drawing/2014/main" id="{E287D27A-F203-45B7-BB88-4DC2A4759A54}"/>
               </a:ext>
             </a:extLst>
           </p:cNvPr>
@@ -2089,7 +2105,7 @@
             <a:fld id="{802CC4E0-593C-4372-A1D3-19CD877DC572}" type="datetimeFigureOut">
               <a:rPr lang="zh-CN" altLang="en-US" smtClean="0"/>
               <a:pPr/>
-              <a:t>2018/8/18</a:t>
+              <a:t>2018/8/19</a:t>
             </a:fld>
             <a:endParaRPr lang="zh-CN" altLang="en-US"/>
           </a:p>
@@ -2100,7 +2116,7 @@
           <p:cNvPr id="3" name="页脚占位符 2">
             <a:extLst>
               <a:ext uri="{FF2B5EF4-FFF2-40B4-BE49-F238E27FC236}">
-                <a16:creationId xmlns:a16="http://schemas.microsoft.com/office/drawing/2014/main" xmlns="" id="{D3F003AE-55EE-490C-8FA5-7BBDAA095B10}"/>
+                <a16:creationId xmlns:a16="http://schemas.microsoft.com/office/drawing/2014/main" id="{D3F003AE-55EE-490C-8FA5-7BBDAA095B10}"/>
               </a:ext>
             </a:extLst>
           </p:cNvPr>
@@ -2125,7 +2141,7 @@
           <p:cNvPr id="4" name="灯片编号占位符 3">
             <a:extLst>
               <a:ext uri="{FF2B5EF4-FFF2-40B4-BE49-F238E27FC236}">
-                <a16:creationId xmlns:a16="http://schemas.microsoft.com/office/drawing/2014/main" xmlns="" id="{EC1AF20A-6708-42EB-A913-0AA3BDC9C096}"/>
+                <a16:creationId xmlns:a16="http://schemas.microsoft.com/office/drawing/2014/main" id="{EC1AF20A-6708-42EB-A913-0AA3BDC9C096}"/>
               </a:ext>
             </a:extLst>
           </p:cNvPr>
@@ -2153,7 +2169,7 @@
     </p:spTree>
     <p:extLst>
       <p:ext uri="{BB962C8B-B14F-4D97-AF65-F5344CB8AC3E}">
-        <p14:creationId xmlns:p14="http://schemas.microsoft.com/office/powerpoint/2010/main" xmlns="" val="167623991"/>
+        <p14:creationId xmlns:p14="http://schemas.microsoft.com/office/powerpoint/2010/main" val="167623991"/>
       </p:ext>
     </p:extLst>
   </p:cSld>
@@ -2185,7 +2201,7 @@
           <p:cNvPr id="2" name="标题 1">
             <a:extLst>
               <a:ext uri="{FF2B5EF4-FFF2-40B4-BE49-F238E27FC236}">
-                <a16:creationId xmlns:a16="http://schemas.microsoft.com/office/drawing/2014/main" xmlns="" id="{E36D392B-7AB3-4A30-952E-18C7F00316E1}"/>
+                <a16:creationId xmlns:a16="http://schemas.microsoft.com/office/drawing/2014/main" id="{E36D392B-7AB3-4A30-952E-18C7F00316E1}"/>
               </a:ext>
             </a:extLst>
           </p:cNvPr>
@@ -2222,7 +2238,7 @@
           <p:cNvPr id="3" name="内容占位符 2">
             <a:extLst>
               <a:ext uri="{FF2B5EF4-FFF2-40B4-BE49-F238E27FC236}">
-                <a16:creationId xmlns:a16="http://schemas.microsoft.com/office/drawing/2014/main" xmlns="" id="{216C21EE-DAA4-4953-A73C-1DAFBEA8F980}"/>
+                <a16:creationId xmlns:a16="http://schemas.microsoft.com/office/drawing/2014/main" id="{216C21EE-DAA4-4953-A73C-1DAFBEA8F980}"/>
               </a:ext>
             </a:extLst>
           </p:cNvPr>
@@ -2312,7 +2328,7 @@
           <p:cNvPr id="4" name="文本占位符 3">
             <a:extLst>
               <a:ext uri="{FF2B5EF4-FFF2-40B4-BE49-F238E27FC236}">
-                <a16:creationId xmlns:a16="http://schemas.microsoft.com/office/drawing/2014/main" xmlns="" id="{5FF159FB-40B7-473D-9CCD-72FA08CB85AC}"/>
+                <a16:creationId xmlns:a16="http://schemas.microsoft.com/office/drawing/2014/main" id="{5FF159FB-40B7-473D-9CCD-72FA08CB85AC}"/>
               </a:ext>
             </a:extLst>
           </p:cNvPr>
@@ -2383,7 +2399,7 @@
           <p:cNvPr id="5" name="日期占位符 4">
             <a:extLst>
               <a:ext uri="{FF2B5EF4-FFF2-40B4-BE49-F238E27FC236}">
-                <a16:creationId xmlns:a16="http://schemas.microsoft.com/office/drawing/2014/main" xmlns="" id="{AB0B4E71-9B78-4254-82D6-D8F02183DF89}"/>
+                <a16:creationId xmlns:a16="http://schemas.microsoft.com/office/drawing/2014/main" id="{AB0B4E71-9B78-4254-82D6-D8F02183DF89}"/>
               </a:ext>
             </a:extLst>
           </p:cNvPr>
@@ -2402,7 +2418,7 @@
             <a:fld id="{802CC4E0-593C-4372-A1D3-19CD877DC572}" type="datetimeFigureOut">
               <a:rPr lang="zh-CN" altLang="en-US" smtClean="0"/>
               <a:pPr/>
-              <a:t>2018/8/18</a:t>
+              <a:t>2018/8/19</a:t>
             </a:fld>
             <a:endParaRPr lang="zh-CN" altLang="en-US"/>
           </a:p>
@@ -2413,7 +2429,7 @@
           <p:cNvPr id="6" name="页脚占位符 5">
             <a:extLst>
               <a:ext uri="{FF2B5EF4-FFF2-40B4-BE49-F238E27FC236}">
-                <a16:creationId xmlns:a16="http://schemas.microsoft.com/office/drawing/2014/main" xmlns="" id="{2BCD8603-25F5-4AED-B88C-39CFD34D7226}"/>
+                <a16:creationId xmlns:a16="http://schemas.microsoft.com/office/drawing/2014/main" id="{2BCD8603-25F5-4AED-B88C-39CFD34D7226}"/>
               </a:ext>
             </a:extLst>
           </p:cNvPr>
@@ -2438,7 +2454,7 @@
           <p:cNvPr id="7" name="灯片编号占位符 6">
             <a:extLst>
               <a:ext uri="{FF2B5EF4-FFF2-40B4-BE49-F238E27FC236}">
-                <a16:creationId xmlns:a16="http://schemas.microsoft.com/office/drawing/2014/main" xmlns="" id="{4C9C8008-3D06-404F-B2D0-E6D814D27C39}"/>
+                <a16:creationId xmlns:a16="http://schemas.microsoft.com/office/drawing/2014/main" id="{4C9C8008-3D06-404F-B2D0-E6D814D27C39}"/>
               </a:ext>
             </a:extLst>
           </p:cNvPr>
@@ -2466,7 +2482,7 @@
     </p:spTree>
     <p:extLst>
       <p:ext uri="{BB962C8B-B14F-4D97-AF65-F5344CB8AC3E}">
-        <p14:creationId xmlns:p14="http://schemas.microsoft.com/office/powerpoint/2010/main" xmlns="" val="3544691587"/>
+        <p14:creationId xmlns:p14="http://schemas.microsoft.com/office/powerpoint/2010/main" val="3544691587"/>
       </p:ext>
     </p:extLst>
   </p:cSld>
@@ -2498,7 +2514,7 @@
           <p:cNvPr id="2" name="标题 1">
             <a:extLst>
               <a:ext uri="{FF2B5EF4-FFF2-40B4-BE49-F238E27FC236}">
-                <a16:creationId xmlns:a16="http://schemas.microsoft.com/office/drawing/2014/main" xmlns="" id="{16434590-0944-4410-9291-7C19B8B6B4E5}"/>
+                <a16:creationId xmlns:a16="http://schemas.microsoft.com/office/drawing/2014/main" id="{16434590-0944-4410-9291-7C19B8B6B4E5}"/>
               </a:ext>
             </a:extLst>
           </p:cNvPr>
@@ -2535,7 +2551,7 @@
           <p:cNvPr id="3" name="图片占位符 2">
             <a:extLst>
               <a:ext uri="{FF2B5EF4-FFF2-40B4-BE49-F238E27FC236}">
-                <a16:creationId xmlns:a16="http://schemas.microsoft.com/office/drawing/2014/main" xmlns="" id="{05653078-85D4-41C1-90A3-3156DADBE9F5}"/>
+                <a16:creationId xmlns:a16="http://schemas.microsoft.com/office/drawing/2014/main" id="{05653078-85D4-41C1-90A3-3156DADBE9F5}"/>
               </a:ext>
             </a:extLst>
           </p:cNvPr>
@@ -2602,7 +2618,7 @@
           <p:cNvPr id="4" name="文本占位符 3">
             <a:extLst>
               <a:ext uri="{FF2B5EF4-FFF2-40B4-BE49-F238E27FC236}">
-                <a16:creationId xmlns:a16="http://schemas.microsoft.com/office/drawing/2014/main" xmlns="" id="{957B0A3F-9C1D-4B4F-8D22-7C681DFA7AF9}"/>
+                <a16:creationId xmlns:a16="http://schemas.microsoft.com/office/drawing/2014/main" id="{957B0A3F-9C1D-4B4F-8D22-7C681DFA7AF9}"/>
               </a:ext>
             </a:extLst>
           </p:cNvPr>
@@ -2673,7 +2689,7 @@
           <p:cNvPr id="5" name="日期占位符 4">
             <a:extLst>
               <a:ext uri="{FF2B5EF4-FFF2-40B4-BE49-F238E27FC236}">
-                <a16:creationId xmlns:a16="http://schemas.microsoft.com/office/drawing/2014/main" xmlns="" id="{26333BE8-99B3-4DD1-9465-AB5ED3E5AAB2}"/>
+                <a16:creationId xmlns:a16="http://schemas.microsoft.com/office/drawing/2014/main" id="{26333BE8-99B3-4DD1-9465-AB5ED3E5AAB2}"/>
               </a:ext>
             </a:extLst>
           </p:cNvPr>
@@ -2692,7 +2708,7 @@
             <a:fld id="{802CC4E0-593C-4372-A1D3-19CD877DC572}" type="datetimeFigureOut">
               <a:rPr lang="zh-CN" altLang="en-US" smtClean="0"/>
               <a:pPr/>
-              <a:t>2018/8/18</a:t>
+              <a:t>2018/8/19</a:t>
             </a:fld>
             <a:endParaRPr lang="zh-CN" altLang="en-US"/>
           </a:p>
@@ -2703,7 +2719,7 @@
           <p:cNvPr id="6" name="页脚占位符 5">
             <a:extLst>
               <a:ext uri="{FF2B5EF4-FFF2-40B4-BE49-F238E27FC236}">
-                <a16:creationId xmlns:a16="http://schemas.microsoft.com/office/drawing/2014/main" xmlns="" id="{C90D41C4-81FD-4A31-AEEB-FC4A28A8E5AA}"/>
+                <a16:creationId xmlns:a16="http://schemas.microsoft.com/office/drawing/2014/main" id="{C90D41C4-81FD-4A31-AEEB-FC4A28A8E5AA}"/>
               </a:ext>
             </a:extLst>
           </p:cNvPr>
@@ -2728,7 +2744,7 @@
           <p:cNvPr id="7" name="灯片编号占位符 6">
             <a:extLst>
               <a:ext uri="{FF2B5EF4-FFF2-40B4-BE49-F238E27FC236}">
-                <a16:creationId xmlns:a16="http://schemas.microsoft.com/office/drawing/2014/main" xmlns="" id="{6644C001-D6AA-4736-9F7C-0714D691AC65}"/>
+                <a16:creationId xmlns:a16="http://schemas.microsoft.com/office/drawing/2014/main" id="{6644C001-D6AA-4736-9F7C-0714D691AC65}"/>
               </a:ext>
             </a:extLst>
           </p:cNvPr>
@@ -2756,7 +2772,7 @@
     </p:spTree>
     <p:extLst>
       <p:ext uri="{BB962C8B-B14F-4D97-AF65-F5344CB8AC3E}">
-        <p14:creationId xmlns:p14="http://schemas.microsoft.com/office/powerpoint/2010/main" xmlns="" val="1507318193"/>
+        <p14:creationId xmlns:p14="http://schemas.microsoft.com/office/powerpoint/2010/main" val="1507318193"/>
       </p:ext>
     </p:extLst>
   </p:cSld>
@@ -2793,7 +2809,7 @@
           <p:cNvPr id="2" name="标题占位符 1">
             <a:extLst>
               <a:ext uri="{FF2B5EF4-FFF2-40B4-BE49-F238E27FC236}">
-                <a16:creationId xmlns:a16="http://schemas.microsoft.com/office/drawing/2014/main" xmlns="" id="{8941D73E-8346-48C9-B564-9C9A3A2B8270}"/>
+                <a16:creationId xmlns:a16="http://schemas.microsoft.com/office/drawing/2014/main" id="{8941D73E-8346-48C9-B564-9C9A3A2B8270}"/>
               </a:ext>
             </a:extLst>
           </p:cNvPr>
@@ -2831,7 +2847,7 @@
           <p:cNvPr id="3" name="文本占位符 2">
             <a:extLst>
               <a:ext uri="{FF2B5EF4-FFF2-40B4-BE49-F238E27FC236}">
-                <a16:creationId xmlns:a16="http://schemas.microsoft.com/office/drawing/2014/main" xmlns="" id="{A362CAD9-DE59-4270-9CC3-83C83B83FF24}"/>
+                <a16:creationId xmlns:a16="http://schemas.microsoft.com/office/drawing/2014/main" id="{A362CAD9-DE59-4270-9CC3-83C83B83FF24}"/>
               </a:ext>
             </a:extLst>
           </p:cNvPr>
@@ -2898,7 +2914,7 @@
           <p:cNvPr id="4" name="日期占位符 3">
             <a:extLst>
               <a:ext uri="{FF2B5EF4-FFF2-40B4-BE49-F238E27FC236}">
-                <a16:creationId xmlns:a16="http://schemas.microsoft.com/office/drawing/2014/main" xmlns="" id="{3F2484B3-212C-4A6A-95A8-0E6EE5755DE9}"/>
+                <a16:creationId xmlns:a16="http://schemas.microsoft.com/office/drawing/2014/main" id="{3F2484B3-212C-4A6A-95A8-0E6EE5755DE9}"/>
               </a:ext>
             </a:extLst>
           </p:cNvPr>
@@ -2935,7 +2951,7 @@
             <a:fld id="{802CC4E0-593C-4372-A1D3-19CD877DC572}" type="datetimeFigureOut">
               <a:rPr lang="zh-CN" altLang="en-US" smtClean="0"/>
               <a:pPr/>
-              <a:t>2018/8/18</a:t>
+              <a:t>2018/8/19</a:t>
             </a:fld>
             <a:endParaRPr lang="zh-CN" altLang="en-US"/>
           </a:p>
@@ -2946,7 +2962,7 @@
           <p:cNvPr id="5" name="页脚占位符 4">
             <a:extLst>
               <a:ext uri="{FF2B5EF4-FFF2-40B4-BE49-F238E27FC236}">
-                <a16:creationId xmlns:a16="http://schemas.microsoft.com/office/drawing/2014/main" xmlns="" id="{85870BAD-2B3F-482C-B100-4C914AEB8552}"/>
+                <a16:creationId xmlns:a16="http://schemas.microsoft.com/office/drawing/2014/main" id="{85870BAD-2B3F-482C-B100-4C914AEB8552}"/>
               </a:ext>
             </a:extLst>
           </p:cNvPr>
@@ -2989,7 +3005,7 @@
           <p:cNvPr id="6" name="灯片编号占位符 5">
             <a:extLst>
               <a:ext uri="{FF2B5EF4-FFF2-40B4-BE49-F238E27FC236}">
-                <a16:creationId xmlns:a16="http://schemas.microsoft.com/office/drawing/2014/main" xmlns="" id="{ACC4E4DF-CAE3-4B94-9007-1163572A3752}"/>
+                <a16:creationId xmlns:a16="http://schemas.microsoft.com/office/drawing/2014/main" id="{ACC4E4DF-CAE3-4B94-9007-1163572A3752}"/>
               </a:ext>
             </a:extLst>
           </p:cNvPr>
@@ -3035,7 +3051,7 @@
     </p:spTree>
     <p:extLst>
       <p:ext uri="{BB962C8B-B14F-4D97-AF65-F5344CB8AC3E}">
-        <p14:creationId xmlns:p14="http://schemas.microsoft.com/office/powerpoint/2010/main" xmlns="" val="144499565"/>
+        <p14:creationId xmlns:p14="http://schemas.microsoft.com/office/powerpoint/2010/main" val="144499565"/>
       </p:ext>
     </p:extLst>
   </p:cSld>
@@ -3358,7 +3374,7 @@
           <p:cNvPr id="2" name="标题 1">
             <a:extLst>
               <a:ext uri="{FF2B5EF4-FFF2-40B4-BE49-F238E27FC236}">
-                <a16:creationId xmlns:a16="http://schemas.microsoft.com/office/drawing/2014/main" xmlns="" id="{8E5529C5-7722-47C3-9E22-C0612FE8DC41}"/>
+                <a16:creationId xmlns:a16="http://schemas.microsoft.com/office/drawing/2014/main" id="{8E5529C5-7722-47C3-9E22-C0612FE8DC41}"/>
               </a:ext>
             </a:extLst>
           </p:cNvPr>
@@ -3394,7 +3410,7 @@
           <p:cNvPr id="5" name="副标题 4">
             <a:extLst>
               <a:ext uri="{FF2B5EF4-FFF2-40B4-BE49-F238E27FC236}">
-                <a16:creationId xmlns:a16="http://schemas.microsoft.com/office/drawing/2014/main" xmlns="" id="{DF2BC259-015D-4DC1-B1A8-C2CDF0C71554}"/>
+                <a16:creationId xmlns:a16="http://schemas.microsoft.com/office/drawing/2014/main" id="{DF2BC259-015D-4DC1-B1A8-C2CDF0C71554}"/>
               </a:ext>
             </a:extLst>
           </p:cNvPr>
@@ -3426,7 +3442,7 @@
     </p:spTree>
     <p:extLst>
       <p:ext uri="{BB962C8B-B14F-4D97-AF65-F5344CB8AC3E}">
-        <p14:creationId xmlns:p14="http://schemas.microsoft.com/office/powerpoint/2010/main" xmlns="" val="3364613855"/>
+        <p14:creationId xmlns:p14="http://schemas.microsoft.com/office/powerpoint/2010/main" val="3364613855"/>
       </p:ext>
     </p:extLst>
   </p:cSld>
@@ -3458,7 +3474,7 @@
           <p:cNvPr id="2" name="标题 1">
             <a:extLst>
               <a:ext uri="{FF2B5EF4-FFF2-40B4-BE49-F238E27FC236}">
-                <a16:creationId xmlns:a16="http://schemas.microsoft.com/office/drawing/2014/main" xmlns="" id="{0203539D-AB68-4F2F-AA52-FECC1AECAE8B}"/>
+                <a16:creationId xmlns:a16="http://schemas.microsoft.com/office/drawing/2014/main" id="{0203539D-AB68-4F2F-AA52-FECC1AECAE8B}"/>
               </a:ext>
             </a:extLst>
           </p:cNvPr>
@@ -3491,7 +3507,7 @@
           <p:cNvPr id="4" name="矩形: 圆角 3">
             <a:extLst>
               <a:ext uri="{FF2B5EF4-FFF2-40B4-BE49-F238E27FC236}">
-                <a16:creationId xmlns:a16="http://schemas.microsoft.com/office/drawing/2014/main" xmlns="" id="{D5E921B7-0C31-4705-ABDC-A94FD7F0C80C}"/>
+                <a16:creationId xmlns:a16="http://schemas.microsoft.com/office/drawing/2014/main" id="{D5E921B7-0C31-4705-ABDC-A94FD7F0C80C}"/>
               </a:ext>
             </a:extLst>
           </p:cNvPr>
@@ -3540,7 +3556,7 @@
           <p:cNvPr id="11" name="直接箭头连接符 10">
             <a:extLst>
               <a:ext uri="{FF2B5EF4-FFF2-40B4-BE49-F238E27FC236}">
-                <a16:creationId xmlns:a16="http://schemas.microsoft.com/office/drawing/2014/main" xmlns="" id="{8A6A15EF-9ACF-41EA-9199-014248C214D3}"/>
+                <a16:creationId xmlns:a16="http://schemas.microsoft.com/office/drawing/2014/main" id="{8A6A15EF-9ACF-41EA-9199-014248C214D3}"/>
               </a:ext>
             </a:extLst>
           </p:cNvPr>
@@ -3581,7 +3597,7 @@
           <p:cNvPr id="13" name="菱形 12">
             <a:extLst>
               <a:ext uri="{FF2B5EF4-FFF2-40B4-BE49-F238E27FC236}">
-                <a16:creationId xmlns:a16="http://schemas.microsoft.com/office/drawing/2014/main" xmlns="" id="{93CCF28A-E4CD-4679-BA12-BBB299BFD5FF}"/>
+                <a16:creationId xmlns:a16="http://schemas.microsoft.com/office/drawing/2014/main" id="{93CCF28A-E4CD-4679-BA12-BBB299BFD5FF}"/>
               </a:ext>
             </a:extLst>
           </p:cNvPr>
@@ -3630,7 +3646,7 @@
           <p:cNvPr id="15" name="连接符: 肘形 14">
             <a:extLst>
               <a:ext uri="{FF2B5EF4-FFF2-40B4-BE49-F238E27FC236}">
-                <a16:creationId xmlns:a16="http://schemas.microsoft.com/office/drawing/2014/main" xmlns="" id="{BFBDF161-14C4-4FEB-A78F-E92A9357FF15}"/>
+                <a16:creationId xmlns:a16="http://schemas.microsoft.com/office/drawing/2014/main" id="{BFBDF161-14C4-4FEB-A78F-E92A9357FF15}"/>
               </a:ext>
             </a:extLst>
           </p:cNvPr>
@@ -3672,7 +3688,7 @@
           <p:cNvPr id="18" name="文本框 17">
             <a:extLst>
               <a:ext uri="{FF2B5EF4-FFF2-40B4-BE49-F238E27FC236}">
-                <a16:creationId xmlns:a16="http://schemas.microsoft.com/office/drawing/2014/main" xmlns="" id="{F6C89970-0871-46E8-AE57-71D77EDA9EA9}"/>
+                <a16:creationId xmlns:a16="http://schemas.microsoft.com/office/drawing/2014/main" id="{F6C89970-0871-46E8-AE57-71D77EDA9EA9}"/>
               </a:ext>
             </a:extLst>
           </p:cNvPr>
@@ -3711,7 +3727,7 @@
           <p:cNvPr id="19" name="矩形 18">
             <a:extLst>
               <a:ext uri="{FF2B5EF4-FFF2-40B4-BE49-F238E27FC236}">
-                <a16:creationId xmlns:a16="http://schemas.microsoft.com/office/drawing/2014/main" xmlns="" id="{53AF753D-CA91-4AD0-B5E8-B4E7C4D1F206}"/>
+                <a16:creationId xmlns:a16="http://schemas.microsoft.com/office/drawing/2014/main" id="{53AF753D-CA91-4AD0-B5E8-B4E7C4D1F206}"/>
               </a:ext>
             </a:extLst>
           </p:cNvPr>
@@ -3765,7 +3781,7 @@
           <p:cNvPr id="21" name="直接箭头连接符 20">
             <a:extLst>
               <a:ext uri="{FF2B5EF4-FFF2-40B4-BE49-F238E27FC236}">
-                <a16:creationId xmlns:a16="http://schemas.microsoft.com/office/drawing/2014/main" xmlns="" id="{3095D843-876C-4F72-9EA2-15EF0E74008A}"/>
+                <a16:creationId xmlns:a16="http://schemas.microsoft.com/office/drawing/2014/main" id="{3095D843-876C-4F72-9EA2-15EF0E74008A}"/>
               </a:ext>
             </a:extLst>
           </p:cNvPr>
@@ -3806,7 +3822,7 @@
           <p:cNvPr id="22" name="矩形: 圆角 21">
             <a:extLst>
               <a:ext uri="{FF2B5EF4-FFF2-40B4-BE49-F238E27FC236}">
-                <a16:creationId xmlns:a16="http://schemas.microsoft.com/office/drawing/2014/main" xmlns="" id="{C5042D88-42B3-4B5A-A79D-3D3290A86334}"/>
+                <a16:creationId xmlns:a16="http://schemas.microsoft.com/office/drawing/2014/main" id="{C5042D88-42B3-4B5A-A79D-3D3290A86334}"/>
               </a:ext>
             </a:extLst>
           </p:cNvPr>
@@ -3858,7 +3874,7 @@
           <p:cNvPr id="23" name="文本框 22">
             <a:extLst>
               <a:ext uri="{FF2B5EF4-FFF2-40B4-BE49-F238E27FC236}">
-                <a16:creationId xmlns:a16="http://schemas.microsoft.com/office/drawing/2014/main" xmlns="" id="{FE83ED96-E367-466A-B2A4-7C412660E398}"/>
+                <a16:creationId xmlns:a16="http://schemas.microsoft.com/office/drawing/2014/main" id="{FE83ED96-E367-466A-B2A4-7C412660E398}"/>
               </a:ext>
             </a:extLst>
           </p:cNvPr>
@@ -3895,7 +3911,7 @@
     </p:spTree>
     <p:extLst>
       <p:ext uri="{BB962C8B-B14F-4D97-AF65-F5344CB8AC3E}">
-        <p14:creationId xmlns:p14="http://schemas.microsoft.com/office/powerpoint/2010/main" xmlns="" val="174327108"/>
+        <p14:creationId xmlns:p14="http://schemas.microsoft.com/office/powerpoint/2010/main" val="174327108"/>
       </p:ext>
     </p:extLst>
   </p:cSld>
@@ -3927,7 +3943,7 @@
           <p:cNvPr id="2" name="标题 1">
             <a:extLst>
               <a:ext uri="{FF2B5EF4-FFF2-40B4-BE49-F238E27FC236}">
-                <a16:creationId xmlns:a16="http://schemas.microsoft.com/office/drawing/2014/main" xmlns="" id="{B6C4D197-916C-47F7-8B10-F2E67A8FFBD9}"/>
+                <a16:creationId xmlns:a16="http://schemas.microsoft.com/office/drawing/2014/main" id="{B6C4D197-916C-47F7-8B10-F2E67A8FFBD9}"/>
               </a:ext>
             </a:extLst>
           </p:cNvPr>
@@ -3955,7 +3971,7 @@
           <p:cNvPr id="4" name="矩形: 圆角 3">
             <a:extLst>
               <a:ext uri="{FF2B5EF4-FFF2-40B4-BE49-F238E27FC236}">
-                <a16:creationId xmlns:a16="http://schemas.microsoft.com/office/drawing/2014/main" xmlns="" id="{D549E6AC-4425-4D7D-86C1-DD8A0C1DB173}"/>
+                <a16:creationId xmlns:a16="http://schemas.microsoft.com/office/drawing/2014/main" id="{D549E6AC-4425-4D7D-86C1-DD8A0C1DB173}"/>
               </a:ext>
             </a:extLst>
           </p:cNvPr>
@@ -3964,8 +3980,8 @@
         </p:nvSpPr>
         <p:spPr>
           <a:xfrm>
-            <a:off x="671804" y="2827176"/>
-            <a:ext cx="2239347" cy="989045"/>
+            <a:off x="985936" y="3091933"/>
+            <a:ext cx="961053" cy="478192"/>
           </a:xfrm>
           <a:prstGeom prst="roundRect">
             <a:avLst/>
@@ -3994,58 +4010,17 @@
             <a:pPr algn="ctr"/>
             <a:r>
               <a:rPr lang="zh-CN" altLang="en-US" dirty="0"/>
-              <a:t>查看资源</a:t>
-            </a:r>
-          </a:p>
-        </p:txBody>
-      </p:sp>
-      <p:cxnSp>
-        <p:nvCxnSpPr>
-          <p:cNvPr id="8" name="直接箭头连接符 7">
-            <a:extLst>
-              <a:ext uri="{FF2B5EF4-FFF2-40B4-BE49-F238E27FC236}">
-                <a16:creationId xmlns:a16="http://schemas.microsoft.com/office/drawing/2014/main" xmlns="" id="{6A355F2F-6918-4B4F-8F5A-2A426A94C9C0}"/>
-              </a:ext>
-            </a:extLst>
-          </p:cNvPr>
-          <p:cNvCxnSpPr>
-            <a:stCxn id="4" idx="3"/>
-          </p:cNvCxnSpPr>
-          <p:nvPr/>
-        </p:nvCxnSpPr>
-        <p:spPr>
-          <a:xfrm>
-            <a:off x="2911151" y="3321699"/>
-            <a:ext cx="933061" cy="18660"/>
-          </a:xfrm>
-          <a:prstGeom prst="straightConnector1">
-            <a:avLst/>
-          </a:prstGeom>
-          <a:ln>
-            <a:tailEnd type="triangle"/>
-          </a:ln>
-        </p:spPr>
-        <p:style>
-          <a:lnRef idx="1">
-            <a:schemeClr val="accent1"/>
-          </a:lnRef>
-          <a:fillRef idx="0">
-            <a:schemeClr val="accent1"/>
-          </a:fillRef>
-          <a:effectRef idx="0">
-            <a:schemeClr val="accent1"/>
-          </a:effectRef>
-          <a:fontRef idx="minor">
-            <a:schemeClr val="tx1"/>
-          </a:fontRef>
-        </p:style>
-      </p:cxnSp>
-      <p:sp>
-        <p:nvSpPr>
-          <p:cNvPr id="9" name="矩形: 圆角 8">
-            <a:extLst>
-              <a:ext uri="{FF2B5EF4-FFF2-40B4-BE49-F238E27FC236}">
-                <a16:creationId xmlns:a16="http://schemas.microsoft.com/office/drawing/2014/main" xmlns="" id="{460BCD16-3C66-4FB5-87C2-BEBD8B72881F}"/>
+              <a:t>开始</a:t>
+            </a:r>
+          </a:p>
+        </p:txBody>
+      </p:sp>
+      <p:sp>
+        <p:nvSpPr>
+          <p:cNvPr id="3" name="矩形 2">
+            <a:extLst>
+              <a:ext uri="{FF2B5EF4-FFF2-40B4-BE49-F238E27FC236}">
+                <a16:creationId xmlns:a16="http://schemas.microsoft.com/office/drawing/2014/main" id="{7AFEF1A1-2781-4C3B-A2BA-0DBEBBC8298F}"/>
               </a:ext>
             </a:extLst>
           </p:cNvPr>
@@ -4054,10 +4029,10 @@
         </p:nvSpPr>
         <p:spPr>
           <a:xfrm>
-            <a:off x="3856653" y="2859833"/>
-            <a:ext cx="2239347" cy="923730"/>
-          </a:xfrm>
-          <a:prstGeom prst="roundRect">
+            <a:off x="3620280" y="3038978"/>
+            <a:ext cx="1604865" cy="584100"/>
+          </a:xfrm>
+          <a:prstGeom prst="rect">
             <a:avLst/>
           </a:prstGeom>
         </p:spPr>
@@ -4084,58 +4059,25 @@
             <a:pPr algn="ctr"/>
             <a:r>
               <a:rPr lang="zh-CN" altLang="en-US" dirty="0"/>
+              <a:t>点击</a:t>
+            </a:r>
+            <a:endParaRPr lang="en-US" altLang="zh-CN" dirty="0"/>
+          </a:p>
+          <a:p>
+            <a:pPr algn="ctr"/>
+            <a:r>
+              <a:rPr lang="zh-CN" altLang="en-US" dirty="0"/>
               <a:t>选择资源类型</a:t>
             </a:r>
           </a:p>
         </p:txBody>
       </p:sp>
-      <p:cxnSp>
-        <p:nvCxnSpPr>
-          <p:cNvPr id="11" name="直接箭头连接符 10">
-            <a:extLst>
-              <a:ext uri="{FF2B5EF4-FFF2-40B4-BE49-F238E27FC236}">
-                <a16:creationId xmlns:a16="http://schemas.microsoft.com/office/drawing/2014/main" xmlns="" id="{B7164DFB-29CE-4BED-BDF4-08B9A3A34C0C}"/>
-              </a:ext>
-            </a:extLst>
-          </p:cNvPr>
-          <p:cNvCxnSpPr>
-            <a:stCxn id="9" idx="3"/>
-          </p:cNvCxnSpPr>
-          <p:nvPr/>
-        </p:nvCxnSpPr>
-        <p:spPr>
-          <a:xfrm>
-            <a:off x="6096000" y="3321698"/>
-            <a:ext cx="1135224" cy="0"/>
-          </a:xfrm>
-          <a:prstGeom prst="straightConnector1">
-            <a:avLst/>
-          </a:prstGeom>
-          <a:ln>
-            <a:tailEnd type="triangle"/>
-          </a:ln>
-        </p:spPr>
-        <p:style>
-          <a:lnRef idx="1">
-            <a:schemeClr val="accent1"/>
-          </a:lnRef>
-          <a:fillRef idx="0">
-            <a:schemeClr val="accent1"/>
-          </a:fillRef>
-          <a:effectRef idx="0">
-            <a:schemeClr val="accent1"/>
-          </a:effectRef>
-          <a:fontRef idx="minor">
-            <a:schemeClr val="tx1"/>
-          </a:fontRef>
-        </p:style>
-      </p:cxnSp>
-      <p:sp>
-        <p:nvSpPr>
-          <p:cNvPr id="12" name="矩形: 圆角 11">
-            <a:extLst>
-              <a:ext uri="{FF2B5EF4-FFF2-40B4-BE49-F238E27FC236}">
-                <a16:creationId xmlns:a16="http://schemas.microsoft.com/office/drawing/2014/main" xmlns="" id="{55B6F24D-20CB-436C-9BD3-8E1E1C79A695}"/>
+      <p:sp>
+        <p:nvSpPr>
+          <p:cNvPr id="5" name="矩形 4">
+            <a:extLst>
+              <a:ext uri="{FF2B5EF4-FFF2-40B4-BE49-F238E27FC236}">
+                <a16:creationId xmlns:a16="http://schemas.microsoft.com/office/drawing/2014/main" id="{7926EE62-66D4-4FD4-9D11-DEB0DF70D7BC}"/>
               </a:ext>
             </a:extLst>
           </p:cNvPr>
@@ -4144,15 +4086,12 @@
         </p:nvSpPr>
         <p:spPr>
           <a:xfrm>
-            <a:off x="7268547" y="2827176"/>
-            <a:ext cx="2481943" cy="956387"/>
-          </a:xfrm>
-          <a:prstGeom prst="roundRect">
-            <a:avLst/>
-          </a:prstGeom>
-          <a:solidFill>
-            <a:schemeClr val="accent6"/>
-          </a:solidFill>
+            <a:off x="6096000" y="3038978"/>
+            <a:ext cx="1240975" cy="584101"/>
+          </a:xfrm>
+          <a:prstGeom prst="rect">
+            <a:avLst/>
+          </a:prstGeom>
         </p:spPr>
         <p:style>
           <a:lnRef idx="2">
@@ -4177,15 +4116,201 @@
             <a:pPr algn="ctr"/>
             <a:r>
               <a:rPr lang="zh-CN" altLang="en-US" dirty="0"/>
+              <a:t>查看</a:t>
+            </a:r>
+            <a:endParaRPr lang="en-US" altLang="zh-CN" dirty="0"/>
+          </a:p>
+          <a:p>
+            <a:pPr algn="ctr"/>
+            <a:r>
+              <a:rPr lang="zh-CN" altLang="en-US" dirty="0"/>
               <a:t>表格展示</a:t>
             </a:r>
           </a:p>
         </p:txBody>
       </p:sp>
+      <p:sp>
+        <p:nvSpPr>
+          <p:cNvPr id="17" name="矩形: 圆角 16">
+            <a:extLst>
+              <a:ext uri="{FF2B5EF4-FFF2-40B4-BE49-F238E27FC236}">
+                <a16:creationId xmlns:a16="http://schemas.microsoft.com/office/drawing/2014/main" id="{4F938A0B-14AE-49CF-97DE-7440D1BF39EF}"/>
+              </a:ext>
+            </a:extLst>
+          </p:cNvPr>
+          <p:cNvSpPr/>
+          <p:nvPr/>
+        </p:nvSpPr>
+        <p:spPr>
+          <a:xfrm>
+            <a:off x="8388218" y="3091933"/>
+            <a:ext cx="961053" cy="478192"/>
+          </a:xfrm>
+          <a:prstGeom prst="roundRect">
+            <a:avLst/>
+          </a:prstGeom>
+        </p:spPr>
+        <p:style>
+          <a:lnRef idx="2">
+            <a:schemeClr val="accent1">
+              <a:shade val="50000"/>
+            </a:schemeClr>
+          </a:lnRef>
+          <a:fillRef idx="1">
+            <a:schemeClr val="accent1"/>
+          </a:fillRef>
+          <a:effectRef idx="0">
+            <a:schemeClr val="accent1"/>
+          </a:effectRef>
+          <a:fontRef idx="minor">
+            <a:schemeClr val="lt1"/>
+          </a:fontRef>
+        </p:style>
+        <p:txBody>
+          <a:bodyPr rtlCol="0" anchor="ctr"/>
+          <a:lstStyle/>
+          <a:p>
+            <a:pPr algn="ctr"/>
+            <a:r>
+              <a:rPr lang="zh-CN" altLang="en-US" dirty="0"/>
+              <a:t>结束</a:t>
+            </a:r>
+          </a:p>
+        </p:txBody>
+      </p:sp>
+      <p:cxnSp>
+        <p:nvCxnSpPr>
+          <p:cNvPr id="21" name="直接箭头连接符 20">
+            <a:extLst>
+              <a:ext uri="{FF2B5EF4-FFF2-40B4-BE49-F238E27FC236}">
+                <a16:creationId xmlns:a16="http://schemas.microsoft.com/office/drawing/2014/main" id="{405C9123-C9E8-4951-96FE-0535000BF681}"/>
+              </a:ext>
+            </a:extLst>
+          </p:cNvPr>
+          <p:cNvCxnSpPr>
+            <a:cxnSpLocks/>
+            <a:stCxn id="4" idx="3"/>
+            <a:endCxn id="3" idx="1"/>
+          </p:cNvCxnSpPr>
+          <p:nvPr/>
+        </p:nvCxnSpPr>
+        <p:spPr>
+          <a:xfrm flipV="1">
+            <a:off x="1946989" y="3331028"/>
+            <a:ext cx="1673291" cy="1"/>
+          </a:xfrm>
+          <a:prstGeom prst="straightConnector1">
+            <a:avLst/>
+          </a:prstGeom>
+          <a:ln>
+            <a:tailEnd type="triangle"/>
+          </a:ln>
+        </p:spPr>
+        <p:style>
+          <a:lnRef idx="1">
+            <a:schemeClr val="accent1"/>
+          </a:lnRef>
+          <a:fillRef idx="0">
+            <a:schemeClr val="accent1"/>
+          </a:fillRef>
+          <a:effectRef idx="0">
+            <a:schemeClr val="accent1"/>
+          </a:effectRef>
+          <a:fontRef idx="minor">
+            <a:schemeClr val="tx1"/>
+          </a:fontRef>
+        </p:style>
+      </p:cxnSp>
+      <p:cxnSp>
+        <p:nvCxnSpPr>
+          <p:cNvPr id="23" name="直接箭头连接符 22">
+            <a:extLst>
+              <a:ext uri="{FF2B5EF4-FFF2-40B4-BE49-F238E27FC236}">
+                <a16:creationId xmlns:a16="http://schemas.microsoft.com/office/drawing/2014/main" id="{92F8E571-B016-493D-9455-BEBE578F8B9B}"/>
+              </a:ext>
+            </a:extLst>
+          </p:cNvPr>
+          <p:cNvCxnSpPr>
+            <a:cxnSpLocks/>
+            <a:stCxn id="3" idx="3"/>
+            <a:endCxn id="5" idx="1"/>
+          </p:cNvCxnSpPr>
+          <p:nvPr/>
+        </p:nvCxnSpPr>
+        <p:spPr>
+          <a:xfrm>
+            <a:off x="5225145" y="3331028"/>
+            <a:ext cx="870855" cy="1"/>
+          </a:xfrm>
+          <a:prstGeom prst="straightConnector1">
+            <a:avLst/>
+          </a:prstGeom>
+          <a:ln>
+            <a:tailEnd type="triangle"/>
+          </a:ln>
+        </p:spPr>
+        <p:style>
+          <a:lnRef idx="1">
+            <a:schemeClr val="accent1"/>
+          </a:lnRef>
+          <a:fillRef idx="0">
+            <a:schemeClr val="accent1"/>
+          </a:fillRef>
+          <a:effectRef idx="0">
+            <a:schemeClr val="accent1"/>
+          </a:effectRef>
+          <a:fontRef idx="minor">
+            <a:schemeClr val="tx1"/>
+          </a:fontRef>
+        </p:style>
+      </p:cxnSp>
+      <p:cxnSp>
+        <p:nvCxnSpPr>
+          <p:cNvPr id="25" name="直接箭头连接符 24">
+            <a:extLst>
+              <a:ext uri="{FF2B5EF4-FFF2-40B4-BE49-F238E27FC236}">
+                <a16:creationId xmlns:a16="http://schemas.microsoft.com/office/drawing/2014/main" id="{373F808A-BFCC-4F65-9833-0AE0B9FFA82C}"/>
+              </a:ext>
+            </a:extLst>
+          </p:cNvPr>
+          <p:cNvCxnSpPr>
+            <a:cxnSpLocks/>
+            <a:stCxn id="5" idx="3"/>
+            <a:endCxn id="17" idx="1"/>
+          </p:cNvCxnSpPr>
+          <p:nvPr/>
+        </p:nvCxnSpPr>
+        <p:spPr>
+          <a:xfrm>
+            <a:off x="7336975" y="3331029"/>
+            <a:ext cx="1051243" cy="0"/>
+          </a:xfrm>
+          <a:prstGeom prst="straightConnector1">
+            <a:avLst/>
+          </a:prstGeom>
+          <a:ln>
+            <a:tailEnd type="triangle"/>
+          </a:ln>
+        </p:spPr>
+        <p:style>
+          <a:lnRef idx="1">
+            <a:schemeClr val="accent1"/>
+          </a:lnRef>
+          <a:fillRef idx="0">
+            <a:schemeClr val="accent1"/>
+          </a:fillRef>
+          <a:effectRef idx="0">
+            <a:schemeClr val="accent1"/>
+          </a:effectRef>
+          <a:fontRef idx="minor">
+            <a:schemeClr val="tx1"/>
+          </a:fontRef>
+        </p:style>
+      </p:cxnSp>
     </p:spTree>
     <p:extLst>
       <p:ext uri="{BB962C8B-B14F-4D97-AF65-F5344CB8AC3E}">
-        <p14:creationId xmlns:p14="http://schemas.microsoft.com/office/powerpoint/2010/main" xmlns="" val="743633490"/>
+        <p14:creationId xmlns:p14="http://schemas.microsoft.com/office/powerpoint/2010/main" val="743633490"/>
       </p:ext>
     </p:extLst>
   </p:cSld>
@@ -4217,7 +4342,7 @@
           <p:cNvPr id="2" name="标题 1">
             <a:extLst>
               <a:ext uri="{FF2B5EF4-FFF2-40B4-BE49-F238E27FC236}">
-                <a16:creationId xmlns:a16="http://schemas.microsoft.com/office/drawing/2014/main" xmlns="" id="{C1390383-5CF1-4A71-B460-F85D09520160}"/>
+                <a16:creationId xmlns:a16="http://schemas.microsoft.com/office/drawing/2014/main" id="{C1390383-5CF1-4A71-B460-F85D09520160}"/>
               </a:ext>
             </a:extLst>
           </p:cNvPr>
@@ -4245,7 +4370,7 @@
           <p:cNvPr id="4" name="矩形: 圆角 3">
             <a:extLst>
               <a:ext uri="{FF2B5EF4-FFF2-40B4-BE49-F238E27FC236}">
-                <a16:creationId xmlns:a16="http://schemas.microsoft.com/office/drawing/2014/main" xmlns="" id="{ACBEF1AA-26C9-41B3-8658-76ED47B001C5}"/>
+                <a16:creationId xmlns:a16="http://schemas.microsoft.com/office/drawing/2014/main" id="{ACBEF1AA-26C9-41B3-8658-76ED47B001C5}"/>
               </a:ext>
             </a:extLst>
           </p:cNvPr>
@@ -4254,8 +4379,8 @@
         </p:nvSpPr>
         <p:spPr>
           <a:xfrm>
-            <a:off x="485192" y="3275045"/>
-            <a:ext cx="1978090" cy="643812"/>
+            <a:off x="838200" y="3528524"/>
+            <a:ext cx="914400" cy="643812"/>
           </a:xfrm>
           <a:prstGeom prst="roundRect">
             <a:avLst/>
@@ -4284,7 +4409,7 @@
             <a:pPr algn="ctr"/>
             <a:r>
               <a:rPr lang="zh-CN" altLang="en-US" dirty="0"/>
-              <a:t>搜索资源</a:t>
+              <a:t>开始</a:t>
             </a:r>
           </a:p>
         </p:txBody>
@@ -4294,19 +4419,20 @@
           <p:cNvPr id="6" name="直接箭头连接符 5">
             <a:extLst>
               <a:ext uri="{FF2B5EF4-FFF2-40B4-BE49-F238E27FC236}">
-                <a16:creationId xmlns:a16="http://schemas.microsoft.com/office/drawing/2014/main" xmlns="" id="{CCA418C2-22DB-4B79-9FD0-AD1664C91000}"/>
+                <a16:creationId xmlns:a16="http://schemas.microsoft.com/office/drawing/2014/main" id="{CCA418C2-22DB-4B79-9FD0-AD1664C91000}"/>
               </a:ext>
             </a:extLst>
           </p:cNvPr>
           <p:cNvCxnSpPr>
+            <a:cxnSpLocks/>
             <a:stCxn id="4" idx="3"/>
           </p:cNvCxnSpPr>
           <p:nvPr/>
         </p:nvCxnSpPr>
         <p:spPr>
           <a:xfrm flipV="1">
-            <a:off x="2463282" y="3592286"/>
-            <a:ext cx="895738" cy="4665"/>
+            <a:off x="1752600" y="3845766"/>
+            <a:ext cx="895738" cy="4664"/>
           </a:xfrm>
           <a:prstGeom prst="straightConnector1">
             <a:avLst/>
@@ -4335,7 +4461,7 @@
           <p:cNvPr id="7" name="矩形 6">
             <a:extLst>
               <a:ext uri="{FF2B5EF4-FFF2-40B4-BE49-F238E27FC236}">
-                <a16:creationId xmlns:a16="http://schemas.microsoft.com/office/drawing/2014/main" xmlns="" id="{10DF9AAC-70D3-4541-9DDF-CFB28060D21E}"/>
+                <a16:creationId xmlns:a16="http://schemas.microsoft.com/office/drawing/2014/main" id="{10DF9AAC-70D3-4541-9DDF-CFB28060D21E}"/>
               </a:ext>
             </a:extLst>
           </p:cNvPr>
@@ -4344,8 +4470,8 @@
         </p:nvSpPr>
         <p:spPr>
           <a:xfrm>
-            <a:off x="3359021" y="3270379"/>
-            <a:ext cx="1763486" cy="629817"/>
+            <a:off x="2648339" y="3429000"/>
+            <a:ext cx="1763486" cy="724675"/>
           </a:xfrm>
           <a:prstGeom prst="rect">
             <a:avLst/>
@@ -4374,6 +4500,14 @@
             <a:pPr algn="ctr"/>
             <a:r>
               <a:rPr lang="zh-CN" altLang="en-US" dirty="0"/>
+              <a:t>点击</a:t>
+            </a:r>
+            <a:endParaRPr lang="en-US" altLang="zh-CN" dirty="0"/>
+          </a:p>
+          <a:p>
+            <a:pPr algn="ctr"/>
+            <a:r>
+              <a:rPr lang="zh-CN" altLang="en-US" dirty="0"/>
               <a:t>选择资源类型</a:t>
             </a:r>
           </a:p>
@@ -4381,22 +4515,22 @@
       </p:sp>
       <p:cxnSp>
         <p:nvCxnSpPr>
-          <p:cNvPr id="11" name="直接箭头连接符 10">
-            <a:extLst>
-              <a:ext uri="{FF2B5EF4-FFF2-40B4-BE49-F238E27FC236}">
-                <a16:creationId xmlns:a16="http://schemas.microsoft.com/office/drawing/2014/main" xmlns="" id="{4B3BF810-3254-48A4-A5BF-7229C47C7639}"/>
+          <p:cNvPr id="14" name="直接箭头连接符 13">
+            <a:extLst>
+              <a:ext uri="{FF2B5EF4-FFF2-40B4-BE49-F238E27FC236}">
+                <a16:creationId xmlns:a16="http://schemas.microsoft.com/office/drawing/2014/main" id="{56415F2F-8994-474D-BD06-864B124D3848}"/>
               </a:ext>
             </a:extLst>
           </p:cNvPr>
           <p:cNvCxnSpPr>
-            <a:stCxn id="7" idx="3"/>
+            <a:cxnSpLocks/>
           </p:cNvCxnSpPr>
           <p:nvPr/>
         </p:nvCxnSpPr>
         <p:spPr>
           <a:xfrm>
-            <a:off x="5122507" y="3585288"/>
-            <a:ext cx="727787" cy="6998"/>
+            <a:off x="6902613" y="3772045"/>
+            <a:ext cx="1143381" cy="6997"/>
           </a:xfrm>
           <a:prstGeom prst="straightConnector1">
             <a:avLst/>
@@ -4422,10 +4556,45 @@
       </p:cxnSp>
       <p:sp>
         <p:nvSpPr>
-          <p:cNvPr id="12" name="矩形: 圆角 11">
-            <a:extLst>
-              <a:ext uri="{FF2B5EF4-FFF2-40B4-BE49-F238E27FC236}">
-                <a16:creationId xmlns:a16="http://schemas.microsoft.com/office/drawing/2014/main" xmlns="" id="{40165D6C-D83B-4E37-A795-99EA4DE22CE0}"/>
+          <p:cNvPr id="16" name="文本框 15">
+            <a:extLst>
+              <a:ext uri="{FF2B5EF4-FFF2-40B4-BE49-F238E27FC236}">
+                <a16:creationId xmlns:a16="http://schemas.microsoft.com/office/drawing/2014/main" id="{22E3F61A-B6DB-4CED-B53C-ADF3A03C51D0}"/>
+              </a:ext>
+            </a:extLst>
+          </p:cNvPr>
+          <p:cNvSpPr txBox="1"/>
+          <p:nvPr/>
+        </p:nvSpPr>
+        <p:spPr>
+          <a:xfrm>
+            <a:off x="6929152" y="3429000"/>
+            <a:ext cx="1107996" cy="369332"/>
+          </a:xfrm>
+          <a:prstGeom prst="rect">
+            <a:avLst/>
+          </a:prstGeom>
+          <a:noFill/>
+        </p:spPr>
+        <p:txBody>
+          <a:bodyPr wrap="none" rtlCol="0">
+            <a:spAutoFit/>
+          </a:bodyPr>
+          <a:lstStyle/>
+          <a:p>
+            <a:r>
+              <a:rPr lang="zh-CN" altLang="en-US" dirty="0"/>
+              <a:t>点击查找</a:t>
+            </a:r>
+          </a:p>
+        </p:txBody>
+      </p:sp>
+      <p:sp>
+        <p:nvSpPr>
+          <p:cNvPr id="3" name="矩形 2">
+            <a:extLst>
+              <a:ext uri="{FF2B5EF4-FFF2-40B4-BE49-F238E27FC236}">
+                <a16:creationId xmlns:a16="http://schemas.microsoft.com/office/drawing/2014/main" id="{03F4FC5E-72A1-46ED-9C0C-6DE46F4D03D4}"/>
               </a:ext>
             </a:extLst>
           </p:cNvPr>
@@ -4434,10 +4603,10 @@
         </p:nvSpPr>
         <p:spPr>
           <a:xfrm>
-            <a:off x="5840963" y="3270379"/>
-            <a:ext cx="1763486" cy="629817"/>
-          </a:xfrm>
-          <a:prstGeom prst="roundRect">
+            <a:off x="5147973" y="3416316"/>
+            <a:ext cx="1728102" cy="718456"/>
+          </a:xfrm>
+          <a:prstGeom prst="rect">
             <a:avLst/>
           </a:prstGeom>
         </p:spPr>
@@ -4464,58 +4633,25 @@
             <a:pPr algn="ctr"/>
             <a:r>
               <a:rPr lang="zh-CN" altLang="en-US" dirty="0"/>
+              <a:t>输入</a:t>
+            </a:r>
+            <a:endParaRPr lang="en-US" altLang="zh-CN" dirty="0"/>
+          </a:p>
+          <a:p>
+            <a:pPr algn="ctr"/>
+            <a:r>
+              <a:rPr lang="zh-CN" altLang="en-US" dirty="0"/>
               <a:t>输入资源属性关键字</a:t>
             </a:r>
           </a:p>
         </p:txBody>
       </p:sp>
-      <p:cxnSp>
-        <p:nvCxnSpPr>
-          <p:cNvPr id="14" name="直接箭头连接符 13">
-            <a:extLst>
-              <a:ext uri="{FF2B5EF4-FFF2-40B4-BE49-F238E27FC236}">
-                <a16:creationId xmlns:a16="http://schemas.microsoft.com/office/drawing/2014/main" xmlns="" id="{56415F2F-8994-474D-BD06-864B124D3848}"/>
-              </a:ext>
-            </a:extLst>
-          </p:cNvPr>
-          <p:cNvCxnSpPr>
-            <a:stCxn id="12" idx="3"/>
-          </p:cNvCxnSpPr>
-          <p:nvPr/>
-        </p:nvCxnSpPr>
-        <p:spPr>
-          <a:xfrm flipV="1">
-            <a:off x="7604449" y="3585287"/>
-            <a:ext cx="1763486" cy="1"/>
-          </a:xfrm>
-          <a:prstGeom prst="straightConnector1">
-            <a:avLst/>
-          </a:prstGeom>
-          <a:ln>
-            <a:tailEnd type="triangle"/>
-          </a:ln>
-        </p:spPr>
-        <p:style>
-          <a:lnRef idx="1">
-            <a:schemeClr val="accent1"/>
-          </a:lnRef>
-          <a:fillRef idx="0">
-            <a:schemeClr val="accent1"/>
-          </a:fillRef>
-          <a:effectRef idx="0">
-            <a:schemeClr val="accent1"/>
-          </a:effectRef>
-          <a:fontRef idx="minor">
-            <a:schemeClr val="tx1"/>
-          </a:fontRef>
-        </p:style>
-      </p:cxnSp>
-      <p:sp>
-        <p:nvSpPr>
-          <p:cNvPr id="15" name="矩形: 圆角 14">
-            <a:extLst>
-              <a:ext uri="{FF2B5EF4-FFF2-40B4-BE49-F238E27FC236}">
-                <a16:creationId xmlns:a16="http://schemas.microsoft.com/office/drawing/2014/main" xmlns="" id="{A5821F84-1BB7-495E-8556-A1B3B536C774}"/>
+      <p:sp>
+        <p:nvSpPr>
+          <p:cNvPr id="9" name="矩形 8">
+            <a:extLst>
+              <a:ext uri="{FF2B5EF4-FFF2-40B4-BE49-F238E27FC236}">
+                <a16:creationId xmlns:a16="http://schemas.microsoft.com/office/drawing/2014/main" id="{576D1A6F-7C76-4066-AEBD-D282AB3085FB}"/>
               </a:ext>
             </a:extLst>
           </p:cNvPr>
@@ -4524,15 +4660,12 @@
         </p:nvSpPr>
         <p:spPr>
           <a:xfrm>
-            <a:off x="9367935" y="3310034"/>
-            <a:ext cx="1891005" cy="550506"/>
-          </a:xfrm>
-          <a:prstGeom prst="roundRect">
-            <a:avLst/>
-          </a:prstGeom>
-          <a:solidFill>
-            <a:schemeClr val="accent6"/>
-          </a:solidFill>
+            <a:off x="8076231" y="3432061"/>
+            <a:ext cx="1405814" cy="679967"/>
+          </a:xfrm>
+          <a:prstGeom prst="rect">
+            <a:avLst/>
+          </a:prstGeom>
         </p:spPr>
         <p:style>
           <a:lnRef idx="2">
@@ -4557,50 +4690,156 @@
             <a:pPr algn="ctr"/>
             <a:r>
               <a:rPr lang="zh-CN" altLang="en-US" dirty="0"/>
+              <a:t>查看</a:t>
+            </a:r>
+            <a:endParaRPr lang="en-US" altLang="zh-CN" dirty="0"/>
+          </a:p>
+          <a:p>
+            <a:pPr algn="ctr"/>
+            <a:r>
+              <a:rPr lang="zh-CN" altLang="en-US" dirty="0"/>
               <a:t>表格展示</a:t>
             </a:r>
           </a:p>
         </p:txBody>
       </p:sp>
-      <p:sp>
-        <p:nvSpPr>
-          <p:cNvPr id="16" name="文本框 15">
-            <a:extLst>
-              <a:ext uri="{FF2B5EF4-FFF2-40B4-BE49-F238E27FC236}">
-                <a16:creationId xmlns:a16="http://schemas.microsoft.com/office/drawing/2014/main" xmlns="" id="{22E3F61A-B6DB-4CED-B53C-ADF3A03C51D0}"/>
-              </a:ext>
-            </a:extLst>
-          </p:cNvPr>
-          <p:cNvSpPr txBox="1"/>
-          <p:nvPr/>
-        </p:nvSpPr>
-        <p:spPr>
-          <a:xfrm>
-            <a:off x="7968343" y="3135086"/>
-            <a:ext cx="1107996" cy="369332"/>
-          </a:xfrm>
-          <a:prstGeom prst="rect">
-            <a:avLst/>
-          </a:prstGeom>
-          <a:noFill/>
-        </p:spPr>
-        <p:txBody>
-          <a:bodyPr wrap="none" rtlCol="0">
-            <a:spAutoFit/>
-          </a:bodyPr>
-          <a:lstStyle/>
-          <a:p>
+      <p:cxnSp>
+        <p:nvCxnSpPr>
+          <p:cNvPr id="18" name="直接箭头连接符 17">
+            <a:extLst>
+              <a:ext uri="{FF2B5EF4-FFF2-40B4-BE49-F238E27FC236}">
+                <a16:creationId xmlns:a16="http://schemas.microsoft.com/office/drawing/2014/main" id="{B64EED07-A886-46B3-B1B6-1C7EA236B290}"/>
+              </a:ext>
+            </a:extLst>
+          </p:cNvPr>
+          <p:cNvCxnSpPr>
+            <a:cxnSpLocks/>
+            <a:stCxn id="9" idx="3"/>
+          </p:cNvCxnSpPr>
+          <p:nvPr/>
+        </p:nvCxnSpPr>
+        <p:spPr>
+          <a:xfrm>
+            <a:off x="9482045" y="3772045"/>
+            <a:ext cx="802433" cy="0"/>
+          </a:xfrm>
+          <a:prstGeom prst="straightConnector1">
+            <a:avLst/>
+          </a:prstGeom>
+          <a:ln>
+            <a:tailEnd type="triangle"/>
+          </a:ln>
+        </p:spPr>
+        <p:style>
+          <a:lnRef idx="1">
+            <a:schemeClr val="accent1"/>
+          </a:lnRef>
+          <a:fillRef idx="0">
+            <a:schemeClr val="accent1"/>
+          </a:fillRef>
+          <a:effectRef idx="0">
+            <a:schemeClr val="accent1"/>
+          </a:effectRef>
+          <a:fontRef idx="minor">
+            <a:schemeClr val="tx1"/>
+          </a:fontRef>
+        </p:style>
+      </p:cxnSp>
+      <p:sp>
+        <p:nvSpPr>
+          <p:cNvPr id="23" name="矩形: 圆角 22">
+            <a:extLst>
+              <a:ext uri="{FF2B5EF4-FFF2-40B4-BE49-F238E27FC236}">
+                <a16:creationId xmlns:a16="http://schemas.microsoft.com/office/drawing/2014/main" id="{FE6770E5-9840-4B57-89FC-6A5336A5EB2A}"/>
+              </a:ext>
+            </a:extLst>
+          </p:cNvPr>
+          <p:cNvSpPr/>
+          <p:nvPr/>
+        </p:nvSpPr>
+        <p:spPr>
+          <a:xfrm>
+            <a:off x="10280780" y="3490960"/>
+            <a:ext cx="914400" cy="643812"/>
+          </a:xfrm>
+          <a:prstGeom prst="roundRect">
+            <a:avLst/>
+          </a:prstGeom>
+        </p:spPr>
+        <p:style>
+          <a:lnRef idx="2">
+            <a:schemeClr val="accent1">
+              <a:shade val="50000"/>
+            </a:schemeClr>
+          </a:lnRef>
+          <a:fillRef idx="1">
+            <a:schemeClr val="accent1"/>
+          </a:fillRef>
+          <a:effectRef idx="0">
+            <a:schemeClr val="accent1"/>
+          </a:effectRef>
+          <a:fontRef idx="minor">
+            <a:schemeClr val="lt1"/>
+          </a:fontRef>
+        </p:style>
+        <p:txBody>
+          <a:bodyPr rtlCol="0" anchor="ctr"/>
+          <a:lstStyle/>
+          <a:p>
+            <a:pPr algn="ctr"/>
             <a:r>
               <a:rPr lang="zh-CN" altLang="en-US" dirty="0"/>
-              <a:t>点击查找</a:t>
-            </a:r>
-          </a:p>
-        </p:txBody>
-      </p:sp>
+              <a:t>结束</a:t>
+            </a:r>
+          </a:p>
+        </p:txBody>
+      </p:sp>
+      <p:cxnSp>
+        <p:nvCxnSpPr>
+          <p:cNvPr id="27" name="直接箭头连接符 26">
+            <a:extLst>
+              <a:ext uri="{FF2B5EF4-FFF2-40B4-BE49-F238E27FC236}">
+                <a16:creationId xmlns:a16="http://schemas.microsoft.com/office/drawing/2014/main" id="{2F5C33C5-4C8D-4532-8917-BE22250851AC}"/>
+              </a:ext>
+            </a:extLst>
+          </p:cNvPr>
+          <p:cNvCxnSpPr>
+            <a:stCxn id="7" idx="3"/>
+            <a:endCxn id="3" idx="1"/>
+          </p:cNvCxnSpPr>
+          <p:nvPr/>
+        </p:nvCxnSpPr>
+        <p:spPr>
+          <a:xfrm flipV="1">
+            <a:off x="4411825" y="3775544"/>
+            <a:ext cx="736148" cy="15794"/>
+          </a:xfrm>
+          <a:prstGeom prst="straightConnector1">
+            <a:avLst/>
+          </a:prstGeom>
+          <a:ln>
+            <a:tailEnd type="triangle"/>
+          </a:ln>
+        </p:spPr>
+        <p:style>
+          <a:lnRef idx="1">
+            <a:schemeClr val="accent1"/>
+          </a:lnRef>
+          <a:fillRef idx="0">
+            <a:schemeClr val="accent1"/>
+          </a:fillRef>
+          <a:effectRef idx="0">
+            <a:schemeClr val="accent1"/>
+          </a:effectRef>
+          <a:fontRef idx="minor">
+            <a:schemeClr val="tx1"/>
+          </a:fontRef>
+        </p:style>
+      </p:cxnSp>
     </p:spTree>
     <p:extLst>
       <p:ext uri="{BB962C8B-B14F-4D97-AF65-F5344CB8AC3E}">
-        <p14:creationId xmlns:p14="http://schemas.microsoft.com/office/powerpoint/2010/main" xmlns="" val="131173809"/>
+        <p14:creationId xmlns:p14="http://schemas.microsoft.com/office/powerpoint/2010/main" val="131173809"/>
       </p:ext>
     </p:extLst>
   </p:cSld>
@@ -4643,10 +4882,9 @@
           <a:lstStyle/>
           <a:p>
             <a:r>
-              <a:rPr lang="zh-CN" altLang="en-US" dirty="0" smtClean="0"/>
+              <a:rPr lang="zh-CN" altLang="en-US" dirty="0"/>
               <a:t>资源类别管理</a:t>
             </a:r>
-            <a:endParaRPr lang="zh-CN" altLang="en-US" dirty="0"/>
           </a:p>
         </p:txBody>
       </p:sp>
@@ -4669,7 +4907,7 @@
             <p:cNvPr id="4" name="矩形: 圆角 3">
               <a:extLst>
                 <a:ext uri="{FF2B5EF4-FFF2-40B4-BE49-F238E27FC236}">
-                  <a16:creationId xmlns:a16="http://schemas.microsoft.com/office/drawing/2014/main" xmlns="" id="{F24F2D3D-3C90-414F-9605-7EBC4C1FD133}"/>
+                  <a16:creationId xmlns:a16="http://schemas.microsoft.com/office/drawing/2014/main" id="{F24F2D3D-3C90-414F-9605-7EBC4C1FD133}"/>
                 </a:ext>
               </a:extLst>
             </p:cNvPr>
@@ -4707,10 +4945,9 @@
             <a:p>
               <a:pPr algn="ctr"/>
               <a:r>
-                <a:rPr lang="zh-CN" altLang="en-US" dirty="0" smtClean="0"/>
+                <a:rPr lang="zh-CN" altLang="en-US" dirty="0"/>
                 <a:t>开始</a:t>
               </a:r>
-              <a:endParaRPr lang="zh-CN" altLang="en-US" dirty="0"/>
             </a:p>
           </p:txBody>
         </p:sp>
@@ -4719,7 +4956,7 @@
             <p:cNvPr id="8" name="菱形 7">
               <a:extLst>
                 <a:ext uri="{FF2B5EF4-FFF2-40B4-BE49-F238E27FC236}">
-                  <a16:creationId xmlns:a16="http://schemas.microsoft.com/office/drawing/2014/main" xmlns="" id="{DCAC3279-15F0-49D6-A37B-43137D51DF03}"/>
+                  <a16:creationId xmlns:a16="http://schemas.microsoft.com/office/drawing/2014/main" id="{DCAC3279-15F0-49D6-A37B-43137D51DF03}"/>
                 </a:ext>
               </a:extLst>
             </p:cNvPr>
@@ -4758,21 +4995,16 @@
               <a:pPr algn="ctr"/>
               <a:r>
                 <a:rPr lang="zh-CN" altLang="en-US" dirty="0"/>
-                <a:t>是否</a:t>
+                <a:t>是否有</a:t>
               </a:r>
-              <a:r>
-                <a:rPr lang="zh-CN" altLang="en-US" dirty="0" smtClean="0"/>
-                <a:t>有</a:t>
-              </a:r>
-              <a:endParaRPr lang="en-US" altLang="zh-CN" dirty="0" smtClean="0"/>
+              <a:endParaRPr lang="en-US" altLang="zh-CN" dirty="0"/>
             </a:p>
             <a:p>
               <a:pPr algn="ctr"/>
               <a:r>
-                <a:rPr lang="zh-CN" altLang="en-US" dirty="0" smtClean="0"/>
+                <a:rPr lang="zh-CN" altLang="en-US" dirty="0"/>
                 <a:t>资源内容</a:t>
               </a:r>
-              <a:endParaRPr lang="zh-CN" altLang="en-US" dirty="0"/>
             </a:p>
           </p:txBody>
         </p:sp>
@@ -4781,7 +5013,7 @@
             <p:cNvPr id="9" name="连接符: 肘形 16">
               <a:extLst>
                 <a:ext uri="{FF2B5EF4-FFF2-40B4-BE49-F238E27FC236}">
-                  <a16:creationId xmlns:a16="http://schemas.microsoft.com/office/drawing/2014/main" xmlns="" id="{61CCB5EB-A947-4A69-86F6-CCB0FB1D8901}"/>
+                  <a16:creationId xmlns:a16="http://schemas.microsoft.com/office/drawing/2014/main" id="{61CCB5EB-A947-4A69-86F6-CCB0FB1D8901}"/>
                 </a:ext>
               </a:extLst>
             </p:cNvPr>
@@ -4826,7 +5058,7 @@
             <p:cNvPr id="10" name="直接箭头连接符 9">
               <a:extLst>
                 <a:ext uri="{FF2B5EF4-FFF2-40B4-BE49-F238E27FC236}">
-                  <a16:creationId xmlns:a16="http://schemas.microsoft.com/office/drawing/2014/main" xmlns="" id="{2BB20DE5-0255-4363-97F3-2C34B9BAC636}"/>
+                  <a16:creationId xmlns:a16="http://schemas.microsoft.com/office/drawing/2014/main" id="{2BB20DE5-0255-4363-97F3-2C34B9BAC636}"/>
                 </a:ext>
               </a:extLst>
             </p:cNvPr>
@@ -4869,7 +5101,7 @@
             <p:cNvPr id="16" name="连接符: 肘形 39">
               <a:extLst>
                 <a:ext uri="{FF2B5EF4-FFF2-40B4-BE49-F238E27FC236}">
-                  <a16:creationId xmlns:a16="http://schemas.microsoft.com/office/drawing/2014/main" xmlns="" id="{58E7B1DC-2A85-47CC-84F3-6D4E6E9A8A3E}"/>
+                  <a16:creationId xmlns:a16="http://schemas.microsoft.com/office/drawing/2014/main" id="{58E7B1DC-2A85-47CC-84F3-6D4E6E9A8A3E}"/>
                 </a:ext>
               </a:extLst>
             </p:cNvPr>
@@ -4914,7 +5146,7 @@
             <p:cNvPr id="17" name="文本框 40">
               <a:extLst>
                 <a:ext uri="{FF2B5EF4-FFF2-40B4-BE49-F238E27FC236}">
-                  <a16:creationId xmlns:a16="http://schemas.microsoft.com/office/drawing/2014/main" xmlns="" id="{19129B04-F042-4BE8-A718-BED57C746EEE}"/>
+                  <a16:creationId xmlns:a16="http://schemas.microsoft.com/office/drawing/2014/main" id="{19129B04-F042-4BE8-A718-BED57C746EEE}"/>
                 </a:ext>
               </a:extLst>
             </p:cNvPr>
@@ -4953,7 +5185,7 @@
             <p:cNvPr id="22" name="直接箭头连接符 21">
               <a:extLst>
                 <a:ext uri="{FF2B5EF4-FFF2-40B4-BE49-F238E27FC236}">
-                  <a16:creationId xmlns:a16="http://schemas.microsoft.com/office/drawing/2014/main" xmlns="" id="{8C095344-4BB6-4046-9AF9-1345C0A6FE41}"/>
+                  <a16:creationId xmlns:a16="http://schemas.microsoft.com/office/drawing/2014/main" id="{8C095344-4BB6-4046-9AF9-1345C0A6FE41}"/>
                 </a:ext>
               </a:extLst>
             </p:cNvPr>
@@ -4995,7 +5227,7 @@
             <p:cNvPr id="23" name="直接箭头连接符 22">
               <a:extLst>
                 <a:ext uri="{FF2B5EF4-FFF2-40B4-BE49-F238E27FC236}">
-                  <a16:creationId xmlns:a16="http://schemas.microsoft.com/office/drawing/2014/main" xmlns="" id="{0C7ACE7F-3FB4-4F3A-96B2-7A14A468BD48}"/>
+                  <a16:creationId xmlns:a16="http://schemas.microsoft.com/office/drawing/2014/main" id="{0C7ACE7F-3FB4-4F3A-96B2-7A14A468BD48}"/>
                 </a:ext>
               </a:extLst>
             </p:cNvPr>
@@ -5037,7 +5269,7 @@
             <p:cNvPr id="24" name="连接符: 肘形 59">
               <a:extLst>
                 <a:ext uri="{FF2B5EF4-FFF2-40B4-BE49-F238E27FC236}">
-                  <a16:creationId xmlns:a16="http://schemas.microsoft.com/office/drawing/2014/main" xmlns="" id="{11057A49-1D8D-44F2-A469-1B3C296E495A}"/>
+                  <a16:creationId xmlns:a16="http://schemas.microsoft.com/office/drawing/2014/main" id="{11057A49-1D8D-44F2-A469-1B3C296E495A}"/>
                 </a:ext>
               </a:extLst>
             </p:cNvPr>
@@ -5081,7 +5313,7 @@
             <p:cNvPr id="25" name="直接箭头连接符 24">
               <a:extLst>
                 <a:ext uri="{FF2B5EF4-FFF2-40B4-BE49-F238E27FC236}">
-                  <a16:creationId xmlns:a16="http://schemas.microsoft.com/office/drawing/2014/main" xmlns="" id="{F264F3D7-4C04-4A43-87AC-A119066112C0}"/>
+                  <a16:creationId xmlns:a16="http://schemas.microsoft.com/office/drawing/2014/main" id="{F264F3D7-4C04-4A43-87AC-A119066112C0}"/>
                 </a:ext>
               </a:extLst>
             </p:cNvPr>
@@ -5123,7 +5355,7 @@
             <p:cNvPr id="40" name="矩形 39">
               <a:extLst>
                 <a:ext uri="{FF2B5EF4-FFF2-40B4-BE49-F238E27FC236}">
-                  <a16:creationId xmlns:a16="http://schemas.microsoft.com/office/drawing/2014/main" xmlns="" id="{22A53CAA-1C49-4CD0-8D4C-B888527327E4}"/>
+                  <a16:creationId xmlns:a16="http://schemas.microsoft.com/office/drawing/2014/main" id="{22A53CAA-1C49-4CD0-8D4C-B888527327E4}"/>
                 </a:ext>
               </a:extLst>
             </p:cNvPr>
@@ -5161,18 +5393,17 @@
             <a:p>
               <a:pPr algn="ctr"/>
               <a:r>
-                <a:rPr lang="zh-CN" altLang="en-US" dirty="0" smtClean="0"/>
+                <a:rPr lang="zh-CN" altLang="en-US" dirty="0"/>
                 <a:t>点击</a:t>
               </a:r>
-              <a:endParaRPr lang="en-US" altLang="zh-CN" dirty="0" smtClean="0"/>
+              <a:endParaRPr lang="en-US" altLang="zh-CN" dirty="0"/>
             </a:p>
             <a:p>
               <a:pPr algn="ctr"/>
               <a:r>
-                <a:rPr lang="zh-CN" altLang="en-US" dirty="0" smtClean="0"/>
+                <a:rPr lang="zh-CN" altLang="en-US" dirty="0"/>
                 <a:t>新增资源类别</a:t>
               </a:r>
-              <a:endParaRPr lang="zh-CN" altLang="en-US" dirty="0"/>
             </a:p>
           </p:txBody>
         </p:sp>
@@ -5181,7 +5412,7 @@
             <p:cNvPr id="45" name="矩形 44">
               <a:extLst>
                 <a:ext uri="{FF2B5EF4-FFF2-40B4-BE49-F238E27FC236}">
-                  <a16:creationId xmlns:a16="http://schemas.microsoft.com/office/drawing/2014/main" xmlns="" id="{22A53CAA-1C49-4CD0-8D4C-B888527327E4}"/>
+                  <a16:creationId xmlns:a16="http://schemas.microsoft.com/office/drawing/2014/main" id="{22A53CAA-1C49-4CD0-8D4C-B888527327E4}"/>
                 </a:ext>
               </a:extLst>
             </p:cNvPr>
@@ -5219,18 +5450,17 @@
             <a:p>
               <a:pPr algn="ctr"/>
               <a:r>
-                <a:rPr lang="zh-CN" altLang="en-US" dirty="0" smtClean="0"/>
+                <a:rPr lang="zh-CN" altLang="en-US" dirty="0"/>
                 <a:t>录入</a:t>
               </a:r>
-              <a:endParaRPr lang="en-US" altLang="zh-CN" dirty="0" smtClean="0"/>
+              <a:endParaRPr lang="en-US" altLang="zh-CN" dirty="0"/>
             </a:p>
             <a:p>
               <a:pPr algn="ctr"/>
               <a:r>
-                <a:rPr lang="zh-CN" altLang="en-US" dirty="0" smtClean="0"/>
+                <a:rPr lang="zh-CN" altLang="en-US" dirty="0"/>
                 <a:t>资源类别名称</a:t>
               </a:r>
-              <a:endParaRPr lang="zh-CN" altLang="en-US" dirty="0"/>
             </a:p>
           </p:txBody>
         </p:sp>
@@ -5239,7 +5469,7 @@
             <p:cNvPr id="51" name="直接箭头连接符 50">
               <a:extLst>
                 <a:ext uri="{FF2B5EF4-FFF2-40B4-BE49-F238E27FC236}">
-                  <a16:creationId xmlns:a16="http://schemas.microsoft.com/office/drawing/2014/main" xmlns="" id="{C1ADEA83-2977-4145-B66C-8227C05BCFA3}"/>
+                  <a16:creationId xmlns:a16="http://schemas.microsoft.com/office/drawing/2014/main" id="{C1ADEA83-2977-4145-B66C-8227C05BCFA3}"/>
                 </a:ext>
               </a:extLst>
             </p:cNvPr>
@@ -5282,7 +5512,7 @@
             <p:cNvPr id="56" name="矩形 55">
               <a:extLst>
                 <a:ext uri="{FF2B5EF4-FFF2-40B4-BE49-F238E27FC236}">
-                  <a16:creationId xmlns:a16="http://schemas.microsoft.com/office/drawing/2014/main" xmlns="" id="{22A53CAA-1C49-4CD0-8D4C-B888527327E4}"/>
+                  <a16:creationId xmlns:a16="http://schemas.microsoft.com/office/drawing/2014/main" id="{22A53CAA-1C49-4CD0-8D4C-B888527327E4}"/>
                 </a:ext>
               </a:extLst>
             </p:cNvPr>
@@ -5320,18 +5550,17 @@
             <a:p>
               <a:pPr algn="ctr"/>
               <a:r>
-                <a:rPr lang="zh-CN" altLang="en-US" dirty="0" smtClean="0"/>
+                <a:rPr lang="zh-CN" altLang="en-US" dirty="0"/>
                 <a:t>录入</a:t>
               </a:r>
-              <a:endParaRPr lang="en-US" altLang="zh-CN" dirty="0" smtClean="0"/>
+              <a:endParaRPr lang="en-US" altLang="zh-CN" dirty="0"/>
             </a:p>
             <a:p>
               <a:pPr algn="ctr"/>
               <a:r>
-                <a:rPr lang="zh-CN" altLang="en-US" dirty="0" smtClean="0"/>
+                <a:rPr lang="zh-CN" altLang="en-US" dirty="0"/>
                 <a:t>资源类别属性及定义</a:t>
               </a:r>
-              <a:endParaRPr lang="zh-CN" altLang="en-US" dirty="0"/>
             </a:p>
           </p:txBody>
         </p:sp>
@@ -5340,7 +5569,7 @@
             <p:cNvPr id="68" name="矩形 67">
               <a:extLst>
                 <a:ext uri="{FF2B5EF4-FFF2-40B4-BE49-F238E27FC236}">
-                  <a16:creationId xmlns:a16="http://schemas.microsoft.com/office/drawing/2014/main" xmlns="" id="{22A53CAA-1C49-4CD0-8D4C-B888527327E4}"/>
+                  <a16:creationId xmlns:a16="http://schemas.microsoft.com/office/drawing/2014/main" id="{22A53CAA-1C49-4CD0-8D4C-B888527327E4}"/>
                 </a:ext>
               </a:extLst>
             </p:cNvPr>
@@ -5378,10 +5607,9 @@
             <a:p>
               <a:pPr algn="ctr"/>
               <a:r>
-                <a:rPr lang="zh-CN" altLang="en-US" dirty="0" smtClean="0"/>
+                <a:rPr lang="zh-CN" altLang="en-US" dirty="0"/>
                 <a:t>保存</a:t>
               </a:r>
-              <a:endParaRPr lang="zh-CN" altLang="en-US" dirty="0"/>
             </a:p>
           </p:txBody>
         </p:sp>
@@ -5390,7 +5618,7 @@
             <p:cNvPr id="75" name="矩形: 圆角 3">
               <a:extLst>
                 <a:ext uri="{FF2B5EF4-FFF2-40B4-BE49-F238E27FC236}">
-                  <a16:creationId xmlns:a16="http://schemas.microsoft.com/office/drawing/2014/main" xmlns="" id="{F24F2D3D-3C90-414F-9605-7EBC4C1FD133}"/>
+                  <a16:creationId xmlns:a16="http://schemas.microsoft.com/office/drawing/2014/main" id="{F24F2D3D-3C90-414F-9605-7EBC4C1FD133}"/>
                 </a:ext>
               </a:extLst>
             </p:cNvPr>
@@ -5428,10 +5656,9 @@
             <a:p>
               <a:pPr algn="ctr"/>
               <a:r>
-                <a:rPr lang="zh-CN" altLang="en-US" dirty="0" smtClean="0"/>
+                <a:rPr lang="zh-CN" altLang="en-US" dirty="0"/>
                 <a:t>结束</a:t>
               </a:r>
-              <a:endParaRPr lang="zh-CN" altLang="en-US" dirty="0"/>
             </a:p>
           </p:txBody>
         </p:sp>
@@ -5440,7 +5667,7 @@
             <p:cNvPr id="82" name="矩形 81">
               <a:extLst>
                 <a:ext uri="{FF2B5EF4-FFF2-40B4-BE49-F238E27FC236}">
-                  <a16:creationId xmlns:a16="http://schemas.microsoft.com/office/drawing/2014/main" xmlns="" id="{22A53CAA-1C49-4CD0-8D4C-B888527327E4}"/>
+                  <a16:creationId xmlns:a16="http://schemas.microsoft.com/office/drawing/2014/main" id="{22A53CAA-1C49-4CD0-8D4C-B888527327E4}"/>
                 </a:ext>
               </a:extLst>
             </p:cNvPr>
@@ -5478,18 +5705,17 @@
             <a:p>
               <a:pPr algn="ctr"/>
               <a:r>
-                <a:rPr lang="zh-CN" altLang="en-US" dirty="0" smtClean="0"/>
+                <a:rPr lang="zh-CN" altLang="en-US" dirty="0"/>
                 <a:t>点击</a:t>
               </a:r>
-              <a:endParaRPr lang="en-US" altLang="zh-CN" dirty="0" smtClean="0"/>
+              <a:endParaRPr lang="en-US" altLang="zh-CN" dirty="0"/>
             </a:p>
             <a:p>
               <a:pPr algn="ctr"/>
               <a:r>
-                <a:rPr lang="zh-CN" altLang="en-US" dirty="0" smtClean="0"/>
+                <a:rPr lang="zh-CN" altLang="en-US" dirty="0"/>
                 <a:t>修改资源类别</a:t>
               </a:r>
-              <a:endParaRPr lang="zh-CN" altLang="en-US" dirty="0"/>
             </a:p>
           </p:txBody>
         </p:sp>
@@ -5498,7 +5724,7 @@
             <p:cNvPr id="83" name="矩形 82">
               <a:extLst>
                 <a:ext uri="{FF2B5EF4-FFF2-40B4-BE49-F238E27FC236}">
-                  <a16:creationId xmlns:a16="http://schemas.microsoft.com/office/drawing/2014/main" xmlns="" id="{22A53CAA-1C49-4CD0-8D4C-B888527327E4}"/>
+                  <a16:creationId xmlns:a16="http://schemas.microsoft.com/office/drawing/2014/main" id="{22A53CAA-1C49-4CD0-8D4C-B888527327E4}"/>
                 </a:ext>
               </a:extLst>
             </p:cNvPr>
@@ -5536,26 +5762,17 @@
             <a:p>
               <a:pPr algn="ctr"/>
               <a:r>
-                <a:rPr lang="zh-CN" altLang="en-US" dirty="0" smtClean="0"/>
+                <a:rPr lang="zh-CN" altLang="en-US" dirty="0"/>
                 <a:t>修改</a:t>
               </a:r>
-              <a:endParaRPr lang="en-US" altLang="zh-CN" dirty="0" smtClean="0"/>
+              <a:endParaRPr lang="en-US" altLang="zh-CN" dirty="0"/>
             </a:p>
             <a:p>
               <a:pPr algn="ctr"/>
               <a:r>
-                <a:rPr lang="zh-CN" altLang="en-US" dirty="0" smtClean="0"/>
-                <a:t>资源</a:t>
+                <a:rPr lang="zh-CN" altLang="en-US" dirty="0"/>
+                <a:t>资源类别名称</a:t>
               </a:r>
-              <a:r>
-                <a:rPr lang="zh-CN" altLang="en-US" dirty="0" smtClean="0"/>
-                <a:t>类别</a:t>
-              </a:r>
-              <a:r>
-                <a:rPr lang="zh-CN" altLang="en-US" dirty="0" smtClean="0"/>
-                <a:t>名称</a:t>
-              </a:r>
-              <a:endParaRPr lang="zh-CN" altLang="en-US" dirty="0" smtClean="0"/>
             </a:p>
           </p:txBody>
         </p:sp>
@@ -5564,7 +5781,7 @@
             <p:cNvPr id="86" name="矩形 85">
               <a:extLst>
                 <a:ext uri="{FF2B5EF4-FFF2-40B4-BE49-F238E27FC236}">
-                  <a16:creationId xmlns:a16="http://schemas.microsoft.com/office/drawing/2014/main" xmlns="" id="{22A53CAA-1C49-4CD0-8D4C-B888527327E4}"/>
+                  <a16:creationId xmlns:a16="http://schemas.microsoft.com/office/drawing/2014/main" id="{22A53CAA-1C49-4CD0-8D4C-B888527327E4}"/>
                 </a:ext>
               </a:extLst>
             </p:cNvPr>
@@ -5602,18 +5819,17 @@
             <a:p>
               <a:pPr algn="ctr"/>
               <a:r>
-                <a:rPr lang="zh-CN" altLang="en-US" dirty="0" smtClean="0"/>
+                <a:rPr lang="zh-CN" altLang="en-US" dirty="0"/>
                 <a:t>修改</a:t>
               </a:r>
-              <a:endParaRPr lang="en-US" altLang="zh-CN" dirty="0" smtClean="0"/>
+              <a:endParaRPr lang="en-US" altLang="zh-CN" dirty="0"/>
             </a:p>
             <a:p>
               <a:pPr algn="ctr"/>
               <a:r>
-                <a:rPr lang="zh-CN" altLang="en-US" dirty="0" smtClean="0"/>
+                <a:rPr lang="zh-CN" altLang="en-US" dirty="0"/>
                 <a:t>资源类别属性及定义</a:t>
               </a:r>
-              <a:endParaRPr lang="zh-CN" altLang="en-US" dirty="0"/>
             </a:p>
           </p:txBody>
         </p:sp>
@@ -5622,7 +5838,7 @@
             <p:cNvPr id="89" name="矩形 88">
               <a:extLst>
                 <a:ext uri="{FF2B5EF4-FFF2-40B4-BE49-F238E27FC236}">
-                  <a16:creationId xmlns:a16="http://schemas.microsoft.com/office/drawing/2014/main" xmlns="" id="{22A53CAA-1C49-4CD0-8D4C-B888527327E4}"/>
+                  <a16:creationId xmlns:a16="http://schemas.microsoft.com/office/drawing/2014/main" id="{22A53CAA-1C49-4CD0-8D4C-B888527327E4}"/>
                 </a:ext>
               </a:extLst>
             </p:cNvPr>
@@ -5660,18 +5876,17 @@
             <a:p>
               <a:pPr algn="ctr"/>
               <a:r>
-                <a:rPr lang="zh-CN" altLang="en-US" dirty="0" smtClean="0"/>
+                <a:rPr lang="zh-CN" altLang="en-US" dirty="0"/>
                 <a:t>查看</a:t>
               </a:r>
-              <a:endParaRPr lang="en-US" altLang="zh-CN" dirty="0" smtClean="0"/>
+              <a:endParaRPr lang="en-US" altLang="zh-CN" dirty="0"/>
             </a:p>
             <a:p>
               <a:pPr algn="ctr"/>
               <a:r>
-                <a:rPr lang="zh-CN" altLang="en-US" dirty="0" smtClean="0"/>
+                <a:rPr lang="zh-CN" altLang="en-US" dirty="0"/>
                 <a:t>保存结果</a:t>
               </a:r>
-              <a:endParaRPr lang="zh-CN" altLang="en-US" dirty="0"/>
             </a:p>
           </p:txBody>
         </p:sp>
@@ -5680,7 +5895,7 @@
             <p:cNvPr id="92" name="直接箭头连接符 91">
               <a:extLst>
                 <a:ext uri="{FF2B5EF4-FFF2-40B4-BE49-F238E27FC236}">
-                  <a16:creationId xmlns:a16="http://schemas.microsoft.com/office/drawing/2014/main" xmlns="" id="{8C095344-4BB6-4046-9AF9-1345C0A6FE41}"/>
+                  <a16:creationId xmlns:a16="http://schemas.microsoft.com/office/drawing/2014/main" id="{8C095344-4BB6-4046-9AF9-1345C0A6FE41}"/>
                 </a:ext>
               </a:extLst>
             </p:cNvPr>
@@ -5722,7 +5937,7 @@
             <p:cNvPr id="101" name="连接符: 肘形 16">
               <a:extLst>
                 <a:ext uri="{FF2B5EF4-FFF2-40B4-BE49-F238E27FC236}">
-                  <a16:creationId xmlns:a16="http://schemas.microsoft.com/office/drawing/2014/main" xmlns="" id="{61CCB5EB-A947-4A69-86F6-CCB0FB1D8901}"/>
+                  <a16:creationId xmlns:a16="http://schemas.microsoft.com/office/drawing/2014/main" id="{61CCB5EB-A947-4A69-86F6-CCB0FB1D8901}"/>
                 </a:ext>
               </a:extLst>
             </p:cNvPr>
@@ -5767,7 +5982,7 @@
             <p:cNvPr id="104" name="连接符: 肘形 16">
               <a:extLst>
                 <a:ext uri="{FF2B5EF4-FFF2-40B4-BE49-F238E27FC236}">
-                  <a16:creationId xmlns:a16="http://schemas.microsoft.com/office/drawing/2014/main" xmlns="" id="{61CCB5EB-A947-4A69-86F6-CCB0FB1D8901}"/>
+                  <a16:creationId xmlns:a16="http://schemas.microsoft.com/office/drawing/2014/main" id="{61CCB5EB-A947-4A69-86F6-CCB0FB1D8901}"/>
                 </a:ext>
               </a:extLst>
             </p:cNvPr>
@@ -5810,7 +6025,7 @@
             <p:cNvPr id="105" name="直接箭头连接符 104">
               <a:extLst>
                 <a:ext uri="{FF2B5EF4-FFF2-40B4-BE49-F238E27FC236}">
-                  <a16:creationId xmlns:a16="http://schemas.microsoft.com/office/drawing/2014/main" xmlns="" id="{C1ADEA83-2977-4145-B66C-8227C05BCFA3}"/>
+                  <a16:creationId xmlns:a16="http://schemas.microsoft.com/office/drawing/2014/main" id="{C1ADEA83-2977-4145-B66C-8227C05BCFA3}"/>
                 </a:ext>
               </a:extLst>
             </p:cNvPr>
@@ -5853,7 +6068,7 @@
             <p:cNvPr id="108" name="直接箭头连接符 107">
               <a:extLst>
                 <a:ext uri="{FF2B5EF4-FFF2-40B4-BE49-F238E27FC236}">
-                  <a16:creationId xmlns:a16="http://schemas.microsoft.com/office/drawing/2014/main" xmlns="" id="{C1ADEA83-2977-4145-B66C-8227C05BCFA3}"/>
+                  <a16:creationId xmlns:a16="http://schemas.microsoft.com/office/drawing/2014/main" id="{C1ADEA83-2977-4145-B66C-8227C05BCFA3}"/>
                 </a:ext>
               </a:extLst>
             </p:cNvPr>
@@ -5896,7 +6111,7 @@
             <p:cNvPr id="111" name="连接符: 肘形 59">
               <a:extLst>
                 <a:ext uri="{FF2B5EF4-FFF2-40B4-BE49-F238E27FC236}">
-                  <a16:creationId xmlns:a16="http://schemas.microsoft.com/office/drawing/2014/main" xmlns="" id="{11057A49-1D8D-44F2-A469-1B3C296E495A}"/>
+                  <a16:creationId xmlns:a16="http://schemas.microsoft.com/office/drawing/2014/main" id="{11057A49-1D8D-44F2-A469-1B3C296E495A}"/>
                 </a:ext>
               </a:extLst>
             </p:cNvPr>
@@ -5940,7 +6155,7 @@
             <p:cNvPr id="116" name="矩形 115">
               <a:extLst>
                 <a:ext uri="{FF2B5EF4-FFF2-40B4-BE49-F238E27FC236}">
-                  <a16:creationId xmlns:a16="http://schemas.microsoft.com/office/drawing/2014/main" xmlns="" id="{22A53CAA-1C49-4CD0-8D4C-B888527327E4}"/>
+                  <a16:creationId xmlns:a16="http://schemas.microsoft.com/office/drawing/2014/main" id="{22A53CAA-1C49-4CD0-8D4C-B888527327E4}"/>
                 </a:ext>
               </a:extLst>
             </p:cNvPr>
@@ -5978,18 +6193,17 @@
             <a:p>
               <a:pPr algn="ctr"/>
               <a:r>
-                <a:rPr lang="zh-CN" altLang="en-US" dirty="0" smtClean="0"/>
+                <a:rPr lang="zh-CN" altLang="en-US" dirty="0"/>
                 <a:t>选定</a:t>
               </a:r>
-              <a:endParaRPr lang="en-US" altLang="zh-CN" dirty="0" smtClean="0"/>
+              <a:endParaRPr lang="en-US" altLang="zh-CN" dirty="0"/>
             </a:p>
             <a:p>
               <a:pPr algn="ctr"/>
               <a:r>
-                <a:rPr lang="zh-CN" altLang="en-US" dirty="0" smtClean="0"/>
+                <a:rPr lang="zh-CN" altLang="en-US" dirty="0"/>
                 <a:t>资源类别</a:t>
               </a:r>
-              <a:endParaRPr lang="zh-CN" altLang="en-US" dirty="0"/>
             </a:p>
           </p:txBody>
         </p:sp>
@@ -5998,7 +6212,7 @@
             <p:cNvPr id="122" name="矩形 121">
               <a:extLst>
                 <a:ext uri="{FF2B5EF4-FFF2-40B4-BE49-F238E27FC236}">
-                  <a16:creationId xmlns:a16="http://schemas.microsoft.com/office/drawing/2014/main" xmlns="" id="{22A53CAA-1C49-4CD0-8D4C-B888527327E4}"/>
+                  <a16:creationId xmlns:a16="http://schemas.microsoft.com/office/drawing/2014/main" id="{22A53CAA-1C49-4CD0-8D4C-B888527327E4}"/>
                 </a:ext>
               </a:extLst>
             </p:cNvPr>
@@ -6036,18 +6250,17 @@
             <a:p>
               <a:pPr algn="ctr"/>
               <a:r>
-                <a:rPr lang="zh-CN" altLang="en-US" dirty="0" smtClean="0"/>
+                <a:rPr lang="zh-CN" altLang="en-US" dirty="0"/>
                 <a:t>点击</a:t>
               </a:r>
-              <a:endParaRPr lang="en-US" altLang="zh-CN" dirty="0" smtClean="0"/>
+              <a:endParaRPr lang="en-US" altLang="zh-CN" dirty="0"/>
             </a:p>
             <a:p>
               <a:pPr algn="ctr"/>
               <a:r>
-                <a:rPr lang="zh-CN" altLang="en-US" dirty="0" smtClean="0"/>
+                <a:rPr lang="zh-CN" altLang="en-US" dirty="0"/>
                 <a:t>删除资源类别</a:t>
               </a:r>
-              <a:endParaRPr lang="zh-CN" altLang="en-US" dirty="0"/>
             </a:p>
           </p:txBody>
         </p:sp>
@@ -6056,7 +6269,7 @@
             <p:cNvPr id="124" name="连接符: 肘形 16">
               <a:extLst>
                 <a:ext uri="{FF2B5EF4-FFF2-40B4-BE49-F238E27FC236}">
-                  <a16:creationId xmlns:a16="http://schemas.microsoft.com/office/drawing/2014/main" xmlns="" id="{61CCB5EB-A947-4A69-86F6-CCB0FB1D8901}"/>
+                  <a16:creationId xmlns:a16="http://schemas.microsoft.com/office/drawing/2014/main" id="{61CCB5EB-A947-4A69-86F6-CCB0FB1D8901}"/>
                 </a:ext>
               </a:extLst>
             </p:cNvPr>
@@ -6101,7 +6314,7 @@
             <p:cNvPr id="153" name="菱形 152">
               <a:extLst>
                 <a:ext uri="{FF2B5EF4-FFF2-40B4-BE49-F238E27FC236}">
-                  <a16:creationId xmlns:a16="http://schemas.microsoft.com/office/drawing/2014/main" xmlns="" id="{DCAC3279-15F0-49D6-A37B-43137D51DF03}"/>
+                  <a16:creationId xmlns:a16="http://schemas.microsoft.com/office/drawing/2014/main" id="{DCAC3279-15F0-49D6-A37B-43137D51DF03}"/>
                 </a:ext>
               </a:extLst>
             </p:cNvPr>
@@ -6139,10 +6352,9 @@
             <a:p>
               <a:pPr algn="ctr"/>
               <a:r>
-                <a:rPr lang="zh-CN" altLang="en-US" dirty="0" smtClean="0"/>
+                <a:rPr lang="zh-CN" altLang="en-US" dirty="0"/>
                 <a:t>确认删除</a:t>
               </a:r>
-              <a:endParaRPr lang="zh-CN" altLang="en-US" dirty="0"/>
             </a:p>
           </p:txBody>
         </p:sp>
@@ -6151,7 +6363,7 @@
             <p:cNvPr id="156" name="直接箭头连接符 155">
               <a:extLst>
                 <a:ext uri="{FF2B5EF4-FFF2-40B4-BE49-F238E27FC236}">
-                  <a16:creationId xmlns:a16="http://schemas.microsoft.com/office/drawing/2014/main" xmlns="" id="{C1ADEA83-2977-4145-B66C-8227C05BCFA3}"/>
+                  <a16:creationId xmlns:a16="http://schemas.microsoft.com/office/drawing/2014/main" id="{C1ADEA83-2977-4145-B66C-8227C05BCFA3}"/>
                 </a:ext>
               </a:extLst>
             </p:cNvPr>
@@ -6194,7 +6406,7 @@
             <p:cNvPr id="159" name="文本框 37">
               <a:extLst>
                 <a:ext uri="{FF2B5EF4-FFF2-40B4-BE49-F238E27FC236}">
-                  <a16:creationId xmlns:a16="http://schemas.microsoft.com/office/drawing/2014/main" xmlns="" id="{C055368F-6126-4BE4-8190-285EB58D59D8}"/>
+                  <a16:creationId xmlns:a16="http://schemas.microsoft.com/office/drawing/2014/main" id="{C055368F-6126-4BE4-8190-285EB58D59D8}"/>
                 </a:ext>
               </a:extLst>
             </p:cNvPr>
@@ -6233,7 +6445,7 @@
             <p:cNvPr id="164" name="文本框 37">
               <a:extLst>
                 <a:ext uri="{FF2B5EF4-FFF2-40B4-BE49-F238E27FC236}">
-                  <a16:creationId xmlns:a16="http://schemas.microsoft.com/office/drawing/2014/main" xmlns="" id="{C055368F-6126-4BE4-8190-285EB58D59D8}"/>
+                  <a16:creationId xmlns:a16="http://schemas.microsoft.com/office/drawing/2014/main" id="{C055368F-6126-4BE4-8190-285EB58D59D8}"/>
                 </a:ext>
               </a:extLst>
             </p:cNvPr>
@@ -6272,7 +6484,7 @@
             <p:cNvPr id="165" name="文本框 40">
               <a:extLst>
                 <a:ext uri="{FF2B5EF4-FFF2-40B4-BE49-F238E27FC236}">
-                  <a16:creationId xmlns:a16="http://schemas.microsoft.com/office/drawing/2014/main" xmlns="" id="{19129B04-F042-4BE8-A718-BED57C746EEE}"/>
+                  <a16:creationId xmlns:a16="http://schemas.microsoft.com/office/drawing/2014/main" id="{19129B04-F042-4BE8-A718-BED57C746EEE}"/>
                 </a:ext>
               </a:extLst>
             </p:cNvPr>
@@ -6311,7 +6523,7 @@
             <p:cNvPr id="167" name="矩形: 圆角 8">
               <a:extLst>
                 <a:ext uri="{FF2B5EF4-FFF2-40B4-BE49-F238E27FC236}">
-                  <a16:creationId xmlns:a16="http://schemas.microsoft.com/office/drawing/2014/main" xmlns="" id="{D789051B-4EAF-46A6-808D-6B06CA75FD4D}"/>
+                  <a16:creationId xmlns:a16="http://schemas.microsoft.com/office/drawing/2014/main" id="{D789051B-4EAF-46A6-808D-6B06CA75FD4D}"/>
                 </a:ext>
               </a:extLst>
             </p:cNvPr>
@@ -6352,10 +6564,9 @@
             <a:p>
               <a:pPr algn="ctr"/>
               <a:r>
-                <a:rPr lang="zh-CN" altLang="en-US" dirty="0" smtClean="0"/>
+                <a:rPr lang="zh-CN" altLang="en-US" dirty="0"/>
                 <a:t>删除选定类别</a:t>
               </a:r>
-              <a:endParaRPr lang="zh-CN" altLang="en-US" dirty="0"/>
             </a:p>
           </p:txBody>
         </p:sp>
@@ -6364,7 +6575,7 @@
             <p:cNvPr id="170" name="直接箭头连接符 169">
               <a:extLst>
                 <a:ext uri="{FF2B5EF4-FFF2-40B4-BE49-F238E27FC236}">
-                  <a16:creationId xmlns:a16="http://schemas.microsoft.com/office/drawing/2014/main" xmlns="" id="{0C7ACE7F-3FB4-4F3A-96B2-7A14A468BD48}"/>
+                  <a16:creationId xmlns:a16="http://schemas.microsoft.com/office/drawing/2014/main" id="{0C7ACE7F-3FB4-4F3A-96B2-7A14A468BD48}"/>
                 </a:ext>
               </a:extLst>
             </p:cNvPr>
@@ -6406,7 +6617,7 @@
             <p:cNvPr id="173" name="直接箭头连接符 172">
               <a:extLst>
                 <a:ext uri="{FF2B5EF4-FFF2-40B4-BE49-F238E27FC236}">
-                  <a16:creationId xmlns:a16="http://schemas.microsoft.com/office/drawing/2014/main" xmlns="" id="{0C7ACE7F-3FB4-4F3A-96B2-7A14A468BD48}"/>
+                  <a16:creationId xmlns:a16="http://schemas.microsoft.com/office/drawing/2014/main" id="{0C7ACE7F-3FB4-4F3A-96B2-7A14A468BD48}"/>
                 </a:ext>
               </a:extLst>
             </p:cNvPr>
@@ -6485,10 +6696,9 @@
           <a:lstStyle/>
           <a:p>
             <a:r>
-              <a:rPr lang="zh-CN" altLang="en-US" dirty="0" smtClean="0"/>
+              <a:rPr lang="zh-CN" altLang="en-US" dirty="0"/>
               <a:t>资源内容管理</a:t>
             </a:r>
-            <a:endParaRPr lang="zh-CN" altLang="en-US" dirty="0"/>
           </a:p>
         </p:txBody>
       </p:sp>
@@ -6497,7 +6707,7 @@
           <p:cNvPr id="5" name="矩形: 圆角 3">
             <a:extLst>
               <a:ext uri="{FF2B5EF4-FFF2-40B4-BE49-F238E27FC236}">
-                <a16:creationId xmlns:a16="http://schemas.microsoft.com/office/drawing/2014/main" xmlns="" id="{F24F2D3D-3C90-414F-9605-7EBC4C1FD133}"/>
+                <a16:creationId xmlns:a16="http://schemas.microsoft.com/office/drawing/2014/main" id="{F24F2D3D-3C90-414F-9605-7EBC4C1FD133}"/>
               </a:ext>
             </a:extLst>
           </p:cNvPr>
@@ -6535,10 +6745,9 @@
           <a:p>
             <a:pPr algn="ctr"/>
             <a:r>
-              <a:rPr lang="zh-CN" altLang="en-US" sz="1200" dirty="0" smtClean="0"/>
+              <a:rPr lang="zh-CN" altLang="en-US" sz="1200" dirty="0"/>
               <a:t>开始</a:t>
             </a:r>
-            <a:endParaRPr lang="zh-CN" altLang="en-US" sz="1200" dirty="0"/>
           </a:p>
         </p:txBody>
       </p:sp>
@@ -6547,7 +6756,7 @@
           <p:cNvPr id="6" name="菱形 5">
             <a:extLst>
               <a:ext uri="{FF2B5EF4-FFF2-40B4-BE49-F238E27FC236}">
-                <a16:creationId xmlns:a16="http://schemas.microsoft.com/office/drawing/2014/main" xmlns="" id="{DCAC3279-15F0-49D6-A37B-43137D51DF03}"/>
+                <a16:creationId xmlns:a16="http://schemas.microsoft.com/office/drawing/2014/main" id="{DCAC3279-15F0-49D6-A37B-43137D51DF03}"/>
               </a:ext>
             </a:extLst>
           </p:cNvPr>
@@ -6588,10 +6797,9 @@
           <a:p>
             <a:pPr algn="ctr"/>
             <a:r>
-              <a:rPr lang="zh-CN" altLang="en-US" sz="1200" dirty="0" smtClean="0"/>
+              <a:rPr lang="zh-CN" altLang="en-US" sz="1200" dirty="0"/>
               <a:t>审核通过</a:t>
             </a:r>
-            <a:endParaRPr lang="zh-CN" altLang="en-US" sz="1200" dirty="0"/>
           </a:p>
         </p:txBody>
       </p:sp>
@@ -6600,7 +6808,7 @@
           <p:cNvPr id="7" name="连接符: 肘形 16">
             <a:extLst>
               <a:ext uri="{FF2B5EF4-FFF2-40B4-BE49-F238E27FC236}">
-                <a16:creationId xmlns:a16="http://schemas.microsoft.com/office/drawing/2014/main" xmlns="" id="{61CCB5EB-A947-4A69-86F6-CCB0FB1D8901}"/>
+                <a16:creationId xmlns:a16="http://schemas.microsoft.com/office/drawing/2014/main" id="{61CCB5EB-A947-4A69-86F6-CCB0FB1D8901}"/>
               </a:ext>
             </a:extLst>
           </p:cNvPr>
@@ -6645,7 +6853,7 @@
           <p:cNvPr id="9" name="连接符: 肘形 39">
             <a:extLst>
               <a:ext uri="{FF2B5EF4-FFF2-40B4-BE49-F238E27FC236}">
-                <a16:creationId xmlns:a16="http://schemas.microsoft.com/office/drawing/2014/main" xmlns="" id="{58E7B1DC-2A85-47CC-84F3-6D4E6E9A8A3E}"/>
+                <a16:creationId xmlns:a16="http://schemas.microsoft.com/office/drawing/2014/main" id="{58E7B1DC-2A85-47CC-84F3-6D4E6E9A8A3E}"/>
               </a:ext>
             </a:extLst>
           </p:cNvPr>
@@ -6690,7 +6898,7 @@
           <p:cNvPr id="10" name="文本框 40">
             <a:extLst>
               <a:ext uri="{FF2B5EF4-FFF2-40B4-BE49-F238E27FC236}">
-                <a16:creationId xmlns:a16="http://schemas.microsoft.com/office/drawing/2014/main" xmlns="" id="{19129B04-F042-4BE8-A718-BED57C746EEE}"/>
+                <a16:creationId xmlns:a16="http://schemas.microsoft.com/office/drawing/2014/main" id="{19129B04-F042-4BE8-A718-BED57C746EEE}"/>
               </a:ext>
             </a:extLst>
           </p:cNvPr>
@@ -6729,7 +6937,7 @@
           <p:cNvPr id="11" name="直接箭头连接符 10">
             <a:extLst>
               <a:ext uri="{FF2B5EF4-FFF2-40B4-BE49-F238E27FC236}">
-                <a16:creationId xmlns:a16="http://schemas.microsoft.com/office/drawing/2014/main" xmlns="" id="{8C095344-4BB6-4046-9AF9-1345C0A6FE41}"/>
+                <a16:creationId xmlns:a16="http://schemas.microsoft.com/office/drawing/2014/main" id="{8C095344-4BB6-4046-9AF9-1345C0A6FE41}"/>
               </a:ext>
             </a:extLst>
           </p:cNvPr>
@@ -6771,7 +6979,7 @@
           <p:cNvPr id="12" name="直接箭头连接符 11">
             <a:extLst>
               <a:ext uri="{FF2B5EF4-FFF2-40B4-BE49-F238E27FC236}">
-                <a16:creationId xmlns:a16="http://schemas.microsoft.com/office/drawing/2014/main" xmlns="" id="{0C7ACE7F-3FB4-4F3A-96B2-7A14A468BD48}"/>
+                <a16:creationId xmlns:a16="http://schemas.microsoft.com/office/drawing/2014/main" id="{0C7ACE7F-3FB4-4F3A-96B2-7A14A468BD48}"/>
               </a:ext>
             </a:extLst>
           </p:cNvPr>
@@ -6813,7 +7021,7 @@
           <p:cNvPr id="13" name="连接符: 肘形 59">
             <a:extLst>
               <a:ext uri="{FF2B5EF4-FFF2-40B4-BE49-F238E27FC236}">
-                <a16:creationId xmlns:a16="http://schemas.microsoft.com/office/drawing/2014/main" xmlns="" id="{11057A49-1D8D-44F2-A469-1B3C296E495A}"/>
+                <a16:creationId xmlns:a16="http://schemas.microsoft.com/office/drawing/2014/main" id="{11057A49-1D8D-44F2-A469-1B3C296E495A}"/>
               </a:ext>
             </a:extLst>
           </p:cNvPr>
@@ -6857,7 +7065,7 @@
           <p:cNvPr id="15" name="矩形 14">
             <a:extLst>
               <a:ext uri="{FF2B5EF4-FFF2-40B4-BE49-F238E27FC236}">
-                <a16:creationId xmlns:a16="http://schemas.microsoft.com/office/drawing/2014/main" xmlns="" id="{22A53CAA-1C49-4CD0-8D4C-B888527327E4}"/>
+                <a16:creationId xmlns:a16="http://schemas.microsoft.com/office/drawing/2014/main" id="{22A53CAA-1C49-4CD0-8D4C-B888527327E4}"/>
               </a:ext>
             </a:extLst>
           </p:cNvPr>
@@ -6895,18 +7103,17 @@
           <a:p>
             <a:pPr algn="ctr"/>
             <a:r>
-              <a:rPr lang="zh-CN" altLang="en-US" sz="1200" dirty="0" smtClean="0"/>
+              <a:rPr lang="zh-CN" altLang="en-US" sz="1200" dirty="0"/>
               <a:t>点击</a:t>
             </a:r>
-            <a:endParaRPr lang="en-US" altLang="zh-CN" sz="1200" dirty="0" smtClean="0"/>
+            <a:endParaRPr lang="en-US" altLang="zh-CN" sz="1200" dirty="0"/>
           </a:p>
           <a:p>
             <a:pPr algn="ctr"/>
             <a:r>
-              <a:rPr lang="zh-CN" altLang="en-US" sz="1200" dirty="0" smtClean="0"/>
+              <a:rPr lang="zh-CN" altLang="en-US" sz="1200" dirty="0"/>
               <a:t>点击录入资源</a:t>
             </a:r>
-            <a:endParaRPr lang="zh-CN" altLang="en-US" sz="1200" dirty="0"/>
           </a:p>
         </p:txBody>
       </p:sp>
@@ -6915,7 +7122,7 @@
           <p:cNvPr id="16" name="矩形 15">
             <a:extLst>
               <a:ext uri="{FF2B5EF4-FFF2-40B4-BE49-F238E27FC236}">
-                <a16:creationId xmlns:a16="http://schemas.microsoft.com/office/drawing/2014/main" xmlns="" id="{22A53CAA-1C49-4CD0-8D4C-B888527327E4}"/>
+                <a16:creationId xmlns:a16="http://schemas.microsoft.com/office/drawing/2014/main" id="{22A53CAA-1C49-4CD0-8D4C-B888527327E4}"/>
               </a:ext>
             </a:extLst>
           </p:cNvPr>
@@ -6953,18 +7160,17 @@
           <a:p>
             <a:pPr algn="ctr"/>
             <a:r>
-              <a:rPr lang="zh-CN" altLang="en-US" sz="1200" dirty="0" smtClean="0"/>
+              <a:rPr lang="zh-CN" altLang="en-US" sz="1200" dirty="0"/>
               <a:t>录入</a:t>
             </a:r>
-            <a:endParaRPr lang="en-US" altLang="zh-CN" sz="1200" dirty="0" smtClean="0"/>
+            <a:endParaRPr lang="en-US" altLang="zh-CN" sz="1200" dirty="0"/>
           </a:p>
           <a:p>
             <a:pPr algn="ctr"/>
             <a:r>
-              <a:rPr lang="zh-CN" altLang="en-US" sz="1200" dirty="0" smtClean="0"/>
+              <a:rPr lang="zh-CN" altLang="en-US" sz="1200" dirty="0"/>
               <a:t>资源及属性</a:t>
             </a:r>
-            <a:endParaRPr lang="zh-CN" altLang="en-US" sz="1200" dirty="0"/>
           </a:p>
         </p:txBody>
       </p:sp>
@@ -6973,7 +7179,7 @@
           <p:cNvPr id="17" name="直接箭头连接符 16">
             <a:extLst>
               <a:ext uri="{FF2B5EF4-FFF2-40B4-BE49-F238E27FC236}">
-                <a16:creationId xmlns:a16="http://schemas.microsoft.com/office/drawing/2014/main" xmlns="" id="{C1ADEA83-2977-4145-B66C-8227C05BCFA3}"/>
+                <a16:creationId xmlns:a16="http://schemas.microsoft.com/office/drawing/2014/main" id="{C1ADEA83-2977-4145-B66C-8227C05BCFA3}"/>
               </a:ext>
             </a:extLst>
           </p:cNvPr>
@@ -7016,7 +7222,7 @@
           <p:cNvPr id="20" name="矩形: 圆角 3">
             <a:extLst>
               <a:ext uri="{FF2B5EF4-FFF2-40B4-BE49-F238E27FC236}">
-                <a16:creationId xmlns:a16="http://schemas.microsoft.com/office/drawing/2014/main" xmlns="" id="{F24F2D3D-3C90-414F-9605-7EBC4C1FD133}"/>
+                <a16:creationId xmlns:a16="http://schemas.microsoft.com/office/drawing/2014/main" id="{F24F2D3D-3C90-414F-9605-7EBC4C1FD133}"/>
               </a:ext>
             </a:extLst>
           </p:cNvPr>
@@ -7054,10 +7260,9 @@
           <a:p>
             <a:pPr algn="ctr"/>
             <a:r>
-              <a:rPr lang="zh-CN" altLang="en-US" sz="1200" dirty="0" smtClean="0"/>
+              <a:rPr lang="zh-CN" altLang="en-US" sz="1200" dirty="0"/>
               <a:t>结束</a:t>
             </a:r>
-            <a:endParaRPr lang="zh-CN" altLang="en-US" sz="1200" dirty="0"/>
           </a:p>
         </p:txBody>
       </p:sp>
@@ -7066,7 +7271,7 @@
           <p:cNvPr id="21" name="矩形 20">
             <a:extLst>
               <a:ext uri="{FF2B5EF4-FFF2-40B4-BE49-F238E27FC236}">
-                <a16:creationId xmlns:a16="http://schemas.microsoft.com/office/drawing/2014/main" xmlns="" id="{22A53CAA-1C49-4CD0-8D4C-B888527327E4}"/>
+                <a16:creationId xmlns:a16="http://schemas.microsoft.com/office/drawing/2014/main" id="{22A53CAA-1C49-4CD0-8D4C-B888527327E4}"/>
               </a:ext>
             </a:extLst>
           </p:cNvPr>
@@ -7104,18 +7309,17 @@
           <a:p>
             <a:pPr algn="ctr"/>
             <a:r>
-              <a:rPr lang="zh-CN" altLang="en-US" sz="1200" dirty="0" smtClean="0"/>
+              <a:rPr lang="zh-CN" altLang="en-US" sz="1200" dirty="0"/>
               <a:t>点击</a:t>
             </a:r>
-            <a:endParaRPr lang="en-US" altLang="zh-CN" sz="1200" dirty="0" smtClean="0"/>
+            <a:endParaRPr lang="en-US" altLang="zh-CN" sz="1200" dirty="0"/>
           </a:p>
           <a:p>
             <a:pPr algn="ctr"/>
             <a:r>
-              <a:rPr lang="zh-CN" altLang="en-US" sz="1200" dirty="0" smtClean="0"/>
+              <a:rPr lang="zh-CN" altLang="en-US" sz="1200" dirty="0"/>
               <a:t>修改资源</a:t>
             </a:r>
-            <a:endParaRPr lang="zh-CN" altLang="en-US" sz="1200" dirty="0"/>
           </a:p>
         </p:txBody>
       </p:sp>
@@ -7124,7 +7328,7 @@
           <p:cNvPr id="22" name="矩形 21">
             <a:extLst>
               <a:ext uri="{FF2B5EF4-FFF2-40B4-BE49-F238E27FC236}">
-                <a16:creationId xmlns:a16="http://schemas.microsoft.com/office/drawing/2014/main" xmlns="" id="{22A53CAA-1C49-4CD0-8D4C-B888527327E4}"/>
+                <a16:creationId xmlns:a16="http://schemas.microsoft.com/office/drawing/2014/main" id="{22A53CAA-1C49-4CD0-8D4C-B888527327E4}"/>
               </a:ext>
             </a:extLst>
           </p:cNvPr>
@@ -7162,18 +7366,17 @@
           <a:p>
             <a:pPr algn="ctr"/>
             <a:r>
-              <a:rPr lang="zh-CN" altLang="en-US" sz="1200" dirty="0" smtClean="0"/>
+              <a:rPr lang="zh-CN" altLang="en-US" sz="1200" dirty="0"/>
               <a:t>修改</a:t>
             </a:r>
-            <a:endParaRPr lang="en-US" altLang="zh-CN" sz="1200" dirty="0" smtClean="0"/>
+            <a:endParaRPr lang="en-US" altLang="zh-CN" sz="1200" dirty="0"/>
           </a:p>
           <a:p>
             <a:pPr algn="ctr"/>
             <a:r>
-              <a:rPr lang="zh-CN" altLang="en-US" sz="1200" dirty="0" smtClean="0"/>
+              <a:rPr lang="zh-CN" altLang="en-US" sz="1200" dirty="0"/>
               <a:t>资源及属性</a:t>
             </a:r>
-            <a:endParaRPr lang="zh-CN" altLang="en-US" sz="1200" dirty="0" smtClean="0"/>
           </a:p>
         </p:txBody>
       </p:sp>
@@ -7182,7 +7385,7 @@
           <p:cNvPr id="24" name="矩形 23">
             <a:extLst>
               <a:ext uri="{FF2B5EF4-FFF2-40B4-BE49-F238E27FC236}">
-                <a16:creationId xmlns:a16="http://schemas.microsoft.com/office/drawing/2014/main" xmlns="" id="{22A53CAA-1C49-4CD0-8D4C-B888527327E4}"/>
+                <a16:creationId xmlns:a16="http://schemas.microsoft.com/office/drawing/2014/main" id="{22A53CAA-1C49-4CD0-8D4C-B888527327E4}"/>
               </a:ext>
             </a:extLst>
           </p:cNvPr>
@@ -7220,18 +7423,17 @@
           <a:p>
             <a:pPr algn="ctr"/>
             <a:r>
-              <a:rPr lang="zh-CN" altLang="en-US" sz="1200" dirty="0" smtClean="0"/>
+              <a:rPr lang="zh-CN" altLang="en-US" sz="1200" dirty="0"/>
               <a:t>查看</a:t>
             </a:r>
-            <a:endParaRPr lang="en-US" altLang="zh-CN" sz="1200" dirty="0" smtClean="0"/>
+            <a:endParaRPr lang="en-US" altLang="zh-CN" sz="1200" dirty="0"/>
           </a:p>
           <a:p>
             <a:pPr algn="ctr"/>
             <a:r>
-              <a:rPr lang="zh-CN" altLang="en-US" sz="1200" dirty="0" smtClean="0"/>
+              <a:rPr lang="zh-CN" altLang="en-US" sz="1200" dirty="0"/>
               <a:t>保存结果</a:t>
             </a:r>
-            <a:endParaRPr lang="zh-CN" altLang="en-US" sz="1200" dirty="0"/>
           </a:p>
         </p:txBody>
       </p:sp>
@@ -7240,7 +7442,7 @@
           <p:cNvPr id="25" name="直接箭头连接符 24">
             <a:extLst>
               <a:ext uri="{FF2B5EF4-FFF2-40B4-BE49-F238E27FC236}">
-                <a16:creationId xmlns:a16="http://schemas.microsoft.com/office/drawing/2014/main" xmlns="" id="{8C095344-4BB6-4046-9AF9-1345C0A6FE41}"/>
+                <a16:creationId xmlns:a16="http://schemas.microsoft.com/office/drawing/2014/main" id="{8C095344-4BB6-4046-9AF9-1345C0A6FE41}"/>
               </a:ext>
             </a:extLst>
           </p:cNvPr>
@@ -7282,7 +7484,7 @@
           <p:cNvPr id="27" name="连接符: 肘形 16">
             <a:extLst>
               <a:ext uri="{FF2B5EF4-FFF2-40B4-BE49-F238E27FC236}">
-                <a16:creationId xmlns:a16="http://schemas.microsoft.com/office/drawing/2014/main" xmlns="" id="{61CCB5EB-A947-4A69-86F6-CCB0FB1D8901}"/>
+                <a16:creationId xmlns:a16="http://schemas.microsoft.com/office/drawing/2014/main" id="{61CCB5EB-A947-4A69-86F6-CCB0FB1D8901}"/>
               </a:ext>
             </a:extLst>
           </p:cNvPr>
@@ -7327,7 +7529,7 @@
           <p:cNvPr id="28" name="直接箭头连接符 27">
             <a:extLst>
               <a:ext uri="{FF2B5EF4-FFF2-40B4-BE49-F238E27FC236}">
-                <a16:creationId xmlns:a16="http://schemas.microsoft.com/office/drawing/2014/main" xmlns="" id="{C1ADEA83-2977-4145-B66C-8227C05BCFA3}"/>
+                <a16:creationId xmlns:a16="http://schemas.microsoft.com/office/drawing/2014/main" id="{C1ADEA83-2977-4145-B66C-8227C05BCFA3}"/>
               </a:ext>
             </a:extLst>
           </p:cNvPr>
@@ -7370,7 +7572,7 @@
           <p:cNvPr id="30" name="连接符: 肘形 59">
             <a:extLst>
               <a:ext uri="{FF2B5EF4-FFF2-40B4-BE49-F238E27FC236}">
-                <a16:creationId xmlns:a16="http://schemas.microsoft.com/office/drawing/2014/main" xmlns="" id="{11057A49-1D8D-44F2-A469-1B3C296E495A}"/>
+                <a16:creationId xmlns:a16="http://schemas.microsoft.com/office/drawing/2014/main" id="{11057A49-1D8D-44F2-A469-1B3C296E495A}"/>
               </a:ext>
             </a:extLst>
           </p:cNvPr>
@@ -7414,7 +7616,7 @@
           <p:cNvPr id="31" name="矩形 30">
             <a:extLst>
               <a:ext uri="{FF2B5EF4-FFF2-40B4-BE49-F238E27FC236}">
-                <a16:creationId xmlns:a16="http://schemas.microsoft.com/office/drawing/2014/main" xmlns="" id="{22A53CAA-1C49-4CD0-8D4C-B888527327E4}"/>
+                <a16:creationId xmlns:a16="http://schemas.microsoft.com/office/drawing/2014/main" id="{22A53CAA-1C49-4CD0-8D4C-B888527327E4}"/>
               </a:ext>
             </a:extLst>
           </p:cNvPr>
@@ -7452,18 +7654,17 @@
           <a:p>
             <a:pPr algn="ctr"/>
             <a:r>
-              <a:rPr lang="zh-CN" altLang="en-US" sz="1200" dirty="0" smtClean="0"/>
+              <a:rPr lang="zh-CN" altLang="en-US" sz="1200" dirty="0"/>
               <a:t>选定</a:t>
             </a:r>
-            <a:endParaRPr lang="en-US" altLang="zh-CN" sz="1200" dirty="0" smtClean="0"/>
+            <a:endParaRPr lang="en-US" altLang="zh-CN" sz="1200" dirty="0"/>
           </a:p>
           <a:p>
             <a:pPr algn="ctr"/>
             <a:r>
-              <a:rPr lang="zh-CN" altLang="en-US" sz="1200" dirty="0" smtClean="0"/>
+              <a:rPr lang="zh-CN" altLang="en-US" sz="1200" dirty="0"/>
               <a:t>资源类别</a:t>
             </a:r>
-            <a:endParaRPr lang="zh-CN" altLang="en-US" sz="1200" dirty="0"/>
           </a:p>
         </p:txBody>
       </p:sp>
@@ -7472,7 +7673,7 @@
           <p:cNvPr id="32" name="矩形 31">
             <a:extLst>
               <a:ext uri="{FF2B5EF4-FFF2-40B4-BE49-F238E27FC236}">
-                <a16:creationId xmlns:a16="http://schemas.microsoft.com/office/drawing/2014/main" xmlns="" id="{22A53CAA-1C49-4CD0-8D4C-B888527327E4}"/>
+                <a16:creationId xmlns:a16="http://schemas.microsoft.com/office/drawing/2014/main" id="{22A53CAA-1C49-4CD0-8D4C-B888527327E4}"/>
               </a:ext>
             </a:extLst>
           </p:cNvPr>
@@ -7510,18 +7711,17 @@
           <a:p>
             <a:pPr algn="ctr"/>
             <a:r>
-              <a:rPr lang="zh-CN" altLang="en-US" sz="1200" dirty="0" smtClean="0"/>
+              <a:rPr lang="zh-CN" altLang="en-US" sz="1200" dirty="0"/>
               <a:t>点击</a:t>
             </a:r>
-            <a:endParaRPr lang="en-US" altLang="zh-CN" sz="1200" dirty="0" smtClean="0"/>
+            <a:endParaRPr lang="en-US" altLang="zh-CN" sz="1200" dirty="0"/>
           </a:p>
           <a:p>
             <a:pPr algn="ctr"/>
             <a:r>
-              <a:rPr lang="zh-CN" altLang="en-US" sz="1200" dirty="0" smtClean="0"/>
+              <a:rPr lang="zh-CN" altLang="en-US" sz="1200" dirty="0"/>
               <a:t>删除资源</a:t>
             </a:r>
-            <a:endParaRPr lang="zh-CN" altLang="en-US" sz="1200" dirty="0"/>
           </a:p>
         </p:txBody>
       </p:sp>
@@ -7530,7 +7730,7 @@
           <p:cNvPr id="33" name="连接符: 肘形 16">
             <a:extLst>
               <a:ext uri="{FF2B5EF4-FFF2-40B4-BE49-F238E27FC236}">
-                <a16:creationId xmlns:a16="http://schemas.microsoft.com/office/drawing/2014/main" xmlns="" id="{61CCB5EB-A947-4A69-86F6-CCB0FB1D8901}"/>
+                <a16:creationId xmlns:a16="http://schemas.microsoft.com/office/drawing/2014/main" id="{61CCB5EB-A947-4A69-86F6-CCB0FB1D8901}"/>
               </a:ext>
             </a:extLst>
           </p:cNvPr>
@@ -7573,7 +7773,7 @@
           <p:cNvPr id="34" name="菱形 33">
             <a:extLst>
               <a:ext uri="{FF2B5EF4-FFF2-40B4-BE49-F238E27FC236}">
-                <a16:creationId xmlns:a16="http://schemas.microsoft.com/office/drawing/2014/main" xmlns="" id="{DCAC3279-15F0-49D6-A37B-43137D51DF03}"/>
+                <a16:creationId xmlns:a16="http://schemas.microsoft.com/office/drawing/2014/main" id="{DCAC3279-15F0-49D6-A37B-43137D51DF03}"/>
               </a:ext>
             </a:extLst>
           </p:cNvPr>
@@ -7611,10 +7811,9 @@
           <a:p>
             <a:pPr algn="ctr"/>
             <a:r>
-              <a:rPr lang="zh-CN" altLang="en-US" sz="1200" dirty="0" smtClean="0"/>
+              <a:rPr lang="zh-CN" altLang="en-US" sz="1200" dirty="0"/>
               <a:t>确认删除</a:t>
             </a:r>
-            <a:endParaRPr lang="zh-CN" altLang="en-US" sz="1200" dirty="0"/>
           </a:p>
         </p:txBody>
       </p:sp>
@@ -7623,7 +7822,7 @@
           <p:cNvPr id="36" name="文本框 37">
             <a:extLst>
               <a:ext uri="{FF2B5EF4-FFF2-40B4-BE49-F238E27FC236}">
-                <a16:creationId xmlns:a16="http://schemas.microsoft.com/office/drawing/2014/main" xmlns="" id="{C055368F-6126-4BE4-8190-285EB58D59D8}"/>
+                <a16:creationId xmlns:a16="http://schemas.microsoft.com/office/drawing/2014/main" id="{C055368F-6126-4BE4-8190-285EB58D59D8}"/>
               </a:ext>
             </a:extLst>
           </p:cNvPr>
@@ -7662,7 +7861,7 @@
           <p:cNvPr id="37" name="文本框 37">
             <a:extLst>
               <a:ext uri="{FF2B5EF4-FFF2-40B4-BE49-F238E27FC236}">
-                <a16:creationId xmlns:a16="http://schemas.microsoft.com/office/drawing/2014/main" xmlns="" id="{C055368F-6126-4BE4-8190-285EB58D59D8}"/>
+                <a16:creationId xmlns:a16="http://schemas.microsoft.com/office/drawing/2014/main" id="{C055368F-6126-4BE4-8190-285EB58D59D8}"/>
               </a:ext>
             </a:extLst>
           </p:cNvPr>
@@ -7701,7 +7900,7 @@
           <p:cNvPr id="38" name="文本框 40">
             <a:extLst>
               <a:ext uri="{FF2B5EF4-FFF2-40B4-BE49-F238E27FC236}">
-                <a16:creationId xmlns:a16="http://schemas.microsoft.com/office/drawing/2014/main" xmlns="" id="{19129B04-F042-4BE8-A718-BED57C746EEE}"/>
+                <a16:creationId xmlns:a16="http://schemas.microsoft.com/office/drawing/2014/main" id="{19129B04-F042-4BE8-A718-BED57C746EEE}"/>
               </a:ext>
             </a:extLst>
           </p:cNvPr>
@@ -7725,18 +7924,13 @@
           <a:lstStyle/>
           <a:p>
             <a:r>
-              <a:rPr lang="zh-CN" altLang="en-US" sz="1200" dirty="0" smtClean="0">
+              <a:rPr lang="zh-CN" altLang="en-US" sz="1200" dirty="0">
                 <a:solidFill>
                   <a:srgbClr val="FF0000"/>
                 </a:solidFill>
               </a:rPr>
               <a:t>返回</a:t>
             </a:r>
-            <a:endParaRPr lang="zh-CN" altLang="en-US" sz="1200" dirty="0">
-              <a:solidFill>
-                <a:srgbClr val="FF0000"/>
-              </a:solidFill>
-            </a:endParaRPr>
           </a:p>
         </p:txBody>
       </p:sp>
@@ -7745,7 +7939,7 @@
           <p:cNvPr id="39" name="矩形: 圆角 8">
             <a:extLst>
               <a:ext uri="{FF2B5EF4-FFF2-40B4-BE49-F238E27FC236}">
-                <a16:creationId xmlns:a16="http://schemas.microsoft.com/office/drawing/2014/main" xmlns="" id="{D789051B-4EAF-46A6-808D-6B06CA75FD4D}"/>
+                <a16:creationId xmlns:a16="http://schemas.microsoft.com/office/drawing/2014/main" id="{D789051B-4EAF-46A6-808D-6B06CA75FD4D}"/>
               </a:ext>
             </a:extLst>
           </p:cNvPr>
@@ -7786,10 +7980,9 @@
           <a:p>
             <a:pPr algn="ctr"/>
             <a:r>
-              <a:rPr lang="zh-CN" altLang="en-US" sz="1200" dirty="0" smtClean="0"/>
+              <a:rPr lang="zh-CN" altLang="en-US" sz="1200" dirty="0"/>
               <a:t>保存资源</a:t>
             </a:r>
-            <a:endParaRPr lang="zh-CN" altLang="en-US" sz="1200" dirty="0"/>
           </a:p>
         </p:txBody>
       </p:sp>
@@ -7798,7 +7991,7 @@
           <p:cNvPr id="40" name="直接箭头连接符 39">
             <a:extLst>
               <a:ext uri="{FF2B5EF4-FFF2-40B4-BE49-F238E27FC236}">
-                <a16:creationId xmlns:a16="http://schemas.microsoft.com/office/drawing/2014/main" xmlns="" id="{0C7ACE7F-3FB4-4F3A-96B2-7A14A468BD48}"/>
+                <a16:creationId xmlns:a16="http://schemas.microsoft.com/office/drawing/2014/main" id="{0C7ACE7F-3FB4-4F3A-96B2-7A14A468BD48}"/>
               </a:ext>
             </a:extLst>
           </p:cNvPr>
@@ -7840,7 +8033,7 @@
           <p:cNvPr id="41" name="直接箭头连接符 40">
             <a:extLst>
               <a:ext uri="{FF2B5EF4-FFF2-40B4-BE49-F238E27FC236}">
-                <a16:creationId xmlns:a16="http://schemas.microsoft.com/office/drawing/2014/main" xmlns="" id="{0C7ACE7F-3FB4-4F3A-96B2-7A14A468BD48}"/>
+                <a16:creationId xmlns:a16="http://schemas.microsoft.com/office/drawing/2014/main" id="{0C7ACE7F-3FB4-4F3A-96B2-7A14A468BD48}"/>
               </a:ext>
             </a:extLst>
           </p:cNvPr>
@@ -7882,7 +8075,7 @@
           <p:cNvPr id="42" name="直接箭头连接符 41">
             <a:extLst>
               <a:ext uri="{FF2B5EF4-FFF2-40B4-BE49-F238E27FC236}">
-                <a16:creationId xmlns:a16="http://schemas.microsoft.com/office/drawing/2014/main" xmlns="" id="{C1ADEA83-2977-4145-B66C-8227C05BCFA3}"/>
+                <a16:creationId xmlns:a16="http://schemas.microsoft.com/office/drawing/2014/main" id="{C1ADEA83-2977-4145-B66C-8227C05BCFA3}"/>
               </a:ext>
             </a:extLst>
           </p:cNvPr>
@@ -7925,7 +8118,7 @@
           <p:cNvPr id="46" name="连接符: 肘形 16">
             <a:extLst>
               <a:ext uri="{FF2B5EF4-FFF2-40B4-BE49-F238E27FC236}">
-                <a16:creationId xmlns:a16="http://schemas.microsoft.com/office/drawing/2014/main" xmlns="" id="{61CCB5EB-A947-4A69-86F6-CCB0FB1D8901}"/>
+                <a16:creationId xmlns:a16="http://schemas.microsoft.com/office/drawing/2014/main" id="{61CCB5EB-A947-4A69-86F6-CCB0FB1D8901}"/>
               </a:ext>
             </a:extLst>
           </p:cNvPr>
@@ -7968,7 +8161,7 @@
           <p:cNvPr id="53" name="矩形 52">
             <a:extLst>
               <a:ext uri="{FF2B5EF4-FFF2-40B4-BE49-F238E27FC236}">
-                <a16:creationId xmlns:a16="http://schemas.microsoft.com/office/drawing/2014/main" xmlns="" id="{22A53CAA-1C49-4CD0-8D4C-B888527327E4}"/>
+                <a16:creationId xmlns:a16="http://schemas.microsoft.com/office/drawing/2014/main" id="{22A53CAA-1C49-4CD0-8D4C-B888527327E4}"/>
               </a:ext>
             </a:extLst>
           </p:cNvPr>
@@ -8006,18 +8199,17 @@
           <a:p>
             <a:pPr algn="ctr"/>
             <a:r>
-              <a:rPr lang="zh-CN" altLang="en-US" sz="1200" dirty="0" smtClean="0"/>
+              <a:rPr lang="zh-CN" altLang="en-US" sz="1200" dirty="0"/>
               <a:t>选定</a:t>
             </a:r>
-            <a:endParaRPr lang="en-US" altLang="zh-CN" sz="1200" dirty="0" smtClean="0"/>
+            <a:endParaRPr lang="en-US" altLang="zh-CN" sz="1200" dirty="0"/>
           </a:p>
           <a:p>
             <a:pPr algn="ctr"/>
             <a:r>
-              <a:rPr lang="zh-CN" altLang="en-US" sz="1200" dirty="0" smtClean="0"/>
+              <a:rPr lang="zh-CN" altLang="en-US" sz="1200" dirty="0"/>
               <a:t>某条资源</a:t>
             </a:r>
-            <a:endParaRPr lang="zh-CN" altLang="en-US" sz="1200" dirty="0"/>
           </a:p>
         </p:txBody>
       </p:sp>
@@ -8026,7 +8218,7 @@
           <p:cNvPr id="56" name="连接符: 肘形 16">
             <a:extLst>
               <a:ext uri="{FF2B5EF4-FFF2-40B4-BE49-F238E27FC236}">
-                <a16:creationId xmlns:a16="http://schemas.microsoft.com/office/drawing/2014/main" xmlns="" id="{61CCB5EB-A947-4A69-86F6-CCB0FB1D8901}"/>
+                <a16:creationId xmlns:a16="http://schemas.microsoft.com/office/drawing/2014/main" id="{61CCB5EB-A947-4A69-86F6-CCB0FB1D8901}"/>
               </a:ext>
             </a:extLst>
           </p:cNvPr>
@@ -8071,7 +8263,7 @@
           <p:cNvPr id="82" name="矩形 81">
             <a:extLst>
               <a:ext uri="{FF2B5EF4-FFF2-40B4-BE49-F238E27FC236}">
-                <a16:creationId xmlns:a16="http://schemas.microsoft.com/office/drawing/2014/main" xmlns="" id="{22A53CAA-1C49-4CD0-8D4C-B888527327E4}"/>
+                <a16:creationId xmlns:a16="http://schemas.microsoft.com/office/drawing/2014/main" id="{22A53CAA-1C49-4CD0-8D4C-B888527327E4}"/>
               </a:ext>
             </a:extLst>
           </p:cNvPr>
@@ -8109,10 +8301,9 @@
           <a:p>
             <a:pPr algn="ctr"/>
             <a:r>
-              <a:rPr lang="zh-CN" altLang="en-US" sz="1200" dirty="0" smtClean="0"/>
+              <a:rPr lang="zh-CN" altLang="en-US" sz="1200" dirty="0"/>
               <a:t>提交审核</a:t>
             </a:r>
-            <a:endParaRPr lang="zh-CN" altLang="en-US" sz="1200" dirty="0"/>
           </a:p>
         </p:txBody>
       </p:sp>
@@ -8121,7 +8312,7 @@
           <p:cNvPr id="92" name="连接符: 肘形 39">
             <a:extLst>
               <a:ext uri="{FF2B5EF4-FFF2-40B4-BE49-F238E27FC236}">
-                <a16:creationId xmlns:a16="http://schemas.microsoft.com/office/drawing/2014/main" xmlns="" id="{58E7B1DC-2A85-47CC-84F3-6D4E6E9A8A3E}"/>
+                <a16:creationId xmlns:a16="http://schemas.microsoft.com/office/drawing/2014/main" id="{58E7B1DC-2A85-47CC-84F3-6D4E6E9A8A3E}"/>
               </a:ext>
             </a:extLst>
           </p:cNvPr>
@@ -8164,7 +8355,7 @@
           <p:cNvPr id="102" name="直接箭头连接符 101">
             <a:extLst>
               <a:ext uri="{FF2B5EF4-FFF2-40B4-BE49-F238E27FC236}">
-                <a16:creationId xmlns:a16="http://schemas.microsoft.com/office/drawing/2014/main" xmlns="" id="{0C7ACE7F-3FB4-4F3A-96B2-7A14A468BD48}"/>
+                <a16:creationId xmlns:a16="http://schemas.microsoft.com/office/drawing/2014/main" id="{0C7ACE7F-3FB4-4F3A-96B2-7A14A468BD48}"/>
               </a:ext>
             </a:extLst>
           </p:cNvPr>
@@ -8206,7 +8397,7 @@
           <p:cNvPr id="110" name="矩形 109">
             <a:extLst>
               <a:ext uri="{FF2B5EF4-FFF2-40B4-BE49-F238E27FC236}">
-                <a16:creationId xmlns:a16="http://schemas.microsoft.com/office/drawing/2014/main" xmlns="" id="{22A53CAA-1C49-4CD0-8D4C-B888527327E4}"/>
+                <a16:creationId xmlns:a16="http://schemas.microsoft.com/office/drawing/2014/main" id="{22A53CAA-1C49-4CD0-8D4C-B888527327E4}"/>
               </a:ext>
             </a:extLst>
           </p:cNvPr>
@@ -8244,10 +8435,9 @@
           <a:p>
             <a:pPr algn="ctr"/>
             <a:r>
-              <a:rPr lang="zh-CN" altLang="en-US" sz="1200" dirty="0" smtClean="0"/>
+              <a:rPr lang="zh-CN" altLang="en-US" sz="1200" dirty="0"/>
               <a:t>提交审核</a:t>
             </a:r>
-            <a:endParaRPr lang="zh-CN" altLang="en-US" sz="1200" dirty="0"/>
           </a:p>
         </p:txBody>
       </p:sp>
@@ -8256,7 +8446,7 @@
           <p:cNvPr id="116" name="菱形 115">
             <a:extLst>
               <a:ext uri="{FF2B5EF4-FFF2-40B4-BE49-F238E27FC236}">
-                <a16:creationId xmlns:a16="http://schemas.microsoft.com/office/drawing/2014/main" xmlns="" id="{DCAC3279-15F0-49D6-A37B-43137D51DF03}"/>
+                <a16:creationId xmlns:a16="http://schemas.microsoft.com/office/drawing/2014/main" id="{DCAC3279-15F0-49D6-A37B-43137D51DF03}"/>
               </a:ext>
             </a:extLst>
           </p:cNvPr>
@@ -8297,10 +8487,9 @@
           <a:p>
             <a:pPr algn="ctr"/>
             <a:r>
-              <a:rPr lang="zh-CN" altLang="en-US" sz="1200" dirty="0" smtClean="0"/>
+              <a:rPr lang="zh-CN" altLang="en-US" sz="1200" dirty="0"/>
               <a:t>审核通过</a:t>
             </a:r>
-            <a:endParaRPr lang="zh-CN" altLang="en-US" sz="1200" dirty="0"/>
           </a:p>
         </p:txBody>
       </p:sp>
@@ -8309,7 +8498,7 @@
           <p:cNvPr id="120" name="矩形: 圆角 8">
             <a:extLst>
               <a:ext uri="{FF2B5EF4-FFF2-40B4-BE49-F238E27FC236}">
-                <a16:creationId xmlns:a16="http://schemas.microsoft.com/office/drawing/2014/main" xmlns="" id="{D789051B-4EAF-46A6-808D-6B06CA75FD4D}"/>
+                <a16:creationId xmlns:a16="http://schemas.microsoft.com/office/drawing/2014/main" id="{D789051B-4EAF-46A6-808D-6B06CA75FD4D}"/>
               </a:ext>
             </a:extLst>
           </p:cNvPr>
@@ -8350,10 +8539,9 @@
           <a:p>
             <a:pPr algn="ctr"/>
             <a:r>
-              <a:rPr lang="zh-CN" altLang="en-US" sz="1200" dirty="0" smtClean="0"/>
+              <a:rPr lang="zh-CN" altLang="en-US" sz="1200" dirty="0"/>
               <a:t>删除选定资源</a:t>
             </a:r>
-            <a:endParaRPr lang="zh-CN" altLang="en-US" sz="1200" dirty="0"/>
           </a:p>
         </p:txBody>
       </p:sp>
@@ -8362,7 +8550,7 @@
           <p:cNvPr id="131" name="直接箭头连接符 130">
             <a:extLst>
               <a:ext uri="{FF2B5EF4-FFF2-40B4-BE49-F238E27FC236}">
-                <a16:creationId xmlns:a16="http://schemas.microsoft.com/office/drawing/2014/main" xmlns="" id="{0C7ACE7F-3FB4-4F3A-96B2-7A14A468BD48}"/>
+                <a16:creationId xmlns:a16="http://schemas.microsoft.com/office/drawing/2014/main" id="{0C7ACE7F-3FB4-4F3A-96B2-7A14A468BD48}"/>
               </a:ext>
             </a:extLst>
           </p:cNvPr>
@@ -8404,7 +8592,7 @@
           <p:cNvPr id="136" name="文本框 40">
             <a:extLst>
               <a:ext uri="{FF2B5EF4-FFF2-40B4-BE49-F238E27FC236}">
-                <a16:creationId xmlns:a16="http://schemas.microsoft.com/office/drawing/2014/main" xmlns="" id="{19129B04-F042-4BE8-A718-BED57C746EEE}"/>
+                <a16:creationId xmlns:a16="http://schemas.microsoft.com/office/drawing/2014/main" id="{19129B04-F042-4BE8-A718-BED57C746EEE}"/>
               </a:ext>
             </a:extLst>
           </p:cNvPr>
@@ -8443,7 +8631,7 @@
           <p:cNvPr id="137" name="直接箭头连接符 136">
             <a:extLst>
               <a:ext uri="{FF2B5EF4-FFF2-40B4-BE49-F238E27FC236}">
-                <a16:creationId xmlns:a16="http://schemas.microsoft.com/office/drawing/2014/main" xmlns="" id="{0C7ACE7F-3FB4-4F3A-96B2-7A14A468BD48}"/>
+                <a16:creationId xmlns:a16="http://schemas.microsoft.com/office/drawing/2014/main" id="{0C7ACE7F-3FB4-4F3A-96B2-7A14A468BD48}"/>
               </a:ext>
             </a:extLst>
           </p:cNvPr>
@@ -8485,7 +8673,7 @@
           <p:cNvPr id="144" name="连接符: 肘形 39">
             <a:extLst>
               <a:ext uri="{FF2B5EF4-FFF2-40B4-BE49-F238E27FC236}">
-                <a16:creationId xmlns:a16="http://schemas.microsoft.com/office/drawing/2014/main" xmlns="" id="{58E7B1DC-2A85-47CC-84F3-6D4E6E9A8A3E}"/>
+                <a16:creationId xmlns:a16="http://schemas.microsoft.com/office/drawing/2014/main" id="{58E7B1DC-2A85-47CC-84F3-6D4E6E9A8A3E}"/>
               </a:ext>
             </a:extLst>
           </p:cNvPr>
@@ -8530,7 +8718,7 @@
           <p:cNvPr id="234" name="连接符: 肘形 39">
             <a:extLst>
               <a:ext uri="{FF2B5EF4-FFF2-40B4-BE49-F238E27FC236}">
-                <a16:creationId xmlns:a16="http://schemas.microsoft.com/office/drawing/2014/main" xmlns="" id="{58E7B1DC-2A85-47CC-84F3-6D4E6E9A8A3E}"/>
+                <a16:creationId xmlns:a16="http://schemas.microsoft.com/office/drawing/2014/main" id="{58E7B1DC-2A85-47CC-84F3-6D4E6E9A8A3E}"/>
               </a:ext>
             </a:extLst>
           </p:cNvPr>
@@ -8575,7 +8763,7 @@
           <p:cNvPr id="277" name="文本框 37">
             <a:extLst>
               <a:ext uri="{FF2B5EF4-FFF2-40B4-BE49-F238E27FC236}">
-                <a16:creationId xmlns:a16="http://schemas.microsoft.com/office/drawing/2014/main" xmlns="" id="{C055368F-6126-4BE4-8190-285EB58D59D8}"/>
+                <a16:creationId xmlns:a16="http://schemas.microsoft.com/office/drawing/2014/main" id="{C055368F-6126-4BE4-8190-285EB58D59D8}"/>
               </a:ext>
             </a:extLst>
           </p:cNvPr>
@@ -8614,7 +8802,7 @@
           <p:cNvPr id="278" name="文本框 40">
             <a:extLst>
               <a:ext uri="{FF2B5EF4-FFF2-40B4-BE49-F238E27FC236}">
-                <a16:creationId xmlns:a16="http://schemas.microsoft.com/office/drawing/2014/main" xmlns="" id="{19129B04-F042-4BE8-A718-BED57C746EEE}"/>
+                <a16:creationId xmlns:a16="http://schemas.microsoft.com/office/drawing/2014/main" id="{19129B04-F042-4BE8-A718-BED57C746EEE}"/>
               </a:ext>
             </a:extLst>
           </p:cNvPr>
@@ -8678,7 +8866,7 @@
           <p:cNvPr id="2" name="标题 1">
             <a:extLst>
               <a:ext uri="{FF2B5EF4-FFF2-40B4-BE49-F238E27FC236}">
-                <a16:creationId xmlns:a16="http://schemas.microsoft.com/office/drawing/2014/main" xmlns="" id="{1B153DF0-1A60-48C1-B09D-381DEC58075F}"/>
+                <a16:creationId xmlns:a16="http://schemas.microsoft.com/office/drawing/2014/main" id="{1B153DF0-1A60-48C1-B09D-381DEC58075F}"/>
               </a:ext>
             </a:extLst>
           </p:cNvPr>
@@ -8706,7 +8894,7 @@
           <p:cNvPr id="4" name="矩形: 圆角 3">
             <a:extLst>
               <a:ext uri="{FF2B5EF4-FFF2-40B4-BE49-F238E27FC236}">
-                <a16:creationId xmlns:a16="http://schemas.microsoft.com/office/drawing/2014/main" xmlns="" id="{F24F2D3D-3C90-414F-9605-7EBC4C1FD133}"/>
+                <a16:creationId xmlns:a16="http://schemas.microsoft.com/office/drawing/2014/main" id="{F24F2D3D-3C90-414F-9605-7EBC4C1FD133}"/>
               </a:ext>
             </a:extLst>
           </p:cNvPr>
@@ -8715,8 +8903,8 @@
         </p:nvSpPr>
         <p:spPr>
           <a:xfrm>
-            <a:off x="326571" y="3153747"/>
-            <a:ext cx="1614196" cy="877077"/>
+            <a:off x="1154903" y="3335687"/>
+            <a:ext cx="785864" cy="513184"/>
           </a:xfrm>
           <a:prstGeom prst="roundRect">
             <a:avLst/>
@@ -8745,7 +8933,7 @@
             <a:pPr algn="ctr"/>
             <a:r>
               <a:rPr lang="zh-CN" altLang="en-US" dirty="0"/>
-              <a:t>录入资源</a:t>
+              <a:t>开始</a:t>
             </a:r>
           </a:p>
         </p:txBody>
@@ -8755,7 +8943,7 @@
           <p:cNvPr id="5" name="直接箭头连接符 4">
             <a:extLst>
               <a:ext uri="{FF2B5EF4-FFF2-40B4-BE49-F238E27FC236}">
-                <a16:creationId xmlns:a16="http://schemas.microsoft.com/office/drawing/2014/main" xmlns="" id="{C1ADEA83-2977-4145-B66C-8227C05BCFA3}"/>
+                <a16:creationId xmlns:a16="http://schemas.microsoft.com/office/drawing/2014/main" id="{C1ADEA83-2977-4145-B66C-8227C05BCFA3}"/>
               </a:ext>
             </a:extLst>
           </p:cNvPr>
@@ -8796,7 +8984,7 @@
           <p:cNvPr id="8" name="矩形: 圆角 7">
             <a:extLst>
               <a:ext uri="{FF2B5EF4-FFF2-40B4-BE49-F238E27FC236}">
-                <a16:creationId xmlns:a16="http://schemas.microsoft.com/office/drawing/2014/main" xmlns="" id="{E41E16D6-B7D9-441D-8F58-C384FC71CDA3}"/>
+                <a16:creationId xmlns:a16="http://schemas.microsoft.com/office/drawing/2014/main" id="{E41E16D6-B7D9-441D-8F58-C384FC71CDA3}"/>
               </a:ext>
             </a:extLst>
           </p:cNvPr>
@@ -8805,8 +8993,8 @@
         </p:nvSpPr>
         <p:spPr>
           <a:xfrm>
-            <a:off x="5136502" y="1486828"/>
-            <a:ext cx="1628192" cy="550507"/>
+            <a:off x="5136501" y="1350054"/>
+            <a:ext cx="1698171" cy="687282"/>
           </a:xfrm>
           <a:prstGeom prst="roundRect">
             <a:avLst/>
@@ -8835,6 +9023,14 @@
             <a:pPr algn="ctr"/>
             <a:r>
               <a:rPr lang="zh-CN" altLang="en-US" dirty="0"/>
+              <a:t>点击</a:t>
+            </a:r>
+            <a:endParaRPr lang="en-US" altLang="zh-CN" dirty="0"/>
+          </a:p>
+          <a:p>
+            <a:pPr algn="ctr"/>
+            <a:r>
+              <a:rPr lang="zh-CN" altLang="en-US" dirty="0"/>
               <a:t>选择资源类型</a:t>
             </a:r>
           </a:p>
@@ -8845,7 +9041,7 @@
           <p:cNvPr id="9" name="矩形: 圆角 8">
             <a:extLst>
               <a:ext uri="{FF2B5EF4-FFF2-40B4-BE49-F238E27FC236}">
-                <a16:creationId xmlns:a16="http://schemas.microsoft.com/office/drawing/2014/main" xmlns="" id="{D789051B-4EAF-46A6-808D-6B06CA75FD4D}"/>
+                <a16:creationId xmlns:a16="http://schemas.microsoft.com/office/drawing/2014/main" id="{D789051B-4EAF-46A6-808D-6B06CA75FD4D}"/>
               </a:ext>
             </a:extLst>
           </p:cNvPr>
@@ -8861,7 +9057,7 @@
             <a:avLst/>
           </a:prstGeom>
           <a:solidFill>
-            <a:schemeClr val="accent6"/>
+            <a:schemeClr val="accent1"/>
           </a:solidFill>
         </p:spPr>
         <p:style>
@@ -8897,7 +9093,7 @@
           <p:cNvPr id="13" name="菱形 12">
             <a:extLst>
               <a:ext uri="{FF2B5EF4-FFF2-40B4-BE49-F238E27FC236}">
-                <a16:creationId xmlns:a16="http://schemas.microsoft.com/office/drawing/2014/main" xmlns="" id="{DCAC3279-15F0-49D6-A37B-43137D51DF03}"/>
+                <a16:creationId xmlns:a16="http://schemas.microsoft.com/office/drawing/2014/main" id="{DCAC3279-15F0-49D6-A37B-43137D51DF03}"/>
               </a:ext>
             </a:extLst>
           </p:cNvPr>
@@ -8946,7 +9142,7 @@
           <p:cNvPr id="17" name="连接符: 肘形 16">
             <a:extLst>
               <a:ext uri="{FF2B5EF4-FFF2-40B4-BE49-F238E27FC236}">
-                <a16:creationId xmlns:a16="http://schemas.microsoft.com/office/drawing/2014/main" xmlns="" id="{61CCB5EB-A947-4A69-86F6-CCB0FB1D8901}"/>
+                <a16:creationId xmlns:a16="http://schemas.microsoft.com/office/drawing/2014/main" id="{61CCB5EB-A947-4A69-86F6-CCB0FB1D8901}"/>
               </a:ext>
             </a:extLst>
           </p:cNvPr>
@@ -8959,8 +9155,8 @@
         </p:nvCxnSpPr>
         <p:spPr>
           <a:xfrm flipV="1">
-            <a:off x="4599992" y="1762082"/>
-            <a:ext cx="536510" cy="1830198"/>
+            <a:off x="4599992" y="1693695"/>
+            <a:ext cx="536509" cy="1898585"/>
           </a:xfrm>
           <a:prstGeom prst="bentConnector3">
             <a:avLst/>
@@ -8989,7 +9185,7 @@
           <p:cNvPr id="22" name="直接箭头连接符 21">
             <a:extLst>
               <a:ext uri="{FF2B5EF4-FFF2-40B4-BE49-F238E27FC236}">
-                <a16:creationId xmlns:a16="http://schemas.microsoft.com/office/drawing/2014/main" xmlns="" id="{2BB20DE5-0255-4363-97F3-2C34B9BAC636}"/>
+                <a16:creationId xmlns:a16="http://schemas.microsoft.com/office/drawing/2014/main" id="{2BB20DE5-0255-4363-97F3-2C34B9BAC636}"/>
               </a:ext>
             </a:extLst>
           </p:cNvPr>
@@ -9000,7 +9196,7 @@
         </p:nvCxnSpPr>
         <p:spPr>
           <a:xfrm>
-            <a:off x="6764694" y="1761133"/>
+            <a:off x="6859404" y="1674515"/>
             <a:ext cx="317241" cy="0"/>
           </a:xfrm>
           <a:prstGeom prst="straightConnector1">
@@ -9030,7 +9226,7 @@
           <p:cNvPr id="24" name="矩形: 圆角 23">
             <a:extLst>
               <a:ext uri="{FF2B5EF4-FFF2-40B4-BE49-F238E27FC236}">
-                <a16:creationId xmlns:a16="http://schemas.microsoft.com/office/drawing/2014/main" xmlns="" id="{86E0FD28-DFBA-4E9D-864E-048CA92FD6F2}"/>
+                <a16:creationId xmlns:a16="http://schemas.microsoft.com/office/drawing/2014/main" id="{86E0FD28-DFBA-4E9D-864E-048CA92FD6F2}"/>
               </a:ext>
             </a:extLst>
           </p:cNvPr>
@@ -9039,8 +9235,8 @@
         </p:nvSpPr>
         <p:spPr>
           <a:xfrm>
-            <a:off x="7105262" y="1485879"/>
-            <a:ext cx="1628192" cy="550507"/>
+            <a:off x="7176645" y="1183655"/>
+            <a:ext cx="2041805" cy="981720"/>
           </a:xfrm>
           <a:prstGeom prst="roundRect">
             <a:avLst/>
@@ -9069,6 +9265,14 @@
             <a:pPr algn="ctr"/>
             <a:r>
               <a:rPr lang="zh-CN" altLang="en-US" dirty="0"/>
+              <a:t>点击</a:t>
+            </a:r>
+            <a:endParaRPr lang="en-US" altLang="zh-CN" dirty="0"/>
+          </a:p>
+          <a:p>
+            <a:pPr algn="ctr"/>
+            <a:r>
+              <a:rPr lang="zh-CN" altLang="en-US" dirty="0"/>
               <a:t>点击录入，打开录入弹窗</a:t>
             </a:r>
           </a:p>
@@ -9079,7 +9283,7 @@
           <p:cNvPr id="31" name="直接箭头连接符 30">
             <a:extLst>
               <a:ext uri="{FF2B5EF4-FFF2-40B4-BE49-F238E27FC236}">
-                <a16:creationId xmlns:a16="http://schemas.microsoft.com/office/drawing/2014/main" xmlns="" id="{E1493994-2C4D-46B4-9B8E-FC3EDCB32634}"/>
+                <a16:creationId xmlns:a16="http://schemas.microsoft.com/office/drawing/2014/main" id="{E1493994-2C4D-46B4-9B8E-FC3EDCB32634}"/>
               </a:ext>
             </a:extLst>
           </p:cNvPr>
@@ -9092,8 +9296,8 @@
         </p:nvCxnSpPr>
         <p:spPr>
           <a:xfrm>
-            <a:off x="8733454" y="1761133"/>
-            <a:ext cx="1367712" cy="7917"/>
+            <a:off x="9218450" y="1674515"/>
+            <a:ext cx="748047" cy="3565"/>
           </a:xfrm>
           <a:prstGeom prst="straightConnector1">
             <a:avLst/>
@@ -9122,7 +9326,7 @@
           <p:cNvPr id="32" name="矩形: 圆角 31">
             <a:extLst>
               <a:ext uri="{FF2B5EF4-FFF2-40B4-BE49-F238E27FC236}">
-                <a16:creationId xmlns:a16="http://schemas.microsoft.com/office/drawing/2014/main" xmlns="" id="{D3E7677B-F2C6-45FA-8DE8-F727EDA190CF}"/>
+                <a16:creationId xmlns:a16="http://schemas.microsoft.com/office/drawing/2014/main" id="{D3E7677B-F2C6-45FA-8DE8-F727EDA190CF}"/>
               </a:ext>
             </a:extLst>
           </p:cNvPr>
@@ -9131,8 +9335,8 @@
         </p:nvSpPr>
         <p:spPr>
           <a:xfrm>
-            <a:off x="10101166" y="1401646"/>
-            <a:ext cx="1698171" cy="734807"/>
+            <a:off x="9966497" y="1310676"/>
+            <a:ext cx="1891005" cy="734807"/>
           </a:xfrm>
           <a:prstGeom prst="roundRect">
             <a:avLst/>
@@ -9161,6 +9365,14 @@
             <a:pPr algn="ctr"/>
             <a:r>
               <a:rPr lang="zh-CN" altLang="en-US" dirty="0"/>
+              <a:t>输入</a:t>
+            </a:r>
+            <a:endParaRPr lang="en-US" altLang="zh-CN" dirty="0"/>
+          </a:p>
+          <a:p>
+            <a:pPr algn="ctr"/>
+            <a:r>
+              <a:rPr lang="zh-CN" altLang="en-US" dirty="0"/>
               <a:t>录入字段，点击保存</a:t>
             </a:r>
           </a:p>
@@ -9171,20 +9383,21 @@
           <p:cNvPr id="36" name="直接箭头连接符 35">
             <a:extLst>
               <a:ext uri="{FF2B5EF4-FFF2-40B4-BE49-F238E27FC236}">
-                <a16:creationId xmlns:a16="http://schemas.microsoft.com/office/drawing/2014/main" xmlns="" id="{C5822B38-04B4-4B46-AE3C-30126499ECAC}"/>
+                <a16:creationId xmlns:a16="http://schemas.microsoft.com/office/drawing/2014/main" id="{C5822B38-04B4-4B46-AE3C-30126499ECAC}"/>
               </a:ext>
             </a:extLst>
           </p:cNvPr>
           <p:cNvCxnSpPr>
+            <a:cxnSpLocks/>
             <a:stCxn id="32" idx="2"/>
             <a:endCxn id="9" idx="0"/>
           </p:cNvCxnSpPr>
           <p:nvPr/>
         </p:nvCxnSpPr>
         <p:spPr>
-          <a:xfrm flipH="1">
-            <a:off x="10950251" y="2136453"/>
-            <a:ext cx="1" cy="1180573"/>
+          <a:xfrm>
+            <a:off x="10912000" y="2045483"/>
+            <a:ext cx="38251" cy="1271543"/>
           </a:xfrm>
           <a:prstGeom prst="straightConnector1">
             <a:avLst/>
@@ -9213,7 +9426,7 @@
           <p:cNvPr id="38" name="文本框 37">
             <a:extLst>
               <a:ext uri="{FF2B5EF4-FFF2-40B4-BE49-F238E27FC236}">
-                <a16:creationId xmlns:a16="http://schemas.microsoft.com/office/drawing/2014/main" xmlns="" id="{C055368F-6126-4BE4-8190-285EB58D59D8}"/>
+                <a16:creationId xmlns:a16="http://schemas.microsoft.com/office/drawing/2014/main" id="{C055368F-6126-4BE4-8190-285EB58D59D8}"/>
               </a:ext>
             </a:extLst>
           </p:cNvPr>
@@ -9252,7 +9465,7 @@
           <p:cNvPr id="40" name="连接符: 肘形 39">
             <a:extLst>
               <a:ext uri="{FF2B5EF4-FFF2-40B4-BE49-F238E27FC236}">
-                <a16:creationId xmlns:a16="http://schemas.microsoft.com/office/drawing/2014/main" xmlns="" id="{58E7B1DC-2A85-47CC-84F3-6D4E6E9A8A3E}"/>
+                <a16:creationId xmlns:a16="http://schemas.microsoft.com/office/drawing/2014/main" id="{58E7B1DC-2A85-47CC-84F3-6D4E6E9A8A3E}"/>
               </a:ext>
             </a:extLst>
           </p:cNvPr>
@@ -9294,7 +9507,7 @@
           <p:cNvPr id="41" name="文本框 40">
             <a:extLst>
               <a:ext uri="{FF2B5EF4-FFF2-40B4-BE49-F238E27FC236}">
-                <a16:creationId xmlns:a16="http://schemas.microsoft.com/office/drawing/2014/main" xmlns="" id="{19129B04-F042-4BE8-A718-BED57C746EEE}"/>
+                <a16:creationId xmlns:a16="http://schemas.microsoft.com/office/drawing/2014/main" id="{19129B04-F042-4BE8-A718-BED57C746EEE}"/>
               </a:ext>
             </a:extLst>
           </p:cNvPr>
@@ -9333,7 +9546,7 @@
           <p:cNvPr id="42" name="矩形 41">
             <a:extLst>
               <a:ext uri="{FF2B5EF4-FFF2-40B4-BE49-F238E27FC236}">
-                <a16:creationId xmlns:a16="http://schemas.microsoft.com/office/drawing/2014/main" xmlns="" id="{22A53CAA-1C49-4CD0-8D4C-B888527327E4}"/>
+                <a16:creationId xmlns:a16="http://schemas.microsoft.com/office/drawing/2014/main" id="{22A53CAA-1C49-4CD0-8D4C-B888527327E4}"/>
               </a:ext>
             </a:extLst>
           </p:cNvPr>
@@ -9372,6 +9585,14 @@
             <a:pPr algn="ctr"/>
             <a:r>
               <a:rPr lang="zh-CN" altLang="en-US" dirty="0"/>
+              <a:t>点击</a:t>
+            </a:r>
+            <a:endParaRPr lang="en-US" altLang="zh-CN" dirty="0"/>
+          </a:p>
+          <a:p>
+            <a:pPr algn="ctr"/>
+            <a:r>
+              <a:rPr lang="zh-CN" altLang="en-US" dirty="0"/>
               <a:t>新建类型</a:t>
             </a:r>
           </a:p>
@@ -9382,7 +9603,7 @@
           <p:cNvPr id="43" name="矩形: 圆角 42">
             <a:extLst>
               <a:ext uri="{FF2B5EF4-FFF2-40B4-BE49-F238E27FC236}">
-                <a16:creationId xmlns:a16="http://schemas.microsoft.com/office/drawing/2014/main" xmlns="" id="{7EEC6CE3-D4C9-4442-9279-0FC0FCC11353}"/>
+                <a16:creationId xmlns:a16="http://schemas.microsoft.com/office/drawing/2014/main" id="{7EEC6CE3-D4C9-4442-9279-0FC0FCC11353}"/>
               </a:ext>
             </a:extLst>
           </p:cNvPr>
@@ -9391,7 +9612,7 @@
         </p:nvSpPr>
         <p:spPr>
           <a:xfrm>
-            <a:off x="6487411" y="5187813"/>
+            <a:off x="6145437" y="5187809"/>
             <a:ext cx="1378469" cy="718447"/>
           </a:xfrm>
           <a:prstGeom prst="roundRect">
@@ -9421,8 +9642,17 @@
             <a:pPr algn="ctr"/>
             <a:r>
               <a:rPr lang="zh-CN" altLang="en-US" dirty="0"/>
-              <a:t>点击新增资源按钮</a:t>
-            </a:r>
+              <a:t>点击</a:t>
+            </a:r>
+            <a:endParaRPr lang="en-US" altLang="zh-CN" dirty="0"/>
+          </a:p>
+          <a:p>
+            <a:pPr algn="ctr"/>
+            <a:r>
+              <a:rPr lang="zh-CN" altLang="en-US" dirty="0"/>
+              <a:t>新增资源</a:t>
+            </a:r>
+            <a:endParaRPr lang="en-US" altLang="zh-CN" dirty="0"/>
           </a:p>
         </p:txBody>
       </p:sp>
@@ -9431,7 +9661,7 @@
           <p:cNvPr id="44" name="矩形: 圆角 43">
             <a:extLst>
               <a:ext uri="{FF2B5EF4-FFF2-40B4-BE49-F238E27FC236}">
-                <a16:creationId xmlns:a16="http://schemas.microsoft.com/office/drawing/2014/main" xmlns="" id="{2CB6F585-06A9-4640-AF89-229764894BE7}"/>
+                <a16:creationId xmlns:a16="http://schemas.microsoft.com/office/drawing/2014/main" id="{2CB6F585-06A9-4640-AF89-229764894BE7}"/>
               </a:ext>
             </a:extLst>
           </p:cNvPr>
@@ -9440,8 +9670,8 @@
         </p:nvSpPr>
         <p:spPr>
           <a:xfrm>
-            <a:off x="8270985" y="5169143"/>
-            <a:ext cx="1283607" cy="755779"/>
+            <a:off x="7893698" y="5183485"/>
+            <a:ext cx="1806076" cy="755779"/>
           </a:xfrm>
           <a:prstGeom prst="roundRect">
             <a:avLst/>
@@ -9470,6 +9700,14 @@
             <a:pPr algn="ctr"/>
             <a:r>
               <a:rPr lang="zh-CN" altLang="en-US" dirty="0"/>
+              <a:t>输入</a:t>
+            </a:r>
+            <a:endParaRPr lang="en-US" altLang="zh-CN" dirty="0"/>
+          </a:p>
+          <a:p>
+            <a:pPr algn="ctr"/>
+            <a:r>
+              <a:rPr lang="zh-CN" altLang="en-US" dirty="0"/>
               <a:t>输入资源类型</a:t>
             </a:r>
           </a:p>
@@ -9480,7 +9718,7 @@
           <p:cNvPr id="45" name="矩形: 圆角 44">
             <a:extLst>
               <a:ext uri="{FF2B5EF4-FFF2-40B4-BE49-F238E27FC236}">
-                <a16:creationId xmlns:a16="http://schemas.microsoft.com/office/drawing/2014/main" xmlns="" id="{BBB02D88-4A5D-436A-B599-8ACF19988F6D}"/>
+                <a16:creationId xmlns:a16="http://schemas.microsoft.com/office/drawing/2014/main" id="{BBB02D88-4A5D-436A-B599-8ACF19988F6D}"/>
               </a:ext>
             </a:extLst>
           </p:cNvPr>
@@ -9489,7 +9727,7 @@
         </p:nvSpPr>
         <p:spPr>
           <a:xfrm>
-            <a:off x="8059361" y="3429000"/>
+            <a:off x="7943309" y="3474765"/>
             <a:ext cx="1706854" cy="882641"/>
           </a:xfrm>
           <a:prstGeom prst="roundRect">
@@ -9519,6 +9757,14 @@
             <a:pPr algn="ctr"/>
             <a:r>
               <a:rPr lang="zh-CN" altLang="en-US" dirty="0"/>
+              <a:t>输入</a:t>
+            </a:r>
+            <a:endParaRPr lang="en-US" altLang="zh-CN" dirty="0"/>
+          </a:p>
+          <a:p>
+            <a:pPr algn="ctr"/>
+            <a:r>
+              <a:rPr lang="zh-CN" altLang="en-US" dirty="0"/>
               <a:t>输入属性名称和属性类型</a:t>
             </a:r>
           </a:p>
@@ -9529,20 +9775,20 @@
           <p:cNvPr id="50" name="直接箭头连接符 49">
             <a:extLst>
               <a:ext uri="{FF2B5EF4-FFF2-40B4-BE49-F238E27FC236}">
-                <a16:creationId xmlns:a16="http://schemas.microsoft.com/office/drawing/2014/main" xmlns="" id="{8C095344-4BB6-4046-9AF9-1345C0A6FE41}"/>
+                <a16:creationId xmlns:a16="http://schemas.microsoft.com/office/drawing/2014/main" id="{8C095344-4BB6-4046-9AF9-1345C0A6FE41}"/>
               </a:ext>
             </a:extLst>
           </p:cNvPr>
           <p:cNvCxnSpPr>
+            <a:cxnSpLocks/>
             <a:stCxn id="42" idx="3"/>
-            <a:endCxn id="43" idx="1"/>
           </p:cNvCxnSpPr>
           <p:nvPr/>
         </p:nvCxnSpPr>
         <p:spPr>
           <a:xfrm>
             <a:off x="5530721" y="5531195"/>
-            <a:ext cx="956690" cy="15842"/>
+            <a:ext cx="565279" cy="15838"/>
           </a:xfrm>
           <a:prstGeom prst="straightConnector1">
             <a:avLst/>
@@ -9571,20 +9817,20 @@
           <p:cNvPr id="52" name="直接箭头连接符 51">
             <a:extLst>
               <a:ext uri="{FF2B5EF4-FFF2-40B4-BE49-F238E27FC236}">
-                <a16:creationId xmlns:a16="http://schemas.microsoft.com/office/drawing/2014/main" xmlns="" id="{0C7ACE7F-3FB4-4F3A-96B2-7A14A468BD48}"/>
+                <a16:creationId xmlns:a16="http://schemas.microsoft.com/office/drawing/2014/main" id="{0C7ACE7F-3FB4-4F3A-96B2-7A14A468BD48}"/>
               </a:ext>
             </a:extLst>
           </p:cNvPr>
           <p:cNvCxnSpPr>
+            <a:cxnSpLocks/>
             <a:stCxn id="43" idx="3"/>
-            <a:endCxn id="44" idx="1"/>
           </p:cNvCxnSpPr>
           <p:nvPr/>
         </p:nvCxnSpPr>
         <p:spPr>
-          <a:xfrm flipV="1">
-            <a:off x="7865880" y="5547033"/>
-            <a:ext cx="405105" cy="4"/>
+          <a:xfrm>
+            <a:off x="7523906" y="5547033"/>
+            <a:ext cx="369792" cy="0"/>
           </a:xfrm>
           <a:prstGeom prst="straightConnector1">
             <a:avLst/>
@@ -9613,11 +9859,12 @@
           <p:cNvPr id="60" name="连接符: 肘形 59">
             <a:extLst>
               <a:ext uri="{FF2B5EF4-FFF2-40B4-BE49-F238E27FC236}">
-                <a16:creationId xmlns:a16="http://schemas.microsoft.com/office/drawing/2014/main" xmlns="" id="{11057A49-1D8D-44F2-A469-1B3C296E495A}"/>
+                <a16:creationId xmlns:a16="http://schemas.microsoft.com/office/drawing/2014/main" id="{11057A49-1D8D-44F2-A469-1B3C296E495A}"/>
               </a:ext>
             </a:extLst>
           </p:cNvPr>
           <p:cNvCxnSpPr>
+            <a:cxnSpLocks/>
             <a:stCxn id="45" idx="1"/>
             <a:endCxn id="8" idx="2"/>
           </p:cNvCxnSpPr>
@@ -9625,8 +9872,8 @@
         </p:nvCxnSpPr>
         <p:spPr>
           <a:xfrm rot="10800000">
-            <a:off x="5950599" y="2037335"/>
-            <a:ext cx="2108763" cy="1832986"/>
+            <a:off x="5985587" y="2037336"/>
+            <a:ext cx="1957722" cy="1878750"/>
           </a:xfrm>
           <a:prstGeom prst="bentConnector2">
             <a:avLst/>
@@ -9655,20 +9902,21 @@
           <p:cNvPr id="62" name="直接箭头连接符 61">
             <a:extLst>
               <a:ext uri="{FF2B5EF4-FFF2-40B4-BE49-F238E27FC236}">
-                <a16:creationId xmlns:a16="http://schemas.microsoft.com/office/drawing/2014/main" xmlns="" id="{F264F3D7-4C04-4A43-87AC-A119066112C0}"/>
+                <a16:creationId xmlns:a16="http://schemas.microsoft.com/office/drawing/2014/main" id="{F264F3D7-4C04-4A43-87AC-A119066112C0}"/>
               </a:ext>
             </a:extLst>
           </p:cNvPr>
           <p:cNvCxnSpPr>
+            <a:cxnSpLocks/>
             <a:stCxn id="44" idx="0"/>
             <a:endCxn id="45" idx="2"/>
           </p:cNvCxnSpPr>
           <p:nvPr/>
         </p:nvCxnSpPr>
         <p:spPr>
-          <a:xfrm flipH="1" flipV="1">
-            <a:off x="8912788" y="4311641"/>
-            <a:ext cx="1" cy="857502"/>
+          <a:xfrm flipV="1">
+            <a:off x="8796736" y="4357406"/>
+            <a:ext cx="0" cy="826079"/>
           </a:xfrm>
           <a:prstGeom prst="straightConnector1">
             <a:avLst/>
@@ -9692,10 +9940,100 @@
           </a:fontRef>
         </p:style>
       </p:cxnSp>
+      <p:cxnSp>
+        <p:nvCxnSpPr>
+          <p:cNvPr id="46" name="直接箭头连接符 45">
+            <a:extLst>
+              <a:ext uri="{FF2B5EF4-FFF2-40B4-BE49-F238E27FC236}">
+                <a16:creationId xmlns:a16="http://schemas.microsoft.com/office/drawing/2014/main" id="{EDB42DCB-4F9F-4DB4-BBE0-066841A44CF2}"/>
+              </a:ext>
+            </a:extLst>
+          </p:cNvPr>
+          <p:cNvCxnSpPr>
+            <a:stCxn id="9" idx="2"/>
+          </p:cNvCxnSpPr>
+          <p:nvPr/>
+        </p:nvCxnSpPr>
+        <p:spPr>
+          <a:xfrm>
+            <a:off x="10950251" y="3867532"/>
+            <a:ext cx="3888" cy="489874"/>
+          </a:xfrm>
+          <a:prstGeom prst="straightConnector1">
+            <a:avLst/>
+          </a:prstGeom>
+          <a:ln>
+            <a:tailEnd type="triangle"/>
+          </a:ln>
+        </p:spPr>
+        <p:style>
+          <a:lnRef idx="1">
+            <a:schemeClr val="accent1"/>
+          </a:lnRef>
+          <a:fillRef idx="0">
+            <a:schemeClr val="accent1"/>
+          </a:fillRef>
+          <a:effectRef idx="0">
+            <a:schemeClr val="accent1"/>
+          </a:effectRef>
+          <a:fontRef idx="minor">
+            <a:schemeClr val="tx1"/>
+          </a:fontRef>
+        </p:style>
+      </p:cxnSp>
+      <p:sp>
+        <p:nvSpPr>
+          <p:cNvPr id="47" name="矩形: 圆角 46">
+            <a:extLst>
+              <a:ext uri="{FF2B5EF4-FFF2-40B4-BE49-F238E27FC236}">
+                <a16:creationId xmlns:a16="http://schemas.microsoft.com/office/drawing/2014/main" id="{99ED82EA-68C8-455C-B70F-C97C96D19867}"/>
+              </a:ext>
+            </a:extLst>
+          </p:cNvPr>
+          <p:cNvSpPr/>
+          <p:nvPr/>
+        </p:nvSpPr>
+        <p:spPr>
+          <a:xfrm>
+            <a:off x="10532706" y="4373975"/>
+            <a:ext cx="933042" cy="550506"/>
+          </a:xfrm>
+          <a:prstGeom prst="roundRect">
+            <a:avLst/>
+          </a:prstGeom>
+        </p:spPr>
+        <p:style>
+          <a:lnRef idx="2">
+            <a:schemeClr val="accent1">
+              <a:shade val="50000"/>
+            </a:schemeClr>
+          </a:lnRef>
+          <a:fillRef idx="1">
+            <a:schemeClr val="accent1"/>
+          </a:fillRef>
+          <a:effectRef idx="0">
+            <a:schemeClr val="accent1"/>
+          </a:effectRef>
+          <a:fontRef idx="minor">
+            <a:schemeClr val="lt1"/>
+          </a:fontRef>
+        </p:style>
+        <p:txBody>
+          <a:bodyPr rtlCol="0" anchor="ctr"/>
+          <a:lstStyle/>
+          <a:p>
+            <a:pPr algn="ctr"/>
+            <a:r>
+              <a:rPr lang="zh-CN" altLang="en-US" dirty="0"/>
+              <a:t>结束</a:t>
+            </a:r>
+          </a:p>
+        </p:txBody>
+      </p:sp>
     </p:spTree>
     <p:extLst>
       <p:ext uri="{BB962C8B-B14F-4D97-AF65-F5344CB8AC3E}">
-        <p14:creationId xmlns:p14="http://schemas.microsoft.com/office/powerpoint/2010/main" xmlns="" val="970125145"/>
+        <p14:creationId xmlns:p14="http://schemas.microsoft.com/office/powerpoint/2010/main" val="970125145"/>
       </p:ext>
     </p:extLst>
   </p:cSld>
@@ -9727,7 +10065,7 @@
           <p:cNvPr id="2" name="标题 1">
             <a:extLst>
               <a:ext uri="{FF2B5EF4-FFF2-40B4-BE49-F238E27FC236}">
-                <a16:creationId xmlns:a16="http://schemas.microsoft.com/office/drawing/2014/main" xmlns="" id="{0D899BD1-2041-48E5-B23C-4D99D62FFACA}"/>
+                <a16:creationId xmlns:a16="http://schemas.microsoft.com/office/drawing/2014/main" id="{0D899BD1-2041-48E5-B23C-4D99D62FFACA}"/>
               </a:ext>
             </a:extLst>
           </p:cNvPr>
@@ -9755,7 +10093,7 @@
           <p:cNvPr id="4" name="矩形: 圆角 3">
             <a:extLst>
               <a:ext uri="{FF2B5EF4-FFF2-40B4-BE49-F238E27FC236}">
-                <a16:creationId xmlns:a16="http://schemas.microsoft.com/office/drawing/2014/main" xmlns="" id="{EF774A23-C49C-4E50-BDCB-7C4CCBA87856}"/>
+                <a16:creationId xmlns:a16="http://schemas.microsoft.com/office/drawing/2014/main" id="{EF774A23-C49C-4E50-BDCB-7C4CCBA87856}"/>
               </a:ext>
             </a:extLst>
           </p:cNvPr>
@@ -9764,8 +10102,8 @@
         </p:nvSpPr>
         <p:spPr>
           <a:xfrm>
-            <a:off x="662473" y="3685592"/>
-            <a:ext cx="1614196" cy="877077"/>
+            <a:off x="542341" y="3923521"/>
+            <a:ext cx="759668" cy="454482"/>
           </a:xfrm>
           <a:prstGeom prst="roundRect">
             <a:avLst/>
@@ -9794,58 +10132,17 @@
             <a:pPr algn="ctr"/>
             <a:r>
               <a:rPr lang="zh-CN" altLang="en-US" dirty="0"/>
-              <a:t>删除资源</a:t>
-            </a:r>
-          </a:p>
-        </p:txBody>
-      </p:sp>
-      <p:cxnSp>
-        <p:nvCxnSpPr>
-          <p:cNvPr id="6" name="直接箭头连接符 5">
-            <a:extLst>
-              <a:ext uri="{FF2B5EF4-FFF2-40B4-BE49-F238E27FC236}">
-                <a16:creationId xmlns:a16="http://schemas.microsoft.com/office/drawing/2014/main" xmlns="" id="{C4BE01C3-25CB-4807-AC5C-AF10BD2AE0A6}"/>
-              </a:ext>
-            </a:extLst>
-          </p:cNvPr>
-          <p:cNvCxnSpPr>
-            <a:cxnSpLocks/>
-          </p:cNvCxnSpPr>
-          <p:nvPr/>
-        </p:nvCxnSpPr>
-        <p:spPr>
-          <a:xfrm>
-            <a:off x="2295330" y="4124130"/>
-            <a:ext cx="1073021" cy="0"/>
-          </a:xfrm>
-          <a:prstGeom prst="straightConnector1">
-            <a:avLst/>
-          </a:prstGeom>
-          <a:ln>
-            <a:tailEnd type="triangle"/>
-          </a:ln>
-        </p:spPr>
-        <p:style>
-          <a:lnRef idx="1">
-            <a:schemeClr val="accent1"/>
-          </a:lnRef>
-          <a:fillRef idx="0">
-            <a:schemeClr val="accent1"/>
-          </a:fillRef>
-          <a:effectRef idx="0">
-            <a:schemeClr val="accent1"/>
-          </a:effectRef>
-          <a:fontRef idx="minor">
-            <a:schemeClr val="tx1"/>
-          </a:fontRef>
-        </p:style>
-      </p:cxnSp>
-      <p:sp>
-        <p:nvSpPr>
-          <p:cNvPr id="8" name="矩形: 圆角 7">
-            <a:extLst>
-              <a:ext uri="{FF2B5EF4-FFF2-40B4-BE49-F238E27FC236}">
-                <a16:creationId xmlns:a16="http://schemas.microsoft.com/office/drawing/2014/main" xmlns="" id="{5D3741E5-7E6D-487E-AD15-F696F899934A}"/>
+              <a:t>开始</a:t>
+            </a:r>
+          </a:p>
+        </p:txBody>
+      </p:sp>
+      <p:sp>
+        <p:nvSpPr>
+          <p:cNvPr id="14" name="矩形: 圆角 13">
+            <a:extLst>
+              <a:ext uri="{FF2B5EF4-FFF2-40B4-BE49-F238E27FC236}">
+                <a16:creationId xmlns:a16="http://schemas.microsoft.com/office/drawing/2014/main" id="{1FA42442-0A9A-43B8-ACD7-77F132322CA3}"/>
               </a:ext>
             </a:extLst>
           </p:cNvPr>
@@ -9854,12 +10151,15 @@
         </p:nvSpPr>
         <p:spPr>
           <a:xfrm>
-            <a:off x="3408006" y="3685591"/>
-            <a:ext cx="1912776" cy="877069"/>
+            <a:off x="8854750" y="2583803"/>
+            <a:ext cx="1191208" cy="550506"/>
           </a:xfrm>
           <a:prstGeom prst="roundRect">
             <a:avLst/>
           </a:prstGeom>
+          <a:solidFill>
+            <a:schemeClr val="accent1"/>
+          </a:solidFill>
         </p:spPr>
         <p:style>
           <a:lnRef idx="2">
@@ -9884,56 +10184,52 @@
             <a:pPr algn="ctr"/>
             <a:r>
               <a:rPr lang="zh-CN" altLang="en-US" dirty="0"/>
-              <a:t>选择资源类型</a:t>
-            </a:r>
-          </a:p>
-        </p:txBody>
-      </p:sp>
-      <p:cxnSp>
-        <p:nvCxnSpPr>
-          <p:cNvPr id="12" name="直接箭头连接符 11">
-            <a:extLst>
-              <a:ext uri="{FF2B5EF4-FFF2-40B4-BE49-F238E27FC236}">
-                <a16:creationId xmlns:a16="http://schemas.microsoft.com/office/drawing/2014/main" xmlns="" id="{48F97B2F-E0EF-4E66-979C-76078370A621}"/>
-              </a:ext>
-            </a:extLst>
-          </p:cNvPr>
-          <p:cNvCxnSpPr/>
-          <p:nvPr/>
-        </p:nvCxnSpPr>
-        <p:spPr>
-          <a:xfrm>
-            <a:off x="5159829" y="4124130"/>
-            <a:ext cx="737118" cy="0"/>
-          </a:xfrm>
-          <a:prstGeom prst="straightConnector1">
-            <a:avLst/>
-          </a:prstGeom>
-          <a:ln>
-            <a:tailEnd type="triangle"/>
-          </a:ln>
-        </p:spPr>
-        <p:style>
-          <a:lnRef idx="1">
-            <a:schemeClr val="accent1"/>
-          </a:lnRef>
-          <a:fillRef idx="0">
-            <a:schemeClr val="accent1"/>
-          </a:fillRef>
-          <a:effectRef idx="0">
-            <a:schemeClr val="accent1"/>
-          </a:effectRef>
-          <a:fontRef idx="minor">
-            <a:schemeClr val="tx1"/>
-          </a:fontRef>
-        </p:style>
-      </p:cxnSp>
-      <p:sp>
-        <p:nvSpPr>
-          <p:cNvPr id="13" name="矩形: 圆角 12">
-            <a:extLst>
-              <a:ext uri="{FF2B5EF4-FFF2-40B4-BE49-F238E27FC236}">
-                <a16:creationId xmlns:a16="http://schemas.microsoft.com/office/drawing/2014/main" xmlns="" id="{C34573CB-AA38-4A09-84A2-CC746298D001}"/>
+              <a:t>删除成功</a:t>
+            </a:r>
+          </a:p>
+        </p:txBody>
+      </p:sp>
+      <p:sp>
+        <p:nvSpPr>
+          <p:cNvPr id="15" name="文本框 14">
+            <a:extLst>
+              <a:ext uri="{FF2B5EF4-FFF2-40B4-BE49-F238E27FC236}">
+                <a16:creationId xmlns:a16="http://schemas.microsoft.com/office/drawing/2014/main" id="{2B3A11C7-7490-4CC2-B728-6D15B58DFD35}"/>
+              </a:ext>
+            </a:extLst>
+          </p:cNvPr>
+          <p:cNvSpPr txBox="1"/>
+          <p:nvPr/>
+        </p:nvSpPr>
+        <p:spPr>
+          <a:xfrm>
+            <a:off x="6096000" y="3793392"/>
+            <a:ext cx="1107996" cy="369332"/>
+          </a:xfrm>
+          <a:prstGeom prst="rect">
+            <a:avLst/>
+          </a:prstGeom>
+          <a:noFill/>
+        </p:spPr>
+        <p:txBody>
+          <a:bodyPr wrap="none" rtlCol="0">
+            <a:spAutoFit/>
+          </a:bodyPr>
+          <a:lstStyle/>
+          <a:p>
+            <a:r>
+              <a:rPr lang="zh-CN" altLang="en-US" dirty="0"/>
+              <a:t>确认删除</a:t>
+            </a:r>
+          </a:p>
+        </p:txBody>
+      </p:sp>
+      <p:sp>
+        <p:nvSpPr>
+          <p:cNvPr id="11" name="矩形 10">
+            <a:extLst>
+              <a:ext uri="{FF2B5EF4-FFF2-40B4-BE49-F238E27FC236}">
+                <a16:creationId xmlns:a16="http://schemas.microsoft.com/office/drawing/2014/main" id="{72C1A558-3C4D-4101-AF79-552EAF06D6B9}"/>
               </a:ext>
             </a:extLst>
           </p:cNvPr>
@@ -9942,10 +10238,10 @@
         </p:nvSpPr>
         <p:spPr>
           <a:xfrm>
-            <a:off x="5920274" y="3685592"/>
-            <a:ext cx="2136710" cy="877069"/>
-          </a:xfrm>
-          <a:prstGeom prst="roundRect">
+            <a:off x="7221074" y="3875509"/>
+            <a:ext cx="1213799" cy="550503"/>
+          </a:xfrm>
+          <a:prstGeom prst="rect">
             <a:avLst/>
           </a:prstGeom>
         </p:spPr>
@@ -9972,17 +10268,17 @@
             <a:pPr algn="ctr"/>
             <a:r>
               <a:rPr lang="zh-CN" altLang="en-US" dirty="0"/>
-              <a:t>选择需删除资源</a:t>
-            </a:r>
-          </a:p>
-        </p:txBody>
-      </p:sp>
-      <p:sp>
-        <p:nvSpPr>
-          <p:cNvPr id="14" name="矩形: 圆角 13">
-            <a:extLst>
-              <a:ext uri="{FF2B5EF4-FFF2-40B4-BE49-F238E27FC236}">
-                <a16:creationId xmlns:a16="http://schemas.microsoft.com/office/drawing/2014/main" xmlns="" id="{1FA42442-0A9A-43B8-ACD7-77F132322CA3}"/>
+              <a:t>提交审核</a:t>
+            </a:r>
+          </a:p>
+        </p:txBody>
+      </p:sp>
+      <p:sp>
+        <p:nvSpPr>
+          <p:cNvPr id="3" name="矩形 2">
+            <a:extLst>
+              <a:ext uri="{FF2B5EF4-FFF2-40B4-BE49-F238E27FC236}">
+                <a16:creationId xmlns:a16="http://schemas.microsoft.com/office/drawing/2014/main" id="{3E21107D-EF0A-4F02-A3F5-ACF9538355A7}"/>
               </a:ext>
             </a:extLst>
           </p:cNvPr>
@@ -9991,15 +10287,12 @@
         </p:nvSpPr>
         <p:spPr>
           <a:xfrm>
-            <a:off x="9283959" y="3848872"/>
-            <a:ext cx="1891005" cy="550506"/>
-          </a:xfrm>
-          <a:prstGeom prst="roundRect">
-            <a:avLst/>
-          </a:prstGeom>
-          <a:solidFill>
-            <a:schemeClr val="accent6"/>
-          </a:solidFill>
+            <a:off x="1940767" y="3783176"/>
+            <a:ext cx="1735494" cy="735172"/>
+          </a:xfrm>
+          <a:prstGeom prst="rect">
+            <a:avLst/>
+          </a:prstGeom>
         </p:spPr>
         <p:style>
           <a:lnRef idx="2">
@@ -10024,64 +10317,38 @@
             <a:pPr algn="ctr"/>
             <a:r>
               <a:rPr lang="zh-CN" altLang="en-US" dirty="0"/>
-              <a:t>删除成功</a:t>
-            </a:r>
-          </a:p>
-        </p:txBody>
-      </p:sp>
-      <p:sp>
-        <p:nvSpPr>
-          <p:cNvPr id="15" name="文本框 14">
-            <a:extLst>
-              <a:ext uri="{FF2B5EF4-FFF2-40B4-BE49-F238E27FC236}">
-                <a16:creationId xmlns:a16="http://schemas.microsoft.com/office/drawing/2014/main" xmlns="" id="{2B3A11C7-7490-4CC2-B728-6D15B58DFD35}"/>
-              </a:ext>
-            </a:extLst>
-          </p:cNvPr>
-          <p:cNvSpPr txBox="1"/>
-          <p:nvPr/>
-        </p:nvSpPr>
-        <p:spPr>
-          <a:xfrm>
-            <a:off x="8116473" y="3738855"/>
-            <a:ext cx="1107996" cy="369332"/>
-          </a:xfrm>
-          <a:prstGeom prst="rect">
-            <a:avLst/>
-          </a:prstGeom>
-          <a:noFill/>
-        </p:spPr>
-        <p:txBody>
-          <a:bodyPr wrap="none" rtlCol="0">
-            <a:spAutoFit/>
-          </a:bodyPr>
-          <a:lstStyle/>
-          <a:p>
+              <a:t>点击</a:t>
+            </a:r>
+            <a:endParaRPr lang="en-US" altLang="zh-CN" dirty="0"/>
+          </a:p>
+          <a:p>
+            <a:pPr algn="ctr"/>
             <a:r>
               <a:rPr lang="zh-CN" altLang="en-US" dirty="0"/>
-              <a:t>确认删除</a:t>
+              <a:t>选择资源类型</a:t>
             </a:r>
           </a:p>
         </p:txBody>
       </p:sp>
       <p:cxnSp>
         <p:nvCxnSpPr>
-          <p:cNvPr id="17" name="直接箭头连接符 16">
-            <a:extLst>
-              <a:ext uri="{FF2B5EF4-FFF2-40B4-BE49-F238E27FC236}">
-                <a16:creationId xmlns:a16="http://schemas.microsoft.com/office/drawing/2014/main" xmlns="" id="{4EDB41EE-CD85-4483-AE34-353B85B77103}"/>
+          <p:cNvPr id="7" name="直接箭头连接符 6">
+            <a:extLst>
+              <a:ext uri="{FF2B5EF4-FFF2-40B4-BE49-F238E27FC236}">
+                <a16:creationId xmlns:a16="http://schemas.microsoft.com/office/drawing/2014/main" id="{4EDBDBA0-5A66-487A-9363-8EA8E4B1976C}"/>
               </a:ext>
             </a:extLst>
           </p:cNvPr>
           <p:cNvCxnSpPr>
-            <a:stCxn id="13" idx="3"/>
+            <a:stCxn id="4" idx="3"/>
+            <a:endCxn id="3" idx="1"/>
           </p:cNvCxnSpPr>
           <p:nvPr/>
         </p:nvCxnSpPr>
         <p:spPr>
           <a:xfrm>
-            <a:off x="8056984" y="4124127"/>
-            <a:ext cx="1226975" cy="3"/>
+            <a:off x="1302009" y="4150762"/>
+            <a:ext cx="638758" cy="0"/>
           </a:xfrm>
           <a:prstGeom prst="straightConnector1">
             <a:avLst/>
@@ -10105,10 +10372,497 @@
           </a:fontRef>
         </p:style>
       </p:cxnSp>
+      <p:cxnSp>
+        <p:nvCxnSpPr>
+          <p:cNvPr id="16" name="直接箭头连接符 15">
+            <a:extLst>
+              <a:ext uri="{FF2B5EF4-FFF2-40B4-BE49-F238E27FC236}">
+                <a16:creationId xmlns:a16="http://schemas.microsoft.com/office/drawing/2014/main" id="{4DEA1831-98B8-433B-AF08-87020113A728}"/>
+              </a:ext>
+            </a:extLst>
+          </p:cNvPr>
+          <p:cNvCxnSpPr>
+            <a:cxnSpLocks/>
+          </p:cNvCxnSpPr>
+          <p:nvPr/>
+        </p:nvCxnSpPr>
+        <p:spPr>
+          <a:xfrm>
+            <a:off x="6096000" y="4150762"/>
+            <a:ext cx="1107996" cy="0"/>
+          </a:xfrm>
+          <a:prstGeom prst="straightConnector1">
+            <a:avLst/>
+          </a:prstGeom>
+          <a:ln>
+            <a:tailEnd type="triangle"/>
+          </a:ln>
+        </p:spPr>
+        <p:style>
+          <a:lnRef idx="1">
+            <a:schemeClr val="accent1"/>
+          </a:lnRef>
+          <a:fillRef idx="0">
+            <a:schemeClr val="accent1"/>
+          </a:fillRef>
+          <a:effectRef idx="0">
+            <a:schemeClr val="accent1"/>
+          </a:effectRef>
+          <a:fontRef idx="minor">
+            <a:schemeClr val="tx1"/>
+          </a:fontRef>
+        </p:style>
+      </p:cxnSp>
+      <p:sp>
+        <p:nvSpPr>
+          <p:cNvPr id="20" name="矩形 19">
+            <a:extLst>
+              <a:ext uri="{FF2B5EF4-FFF2-40B4-BE49-F238E27FC236}">
+                <a16:creationId xmlns:a16="http://schemas.microsoft.com/office/drawing/2014/main" id="{8FD729CF-2603-4063-956F-8981A03C26DA}"/>
+              </a:ext>
+            </a:extLst>
+          </p:cNvPr>
+          <p:cNvSpPr/>
+          <p:nvPr/>
+        </p:nvSpPr>
+        <p:spPr>
+          <a:xfrm>
+            <a:off x="4088391" y="3775503"/>
+            <a:ext cx="1990531" cy="774441"/>
+          </a:xfrm>
+          <a:prstGeom prst="rect">
+            <a:avLst/>
+          </a:prstGeom>
+        </p:spPr>
+        <p:style>
+          <a:lnRef idx="2">
+            <a:schemeClr val="accent1">
+              <a:shade val="50000"/>
+            </a:schemeClr>
+          </a:lnRef>
+          <a:fillRef idx="1">
+            <a:schemeClr val="accent1"/>
+          </a:fillRef>
+          <a:effectRef idx="0">
+            <a:schemeClr val="accent1"/>
+          </a:effectRef>
+          <a:fontRef idx="minor">
+            <a:schemeClr val="lt1"/>
+          </a:fontRef>
+        </p:style>
+        <p:txBody>
+          <a:bodyPr rtlCol="0" anchor="ctr"/>
+          <a:lstStyle/>
+          <a:p>
+            <a:pPr algn="ctr"/>
+            <a:r>
+              <a:rPr lang="zh-CN" altLang="en-US" dirty="0"/>
+              <a:t>勾选</a:t>
+            </a:r>
+            <a:endParaRPr lang="en-US" altLang="zh-CN" dirty="0"/>
+          </a:p>
+          <a:p>
+            <a:pPr algn="ctr"/>
+            <a:r>
+              <a:rPr lang="zh-CN" altLang="en-US" dirty="0"/>
+              <a:t>选择需删除资源</a:t>
+            </a:r>
+          </a:p>
+        </p:txBody>
+      </p:sp>
+      <p:cxnSp>
+        <p:nvCxnSpPr>
+          <p:cNvPr id="22" name="直接箭头连接符 21">
+            <a:extLst>
+              <a:ext uri="{FF2B5EF4-FFF2-40B4-BE49-F238E27FC236}">
+                <a16:creationId xmlns:a16="http://schemas.microsoft.com/office/drawing/2014/main" id="{F39943C0-7D28-46BF-ABAB-554019417831}"/>
+              </a:ext>
+            </a:extLst>
+          </p:cNvPr>
+          <p:cNvCxnSpPr>
+            <a:stCxn id="3" idx="3"/>
+            <a:endCxn id="20" idx="1"/>
+          </p:cNvCxnSpPr>
+          <p:nvPr/>
+        </p:nvCxnSpPr>
+        <p:spPr>
+          <a:xfrm>
+            <a:off x="3676261" y="4150762"/>
+            <a:ext cx="412130" cy="11962"/>
+          </a:xfrm>
+          <a:prstGeom prst="straightConnector1">
+            <a:avLst/>
+          </a:prstGeom>
+          <a:ln>
+            <a:tailEnd type="triangle"/>
+          </a:ln>
+        </p:spPr>
+        <p:style>
+          <a:lnRef idx="1">
+            <a:schemeClr val="accent1"/>
+          </a:lnRef>
+          <a:fillRef idx="0">
+            <a:schemeClr val="accent1"/>
+          </a:fillRef>
+          <a:effectRef idx="0">
+            <a:schemeClr val="accent1"/>
+          </a:effectRef>
+          <a:fontRef idx="minor">
+            <a:schemeClr val="tx1"/>
+          </a:fontRef>
+        </p:style>
+      </p:cxnSp>
+      <p:sp>
+        <p:nvSpPr>
+          <p:cNvPr id="23" name="菱形 22">
+            <a:extLst>
+              <a:ext uri="{FF2B5EF4-FFF2-40B4-BE49-F238E27FC236}">
+                <a16:creationId xmlns:a16="http://schemas.microsoft.com/office/drawing/2014/main" id="{016E3C8F-9C86-41A2-A547-52F8EEBAC611}"/>
+              </a:ext>
+            </a:extLst>
+          </p:cNvPr>
+          <p:cNvSpPr/>
+          <p:nvPr/>
+        </p:nvSpPr>
+        <p:spPr>
+          <a:xfrm>
+            <a:off x="8787881" y="3723691"/>
+            <a:ext cx="1324947" cy="854138"/>
+          </a:xfrm>
+          <a:prstGeom prst="diamond">
+            <a:avLst/>
+          </a:prstGeom>
+          <a:solidFill>
+            <a:schemeClr val="accent6"/>
+          </a:solidFill>
+        </p:spPr>
+        <p:style>
+          <a:lnRef idx="2">
+            <a:schemeClr val="accent1">
+              <a:shade val="50000"/>
+            </a:schemeClr>
+          </a:lnRef>
+          <a:fillRef idx="1">
+            <a:schemeClr val="accent1"/>
+          </a:fillRef>
+          <a:effectRef idx="0">
+            <a:schemeClr val="accent1"/>
+          </a:effectRef>
+          <a:fontRef idx="minor">
+            <a:schemeClr val="lt1"/>
+          </a:fontRef>
+        </p:style>
+        <p:txBody>
+          <a:bodyPr rtlCol="0" anchor="ctr"/>
+          <a:lstStyle/>
+          <a:p>
+            <a:pPr algn="ctr"/>
+            <a:r>
+              <a:rPr lang="zh-CN" altLang="en-US" dirty="0"/>
+              <a:t>审核通过</a:t>
+            </a:r>
+          </a:p>
+        </p:txBody>
+      </p:sp>
+      <p:sp>
+        <p:nvSpPr>
+          <p:cNvPr id="24" name="矩形: 圆角 23">
+            <a:extLst>
+              <a:ext uri="{FF2B5EF4-FFF2-40B4-BE49-F238E27FC236}">
+                <a16:creationId xmlns:a16="http://schemas.microsoft.com/office/drawing/2014/main" id="{35FF12AF-1F61-40FA-AF6A-A76AA4C85568}"/>
+              </a:ext>
+            </a:extLst>
+          </p:cNvPr>
+          <p:cNvSpPr/>
+          <p:nvPr/>
+        </p:nvSpPr>
+        <p:spPr>
+          <a:xfrm>
+            <a:off x="10689771" y="3923521"/>
+            <a:ext cx="759668" cy="454482"/>
+          </a:xfrm>
+          <a:prstGeom prst="roundRect">
+            <a:avLst/>
+          </a:prstGeom>
+        </p:spPr>
+        <p:style>
+          <a:lnRef idx="2">
+            <a:schemeClr val="accent1">
+              <a:shade val="50000"/>
+            </a:schemeClr>
+          </a:lnRef>
+          <a:fillRef idx="1">
+            <a:schemeClr val="accent1"/>
+          </a:fillRef>
+          <a:effectRef idx="0">
+            <a:schemeClr val="accent1"/>
+          </a:effectRef>
+          <a:fontRef idx="minor">
+            <a:schemeClr val="lt1"/>
+          </a:fontRef>
+        </p:style>
+        <p:txBody>
+          <a:bodyPr rtlCol="0" anchor="ctr"/>
+          <a:lstStyle/>
+          <a:p>
+            <a:pPr algn="ctr"/>
+            <a:r>
+              <a:rPr lang="zh-CN" altLang="en-US" dirty="0"/>
+              <a:t>结束</a:t>
+            </a:r>
+          </a:p>
+        </p:txBody>
+      </p:sp>
+      <p:cxnSp>
+        <p:nvCxnSpPr>
+          <p:cNvPr id="26" name="直接箭头连接符 25">
+            <a:extLst>
+              <a:ext uri="{FF2B5EF4-FFF2-40B4-BE49-F238E27FC236}">
+                <a16:creationId xmlns:a16="http://schemas.microsoft.com/office/drawing/2014/main" id="{0EE2C843-5039-4CBB-8C47-0981F564EEEE}"/>
+              </a:ext>
+            </a:extLst>
+          </p:cNvPr>
+          <p:cNvCxnSpPr>
+            <a:stCxn id="11" idx="3"/>
+            <a:endCxn id="23" idx="1"/>
+          </p:cNvCxnSpPr>
+          <p:nvPr/>
+        </p:nvCxnSpPr>
+        <p:spPr>
+          <a:xfrm flipV="1">
+            <a:off x="8434873" y="4150760"/>
+            <a:ext cx="353008" cy="1"/>
+          </a:xfrm>
+          <a:prstGeom prst="straightConnector1">
+            <a:avLst/>
+          </a:prstGeom>
+          <a:ln>
+            <a:tailEnd type="triangle"/>
+          </a:ln>
+        </p:spPr>
+        <p:style>
+          <a:lnRef idx="1">
+            <a:schemeClr val="accent1"/>
+          </a:lnRef>
+          <a:fillRef idx="0">
+            <a:schemeClr val="accent1"/>
+          </a:fillRef>
+          <a:effectRef idx="0">
+            <a:schemeClr val="accent1"/>
+          </a:effectRef>
+          <a:fontRef idx="minor">
+            <a:schemeClr val="tx1"/>
+          </a:fontRef>
+        </p:style>
+      </p:cxnSp>
+      <p:cxnSp>
+        <p:nvCxnSpPr>
+          <p:cNvPr id="28" name="直接箭头连接符 27">
+            <a:extLst>
+              <a:ext uri="{FF2B5EF4-FFF2-40B4-BE49-F238E27FC236}">
+                <a16:creationId xmlns:a16="http://schemas.microsoft.com/office/drawing/2014/main" id="{4FB301DA-1DFC-46CF-9AD9-E6993961AEA6}"/>
+              </a:ext>
+            </a:extLst>
+          </p:cNvPr>
+          <p:cNvCxnSpPr>
+            <a:stCxn id="23" idx="3"/>
+            <a:endCxn id="24" idx="1"/>
+          </p:cNvCxnSpPr>
+          <p:nvPr/>
+        </p:nvCxnSpPr>
+        <p:spPr>
+          <a:xfrm>
+            <a:off x="10112828" y="4150760"/>
+            <a:ext cx="576943" cy="2"/>
+          </a:xfrm>
+          <a:prstGeom prst="straightConnector1">
+            <a:avLst/>
+          </a:prstGeom>
+          <a:ln>
+            <a:tailEnd type="triangle"/>
+          </a:ln>
+        </p:spPr>
+        <p:style>
+          <a:lnRef idx="1">
+            <a:schemeClr val="accent1"/>
+          </a:lnRef>
+          <a:fillRef idx="0">
+            <a:schemeClr val="accent1"/>
+          </a:fillRef>
+          <a:effectRef idx="0">
+            <a:schemeClr val="accent1"/>
+          </a:effectRef>
+          <a:fontRef idx="minor">
+            <a:schemeClr val="tx1"/>
+          </a:fontRef>
+        </p:style>
+      </p:cxnSp>
+      <p:cxnSp>
+        <p:nvCxnSpPr>
+          <p:cNvPr id="30" name="直接箭头连接符 29">
+            <a:extLst>
+              <a:ext uri="{FF2B5EF4-FFF2-40B4-BE49-F238E27FC236}">
+                <a16:creationId xmlns:a16="http://schemas.microsoft.com/office/drawing/2014/main" id="{A37CE79A-94FB-4A1D-8F0B-F9ADB17E7A74}"/>
+              </a:ext>
+            </a:extLst>
+          </p:cNvPr>
+          <p:cNvCxnSpPr>
+            <a:stCxn id="23" idx="0"/>
+            <a:endCxn id="14" idx="2"/>
+          </p:cNvCxnSpPr>
+          <p:nvPr/>
+        </p:nvCxnSpPr>
+        <p:spPr>
+          <a:xfrm flipH="1" flipV="1">
+            <a:off x="9450354" y="3134309"/>
+            <a:ext cx="1" cy="589382"/>
+          </a:xfrm>
+          <a:prstGeom prst="straightConnector1">
+            <a:avLst/>
+          </a:prstGeom>
+          <a:ln>
+            <a:tailEnd type="triangle"/>
+          </a:ln>
+        </p:spPr>
+        <p:style>
+          <a:lnRef idx="1">
+            <a:schemeClr val="accent1"/>
+          </a:lnRef>
+          <a:fillRef idx="0">
+            <a:schemeClr val="accent1"/>
+          </a:fillRef>
+          <a:effectRef idx="0">
+            <a:schemeClr val="accent1"/>
+          </a:effectRef>
+          <a:fontRef idx="minor">
+            <a:schemeClr val="tx1"/>
+          </a:fontRef>
+        </p:style>
+      </p:cxnSp>
+      <p:cxnSp>
+        <p:nvCxnSpPr>
+          <p:cNvPr id="32" name="连接符: 肘形 31">
+            <a:extLst>
+              <a:ext uri="{FF2B5EF4-FFF2-40B4-BE49-F238E27FC236}">
+                <a16:creationId xmlns:a16="http://schemas.microsoft.com/office/drawing/2014/main" id="{B92EFD3B-5DD6-4BBA-927F-E99CCB048FF7}"/>
+              </a:ext>
+            </a:extLst>
+          </p:cNvPr>
+          <p:cNvCxnSpPr>
+            <a:stCxn id="14" idx="3"/>
+            <a:endCxn id="24" idx="0"/>
+          </p:cNvCxnSpPr>
+          <p:nvPr/>
+        </p:nvCxnSpPr>
+        <p:spPr>
+          <a:xfrm>
+            <a:off x="10045958" y="2859056"/>
+            <a:ext cx="1023647" cy="1064465"/>
+          </a:xfrm>
+          <a:prstGeom prst="bentConnector2">
+            <a:avLst/>
+          </a:prstGeom>
+          <a:ln>
+            <a:tailEnd type="triangle"/>
+          </a:ln>
+        </p:spPr>
+        <p:style>
+          <a:lnRef idx="1">
+            <a:schemeClr val="accent1"/>
+          </a:lnRef>
+          <a:fillRef idx="0">
+            <a:schemeClr val="accent1"/>
+          </a:fillRef>
+          <a:effectRef idx="0">
+            <a:schemeClr val="accent1"/>
+          </a:effectRef>
+          <a:fontRef idx="minor">
+            <a:schemeClr val="tx1"/>
+          </a:fontRef>
+        </p:style>
+      </p:cxnSp>
+      <p:sp>
+        <p:nvSpPr>
+          <p:cNvPr id="33" name="文本框 32">
+            <a:extLst>
+              <a:ext uri="{FF2B5EF4-FFF2-40B4-BE49-F238E27FC236}">
+                <a16:creationId xmlns:a16="http://schemas.microsoft.com/office/drawing/2014/main" id="{6B011EE3-DC4B-4FA7-9436-D3A2B2E74A0A}"/>
+              </a:ext>
+            </a:extLst>
+          </p:cNvPr>
+          <p:cNvSpPr txBox="1"/>
+          <p:nvPr/>
+        </p:nvSpPr>
+        <p:spPr>
+          <a:xfrm>
+            <a:off x="9332659" y="3263772"/>
+            <a:ext cx="415498" cy="369332"/>
+          </a:xfrm>
+          <a:prstGeom prst="rect">
+            <a:avLst/>
+          </a:prstGeom>
+          <a:noFill/>
+        </p:spPr>
+        <p:txBody>
+          <a:bodyPr wrap="none" rtlCol="0">
+            <a:spAutoFit/>
+          </a:bodyPr>
+          <a:lstStyle/>
+          <a:p>
+            <a:r>
+              <a:rPr lang="zh-CN" altLang="en-US" b="1" dirty="0">
+                <a:solidFill>
+                  <a:srgbClr val="FF0000"/>
+                </a:solidFill>
+              </a:rPr>
+              <a:t>是</a:t>
+            </a:r>
+          </a:p>
+        </p:txBody>
+      </p:sp>
+      <p:sp>
+        <p:nvSpPr>
+          <p:cNvPr id="34" name="文本框 33">
+            <a:extLst>
+              <a:ext uri="{FF2B5EF4-FFF2-40B4-BE49-F238E27FC236}">
+                <a16:creationId xmlns:a16="http://schemas.microsoft.com/office/drawing/2014/main" id="{632961AB-DD00-4D03-8ABE-AF0860F94F5D}"/>
+              </a:ext>
+            </a:extLst>
+          </p:cNvPr>
+          <p:cNvSpPr txBox="1"/>
+          <p:nvPr/>
+        </p:nvSpPr>
+        <p:spPr>
+          <a:xfrm>
+            <a:off x="10125373" y="3793392"/>
+            <a:ext cx="415498" cy="369332"/>
+          </a:xfrm>
+          <a:prstGeom prst="rect">
+            <a:avLst/>
+          </a:prstGeom>
+          <a:noFill/>
+        </p:spPr>
+        <p:txBody>
+          <a:bodyPr wrap="none" rtlCol="0">
+            <a:spAutoFit/>
+          </a:bodyPr>
+          <a:lstStyle/>
+          <a:p>
+            <a:r>
+              <a:rPr lang="zh-CN" altLang="en-US" b="1" dirty="0">
+                <a:solidFill>
+                  <a:srgbClr val="FF0000"/>
+                </a:solidFill>
+              </a:rPr>
+              <a:t>否</a:t>
+            </a:r>
+          </a:p>
+        </p:txBody>
+      </p:sp>
     </p:spTree>
     <p:extLst>
       <p:ext uri="{BB962C8B-B14F-4D97-AF65-F5344CB8AC3E}">
-        <p14:creationId xmlns:p14="http://schemas.microsoft.com/office/powerpoint/2010/main" xmlns="" val="4037268829"/>
+        <p14:creationId xmlns:p14="http://schemas.microsoft.com/office/powerpoint/2010/main" val="4037268829"/>
       </p:ext>
     </p:extLst>
   </p:cSld>
@@ -10140,7 +10894,7 @@
           <p:cNvPr id="2" name="标题 1">
             <a:extLst>
               <a:ext uri="{FF2B5EF4-FFF2-40B4-BE49-F238E27FC236}">
-                <a16:creationId xmlns:a16="http://schemas.microsoft.com/office/drawing/2014/main" xmlns="" id="{488BEA01-840E-40B6-988D-E7C51AB12F4C}"/>
+                <a16:creationId xmlns:a16="http://schemas.microsoft.com/office/drawing/2014/main" id="{488BEA01-840E-40B6-988D-E7C51AB12F4C}"/>
               </a:ext>
             </a:extLst>
           </p:cNvPr>
@@ -10168,7 +10922,7 @@
           <p:cNvPr id="4" name="矩形: 圆角 3">
             <a:extLst>
               <a:ext uri="{FF2B5EF4-FFF2-40B4-BE49-F238E27FC236}">
-                <a16:creationId xmlns:a16="http://schemas.microsoft.com/office/drawing/2014/main" xmlns="" id="{E1DC7B99-1C9D-496A-A398-E4EE13D88151}"/>
+                <a16:creationId xmlns:a16="http://schemas.microsoft.com/office/drawing/2014/main" id="{E1DC7B99-1C9D-496A-A398-E4EE13D88151}"/>
               </a:ext>
             </a:extLst>
           </p:cNvPr>
@@ -10177,8 +10931,8 @@
         </p:nvSpPr>
         <p:spPr>
           <a:xfrm>
-            <a:off x="550506" y="3135086"/>
-            <a:ext cx="1511559" cy="765110"/>
+            <a:off x="399661" y="2589424"/>
+            <a:ext cx="945501" cy="382555"/>
           </a:xfrm>
           <a:prstGeom prst="roundRect">
             <a:avLst/>
@@ -10207,29 +10961,29 @@
             <a:pPr algn="ctr"/>
             <a:r>
               <a:rPr lang="zh-CN" altLang="en-US" dirty="0"/>
-              <a:t>修改资源</a:t>
+              <a:t>开始</a:t>
             </a:r>
           </a:p>
         </p:txBody>
       </p:sp>
       <p:cxnSp>
         <p:nvCxnSpPr>
-          <p:cNvPr id="6" name="直接箭头连接符 5">
-            <a:extLst>
-              <a:ext uri="{FF2B5EF4-FFF2-40B4-BE49-F238E27FC236}">
-                <a16:creationId xmlns:a16="http://schemas.microsoft.com/office/drawing/2014/main" xmlns="" id="{80CACA17-333E-4912-951C-A76EF4758F37}"/>
+          <p:cNvPr id="9" name="直接箭头连接符 8">
+            <a:extLst>
+              <a:ext uri="{FF2B5EF4-FFF2-40B4-BE49-F238E27FC236}">
+                <a16:creationId xmlns:a16="http://schemas.microsoft.com/office/drawing/2014/main" id="{FA3445D1-E7BB-48A7-8FCE-F29D5B3AEF64}"/>
               </a:ext>
             </a:extLst>
           </p:cNvPr>
           <p:cNvCxnSpPr>
-            <a:stCxn id="4" idx="3"/>
+            <a:cxnSpLocks/>
           </p:cNvCxnSpPr>
           <p:nvPr/>
         </p:nvCxnSpPr>
         <p:spPr>
           <a:xfrm>
-            <a:off x="2062065" y="3517641"/>
-            <a:ext cx="1035698" cy="0"/>
+            <a:off x="3518210" y="2820358"/>
+            <a:ext cx="410167" cy="0"/>
           </a:xfrm>
           <a:prstGeom prst="straightConnector1">
             <a:avLst/>
@@ -10253,12 +11007,53 @@
           </a:fontRef>
         </p:style>
       </p:cxnSp>
-      <p:sp>
-        <p:nvSpPr>
-          <p:cNvPr id="7" name="矩形: 圆角 6">
-            <a:extLst>
-              <a:ext uri="{FF2B5EF4-FFF2-40B4-BE49-F238E27FC236}">
-                <a16:creationId xmlns:a16="http://schemas.microsoft.com/office/drawing/2014/main" xmlns="" id="{296CE819-63BA-4CFB-911D-24773E8322A8}"/>
+      <p:cxnSp>
+        <p:nvCxnSpPr>
+          <p:cNvPr id="12" name="直接箭头连接符 11">
+            <a:extLst>
+              <a:ext uri="{FF2B5EF4-FFF2-40B4-BE49-F238E27FC236}">
+                <a16:creationId xmlns:a16="http://schemas.microsoft.com/office/drawing/2014/main" id="{79323710-6AFE-4006-80C9-F9E744F26492}"/>
+              </a:ext>
+            </a:extLst>
+          </p:cNvPr>
+          <p:cNvCxnSpPr>
+            <a:cxnSpLocks/>
+          </p:cNvCxnSpPr>
+          <p:nvPr/>
+        </p:nvCxnSpPr>
+        <p:spPr>
+          <a:xfrm>
+            <a:off x="5623438" y="2820357"/>
+            <a:ext cx="410167" cy="0"/>
+          </a:xfrm>
+          <a:prstGeom prst="straightConnector1">
+            <a:avLst/>
+          </a:prstGeom>
+          <a:ln>
+            <a:tailEnd type="triangle"/>
+          </a:ln>
+        </p:spPr>
+        <p:style>
+          <a:lnRef idx="1">
+            <a:schemeClr val="accent1"/>
+          </a:lnRef>
+          <a:fillRef idx="0">
+            <a:schemeClr val="accent1"/>
+          </a:fillRef>
+          <a:effectRef idx="0">
+            <a:schemeClr val="accent1"/>
+          </a:effectRef>
+          <a:fontRef idx="minor">
+            <a:schemeClr val="tx1"/>
+          </a:fontRef>
+        </p:style>
+      </p:cxnSp>
+      <p:sp>
+        <p:nvSpPr>
+          <p:cNvPr id="13" name="矩形: 圆角 12">
+            <a:extLst>
+              <a:ext uri="{FF2B5EF4-FFF2-40B4-BE49-F238E27FC236}">
+                <a16:creationId xmlns:a16="http://schemas.microsoft.com/office/drawing/2014/main" id="{F70DCD22-039D-48D3-AB68-3AF31D46C1AD}"/>
               </a:ext>
             </a:extLst>
           </p:cNvPr>
@@ -10267,12 +11062,15 @@
         </p:nvSpPr>
         <p:spPr>
           <a:xfrm>
-            <a:off x="3163077" y="3242388"/>
-            <a:ext cx="2071395" cy="550506"/>
+            <a:off x="7301395" y="5318756"/>
+            <a:ext cx="1278292" cy="458432"/>
           </a:xfrm>
           <a:prstGeom prst="roundRect">
             <a:avLst/>
           </a:prstGeom>
+          <a:solidFill>
+            <a:schemeClr val="accent6"/>
+          </a:solidFill>
         </p:spPr>
         <p:style>
           <a:lnRef idx="2">
@@ -10297,58 +11095,17 @@
             <a:pPr algn="ctr"/>
             <a:r>
               <a:rPr lang="zh-CN" altLang="en-US" dirty="0"/>
-              <a:t>选择修改对象</a:t>
-            </a:r>
-          </a:p>
-        </p:txBody>
-      </p:sp>
-      <p:cxnSp>
-        <p:nvCxnSpPr>
-          <p:cNvPr id="9" name="直接箭头连接符 8">
-            <a:extLst>
-              <a:ext uri="{FF2B5EF4-FFF2-40B4-BE49-F238E27FC236}">
-                <a16:creationId xmlns:a16="http://schemas.microsoft.com/office/drawing/2014/main" xmlns="" id="{FA3445D1-E7BB-48A7-8FCE-F29D5B3AEF64}"/>
-              </a:ext>
-            </a:extLst>
-          </p:cNvPr>
-          <p:cNvCxnSpPr>
-            <a:stCxn id="7" idx="3"/>
-          </p:cNvCxnSpPr>
-          <p:nvPr/>
-        </p:nvCxnSpPr>
-        <p:spPr>
-          <a:xfrm>
-            <a:off x="5234472" y="3517641"/>
-            <a:ext cx="861528" cy="0"/>
-          </a:xfrm>
-          <a:prstGeom prst="straightConnector1">
-            <a:avLst/>
-          </a:prstGeom>
-          <a:ln>
-            <a:tailEnd type="triangle"/>
-          </a:ln>
-        </p:spPr>
-        <p:style>
-          <a:lnRef idx="1">
-            <a:schemeClr val="accent1"/>
-          </a:lnRef>
-          <a:fillRef idx="0">
-            <a:schemeClr val="accent1"/>
-          </a:fillRef>
-          <a:effectRef idx="0">
-            <a:schemeClr val="accent1"/>
-          </a:effectRef>
-          <a:fontRef idx="minor">
-            <a:schemeClr val="tx1"/>
-          </a:fontRef>
-        </p:style>
-      </p:cxnSp>
-      <p:sp>
-        <p:nvSpPr>
-          <p:cNvPr id="10" name="矩形: 圆角 9">
-            <a:extLst>
-              <a:ext uri="{FF2B5EF4-FFF2-40B4-BE49-F238E27FC236}">
-                <a16:creationId xmlns:a16="http://schemas.microsoft.com/office/drawing/2014/main" xmlns="" id="{89697B58-3CF3-4D20-94EC-B96CB73D3291}"/>
+              <a:t>保存成功</a:t>
+            </a:r>
+          </a:p>
+        </p:txBody>
+      </p:sp>
+      <p:sp>
+        <p:nvSpPr>
+          <p:cNvPr id="20" name="矩形: 圆角 19">
+            <a:extLst>
+              <a:ext uri="{FF2B5EF4-FFF2-40B4-BE49-F238E27FC236}">
+                <a16:creationId xmlns:a16="http://schemas.microsoft.com/office/drawing/2014/main" id="{8B52BD53-4788-42ED-BFC3-FBAC2BB43055}"/>
               </a:ext>
             </a:extLst>
           </p:cNvPr>
@@ -10357,8 +11114,8 @@
         </p:nvSpPr>
         <p:spPr>
           <a:xfrm>
-            <a:off x="6095999" y="3247053"/>
-            <a:ext cx="1695061" cy="578495"/>
+            <a:off x="9437536" y="5356695"/>
+            <a:ext cx="945501" cy="382555"/>
           </a:xfrm>
           <a:prstGeom prst="roundRect">
             <a:avLst/>
@@ -10387,60 +11144,17 @@
             <a:pPr algn="ctr"/>
             <a:r>
               <a:rPr lang="zh-CN" altLang="en-US" dirty="0"/>
-              <a:t>录入修改字段</a:t>
-            </a:r>
-          </a:p>
-        </p:txBody>
-      </p:sp>
-      <p:cxnSp>
-        <p:nvCxnSpPr>
-          <p:cNvPr id="12" name="直接箭头连接符 11">
-            <a:extLst>
-              <a:ext uri="{FF2B5EF4-FFF2-40B4-BE49-F238E27FC236}">
-                <a16:creationId xmlns:a16="http://schemas.microsoft.com/office/drawing/2014/main" xmlns="" id="{79323710-6AFE-4006-80C9-F9E744F26492}"/>
-              </a:ext>
-            </a:extLst>
-          </p:cNvPr>
-          <p:cNvCxnSpPr>
-            <a:cxnSpLocks/>
-            <a:stCxn id="10" idx="3"/>
-            <a:endCxn id="13" idx="1"/>
-          </p:cNvCxnSpPr>
-          <p:nvPr/>
-        </p:nvCxnSpPr>
-        <p:spPr>
-          <a:xfrm flipV="1">
-            <a:off x="7791060" y="3517641"/>
-            <a:ext cx="1393371" cy="18660"/>
-          </a:xfrm>
-          <a:prstGeom prst="straightConnector1">
-            <a:avLst/>
-          </a:prstGeom>
-          <a:ln>
-            <a:tailEnd type="triangle"/>
-          </a:ln>
-        </p:spPr>
-        <p:style>
-          <a:lnRef idx="1">
-            <a:schemeClr val="accent1"/>
-          </a:lnRef>
-          <a:fillRef idx="0">
-            <a:schemeClr val="accent1"/>
-          </a:fillRef>
-          <a:effectRef idx="0">
-            <a:schemeClr val="accent1"/>
-          </a:effectRef>
-          <a:fontRef idx="minor">
-            <a:schemeClr val="tx1"/>
-          </a:fontRef>
-        </p:style>
-      </p:cxnSp>
-      <p:sp>
-        <p:nvSpPr>
-          <p:cNvPr id="13" name="矩形: 圆角 12">
-            <a:extLst>
-              <a:ext uri="{FF2B5EF4-FFF2-40B4-BE49-F238E27FC236}">
-                <a16:creationId xmlns:a16="http://schemas.microsoft.com/office/drawing/2014/main" xmlns="" id="{F70DCD22-039D-48D3-AB68-3AF31D46C1AD}"/>
+              <a:t>结束</a:t>
+            </a:r>
+          </a:p>
+        </p:txBody>
+      </p:sp>
+      <p:sp>
+        <p:nvSpPr>
+          <p:cNvPr id="21" name="矩形 20">
+            <a:extLst>
+              <a:ext uri="{FF2B5EF4-FFF2-40B4-BE49-F238E27FC236}">
+                <a16:creationId xmlns:a16="http://schemas.microsoft.com/office/drawing/2014/main" id="{00A9A564-F29A-41EF-98AF-90CCF0807E6C}"/>
               </a:ext>
             </a:extLst>
           </p:cNvPr>
@@ -10449,15 +11163,12 @@
         </p:nvSpPr>
         <p:spPr>
           <a:xfrm>
-            <a:off x="9184431" y="3242388"/>
-            <a:ext cx="1891005" cy="550506"/>
-          </a:xfrm>
-          <a:prstGeom prst="roundRect">
-            <a:avLst/>
-          </a:prstGeom>
-          <a:solidFill>
-            <a:schemeClr val="accent6"/>
-          </a:solidFill>
+            <a:off x="3928377" y="2409811"/>
+            <a:ext cx="1695061" cy="741785"/>
+          </a:xfrm>
+          <a:prstGeom prst="rect">
+            <a:avLst/>
+          </a:prstGeom>
         </p:spPr>
         <p:style>
           <a:lnRef idx="2">
@@ -10482,17 +11193,462 @@
             <a:pPr algn="ctr"/>
             <a:r>
               <a:rPr lang="zh-CN" altLang="en-US" dirty="0"/>
-              <a:t>保存成功</a:t>
-            </a:r>
-          </a:p>
-        </p:txBody>
-      </p:sp>
-      <p:sp>
-        <p:nvSpPr>
-          <p:cNvPr id="16" name="文本框 15">
-            <a:extLst>
-              <a:ext uri="{FF2B5EF4-FFF2-40B4-BE49-F238E27FC236}">
-                <a16:creationId xmlns:a16="http://schemas.microsoft.com/office/drawing/2014/main" xmlns="" id="{D69476D4-D58C-4737-983B-23737B13BA8E}"/>
+              <a:t>点击</a:t>
+            </a:r>
+            <a:endParaRPr lang="en-US" altLang="zh-CN" dirty="0"/>
+          </a:p>
+          <a:p>
+            <a:pPr algn="ctr"/>
+            <a:r>
+              <a:rPr lang="zh-CN" altLang="en-US" dirty="0"/>
+              <a:t>选择具体资源</a:t>
+            </a:r>
+          </a:p>
+        </p:txBody>
+      </p:sp>
+      <p:sp>
+        <p:nvSpPr>
+          <p:cNvPr id="22" name="矩形 21">
+            <a:extLst>
+              <a:ext uri="{FF2B5EF4-FFF2-40B4-BE49-F238E27FC236}">
+                <a16:creationId xmlns:a16="http://schemas.microsoft.com/office/drawing/2014/main" id="{D32B2808-C340-4EA0-813E-F42D596C32CA}"/>
+              </a:ext>
+            </a:extLst>
+          </p:cNvPr>
+          <p:cNvSpPr/>
+          <p:nvPr/>
+        </p:nvSpPr>
+        <p:spPr>
+          <a:xfrm>
+            <a:off x="1754344" y="2458410"/>
+            <a:ext cx="1763866" cy="644585"/>
+          </a:xfrm>
+          <a:prstGeom prst="rect">
+            <a:avLst/>
+          </a:prstGeom>
+        </p:spPr>
+        <p:style>
+          <a:lnRef idx="2">
+            <a:schemeClr val="accent1">
+              <a:shade val="50000"/>
+            </a:schemeClr>
+          </a:lnRef>
+          <a:fillRef idx="1">
+            <a:schemeClr val="accent1"/>
+          </a:fillRef>
+          <a:effectRef idx="0">
+            <a:schemeClr val="accent1"/>
+          </a:effectRef>
+          <a:fontRef idx="minor">
+            <a:schemeClr val="lt1"/>
+          </a:fontRef>
+        </p:style>
+        <p:txBody>
+          <a:bodyPr rtlCol="0" anchor="ctr"/>
+          <a:lstStyle/>
+          <a:p>
+            <a:pPr algn="ctr"/>
+            <a:r>
+              <a:rPr lang="zh-CN" altLang="en-US" dirty="0"/>
+              <a:t>点击</a:t>
+            </a:r>
+            <a:endParaRPr lang="en-US" altLang="zh-CN" dirty="0"/>
+          </a:p>
+          <a:p>
+            <a:pPr algn="ctr"/>
+            <a:r>
+              <a:rPr lang="zh-CN" altLang="en-US" dirty="0"/>
+              <a:t>选择资源类型</a:t>
+            </a:r>
+          </a:p>
+        </p:txBody>
+      </p:sp>
+      <p:cxnSp>
+        <p:nvCxnSpPr>
+          <p:cNvPr id="24" name="直接箭头连接符 23">
+            <a:extLst>
+              <a:ext uri="{FF2B5EF4-FFF2-40B4-BE49-F238E27FC236}">
+                <a16:creationId xmlns:a16="http://schemas.microsoft.com/office/drawing/2014/main" id="{A26DF4C0-F149-487E-B597-0D7782E75B72}"/>
+              </a:ext>
+            </a:extLst>
+          </p:cNvPr>
+          <p:cNvCxnSpPr>
+            <a:cxnSpLocks/>
+            <a:endCxn id="22" idx="1"/>
+          </p:cNvCxnSpPr>
+          <p:nvPr/>
+        </p:nvCxnSpPr>
+        <p:spPr>
+          <a:xfrm>
+            <a:off x="1441960" y="2780703"/>
+            <a:ext cx="312384" cy="0"/>
+          </a:xfrm>
+          <a:prstGeom prst="straightConnector1">
+            <a:avLst/>
+          </a:prstGeom>
+          <a:ln>
+            <a:tailEnd type="triangle"/>
+          </a:ln>
+        </p:spPr>
+        <p:style>
+          <a:lnRef idx="1">
+            <a:schemeClr val="accent1"/>
+          </a:lnRef>
+          <a:fillRef idx="0">
+            <a:schemeClr val="accent1"/>
+          </a:fillRef>
+          <a:effectRef idx="0">
+            <a:schemeClr val="accent1"/>
+          </a:effectRef>
+          <a:fontRef idx="minor">
+            <a:schemeClr val="tx1"/>
+          </a:fontRef>
+        </p:style>
+      </p:cxnSp>
+      <p:sp>
+        <p:nvSpPr>
+          <p:cNvPr id="26" name="矩形 25">
+            <a:extLst>
+              <a:ext uri="{FF2B5EF4-FFF2-40B4-BE49-F238E27FC236}">
+                <a16:creationId xmlns:a16="http://schemas.microsoft.com/office/drawing/2014/main" id="{46D27F08-A66C-4131-900F-77D2E4D0D13E}"/>
+              </a:ext>
+            </a:extLst>
+          </p:cNvPr>
+          <p:cNvSpPr/>
+          <p:nvPr/>
+        </p:nvSpPr>
+        <p:spPr>
+          <a:xfrm>
+            <a:off x="6033605" y="2458410"/>
+            <a:ext cx="1674050" cy="693186"/>
+          </a:xfrm>
+          <a:prstGeom prst="rect">
+            <a:avLst/>
+          </a:prstGeom>
+        </p:spPr>
+        <p:style>
+          <a:lnRef idx="2">
+            <a:schemeClr val="accent1">
+              <a:shade val="50000"/>
+            </a:schemeClr>
+          </a:lnRef>
+          <a:fillRef idx="1">
+            <a:schemeClr val="accent1"/>
+          </a:fillRef>
+          <a:effectRef idx="0">
+            <a:schemeClr val="accent1"/>
+          </a:effectRef>
+          <a:fontRef idx="minor">
+            <a:schemeClr val="lt1"/>
+          </a:fontRef>
+        </p:style>
+        <p:txBody>
+          <a:bodyPr rtlCol="0" anchor="ctr"/>
+          <a:lstStyle/>
+          <a:p>
+            <a:pPr algn="ctr"/>
+            <a:r>
+              <a:rPr lang="zh-CN" altLang="en-US" dirty="0"/>
+              <a:t>点击</a:t>
+            </a:r>
+            <a:endParaRPr lang="en-US" altLang="zh-CN" dirty="0"/>
+          </a:p>
+          <a:p>
+            <a:pPr algn="ctr"/>
+            <a:r>
+              <a:rPr lang="zh-CN" altLang="en-US" dirty="0"/>
+              <a:t>点击修改按钮</a:t>
+            </a:r>
+          </a:p>
+        </p:txBody>
+      </p:sp>
+      <p:sp>
+        <p:nvSpPr>
+          <p:cNvPr id="27" name="矩形 26">
+            <a:extLst>
+              <a:ext uri="{FF2B5EF4-FFF2-40B4-BE49-F238E27FC236}">
+                <a16:creationId xmlns:a16="http://schemas.microsoft.com/office/drawing/2014/main" id="{8A49BB50-8880-495D-A66B-C60BDDABBF44}"/>
+              </a:ext>
+            </a:extLst>
+          </p:cNvPr>
+          <p:cNvSpPr/>
+          <p:nvPr/>
+        </p:nvSpPr>
+        <p:spPr>
+          <a:xfrm>
+            <a:off x="8052508" y="2434109"/>
+            <a:ext cx="1701280" cy="693186"/>
+          </a:xfrm>
+          <a:prstGeom prst="rect">
+            <a:avLst/>
+          </a:prstGeom>
+        </p:spPr>
+        <p:style>
+          <a:lnRef idx="2">
+            <a:schemeClr val="accent1">
+              <a:shade val="50000"/>
+            </a:schemeClr>
+          </a:lnRef>
+          <a:fillRef idx="1">
+            <a:schemeClr val="accent1"/>
+          </a:fillRef>
+          <a:effectRef idx="0">
+            <a:schemeClr val="accent1"/>
+          </a:effectRef>
+          <a:fontRef idx="minor">
+            <a:schemeClr val="lt1"/>
+          </a:fontRef>
+        </p:style>
+        <p:txBody>
+          <a:bodyPr rtlCol="0" anchor="ctr"/>
+          <a:lstStyle/>
+          <a:p>
+            <a:pPr algn="ctr"/>
+            <a:r>
+              <a:rPr lang="zh-CN" altLang="en-US" dirty="0"/>
+              <a:t>输入</a:t>
+            </a:r>
+            <a:endParaRPr lang="en-US" altLang="zh-CN" dirty="0"/>
+          </a:p>
+          <a:p>
+            <a:pPr algn="ctr"/>
+            <a:r>
+              <a:rPr lang="zh-CN" altLang="en-US" dirty="0"/>
+              <a:t>录入修改字段</a:t>
+            </a:r>
+          </a:p>
+        </p:txBody>
+      </p:sp>
+      <p:cxnSp>
+        <p:nvCxnSpPr>
+          <p:cNvPr id="29" name="直接箭头连接符 28">
+            <a:extLst>
+              <a:ext uri="{FF2B5EF4-FFF2-40B4-BE49-F238E27FC236}">
+                <a16:creationId xmlns:a16="http://schemas.microsoft.com/office/drawing/2014/main" id="{9197C3A7-D966-4371-A9EF-0CBA8AE57E1D}"/>
+              </a:ext>
+            </a:extLst>
+          </p:cNvPr>
+          <p:cNvCxnSpPr>
+            <a:cxnSpLocks/>
+            <a:stCxn id="26" idx="3"/>
+          </p:cNvCxnSpPr>
+          <p:nvPr/>
+        </p:nvCxnSpPr>
+        <p:spPr>
+          <a:xfrm>
+            <a:off x="7707655" y="2805003"/>
+            <a:ext cx="344853" cy="0"/>
+          </a:xfrm>
+          <a:prstGeom prst="straightConnector1">
+            <a:avLst/>
+          </a:prstGeom>
+          <a:ln>
+            <a:tailEnd type="triangle"/>
+          </a:ln>
+        </p:spPr>
+        <p:style>
+          <a:lnRef idx="1">
+            <a:schemeClr val="accent1"/>
+          </a:lnRef>
+          <a:fillRef idx="0">
+            <a:schemeClr val="accent1"/>
+          </a:fillRef>
+          <a:effectRef idx="0">
+            <a:schemeClr val="accent1"/>
+          </a:effectRef>
+          <a:fontRef idx="minor">
+            <a:schemeClr val="tx1"/>
+          </a:fontRef>
+        </p:style>
+      </p:cxnSp>
+      <p:sp>
+        <p:nvSpPr>
+          <p:cNvPr id="41" name="矩形 40">
+            <a:extLst>
+              <a:ext uri="{FF2B5EF4-FFF2-40B4-BE49-F238E27FC236}">
+                <a16:creationId xmlns:a16="http://schemas.microsoft.com/office/drawing/2014/main" id="{AA90386D-172B-4537-80FC-D69C1A3FF660}"/>
+              </a:ext>
+            </a:extLst>
+          </p:cNvPr>
+          <p:cNvSpPr/>
+          <p:nvPr/>
+        </p:nvSpPr>
+        <p:spPr>
+          <a:xfrm>
+            <a:off x="8225029" y="3623866"/>
+            <a:ext cx="1356237" cy="654682"/>
+          </a:xfrm>
+          <a:prstGeom prst="rect">
+            <a:avLst/>
+          </a:prstGeom>
+        </p:spPr>
+        <p:style>
+          <a:lnRef idx="2">
+            <a:schemeClr val="accent1">
+              <a:shade val="50000"/>
+            </a:schemeClr>
+          </a:lnRef>
+          <a:fillRef idx="1">
+            <a:schemeClr val="accent1"/>
+          </a:fillRef>
+          <a:effectRef idx="0">
+            <a:schemeClr val="accent1"/>
+          </a:effectRef>
+          <a:fontRef idx="minor">
+            <a:schemeClr val="lt1"/>
+          </a:fontRef>
+        </p:style>
+        <p:txBody>
+          <a:bodyPr rtlCol="0" anchor="ctr"/>
+          <a:lstStyle/>
+          <a:p>
+            <a:pPr algn="ctr"/>
+            <a:r>
+              <a:rPr lang="zh-CN" altLang="en-US" dirty="0"/>
+              <a:t>点击</a:t>
+            </a:r>
+            <a:endParaRPr lang="en-US" altLang="zh-CN" dirty="0"/>
+          </a:p>
+          <a:p>
+            <a:pPr algn="ctr"/>
+            <a:r>
+              <a:rPr lang="zh-CN" altLang="en-US" dirty="0"/>
+              <a:t>点击保存</a:t>
+            </a:r>
+          </a:p>
+        </p:txBody>
+      </p:sp>
+      <p:cxnSp>
+        <p:nvCxnSpPr>
+          <p:cNvPr id="43" name="连接符: 肘形 42">
+            <a:extLst>
+              <a:ext uri="{FF2B5EF4-FFF2-40B4-BE49-F238E27FC236}">
+                <a16:creationId xmlns:a16="http://schemas.microsoft.com/office/drawing/2014/main" id="{82FB956F-109A-4DB8-9948-81DA81BA498E}"/>
+              </a:ext>
+            </a:extLst>
+          </p:cNvPr>
+          <p:cNvCxnSpPr>
+            <a:stCxn id="41" idx="2"/>
+            <a:endCxn id="13" idx="0"/>
+          </p:cNvCxnSpPr>
+          <p:nvPr/>
+        </p:nvCxnSpPr>
+        <p:spPr>
+          <a:xfrm rot="5400000">
+            <a:off x="7901741" y="4317349"/>
+            <a:ext cx="1040208" cy="962607"/>
+          </a:xfrm>
+          <a:prstGeom prst="bentConnector3">
+            <a:avLst/>
+          </a:prstGeom>
+          <a:ln>
+            <a:tailEnd type="triangle"/>
+          </a:ln>
+        </p:spPr>
+        <p:style>
+          <a:lnRef idx="1">
+            <a:schemeClr val="accent1"/>
+          </a:lnRef>
+          <a:fillRef idx="0">
+            <a:schemeClr val="accent1"/>
+          </a:fillRef>
+          <a:effectRef idx="0">
+            <a:schemeClr val="accent1"/>
+          </a:effectRef>
+          <a:fontRef idx="minor">
+            <a:schemeClr val="tx1"/>
+          </a:fontRef>
+        </p:style>
+      </p:cxnSp>
+      <p:cxnSp>
+        <p:nvCxnSpPr>
+          <p:cNvPr id="45" name="连接符: 肘形 44">
+            <a:extLst>
+              <a:ext uri="{FF2B5EF4-FFF2-40B4-BE49-F238E27FC236}">
+                <a16:creationId xmlns:a16="http://schemas.microsoft.com/office/drawing/2014/main" id="{4B276A57-05B2-4226-B7E8-26FBCC580218}"/>
+              </a:ext>
+            </a:extLst>
+          </p:cNvPr>
+          <p:cNvCxnSpPr>
+            <a:cxnSpLocks/>
+          </p:cNvCxnSpPr>
+          <p:nvPr/>
+        </p:nvCxnSpPr>
+        <p:spPr>
+          <a:xfrm>
+            <a:off x="8901403" y="4798652"/>
+            <a:ext cx="1008883" cy="581576"/>
+          </a:xfrm>
+          <a:prstGeom prst="bentConnector2">
+            <a:avLst/>
+          </a:prstGeom>
+          <a:ln>
+            <a:tailEnd type="triangle"/>
+          </a:ln>
+        </p:spPr>
+        <p:style>
+          <a:lnRef idx="1">
+            <a:schemeClr val="accent1"/>
+          </a:lnRef>
+          <a:fillRef idx="0">
+            <a:schemeClr val="accent1"/>
+          </a:fillRef>
+          <a:effectRef idx="0">
+            <a:schemeClr val="accent1"/>
+          </a:effectRef>
+          <a:fontRef idx="minor">
+            <a:schemeClr val="tx1"/>
+          </a:fontRef>
+        </p:style>
+      </p:cxnSp>
+      <p:cxnSp>
+        <p:nvCxnSpPr>
+          <p:cNvPr id="47" name="直接箭头连接符 46">
+            <a:extLst>
+              <a:ext uri="{FF2B5EF4-FFF2-40B4-BE49-F238E27FC236}">
+                <a16:creationId xmlns:a16="http://schemas.microsoft.com/office/drawing/2014/main" id="{76B3A36F-40AB-4519-AB2C-72716BC8DEBD}"/>
+              </a:ext>
+            </a:extLst>
+          </p:cNvPr>
+          <p:cNvCxnSpPr>
+            <a:stCxn id="27" idx="2"/>
+            <a:endCxn id="41" idx="0"/>
+          </p:cNvCxnSpPr>
+          <p:nvPr/>
+        </p:nvCxnSpPr>
+        <p:spPr>
+          <a:xfrm>
+            <a:off x="8903148" y="3127295"/>
+            <a:ext cx="0" cy="496571"/>
+          </a:xfrm>
+          <a:prstGeom prst="straightConnector1">
+            <a:avLst/>
+          </a:prstGeom>
+          <a:ln>
+            <a:tailEnd type="triangle"/>
+          </a:ln>
+        </p:spPr>
+        <p:style>
+          <a:lnRef idx="1">
+            <a:schemeClr val="accent1"/>
+          </a:lnRef>
+          <a:fillRef idx="0">
+            <a:schemeClr val="accent1"/>
+          </a:fillRef>
+          <a:effectRef idx="0">
+            <a:schemeClr val="accent1"/>
+          </a:effectRef>
+          <a:fontRef idx="minor">
+            <a:schemeClr val="tx1"/>
+          </a:fontRef>
+        </p:style>
+      </p:cxnSp>
+      <p:sp>
+        <p:nvSpPr>
+          <p:cNvPr id="48" name="文本框 47">
+            <a:extLst>
+              <a:ext uri="{FF2B5EF4-FFF2-40B4-BE49-F238E27FC236}">
+                <a16:creationId xmlns:a16="http://schemas.microsoft.com/office/drawing/2014/main" id="{98CF0384-69C3-45D2-BE86-FF687981C4AD}"/>
               </a:ext>
             </a:extLst>
           </p:cNvPr>
@@ -10501,8 +11657,8 @@
         </p:nvSpPr>
         <p:spPr>
           <a:xfrm>
-            <a:off x="7933747" y="3157639"/>
-            <a:ext cx="1107996" cy="369332"/>
+            <a:off x="8154955" y="4525347"/>
+            <a:ext cx="261257" cy="369332"/>
           </a:xfrm>
           <a:prstGeom prst="rect">
             <a:avLst/>
@@ -10510,22 +11666,117 @@
           <a:noFill/>
         </p:spPr>
         <p:txBody>
-          <a:bodyPr wrap="none" rtlCol="0">
+          <a:bodyPr wrap="square" rtlCol="0">
             <a:spAutoFit/>
           </a:bodyPr>
           <a:lstStyle/>
           <a:p>
             <a:r>
-              <a:rPr lang="zh-CN" altLang="en-US" dirty="0"/>
-              <a:t>点击保存</a:t>
-            </a:r>
-          </a:p>
-        </p:txBody>
-      </p:sp>
+              <a:rPr lang="en-US" altLang="zh-CN" b="1" dirty="0">
+                <a:solidFill>
+                  <a:srgbClr val="FF0000"/>
+                </a:solidFill>
+              </a:rPr>
+              <a:t>Y</a:t>
+            </a:r>
+            <a:endParaRPr lang="zh-CN" altLang="en-US" b="1" dirty="0">
+              <a:solidFill>
+                <a:srgbClr val="FF0000"/>
+              </a:solidFill>
+            </a:endParaRPr>
+          </a:p>
+        </p:txBody>
+      </p:sp>
+      <p:sp>
+        <p:nvSpPr>
+          <p:cNvPr id="49" name="文本框 48">
+            <a:extLst>
+              <a:ext uri="{FF2B5EF4-FFF2-40B4-BE49-F238E27FC236}">
+                <a16:creationId xmlns:a16="http://schemas.microsoft.com/office/drawing/2014/main" id="{7F1BF377-1864-4CEB-8ABD-94969E3D6B84}"/>
+              </a:ext>
+            </a:extLst>
+          </p:cNvPr>
+          <p:cNvSpPr txBox="1"/>
+          <p:nvPr/>
+        </p:nvSpPr>
+        <p:spPr>
+          <a:xfrm>
+            <a:off x="9246445" y="4489030"/>
+            <a:ext cx="261257" cy="369332"/>
+          </a:xfrm>
+          <a:prstGeom prst="rect">
+            <a:avLst/>
+          </a:prstGeom>
+          <a:noFill/>
+        </p:spPr>
+        <p:txBody>
+          <a:bodyPr wrap="square" rtlCol="0">
+            <a:spAutoFit/>
+          </a:bodyPr>
+          <a:lstStyle/>
+          <a:p>
+            <a:r>
+              <a:rPr lang="en-US" altLang="zh-CN" b="1" dirty="0">
+                <a:solidFill>
+                  <a:srgbClr val="FF0000"/>
+                </a:solidFill>
+              </a:rPr>
+              <a:t>N</a:t>
+            </a:r>
+            <a:endParaRPr lang="zh-CN" altLang="en-US" b="1" dirty="0">
+              <a:solidFill>
+                <a:srgbClr val="FF0000"/>
+              </a:solidFill>
+            </a:endParaRPr>
+          </a:p>
+        </p:txBody>
+      </p:sp>
+      <p:cxnSp>
+        <p:nvCxnSpPr>
+          <p:cNvPr id="51" name="直接箭头连接符 50">
+            <a:extLst>
+              <a:ext uri="{FF2B5EF4-FFF2-40B4-BE49-F238E27FC236}">
+                <a16:creationId xmlns:a16="http://schemas.microsoft.com/office/drawing/2014/main" id="{87C8DB27-D330-455A-84D4-75B867634064}"/>
+              </a:ext>
+            </a:extLst>
+          </p:cNvPr>
+          <p:cNvCxnSpPr>
+            <a:stCxn id="13" idx="3"/>
+            <a:endCxn id="20" idx="1"/>
+          </p:cNvCxnSpPr>
+          <p:nvPr/>
+        </p:nvCxnSpPr>
+        <p:spPr>
+          <a:xfrm>
+            <a:off x="8579687" y="5547972"/>
+            <a:ext cx="857849" cy="1"/>
+          </a:xfrm>
+          <a:prstGeom prst="straightConnector1">
+            <a:avLst/>
+          </a:prstGeom>
+          <a:ln>
+            <a:tailEnd type="triangle"/>
+          </a:ln>
+        </p:spPr>
+        <p:style>
+          <a:lnRef idx="1">
+            <a:schemeClr val="accent1"/>
+          </a:lnRef>
+          <a:fillRef idx="0">
+            <a:schemeClr val="accent1"/>
+          </a:fillRef>
+          <a:effectRef idx="0">
+            <a:schemeClr val="accent1"/>
+          </a:effectRef>
+          <a:fontRef idx="minor">
+            <a:schemeClr val="tx1"/>
+          </a:fontRef>
+        </p:style>
+      </p:cxnSp>
     </p:spTree>
     <p:extLst>
       <p:ext uri="{BB962C8B-B14F-4D97-AF65-F5344CB8AC3E}">
-        <p14:creationId xmlns:p14="http://schemas.microsoft.com/office/powerpoint/2010/main" xmlns="" val="3057729638"/>
+        <p14:creationId xmlns:p14="http://schemas.microsoft.com/office/powerpoint/2010/main" val="3057729638"/>
       </p:ext>
     </p:extLst>
   </p:cSld>
@@ -10824,7 +12075,7 @@
   <a:extraClrSchemeLst/>
   <a:extLst>
     <a:ext uri="{05A4C25C-085E-4340-85A3-A5531E510DB2}">
-      <thm15:themeFamily xmlns:thm15="http://schemas.microsoft.com/office/thememl/2012/main" xmlns="" name="Office Theme" id="{62F939B6-93AF-4DB8-9C6B-D6C7DFDC589F}" vid="{4A3C46E8-61CC-4603-A589-7422A47A8E4A}"/>
+      <thm15:themeFamily xmlns:thm15="http://schemas.microsoft.com/office/thememl/2012/main" name="Office Theme" id="{62F939B6-93AF-4DB8-9C6B-D6C7DFDC589F}" vid="{4A3C46E8-61CC-4603-A589-7422A47A8E4A}"/>
     </a:ext>
   </a:extLst>
 </a:theme>
